--- a/Presentation/lesson-10-adonet.pptx
+++ b/Presentation/lesson-10-adonet.pptx
@@ -9,7 +9,7 @@
   </p:notesMasterIdLst>
   <p:sldIdLst>
     <p:sldId id="257" r:id="rId2"/>
-    <p:sldId id="258" r:id="rId3"/>
+    <p:sldId id="294" r:id="rId3"/>
     <p:sldId id="259" r:id="rId4"/>
     <p:sldId id="261" r:id="rId5"/>
     <p:sldId id="262" r:id="rId6"/>
@@ -225,7 +225,7 @@
           <a:p>
             <a:fld id="{B24A7054-7FFB-49F4-A126-5DF6E687FF53}" type="datetimeFigureOut">
               <a:rPr lang="ru-RU" smtClean="0"/>
-              <a:t>20.01.2013</a:t>
+              <a:t>27.03.2013</a:t>
             </a:fld>
             <a:endParaRPr lang="ru-RU"/>
           </a:p>
@@ -1288,7 +1288,7 @@
           <a:p>
             <a:fld id="{8E6E6A2A-E9D3-4A0D-B04A-ABDD367A1E08}" type="datetimeFigureOut">
               <a:rPr lang="ru-RU" smtClean="0"/>
-              <a:t>20.01.2013</a:t>
+              <a:t>27.03.2013</a:t>
             </a:fld>
             <a:endParaRPr lang="ru-RU"/>
           </a:p>
@@ -2736,7 +2736,7 @@
           <a:p>
             <a:fld id="{AC3D3127-B7C4-45E3-9797-C527EC9FDD78}" type="datetimeFigureOut">
               <a:rPr lang="ru-RU" smtClean="0"/>
-              <a:t>20.01.2013</a:t>
+              <a:t>27.03.2013</a:t>
             </a:fld>
             <a:endParaRPr lang="ru-RU"/>
           </a:p>
@@ -15909,59 +15909,162 @@
       </p:grpSpPr>
       <p:sp>
         <p:nvSpPr>
-          <p:cNvPr id="3" name="Rectangle 2"/>
-          <p:cNvSpPr/>
-          <p:nvPr/>
+          <p:cNvPr id="2" name="Title 1"/>
+          <p:cNvSpPr>
+            <a:spLocks noGrp="1"/>
+          </p:cNvSpPr>
+          <p:nvPr>
+            <p:ph type="title"/>
+          </p:nvPr>
         </p:nvSpPr>
-        <p:spPr>
-          <a:xfrm>
-            <a:off x="251520" y="3136613"/>
-            <a:ext cx="8640960" cy="584775"/>
-          </a:xfrm>
-          <a:prstGeom prst="rect">
-            <a:avLst/>
-          </a:prstGeom>
-        </p:spPr>
+        <p:spPr/>
         <p:txBody>
-          <a:bodyPr wrap="square">
-            <a:spAutoFit/>
-          </a:bodyPr>
+          <a:bodyPr/>
           <a:lstStyle/>
           <a:p>
-            <a:pPr lvl="0" algn="ctr"/>
-            <a:r>
-              <a:rPr lang="en-US" sz="3200" dirty="0">
-                <a:solidFill>
-                  <a:schemeClr val="bg1"/>
-                </a:solidFill>
-              </a:rPr>
-              <a:t>https://github.com/bazile/Training</a:t>
-            </a:r>
-            <a:endParaRPr lang="en-US" sz="3200" dirty="0" smtClean="0">
+            <a:r>
+              <a:rPr lang="ru-RU" dirty="0">
+                <a:solidFill>
+                  <a:schemeClr val="bg1"/>
+                </a:solidFill>
+              </a:rPr>
+              <a:t>Материалы для обучения</a:t>
+            </a:r>
+            <a:endParaRPr lang="en-US" dirty="0">
               <a:solidFill>
                 <a:schemeClr val="bg1"/>
               </a:solidFill>
             </a:endParaRPr>
+          </a:p>
+        </p:txBody>
+      </p:sp>
+      <p:sp>
+        <p:nvSpPr>
+          <p:cNvPr id="3" name="Content Placeholder 2"/>
+          <p:cNvSpPr>
+            <a:spLocks noGrp="1"/>
+          </p:cNvSpPr>
+          <p:nvPr>
+            <p:ph idx="1"/>
+          </p:nvPr>
+        </p:nvSpPr>
+        <p:spPr/>
+        <p:txBody>
+          <a:bodyPr/>
+          <a:lstStyle/>
+          <a:p>
+            <a:r>
+              <a:rPr lang="en-US" dirty="0">
+                <a:solidFill>
+                  <a:schemeClr val="bg1"/>
+                </a:solidFill>
+                <a:hlinkClick r:id="rId2"/>
+              </a:rPr>
+              <a:t>https://</a:t>
+            </a:r>
+            <a:r>
+              <a:rPr lang="en-US" dirty="0" smtClean="0">
+                <a:solidFill>
+                  <a:schemeClr val="bg1"/>
+                </a:solidFill>
+                <a:hlinkClick r:id="rId2"/>
+              </a:rPr>
+              <a:t>github.com/bazile/Training</a:t>
+            </a:r>
+            <a:r>
+              <a:rPr lang="en-US" dirty="0" smtClean="0">
+                <a:solidFill>
+                  <a:schemeClr val="bg1"/>
+                </a:solidFill>
+              </a:rPr>
+              <a:t/>
+            </a:r>
+            <a:br>
+              <a:rPr lang="en-US" dirty="0" smtClean="0">
+                <a:solidFill>
+                  <a:schemeClr val="bg1"/>
+                </a:solidFill>
+              </a:rPr>
+            </a:br>
+            <a:r>
+              <a:rPr lang="ru-RU" dirty="0" smtClean="0">
+                <a:solidFill>
+                  <a:schemeClr val="bg1"/>
+                </a:solidFill>
+              </a:rPr>
+              <a:t>Презентации и примеры кода используемые во время занятия</a:t>
+            </a:r>
+          </a:p>
+          <a:p>
+            <a:endParaRPr lang="ru-RU" dirty="0" smtClean="0">
+              <a:solidFill>
+                <a:schemeClr val="bg1"/>
+              </a:solidFill>
+            </a:endParaRPr>
+          </a:p>
+          <a:p>
+            <a:r>
+              <a:rPr lang="en-US" dirty="0">
+                <a:solidFill>
+                  <a:schemeClr val="bg1"/>
+                </a:solidFill>
+                <a:hlinkClick r:id="rId3"/>
+              </a:rPr>
+              <a:t>http://belhard.nullptr.ru</a:t>
+            </a:r>
+            <a:r>
+              <a:rPr lang="en-US" dirty="0" smtClean="0">
+                <a:solidFill>
+                  <a:schemeClr val="bg1"/>
+                </a:solidFill>
+                <a:hlinkClick r:id="rId3"/>
+              </a:rPr>
+              <a:t>/</a:t>
+            </a:r>
+            <a:r>
+              <a:rPr lang="ru-RU" dirty="0" smtClean="0">
+                <a:solidFill>
+                  <a:schemeClr val="bg1"/>
+                </a:solidFill>
+              </a:rPr>
+              <a:t/>
+            </a:r>
+            <a:br>
+              <a:rPr lang="ru-RU" dirty="0" smtClean="0">
+                <a:solidFill>
+                  <a:schemeClr val="bg1"/>
+                </a:solidFill>
+              </a:rPr>
+            </a:br>
+            <a:r>
+              <a:rPr lang="ru-RU" dirty="0" smtClean="0">
+                <a:solidFill>
+                  <a:schemeClr val="bg1"/>
+                </a:solidFill>
+              </a:rPr>
+              <a:t>Книги, примеры к ним и другие полезные файлы.</a:t>
+            </a:r>
+            <a:endParaRPr lang="ru-RU" dirty="0">
+              <a:solidFill>
+                <a:schemeClr val="bg1"/>
+              </a:solidFill>
+            </a:endParaRPr>
+          </a:p>
+          <a:p>
+            <a:endParaRPr lang="en-US" dirty="0"/>
           </a:p>
         </p:txBody>
       </p:sp>
     </p:spTree>
     <p:extLst>
       <p:ext uri="{BB962C8B-B14F-4D97-AF65-F5344CB8AC3E}">
-        <p14:creationId xmlns:p14="http://schemas.microsoft.com/office/powerpoint/2010/main" val="2629673039"/>
+        <p14:creationId xmlns:p14="http://schemas.microsoft.com/office/powerpoint/2010/main" val="2525313819"/>
       </p:ext>
     </p:extLst>
   </p:cSld>
   <p:clrMapOvr>
     <a:masterClrMapping/>
   </p:clrMapOvr>
-  <p:timing>
-    <p:tnLst>
-      <p:par>
-        <p:cTn id="1" dur="indefinite" restart="never" nodeType="tmRoot"/>
-      </p:par>
-    </p:tnLst>
-  </p:timing>
 </p:sld>
 </file>
 
@@ -28785,11 +28888,7 @@
             <a:pPr lvl="2"/>
             <a:r>
               <a:rPr lang="ru-RU" dirty="0" smtClean="0"/>
-              <a:t>Продуманная система </a:t>
-            </a:r>
-            <a:r>
-              <a:rPr lang="ru-RU" dirty="0" smtClean="0"/>
-              <a:t>прав</a:t>
+              <a:t>Продуманная система прав</a:t>
             </a:r>
             <a:endParaRPr lang="en-US" dirty="0" smtClean="0"/>
           </a:p>

--- a/Presentation/lesson-10-adonet.pptx
+++ b/Presentation/lesson-10-adonet.pptx
@@ -225,7 +225,7 @@
           <a:p>
             <a:fld id="{B24A7054-7FFB-49F4-A126-5DF6E687FF53}" type="datetimeFigureOut">
               <a:rPr lang="ru-RU" smtClean="0"/>
-              <a:t>27.03.2013</a:t>
+              <a:t>10.06.2013</a:t>
             </a:fld>
             <a:endParaRPr lang="ru-RU"/>
           </a:p>
@@ -1288,7 +1288,7 @@
           <a:p>
             <a:fld id="{8E6E6A2A-E9D3-4A0D-B04A-ABDD367A1E08}" type="datetimeFigureOut">
               <a:rPr lang="ru-RU" smtClean="0"/>
-              <a:t>27.03.2013</a:t>
+              <a:t>10.06.2013</a:t>
             </a:fld>
             <a:endParaRPr lang="ru-RU"/>
           </a:p>
@@ -2736,7 +2736,7 @@
           <a:p>
             <a:fld id="{AC3D3127-B7C4-45E3-9797-C527EC9FDD78}" type="datetimeFigureOut">
               <a:rPr lang="ru-RU" smtClean="0"/>
-              <a:t>27.03.2013</a:t>
+              <a:t>10.06.2013</a:t>
             </a:fld>
             <a:endParaRPr lang="ru-RU"/>
           </a:p>
@@ -18268,7 +18268,40 @@
                 <a:ea typeface="Times New Roman" pitchFamily="18" charset="0"/>
                 <a:cs typeface="Courier New" pitchFamily="49" charset="0"/>
               </a:rPr>
-              <a:t> con = new </a:t>
+              <a:t> </a:t>
+            </a:r>
+            <a:r>
+              <a:rPr lang="en-US" sz="1200" dirty="0" err="1" smtClean="0">
+                <a:solidFill>
+                  <a:schemeClr val="bg1"/>
+                </a:solidFill>
+                <a:latin typeface="Courier New" pitchFamily="49" charset="0"/>
+                <a:ea typeface="Times New Roman" pitchFamily="18" charset="0"/>
+                <a:cs typeface="Courier New" pitchFamily="49" charset="0"/>
+              </a:rPr>
+              <a:t>sqlConn</a:t>
+            </a:r>
+            <a:r>
+              <a:rPr lang="en-US" sz="1200" dirty="0" smtClean="0">
+                <a:solidFill>
+                  <a:schemeClr val="bg1"/>
+                </a:solidFill>
+                <a:latin typeface="Courier New" pitchFamily="49" charset="0"/>
+                <a:ea typeface="Times New Roman" pitchFamily="18" charset="0"/>
+                <a:cs typeface="Courier New" pitchFamily="49" charset="0"/>
+              </a:rPr>
+              <a:t> </a:t>
+            </a:r>
+            <a:r>
+              <a:rPr lang="en-US" sz="1200" dirty="0">
+                <a:solidFill>
+                  <a:schemeClr val="bg1"/>
+                </a:solidFill>
+                <a:latin typeface="Courier New" pitchFamily="49" charset="0"/>
+                <a:ea typeface="Times New Roman" pitchFamily="18" charset="0"/>
+                <a:cs typeface="Courier New" pitchFamily="49" charset="0"/>
+              </a:rPr>
+              <a:t>= new </a:t>
             </a:r>
             <a:r>
               <a:rPr lang="en-US" sz="1200" dirty="0" err="1">
@@ -18426,7 +18459,7 @@
                 <a:ea typeface="Times New Roman" pitchFamily="18" charset="0"/>
                 <a:cs typeface="Courier New" pitchFamily="49" charset="0"/>
               </a:rPr>
-              <a:t>con.Open</a:t>
+              <a:t>sqlConn.Open</a:t>
             </a:r>
             <a:r>
               <a:rPr lang="en-US" sz="1200" dirty="0">
@@ -18607,6 +18640,61 @@
               <a:defRPr/>
             </a:pPr>
             <a:r>
+              <a:rPr lang="en-US" sz="1200" dirty="0" err="1" smtClean="0">
+                <a:solidFill>
+                  <a:schemeClr val="bg1"/>
+                </a:solidFill>
+                <a:latin typeface="Courier New" pitchFamily="49" charset="0"/>
+                <a:ea typeface="Times New Roman" pitchFamily="18" charset="0"/>
+                <a:cs typeface="Courier New" pitchFamily="49" charset="0"/>
+              </a:rPr>
+              <a:t>SqlConnection</a:t>
+            </a:r>
+            <a:r>
+              <a:rPr lang="en-US" sz="1200" dirty="0" smtClean="0">
+                <a:solidFill>
+                  <a:schemeClr val="bg1"/>
+                </a:solidFill>
+                <a:latin typeface="Courier New" pitchFamily="49" charset="0"/>
+                <a:ea typeface="Times New Roman" pitchFamily="18" charset="0"/>
+                <a:cs typeface="Courier New" pitchFamily="49" charset="0"/>
+              </a:rPr>
+              <a:t> </a:t>
+            </a:r>
+            <a:r>
+              <a:rPr lang="en-US" sz="1200" dirty="0" err="1" smtClean="0">
+                <a:solidFill>
+                  <a:schemeClr val="bg1"/>
+                </a:solidFill>
+                <a:latin typeface="Courier New" pitchFamily="49" charset="0"/>
+                <a:ea typeface="Times New Roman" pitchFamily="18" charset="0"/>
+                <a:cs typeface="Courier New" pitchFamily="49" charset="0"/>
+              </a:rPr>
+              <a:t>sqlConn</a:t>
+            </a:r>
+            <a:r>
+              <a:rPr lang="en-US" sz="1200" dirty="0" smtClean="0">
+                <a:solidFill>
+                  <a:schemeClr val="bg1"/>
+                </a:solidFill>
+                <a:latin typeface="Courier New" pitchFamily="49" charset="0"/>
+                <a:ea typeface="Times New Roman" pitchFamily="18" charset="0"/>
+                <a:cs typeface="Courier New" pitchFamily="49" charset="0"/>
+              </a:rPr>
+              <a:t> </a:t>
+            </a:r>
+            <a:r>
+              <a:rPr lang="be-BY" sz="1200" dirty="0" smtClean="0">
+                <a:solidFill>
+                  <a:schemeClr val="bg1"/>
+                </a:solidFill>
+                <a:latin typeface="Courier New" pitchFamily="49" charset="0"/>
+                <a:ea typeface="Calibri" pitchFamily="34" charset="0"/>
+                <a:cs typeface="Courier New" pitchFamily="49" charset="0"/>
+              </a:rPr>
+              <a:t>= </a:t>
+            </a:r>
+            <a:r>
               <a:rPr lang="be-BY" sz="1200" dirty="0">
                 <a:solidFill>
                   <a:schemeClr val="bg1"/>
@@ -18615,40 +18703,7 @@
                 <a:ea typeface="Calibri" pitchFamily="34" charset="0"/>
                 <a:cs typeface="Courier New" pitchFamily="49" charset="0"/>
               </a:rPr>
-              <a:t>    </a:t>
-            </a:r>
-            <a:r>
-              <a:rPr lang="en-US" sz="1200" dirty="0" err="1">
-                <a:solidFill>
-                  <a:schemeClr val="bg1"/>
-                </a:solidFill>
-                <a:latin typeface="Courier New" pitchFamily="49" charset="0"/>
-                <a:ea typeface="Times New Roman" pitchFamily="18" charset="0"/>
-                <a:cs typeface="Courier New" pitchFamily="49" charset="0"/>
-              </a:rPr>
-              <a:t>SqlConnection</a:t>
-            </a:r>
-            <a:r>
-              <a:rPr lang="en-US" sz="1200" dirty="0">
-                <a:solidFill>
-                  <a:schemeClr val="bg1"/>
-                </a:solidFill>
-                <a:latin typeface="Courier New" pitchFamily="49" charset="0"/>
-                <a:ea typeface="Times New Roman" pitchFamily="18" charset="0"/>
-                <a:cs typeface="Courier New" pitchFamily="49" charset="0"/>
-              </a:rPr>
-              <a:t> </a:t>
-            </a:r>
-            <a:r>
-              <a:rPr lang="be-BY" sz="1200" dirty="0">
-                <a:solidFill>
-                  <a:schemeClr val="bg1"/>
-                </a:solidFill>
-                <a:latin typeface="Courier New" pitchFamily="49" charset="0"/>
-                <a:ea typeface="Calibri" pitchFamily="34" charset="0"/>
-                <a:cs typeface="Courier New" pitchFamily="49" charset="0"/>
-              </a:rPr>
-              <a:t>conntect = new SqlConnection(</a:t>
+              <a:t>new SqlConnection(</a:t>
             </a:r>
             <a:r>
               <a:rPr lang="en-US" sz="1200" dirty="0">
@@ -18754,6 +18809,28 @@
               <a:defRPr/>
             </a:pPr>
             <a:r>
+              <a:rPr lang="en-US" sz="1200" dirty="0" err="1">
+                <a:solidFill>
+                  <a:schemeClr val="bg1"/>
+                </a:solidFill>
+                <a:latin typeface="Courier New" pitchFamily="49" charset="0"/>
+                <a:ea typeface="Times New Roman" pitchFamily="18" charset="0"/>
+                <a:cs typeface="Courier New" pitchFamily="49" charset="0"/>
+              </a:rPr>
+              <a:t>sqlConn</a:t>
+            </a:r>
+            <a:r>
+              <a:rPr lang="be-BY" sz="1200" dirty="0" smtClean="0">
+                <a:solidFill>
+                  <a:schemeClr val="bg1"/>
+                </a:solidFill>
+                <a:latin typeface="Courier New" pitchFamily="49" charset="0"/>
+                <a:ea typeface="Calibri" pitchFamily="34" charset="0"/>
+                <a:cs typeface="Courier New" pitchFamily="49" charset="0"/>
+              </a:rPr>
+              <a:t>.Open</a:t>
+            </a:r>
+            <a:r>
               <a:rPr lang="be-BY" sz="1200" dirty="0">
                 <a:solidFill>
                   <a:schemeClr val="bg1"/>
@@ -18762,7 +18839,7 @@
                 <a:ea typeface="Calibri" pitchFamily="34" charset="0"/>
                 <a:cs typeface="Courier New" pitchFamily="49" charset="0"/>
               </a:rPr>
-              <a:t>    conntect.Open();</a:t>
+              <a:t>();</a:t>
             </a:r>
             <a:endParaRPr lang="be-BY" sz="1200" dirty="0">
               <a:solidFill>
@@ -19062,7 +19139,51 @@
                 <a:ea typeface="Calibri" pitchFamily="34" charset="0"/>
                 <a:cs typeface="Courier New" pitchFamily="49" charset="0"/>
               </a:rPr>
-              <a:t>    SqlConnection conntection = new SqlConnection(sb.ConnectionString);</a:t>
+              <a:t>    SqlConnection </a:t>
+            </a:r>
+            <a:r>
+              <a:rPr lang="en-US" sz="1400" dirty="0" err="1">
+                <a:solidFill>
+                  <a:schemeClr val="bg1"/>
+                </a:solidFill>
+                <a:latin typeface="Courier New" pitchFamily="49" charset="0"/>
+                <a:ea typeface="Times New Roman" pitchFamily="18" charset="0"/>
+                <a:cs typeface="Courier New" pitchFamily="49" charset="0"/>
+              </a:rPr>
+              <a:t>sqlConn</a:t>
+            </a:r>
+            <a:r>
+              <a:rPr lang="en-US" sz="1400" dirty="0">
+                <a:solidFill>
+                  <a:schemeClr val="bg1"/>
+                </a:solidFill>
+                <a:latin typeface="Courier New" pitchFamily="49" charset="0"/>
+                <a:ea typeface="Times New Roman" pitchFamily="18" charset="0"/>
+                <a:cs typeface="Courier New" pitchFamily="49" charset="0"/>
+              </a:rPr>
+              <a:t> </a:t>
+            </a:r>
+            <a:r>
+              <a:rPr lang="be-BY" sz="1400" dirty="0" smtClean="0">
+                <a:solidFill>
+                  <a:schemeClr val="bg1"/>
+                </a:solidFill>
+                <a:latin typeface="Courier New" pitchFamily="49" charset="0"/>
+                <a:ea typeface="Calibri" pitchFamily="34" charset="0"/>
+                <a:cs typeface="Courier New" pitchFamily="49" charset="0"/>
+              </a:rPr>
+              <a:t>= </a:t>
+            </a:r>
+            <a:r>
+              <a:rPr lang="be-BY" sz="1400" dirty="0">
+                <a:solidFill>
+                  <a:schemeClr val="bg1"/>
+                </a:solidFill>
+                <a:latin typeface="Courier New" pitchFamily="49" charset="0"/>
+                <a:ea typeface="Calibri" pitchFamily="34" charset="0"/>
+                <a:cs typeface="Courier New" pitchFamily="49" charset="0"/>
+              </a:rPr>
+              <a:t>new SqlConnection(sb.ConnectionString);</a:t>
             </a:r>
             <a:endParaRPr lang="be-BY" sz="1400" dirty="0">
               <a:solidFill>
@@ -19084,7 +19205,51 @@
                 <a:ea typeface="Calibri" pitchFamily="34" charset="0"/>
                 <a:cs typeface="Courier New" pitchFamily="49" charset="0"/>
               </a:rPr>
-              <a:t>    conntection.Open();</a:t>
+              <a:t> </a:t>
+            </a:r>
+            <a:r>
+              <a:rPr lang="en-US" sz="1400" dirty="0" smtClean="0">
+                <a:solidFill>
+                  <a:schemeClr val="bg1"/>
+                </a:solidFill>
+                <a:latin typeface="Courier New" pitchFamily="49" charset="0"/>
+                <a:ea typeface="Calibri" pitchFamily="34" charset="0"/>
+                <a:cs typeface="Courier New" pitchFamily="49" charset="0"/>
+              </a:rPr>
+              <a:t>   </a:t>
+            </a:r>
+            <a:r>
+              <a:rPr lang="en-US" sz="1400" dirty="0" err="1" smtClean="0">
+                <a:solidFill>
+                  <a:schemeClr val="bg1"/>
+                </a:solidFill>
+                <a:latin typeface="Courier New" pitchFamily="49" charset="0"/>
+                <a:ea typeface="Times New Roman" pitchFamily="18" charset="0"/>
+                <a:cs typeface="Courier New" pitchFamily="49" charset="0"/>
+              </a:rPr>
+              <a:t>sqlConn</a:t>
+            </a:r>
+            <a:r>
+              <a:rPr lang="be-BY" sz="1400" dirty="0" smtClean="0">
+                <a:solidFill>
+                  <a:schemeClr val="bg1"/>
+                </a:solidFill>
+                <a:latin typeface="Courier New" pitchFamily="49" charset="0"/>
+                <a:ea typeface="Calibri" pitchFamily="34" charset="0"/>
+                <a:cs typeface="Courier New" pitchFamily="49" charset="0"/>
+              </a:rPr>
+              <a:t>.Open</a:t>
+            </a:r>
+            <a:r>
+              <a:rPr lang="be-BY" sz="1400" dirty="0">
+                <a:solidFill>
+                  <a:schemeClr val="bg1"/>
+                </a:solidFill>
+                <a:latin typeface="Courier New" pitchFamily="49" charset="0"/>
+                <a:ea typeface="Calibri" pitchFamily="34" charset="0"/>
+                <a:cs typeface="Courier New" pitchFamily="49" charset="0"/>
+              </a:rPr>
+              <a:t>();</a:t>
             </a:r>
             <a:endParaRPr lang="be-BY" sz="1400" dirty="0">
               <a:solidFill>
@@ -19461,7 +19626,40 @@
                 <a:ea typeface="Calibri" pitchFamily="34" charset="0"/>
                 <a:cs typeface="Courier New" pitchFamily="49" charset="0"/>
               </a:rPr>
-              <a:t>    SqlCommand cmd = new SqlCommand();</a:t>
+              <a:t>    SqlCommand </a:t>
+            </a:r>
+            <a:r>
+              <a:rPr lang="en-US" sz="1400" dirty="0" err="1" smtClean="0">
+                <a:solidFill>
+                  <a:schemeClr val="bg1"/>
+                </a:solidFill>
+                <a:latin typeface="Courier New" pitchFamily="49" charset="0"/>
+                <a:ea typeface="Calibri" pitchFamily="34" charset="0"/>
+                <a:cs typeface="Courier New" pitchFamily="49" charset="0"/>
+              </a:rPr>
+              <a:t>sqlC</a:t>
+            </a:r>
+            <a:r>
+              <a:rPr lang="be-BY" sz="1400" dirty="0" smtClean="0">
+                <a:solidFill>
+                  <a:schemeClr val="bg1"/>
+                </a:solidFill>
+                <a:latin typeface="Courier New" pitchFamily="49" charset="0"/>
+                <a:ea typeface="Calibri" pitchFamily="34" charset="0"/>
+                <a:cs typeface="Courier New" pitchFamily="49" charset="0"/>
+              </a:rPr>
+              <a:t>md </a:t>
+            </a:r>
+            <a:r>
+              <a:rPr lang="be-BY" sz="1400" dirty="0">
+                <a:solidFill>
+                  <a:schemeClr val="bg1"/>
+                </a:solidFill>
+                <a:latin typeface="Courier New" pitchFamily="49" charset="0"/>
+                <a:ea typeface="Calibri" pitchFamily="34" charset="0"/>
+                <a:cs typeface="Courier New" pitchFamily="49" charset="0"/>
+              </a:rPr>
+              <a:t>= new SqlCommand();</a:t>
             </a:r>
             <a:endParaRPr lang="be-BY" sz="1400" dirty="0">
               <a:solidFill>
@@ -19483,7 +19681,62 @@
                 <a:ea typeface="Calibri" pitchFamily="34" charset="0"/>
                 <a:cs typeface="Courier New" pitchFamily="49" charset="0"/>
               </a:rPr>
-              <a:t>    cmd.Connection = conntecttion;</a:t>
+              <a:t>    </a:t>
+            </a:r>
+            <a:r>
+              <a:rPr lang="en-US" sz="1400" dirty="0" err="1" smtClean="0">
+                <a:solidFill>
+                  <a:schemeClr val="bg1"/>
+                </a:solidFill>
+                <a:latin typeface="Courier New" pitchFamily="49" charset="0"/>
+                <a:ea typeface="Calibri" pitchFamily="34" charset="0"/>
+                <a:cs typeface="Courier New" pitchFamily="49" charset="0"/>
+              </a:rPr>
+              <a:t>sqlC</a:t>
+            </a:r>
+            <a:r>
+              <a:rPr lang="be-BY" sz="1400" dirty="0" smtClean="0">
+                <a:solidFill>
+                  <a:schemeClr val="bg1"/>
+                </a:solidFill>
+                <a:latin typeface="Courier New" pitchFamily="49" charset="0"/>
+                <a:ea typeface="Calibri" pitchFamily="34" charset="0"/>
+                <a:cs typeface="Courier New" pitchFamily="49" charset="0"/>
+              </a:rPr>
+              <a:t>md.Connection </a:t>
+            </a:r>
+            <a:r>
+              <a:rPr lang="be-BY" sz="1400" dirty="0">
+                <a:solidFill>
+                  <a:schemeClr val="bg1"/>
+                </a:solidFill>
+                <a:latin typeface="Courier New" pitchFamily="49" charset="0"/>
+                <a:ea typeface="Calibri" pitchFamily="34" charset="0"/>
+                <a:cs typeface="Courier New" pitchFamily="49" charset="0"/>
+              </a:rPr>
+              <a:t>= </a:t>
+            </a:r>
+            <a:r>
+              <a:rPr lang="en-US" sz="1400" dirty="0" err="1" smtClean="0">
+                <a:solidFill>
+                  <a:schemeClr val="bg1"/>
+                </a:solidFill>
+                <a:latin typeface="Courier New" pitchFamily="49" charset="0"/>
+                <a:ea typeface="Calibri" pitchFamily="34" charset="0"/>
+                <a:cs typeface="Courier New" pitchFamily="49" charset="0"/>
+              </a:rPr>
+              <a:t>sqlConn</a:t>
+            </a:r>
+            <a:r>
+              <a:rPr lang="be-BY" sz="1400" dirty="0" smtClean="0">
+                <a:solidFill>
+                  <a:schemeClr val="bg1"/>
+                </a:solidFill>
+                <a:latin typeface="Courier New" pitchFamily="49" charset="0"/>
+                <a:ea typeface="Calibri" pitchFamily="34" charset="0"/>
+                <a:cs typeface="Courier New" pitchFamily="49" charset="0"/>
+              </a:rPr>
+              <a:t>;</a:t>
             </a:r>
             <a:endParaRPr lang="be-BY" sz="1400" dirty="0">
               <a:solidFill>
@@ -19505,7 +19758,40 @@
                 <a:ea typeface="Calibri" pitchFamily="34" charset="0"/>
                 <a:cs typeface="Courier New" pitchFamily="49" charset="0"/>
               </a:rPr>
-              <a:t>    cmd.CommandText = "SELECT * FROM Library</a:t>
+              <a:t>    </a:t>
+            </a:r>
+            <a:r>
+              <a:rPr lang="en-US" sz="1400" dirty="0" err="1" smtClean="0">
+                <a:solidFill>
+                  <a:schemeClr val="bg1"/>
+                </a:solidFill>
+                <a:latin typeface="Courier New" pitchFamily="49" charset="0"/>
+                <a:ea typeface="Calibri" pitchFamily="34" charset="0"/>
+                <a:cs typeface="Courier New" pitchFamily="49" charset="0"/>
+              </a:rPr>
+              <a:t>sqlC</a:t>
+            </a:r>
+            <a:r>
+              <a:rPr lang="be-BY" sz="1400" dirty="0" smtClean="0">
+                <a:solidFill>
+                  <a:schemeClr val="bg1"/>
+                </a:solidFill>
+                <a:latin typeface="Courier New" pitchFamily="49" charset="0"/>
+                <a:ea typeface="Calibri" pitchFamily="34" charset="0"/>
+                <a:cs typeface="Courier New" pitchFamily="49" charset="0"/>
+              </a:rPr>
+              <a:t>md.CommandText </a:t>
+            </a:r>
+            <a:r>
+              <a:rPr lang="be-BY" sz="1400" dirty="0">
+                <a:solidFill>
+                  <a:schemeClr val="bg1"/>
+                </a:solidFill>
+                <a:latin typeface="Courier New" pitchFamily="49" charset="0"/>
+                <a:ea typeface="Calibri" pitchFamily="34" charset="0"/>
+                <a:cs typeface="Courier New" pitchFamily="49" charset="0"/>
+              </a:rPr>
+              <a:t>= "SELECT * FROM Library</a:t>
             </a:r>
             <a:r>
               <a:rPr lang="en-US" sz="1400" dirty="0">
@@ -20236,7 +20522,40 @@
                 <a:ea typeface="Calibri" pitchFamily="34" charset="0"/>
                 <a:cs typeface="Courier New" pitchFamily="49" charset="0"/>
               </a:rPr>
-              <a:t>    SqlCommand cmd = new SqlCommand("SELECT COUNT(*) FROM Students",connect);</a:t>
+              <a:t>    SqlCommand </a:t>
+            </a:r>
+            <a:r>
+              <a:rPr lang="en-US" sz="1400" dirty="0" err="1" smtClean="0">
+                <a:solidFill>
+                  <a:schemeClr val="bg1"/>
+                </a:solidFill>
+                <a:latin typeface="Courier New" pitchFamily="49" charset="0"/>
+                <a:ea typeface="Calibri" pitchFamily="34" charset="0"/>
+                <a:cs typeface="Courier New" pitchFamily="49" charset="0"/>
+              </a:rPr>
+              <a:t>sqlC</a:t>
+            </a:r>
+            <a:r>
+              <a:rPr lang="be-BY" sz="1400" dirty="0" smtClean="0">
+                <a:solidFill>
+                  <a:schemeClr val="bg1"/>
+                </a:solidFill>
+                <a:latin typeface="Courier New" pitchFamily="49" charset="0"/>
+                <a:ea typeface="Calibri" pitchFamily="34" charset="0"/>
+                <a:cs typeface="Courier New" pitchFamily="49" charset="0"/>
+              </a:rPr>
+              <a:t>md </a:t>
+            </a:r>
+            <a:r>
+              <a:rPr lang="be-BY" sz="1400" dirty="0">
+                <a:solidFill>
+                  <a:schemeClr val="bg1"/>
+                </a:solidFill>
+                <a:latin typeface="Courier New" pitchFamily="49" charset="0"/>
+                <a:ea typeface="Calibri" pitchFamily="34" charset="0"/>
+                <a:cs typeface="Courier New" pitchFamily="49" charset="0"/>
+              </a:rPr>
+              <a:t>= new SqlCommand("SELECT COUNT(*) FROM Students",connect);</a:t>
             </a:r>
             <a:endParaRPr lang="be-BY" sz="1400" dirty="0">
               <a:solidFill>
@@ -20258,7 +20577,51 @@
                 <a:ea typeface="Calibri" pitchFamily="34" charset="0"/>
                 <a:cs typeface="Courier New" pitchFamily="49" charset="0"/>
               </a:rPr>
-              <a:t>    int count = (int)cmd.ExecuteScalar();   //Получаем количество студентов.</a:t>
+              <a:t>    int count = (</a:t>
+            </a:r>
+            <a:r>
+              <a:rPr lang="be-BY" sz="1400" dirty="0" smtClean="0">
+                <a:solidFill>
+                  <a:schemeClr val="bg1"/>
+                </a:solidFill>
+                <a:latin typeface="Courier New" pitchFamily="49" charset="0"/>
+                <a:ea typeface="Calibri" pitchFamily="34" charset="0"/>
+                <a:cs typeface="Courier New" pitchFamily="49" charset="0"/>
+              </a:rPr>
+              <a:t>int)</a:t>
+            </a:r>
+            <a:r>
+              <a:rPr lang="en-US" sz="1400" dirty="0" err="1" smtClean="0">
+                <a:solidFill>
+                  <a:schemeClr val="bg1"/>
+                </a:solidFill>
+                <a:latin typeface="Courier New" pitchFamily="49" charset="0"/>
+                <a:ea typeface="Calibri" pitchFamily="34" charset="0"/>
+                <a:cs typeface="Courier New" pitchFamily="49" charset="0"/>
+              </a:rPr>
+              <a:t>sqlCmd</a:t>
+            </a:r>
+            <a:r>
+              <a:rPr lang="be-BY" sz="1400" dirty="0" smtClean="0">
+                <a:solidFill>
+                  <a:schemeClr val="bg1"/>
+                </a:solidFill>
+                <a:latin typeface="Courier New" pitchFamily="49" charset="0"/>
+                <a:ea typeface="Calibri" pitchFamily="34" charset="0"/>
+                <a:cs typeface="Courier New" pitchFamily="49" charset="0"/>
+              </a:rPr>
+              <a:t>.ExecuteScalar</a:t>
+            </a:r>
+            <a:r>
+              <a:rPr lang="be-BY" sz="1400" dirty="0">
+                <a:solidFill>
+                  <a:schemeClr val="bg1"/>
+                </a:solidFill>
+                <a:latin typeface="Courier New" pitchFamily="49" charset="0"/>
+                <a:ea typeface="Calibri" pitchFamily="34" charset="0"/>
+                <a:cs typeface="Courier New" pitchFamily="49" charset="0"/>
+              </a:rPr>
+              <a:t>();   //Получаем количество студентов.</a:t>
             </a:r>
             <a:endParaRPr lang="be-BY" sz="1400" dirty="0">
               <a:solidFill>
@@ -20593,7 +20956,73 @@
                 <a:ea typeface="Calibri" pitchFamily="34" charset="0"/>
                 <a:cs typeface="Courier New" pitchFamily="49" charset="0"/>
               </a:rPr>
-              <a:t>    SqlCommand cmd = connection.CreateCommand();</a:t>
+              <a:t>    SqlCommand </a:t>
+            </a:r>
+            <a:r>
+              <a:rPr lang="en-US" sz="1400" dirty="0" err="1" smtClean="0">
+                <a:solidFill>
+                  <a:schemeClr val="bg1"/>
+                </a:solidFill>
+                <a:latin typeface="Courier New" pitchFamily="49" charset="0"/>
+                <a:ea typeface="Calibri" pitchFamily="34" charset="0"/>
+                <a:cs typeface="Courier New" pitchFamily="49" charset="0"/>
+              </a:rPr>
+              <a:t>sqlC</a:t>
+            </a:r>
+            <a:r>
+              <a:rPr lang="be-BY" sz="1400" dirty="0" smtClean="0">
+                <a:solidFill>
+                  <a:schemeClr val="bg1"/>
+                </a:solidFill>
+                <a:latin typeface="Courier New" pitchFamily="49" charset="0"/>
+                <a:ea typeface="Calibri" pitchFamily="34" charset="0"/>
+                <a:cs typeface="Courier New" pitchFamily="49" charset="0"/>
+              </a:rPr>
+              <a:t>md </a:t>
+            </a:r>
+            <a:r>
+              <a:rPr lang="be-BY" sz="1400" dirty="0">
+                <a:solidFill>
+                  <a:schemeClr val="bg1"/>
+                </a:solidFill>
+                <a:latin typeface="Courier New" pitchFamily="49" charset="0"/>
+                <a:ea typeface="Calibri" pitchFamily="34" charset="0"/>
+                <a:cs typeface="Courier New" pitchFamily="49" charset="0"/>
+              </a:rPr>
+              <a:t>= </a:t>
+            </a:r>
+            <a:r>
+              <a:rPr lang="en-US" sz="1400" dirty="0" err="1" smtClean="0">
+                <a:solidFill>
+                  <a:schemeClr val="bg1"/>
+                </a:solidFill>
+                <a:latin typeface="Courier New" pitchFamily="49" charset="0"/>
+                <a:ea typeface="Calibri" pitchFamily="34" charset="0"/>
+                <a:cs typeface="Courier New" pitchFamily="49" charset="0"/>
+              </a:rPr>
+              <a:t>sqlConn</a:t>
+            </a:r>
+            <a:r>
+              <a:rPr lang="be-BY" sz="1400" dirty="0" smtClean="0">
+                <a:solidFill>
+                  <a:schemeClr val="bg1"/>
+                </a:solidFill>
+                <a:latin typeface="Courier New" pitchFamily="49" charset="0"/>
+                <a:ea typeface="Calibri" pitchFamily="34" charset="0"/>
+                <a:cs typeface="Courier New" pitchFamily="49" charset="0"/>
+              </a:rPr>
+              <a:t>.CreateCommand</a:t>
+            </a:r>
+            <a:r>
+              <a:rPr lang="be-BY" sz="1400" dirty="0">
+                <a:solidFill>
+                  <a:schemeClr val="bg1"/>
+                </a:solidFill>
+                <a:latin typeface="Courier New" pitchFamily="49" charset="0"/>
+                <a:ea typeface="Calibri" pitchFamily="34" charset="0"/>
+                <a:cs typeface="Courier New" pitchFamily="49" charset="0"/>
+              </a:rPr>
+              <a:t>();</a:t>
             </a:r>
             <a:endParaRPr lang="be-BY" sz="1400" dirty="0">
               <a:solidFill>
@@ -20615,7 +21044,40 @@
                 <a:ea typeface="Calibri" pitchFamily="34" charset="0"/>
                 <a:cs typeface="Courier New" pitchFamily="49" charset="0"/>
               </a:rPr>
-              <a:t>    cmd.CommandText = "SELECT COUNT(*) FROM Students WHERE Gra</a:t>
+              <a:t>    </a:t>
+            </a:r>
+            <a:r>
+              <a:rPr lang="en-US" sz="1400" dirty="0" err="1" smtClean="0">
+                <a:solidFill>
+                  <a:schemeClr val="bg1"/>
+                </a:solidFill>
+                <a:latin typeface="Courier New" pitchFamily="49" charset="0"/>
+                <a:ea typeface="Calibri" pitchFamily="34" charset="0"/>
+                <a:cs typeface="Courier New" pitchFamily="49" charset="0"/>
+              </a:rPr>
+              <a:t>sqlCmd</a:t>
+            </a:r>
+            <a:r>
+              <a:rPr lang="be-BY" sz="1400" dirty="0" smtClean="0">
+                <a:solidFill>
+                  <a:schemeClr val="bg1"/>
+                </a:solidFill>
+                <a:latin typeface="Courier New" pitchFamily="49" charset="0"/>
+                <a:ea typeface="Calibri" pitchFamily="34" charset="0"/>
+                <a:cs typeface="Courier New" pitchFamily="49" charset="0"/>
+              </a:rPr>
+              <a:t>.CommandText </a:t>
+            </a:r>
+            <a:r>
+              <a:rPr lang="be-BY" sz="1400" dirty="0">
+                <a:solidFill>
+                  <a:schemeClr val="bg1"/>
+                </a:solidFill>
+                <a:latin typeface="Courier New" pitchFamily="49" charset="0"/>
+                <a:ea typeface="Calibri" pitchFamily="34" charset="0"/>
+                <a:cs typeface="Courier New" pitchFamily="49" charset="0"/>
+              </a:rPr>
+              <a:t>= "SELECT COUNT(*) FROM Students WHERE Gra</a:t>
             </a:r>
             <a:r>
               <a:rPr lang="en-US" sz="1400" dirty="0">
@@ -20781,7 +21243,73 @@
                 <a:ea typeface="Calibri" pitchFamily="34" charset="0"/>
                 <a:cs typeface="Courier New" pitchFamily="49" charset="0"/>
               </a:rPr>
-              <a:t>    SqlCommand cmd = connection.CreateCommand();</a:t>
+              <a:t>    SqlCommand </a:t>
+            </a:r>
+            <a:r>
+              <a:rPr lang="en-US" sz="1400" dirty="0" err="1" smtClean="0">
+                <a:solidFill>
+                  <a:schemeClr val="bg1"/>
+                </a:solidFill>
+                <a:latin typeface="Courier New" pitchFamily="49" charset="0"/>
+                <a:ea typeface="Calibri" pitchFamily="34" charset="0"/>
+                <a:cs typeface="Courier New" pitchFamily="49" charset="0"/>
+              </a:rPr>
+              <a:t>sqlC</a:t>
+            </a:r>
+            <a:r>
+              <a:rPr lang="be-BY" sz="1400" dirty="0" smtClean="0">
+                <a:solidFill>
+                  <a:schemeClr val="bg1"/>
+                </a:solidFill>
+                <a:latin typeface="Courier New" pitchFamily="49" charset="0"/>
+                <a:ea typeface="Calibri" pitchFamily="34" charset="0"/>
+                <a:cs typeface="Courier New" pitchFamily="49" charset="0"/>
+              </a:rPr>
+              <a:t>md </a:t>
+            </a:r>
+            <a:r>
+              <a:rPr lang="be-BY" sz="1400" dirty="0">
+                <a:solidFill>
+                  <a:schemeClr val="bg1"/>
+                </a:solidFill>
+                <a:latin typeface="Courier New" pitchFamily="49" charset="0"/>
+                <a:ea typeface="Calibri" pitchFamily="34" charset="0"/>
+                <a:cs typeface="Courier New" pitchFamily="49" charset="0"/>
+              </a:rPr>
+              <a:t>= </a:t>
+            </a:r>
+            <a:r>
+              <a:rPr lang="en-US" sz="1400" dirty="0" err="1" smtClean="0">
+                <a:solidFill>
+                  <a:schemeClr val="bg1"/>
+                </a:solidFill>
+                <a:latin typeface="Courier New" pitchFamily="49" charset="0"/>
+                <a:ea typeface="Calibri" pitchFamily="34" charset="0"/>
+                <a:cs typeface="Courier New" pitchFamily="49" charset="0"/>
+              </a:rPr>
+              <a:t>sqlConn</a:t>
+            </a:r>
+            <a:r>
+              <a:rPr lang="be-BY" sz="1400" dirty="0" smtClean="0">
+                <a:solidFill>
+                  <a:schemeClr val="bg1"/>
+                </a:solidFill>
+                <a:latin typeface="Courier New" pitchFamily="49" charset="0"/>
+                <a:ea typeface="Calibri" pitchFamily="34" charset="0"/>
+                <a:cs typeface="Courier New" pitchFamily="49" charset="0"/>
+              </a:rPr>
+              <a:t>.CreateCommand</a:t>
+            </a:r>
+            <a:r>
+              <a:rPr lang="be-BY" sz="1400" dirty="0">
+                <a:solidFill>
+                  <a:schemeClr val="bg1"/>
+                </a:solidFill>
+                <a:latin typeface="Courier New" pitchFamily="49" charset="0"/>
+                <a:ea typeface="Calibri" pitchFamily="34" charset="0"/>
+                <a:cs typeface="Courier New" pitchFamily="49" charset="0"/>
+              </a:rPr>
+              <a:t>();</a:t>
             </a:r>
             <a:endParaRPr lang="be-BY" sz="1400" dirty="0">
               <a:solidFill>
@@ -20803,7 +21331,40 @@
                 <a:ea typeface="Calibri" pitchFamily="34" charset="0"/>
                 <a:cs typeface="Courier New" pitchFamily="49" charset="0"/>
               </a:rPr>
-              <a:t>    cmd.CommandText = "SELECT COUNT(*) FROM Students WHERE Gra</a:t>
+              <a:t>    </a:t>
+            </a:r>
+            <a:r>
+              <a:rPr lang="en-US" sz="1400" dirty="0" err="1" smtClean="0">
+                <a:solidFill>
+                  <a:schemeClr val="bg1"/>
+                </a:solidFill>
+                <a:latin typeface="Courier New" pitchFamily="49" charset="0"/>
+                <a:ea typeface="Calibri" pitchFamily="34" charset="0"/>
+                <a:cs typeface="Courier New" pitchFamily="49" charset="0"/>
+              </a:rPr>
+              <a:t>sqlC</a:t>
+            </a:r>
+            <a:r>
+              <a:rPr lang="be-BY" sz="1400" dirty="0" smtClean="0">
+                <a:solidFill>
+                  <a:schemeClr val="bg1"/>
+                </a:solidFill>
+                <a:latin typeface="Courier New" pitchFamily="49" charset="0"/>
+                <a:ea typeface="Calibri" pitchFamily="34" charset="0"/>
+                <a:cs typeface="Courier New" pitchFamily="49" charset="0"/>
+              </a:rPr>
+              <a:t>md.CommandText </a:t>
+            </a:r>
+            <a:r>
+              <a:rPr lang="be-BY" sz="1400" dirty="0">
+                <a:solidFill>
+                  <a:schemeClr val="bg1"/>
+                </a:solidFill>
+                <a:latin typeface="Courier New" pitchFamily="49" charset="0"/>
+                <a:ea typeface="Calibri" pitchFamily="34" charset="0"/>
+                <a:cs typeface="Courier New" pitchFamily="49" charset="0"/>
+              </a:rPr>
+              <a:t>= "SELECT COUNT(*) FROM Students WHERE Gra</a:t>
             </a:r>
             <a:r>
               <a:rPr lang="en-US" sz="1400" dirty="0">
@@ -20863,7 +21424,51 @@
                 <a:ea typeface="Calibri" pitchFamily="34" charset="0"/>
                 <a:cs typeface="Courier New" pitchFamily="49" charset="0"/>
               </a:rPr>
-              <a:t>    int count = (int)cmd.ExecuteScalar();</a:t>
+              <a:t>    int count = (</a:t>
+            </a:r>
+            <a:r>
+              <a:rPr lang="be-BY" sz="1400" dirty="0" smtClean="0">
+                <a:solidFill>
+                  <a:schemeClr val="bg1"/>
+                </a:solidFill>
+                <a:latin typeface="Courier New" pitchFamily="49" charset="0"/>
+                <a:ea typeface="Calibri" pitchFamily="34" charset="0"/>
+                <a:cs typeface="Courier New" pitchFamily="49" charset="0"/>
+              </a:rPr>
+              <a:t>int)</a:t>
+            </a:r>
+            <a:r>
+              <a:rPr lang="en-US" sz="1400" dirty="0" err="1" smtClean="0">
+                <a:solidFill>
+                  <a:schemeClr val="bg1"/>
+                </a:solidFill>
+                <a:latin typeface="Courier New" pitchFamily="49" charset="0"/>
+                <a:ea typeface="Calibri" pitchFamily="34" charset="0"/>
+                <a:cs typeface="Courier New" pitchFamily="49" charset="0"/>
+              </a:rPr>
+              <a:t>sqlCmd</a:t>
+            </a:r>
+            <a:r>
+              <a:rPr lang="be-BY" sz="1400" dirty="0" smtClean="0">
+                <a:solidFill>
+                  <a:schemeClr val="bg1"/>
+                </a:solidFill>
+                <a:latin typeface="Courier New" pitchFamily="49" charset="0"/>
+                <a:ea typeface="Calibri" pitchFamily="34" charset="0"/>
+                <a:cs typeface="Courier New" pitchFamily="49" charset="0"/>
+              </a:rPr>
+              <a:t>.ExecuteScalar</a:t>
+            </a:r>
+            <a:r>
+              <a:rPr lang="be-BY" sz="1400" dirty="0">
+                <a:solidFill>
+                  <a:schemeClr val="bg1"/>
+                </a:solidFill>
+                <a:latin typeface="Courier New" pitchFamily="49" charset="0"/>
+                <a:ea typeface="Calibri" pitchFamily="34" charset="0"/>
+                <a:cs typeface="Courier New" pitchFamily="49" charset="0"/>
+              </a:rPr>
+              <a:t>();</a:t>
             </a:r>
             <a:endParaRPr lang="be-BY" sz="1400" dirty="0">
               <a:solidFill>
@@ -20988,7 +21593,7 @@
         <p:spPr bwMode="auto">
           <a:xfrm>
             <a:off x="152400" y="3700463"/>
-            <a:ext cx="8839200" cy="2462212"/>
+            <a:ext cx="8839200" cy="2462213"/>
           </a:xfrm>
           <a:prstGeom prst="rect">
             <a:avLst/>
@@ -21024,7 +21629,73 @@
                 <a:ea typeface="Calibri" pitchFamily="34" charset="0"/>
                 <a:cs typeface="Courier New" pitchFamily="49" charset="0"/>
               </a:rPr>
-              <a:t>    SqlCommand cmd = connection.CreateCommand();</a:t>
+              <a:t>    SqlCommand </a:t>
+            </a:r>
+            <a:r>
+              <a:rPr lang="en-US" sz="1400" dirty="0" err="1" smtClean="0">
+                <a:solidFill>
+                  <a:schemeClr val="bg1"/>
+                </a:solidFill>
+                <a:latin typeface="Courier New" pitchFamily="49" charset="0"/>
+                <a:ea typeface="Calibri" pitchFamily="34" charset="0"/>
+                <a:cs typeface="Courier New" pitchFamily="49" charset="0"/>
+              </a:rPr>
+              <a:t>sqlC</a:t>
+            </a:r>
+            <a:r>
+              <a:rPr lang="be-BY" sz="1400" dirty="0" smtClean="0">
+                <a:solidFill>
+                  <a:schemeClr val="bg1"/>
+                </a:solidFill>
+                <a:latin typeface="Courier New" pitchFamily="49" charset="0"/>
+                <a:ea typeface="Calibri" pitchFamily="34" charset="0"/>
+                <a:cs typeface="Courier New" pitchFamily="49" charset="0"/>
+              </a:rPr>
+              <a:t>md </a:t>
+            </a:r>
+            <a:r>
+              <a:rPr lang="be-BY" sz="1400" dirty="0">
+                <a:solidFill>
+                  <a:schemeClr val="bg1"/>
+                </a:solidFill>
+                <a:latin typeface="Courier New" pitchFamily="49" charset="0"/>
+                <a:ea typeface="Calibri" pitchFamily="34" charset="0"/>
+                <a:cs typeface="Courier New" pitchFamily="49" charset="0"/>
+              </a:rPr>
+              <a:t>= </a:t>
+            </a:r>
+            <a:r>
+              <a:rPr lang="en-US" sz="1400" dirty="0" err="1" smtClean="0">
+                <a:solidFill>
+                  <a:schemeClr val="bg1"/>
+                </a:solidFill>
+                <a:latin typeface="Courier New" pitchFamily="49" charset="0"/>
+                <a:ea typeface="Calibri" pitchFamily="34" charset="0"/>
+                <a:cs typeface="Courier New" pitchFamily="49" charset="0"/>
+              </a:rPr>
+              <a:t>sqlConn</a:t>
+            </a:r>
+            <a:r>
+              <a:rPr lang="be-BY" sz="1400" dirty="0" smtClean="0">
+                <a:solidFill>
+                  <a:schemeClr val="bg1"/>
+                </a:solidFill>
+                <a:latin typeface="Courier New" pitchFamily="49" charset="0"/>
+                <a:ea typeface="Calibri" pitchFamily="34" charset="0"/>
+                <a:cs typeface="Courier New" pitchFamily="49" charset="0"/>
+              </a:rPr>
+              <a:t>.CreateCommand</a:t>
+            </a:r>
+            <a:r>
+              <a:rPr lang="be-BY" sz="1400" dirty="0">
+                <a:solidFill>
+                  <a:schemeClr val="bg1"/>
+                </a:solidFill>
+                <a:latin typeface="Courier New" pitchFamily="49" charset="0"/>
+                <a:ea typeface="Calibri" pitchFamily="34" charset="0"/>
+                <a:cs typeface="Courier New" pitchFamily="49" charset="0"/>
+              </a:rPr>
+              <a:t>();</a:t>
             </a:r>
             <a:endParaRPr lang="be-BY" sz="1400" dirty="0">
               <a:solidFill>
@@ -21046,7 +21717,40 @@
                 <a:ea typeface="Calibri" pitchFamily="34" charset="0"/>
                 <a:cs typeface="Courier New" pitchFamily="49" charset="0"/>
               </a:rPr>
-              <a:t>    cmd.CommandText = "SELECT COUNT(*) FROM Students WHERE Gra</a:t>
+              <a:t>    </a:t>
+            </a:r>
+            <a:r>
+              <a:rPr lang="en-US" sz="1400" dirty="0" err="1" smtClean="0">
+                <a:solidFill>
+                  <a:schemeClr val="bg1"/>
+                </a:solidFill>
+                <a:latin typeface="Courier New" pitchFamily="49" charset="0"/>
+                <a:ea typeface="Calibri" pitchFamily="34" charset="0"/>
+                <a:cs typeface="Courier New" pitchFamily="49" charset="0"/>
+              </a:rPr>
+              <a:t>sqlC</a:t>
+            </a:r>
+            <a:r>
+              <a:rPr lang="be-BY" sz="1400" dirty="0" smtClean="0">
+                <a:solidFill>
+                  <a:schemeClr val="bg1"/>
+                </a:solidFill>
+                <a:latin typeface="Courier New" pitchFamily="49" charset="0"/>
+                <a:ea typeface="Calibri" pitchFamily="34" charset="0"/>
+                <a:cs typeface="Courier New" pitchFamily="49" charset="0"/>
+              </a:rPr>
+              <a:t>md.CommandText </a:t>
+            </a:r>
+            <a:r>
+              <a:rPr lang="be-BY" sz="1400" dirty="0">
+                <a:solidFill>
+                  <a:schemeClr val="bg1"/>
+                </a:solidFill>
+                <a:latin typeface="Courier New" pitchFamily="49" charset="0"/>
+                <a:ea typeface="Calibri" pitchFamily="34" charset="0"/>
+                <a:cs typeface="Courier New" pitchFamily="49" charset="0"/>
+              </a:rPr>
+              <a:t>= "SELECT COUNT(*) FROM Students WHERE Gra</a:t>
             </a:r>
             <a:r>
               <a:rPr lang="en-US" sz="1400" dirty="0">
@@ -21068,7 +21772,40 @@
                 <a:ea typeface="Calibri" pitchFamily="34" charset="0"/>
                 <a:cs typeface="Courier New" pitchFamily="49" charset="0"/>
               </a:rPr>
-              <a:t>e &gt; @value";</a:t>
+              <a:t>e &gt; </a:t>
+            </a:r>
+            <a:r>
+              <a:rPr lang="be-BY" sz="1400" dirty="0" smtClean="0">
+                <a:solidFill>
+                  <a:schemeClr val="bg1"/>
+                </a:solidFill>
+                <a:latin typeface="Courier New" pitchFamily="49" charset="0"/>
+                <a:ea typeface="Calibri" pitchFamily="34" charset="0"/>
+                <a:cs typeface="Courier New" pitchFamily="49" charset="0"/>
+              </a:rPr>
+              <a:t>@</a:t>
+            </a:r>
+            <a:r>
+              <a:rPr lang="en-US" sz="1400" dirty="0" smtClean="0">
+                <a:solidFill>
+                  <a:schemeClr val="bg1"/>
+                </a:solidFill>
+                <a:latin typeface="Courier New" pitchFamily="49" charset="0"/>
+                <a:ea typeface="Calibri" pitchFamily="34" charset="0"/>
+                <a:cs typeface="Courier New" pitchFamily="49" charset="0"/>
+              </a:rPr>
+              <a:t>grade</a:t>
+            </a:r>
+            <a:r>
+              <a:rPr lang="be-BY" sz="1400" dirty="0" smtClean="0">
+                <a:solidFill>
+                  <a:schemeClr val="bg1"/>
+                </a:solidFill>
+                <a:latin typeface="Courier New" pitchFamily="49" charset="0"/>
+                <a:ea typeface="Calibri" pitchFamily="34" charset="0"/>
+                <a:cs typeface="Courier New" pitchFamily="49" charset="0"/>
+              </a:rPr>
+              <a:t>";</a:t>
             </a:r>
             <a:endParaRPr lang="be-BY" sz="1400" dirty="0">
               <a:solidFill>
@@ -21103,7 +21840,51 @@
                 <a:ea typeface="Calibri" pitchFamily="34" charset="0"/>
                 <a:cs typeface="Courier New" pitchFamily="49" charset="0"/>
               </a:rPr>
-              <a:t>    SqlParameter param = new SqlParameter();</a:t>
+              <a:t>    SqlParameter </a:t>
+            </a:r>
+            <a:r>
+              <a:rPr lang="be-BY" sz="1400" dirty="0" smtClean="0">
+                <a:solidFill>
+                  <a:schemeClr val="bg1"/>
+                </a:solidFill>
+                <a:latin typeface="Courier New" pitchFamily="49" charset="0"/>
+                <a:ea typeface="Calibri" pitchFamily="34" charset="0"/>
+                <a:cs typeface="Courier New" pitchFamily="49" charset="0"/>
+              </a:rPr>
+              <a:t>prm</a:t>
+            </a:r>
+            <a:r>
+              <a:rPr lang="en-US" sz="1400" dirty="0" smtClean="0">
+                <a:solidFill>
+                  <a:schemeClr val="bg1"/>
+                </a:solidFill>
+                <a:latin typeface="Courier New" pitchFamily="49" charset="0"/>
+                <a:ea typeface="Calibri" pitchFamily="34" charset="0"/>
+                <a:cs typeface="Courier New" pitchFamily="49" charset="0"/>
+              </a:rPr>
+              <a:t>Grade</a:t>
+            </a:r>
+            <a:r>
+              <a:rPr lang="be-BY" sz="1400" dirty="0" smtClean="0">
+                <a:solidFill>
+                  <a:schemeClr val="bg1"/>
+                </a:solidFill>
+                <a:latin typeface="Courier New" pitchFamily="49" charset="0"/>
+                <a:ea typeface="Calibri" pitchFamily="34" charset="0"/>
+                <a:cs typeface="Courier New" pitchFamily="49" charset="0"/>
+              </a:rPr>
+              <a:t> </a:t>
+            </a:r>
+            <a:r>
+              <a:rPr lang="be-BY" sz="1400" dirty="0">
+                <a:solidFill>
+                  <a:schemeClr val="bg1"/>
+                </a:solidFill>
+                <a:latin typeface="Courier New" pitchFamily="49" charset="0"/>
+                <a:ea typeface="Calibri" pitchFamily="34" charset="0"/>
+                <a:cs typeface="Courier New" pitchFamily="49" charset="0"/>
+              </a:rPr>
+              <a:t>= new SqlParameter();</a:t>
             </a:r>
             <a:endParaRPr lang="be-BY" sz="1400" dirty="0">
               <a:solidFill>
@@ -21117,6 +21898,50 @@
               <a:defRPr/>
             </a:pPr>
             <a:r>
+              <a:rPr lang="en-US" sz="1400" dirty="0" smtClean="0">
+                <a:solidFill>
+                  <a:schemeClr val="bg1"/>
+                </a:solidFill>
+                <a:latin typeface="Courier New" pitchFamily="49" charset="0"/>
+                <a:ea typeface="Calibri" pitchFamily="34" charset="0"/>
+                <a:cs typeface="Courier New" pitchFamily="49" charset="0"/>
+              </a:rPr>
+              <a:t>    </a:t>
+            </a:r>
+            <a:r>
+              <a:rPr lang="be-BY" sz="1400" dirty="0" smtClean="0">
+                <a:solidFill>
+                  <a:schemeClr val="bg1"/>
+                </a:solidFill>
+                <a:latin typeface="Courier New" pitchFamily="49" charset="0"/>
+                <a:ea typeface="Calibri" pitchFamily="34" charset="0"/>
+                <a:cs typeface="Courier New" pitchFamily="49" charset="0"/>
+              </a:rPr>
+              <a:t>prm</a:t>
+            </a:r>
+            <a:r>
+              <a:rPr lang="en-US" sz="1400" dirty="0">
+                <a:solidFill>
+                  <a:schemeClr val="bg1"/>
+                </a:solidFill>
+                <a:latin typeface="Courier New" pitchFamily="49" charset="0"/>
+                <a:ea typeface="Calibri" pitchFamily="34" charset="0"/>
+                <a:cs typeface="Courier New" pitchFamily="49" charset="0"/>
+              </a:rPr>
+              <a:t>Grade</a:t>
+            </a:r>
+            <a:r>
+              <a:rPr lang="be-BY" sz="1400" dirty="0" smtClean="0">
+                <a:solidFill>
+                  <a:schemeClr val="bg1"/>
+                </a:solidFill>
+                <a:latin typeface="Courier New" pitchFamily="49" charset="0"/>
+                <a:ea typeface="Calibri" pitchFamily="34" charset="0"/>
+                <a:cs typeface="Courier New" pitchFamily="49" charset="0"/>
+              </a:rPr>
+              <a:t>.ParameterName </a:t>
+            </a:r>
+            <a:r>
               <a:rPr lang="be-BY" sz="1400" dirty="0">
                 <a:solidFill>
                   <a:schemeClr val="bg1"/>
@@ -21125,86 +21950,42 @@
                 <a:ea typeface="Calibri" pitchFamily="34" charset="0"/>
                 <a:cs typeface="Courier New" pitchFamily="49" charset="0"/>
               </a:rPr>
-              <a:t>    param.ParameterName = "@value";</a:t>
-            </a:r>
-            <a:endParaRPr lang="be-BY" sz="1400" dirty="0">
-              <a:solidFill>
-                <a:schemeClr val="bg1"/>
-              </a:solidFill>
-              <a:latin typeface="Arial" pitchFamily="34" charset="0"/>
-            </a:endParaRPr>
-          </a:p>
-          <a:p>
-            <a:pPr eaLnBrk="0" hangingPunct="0">
-              <a:defRPr/>
-            </a:pPr>
-            <a:r>
-              <a:rPr lang="be-BY" sz="1400" dirty="0">
-                <a:solidFill>
-                  <a:schemeClr val="bg1"/>
-                </a:solidFill>
-                <a:latin typeface="Courier New" pitchFamily="49" charset="0"/>
-                <a:ea typeface="Calibri" pitchFamily="34" charset="0"/>
-                <a:cs typeface="Courier New" pitchFamily="49" charset="0"/>
-              </a:rPr>
-              <a:t>    param.DbType = </a:t>
-            </a:r>
-            <a:r>
-              <a:rPr lang="en-US" sz="1400" dirty="0" err="1">
-                <a:solidFill>
-                  <a:schemeClr val="bg1"/>
-                </a:solidFill>
-                <a:latin typeface="Courier New" pitchFamily="49" charset="0"/>
-                <a:ea typeface="Calibri" pitchFamily="34" charset="0"/>
-                <a:cs typeface="Courier New" pitchFamily="49" charset="0"/>
-              </a:rPr>
-              <a:t>SqlDbType</a:t>
-            </a:r>
-            <a:r>
-              <a:rPr lang="be-BY" sz="1400" dirty="0">
-                <a:solidFill>
-                  <a:schemeClr val="bg1"/>
-                </a:solidFill>
-                <a:latin typeface="Courier New" pitchFamily="49" charset="0"/>
-                <a:ea typeface="Calibri" pitchFamily="34" charset="0"/>
-                <a:cs typeface="Courier New" pitchFamily="49" charset="0"/>
-              </a:rPr>
-              <a:t>.</a:t>
-            </a:r>
-            <a:r>
-              <a:rPr lang="en-US" sz="1400" dirty="0">
-                <a:solidFill>
-                  <a:schemeClr val="bg1"/>
-                </a:solidFill>
-                <a:latin typeface="Courier New" pitchFamily="49" charset="0"/>
-                <a:ea typeface="Calibri" pitchFamily="34" charset="0"/>
-                <a:cs typeface="Courier New" pitchFamily="49" charset="0"/>
-              </a:rPr>
-              <a:t>Float</a:t>
-            </a:r>
-            <a:r>
-              <a:rPr lang="be-BY" sz="1400" dirty="0">
-                <a:solidFill>
-                  <a:schemeClr val="bg1"/>
-                </a:solidFill>
-                <a:latin typeface="Courier New" pitchFamily="49" charset="0"/>
-                <a:ea typeface="Calibri" pitchFamily="34" charset="0"/>
-                <a:cs typeface="Courier New" pitchFamily="49" charset="0"/>
-              </a:rPr>
-              <a:t>;</a:t>
-            </a:r>
-            <a:endParaRPr lang="be-BY" sz="1400" dirty="0">
-              <a:solidFill>
-                <a:schemeClr val="bg1"/>
-              </a:solidFill>
-              <a:latin typeface="Arial" pitchFamily="34" charset="0"/>
-            </a:endParaRPr>
-          </a:p>
-          <a:p>
-            <a:pPr eaLnBrk="0" hangingPunct="0">
-              <a:defRPr/>
-            </a:pPr>
-            <a:endParaRPr lang="en-US" sz="1400" dirty="0">
+              <a:t>= </a:t>
+            </a:r>
+            <a:r>
+              <a:rPr lang="be-BY" sz="1400" dirty="0" smtClean="0">
+                <a:solidFill>
+                  <a:schemeClr val="bg1"/>
+                </a:solidFill>
+                <a:latin typeface="Courier New" pitchFamily="49" charset="0"/>
+                <a:ea typeface="Calibri" pitchFamily="34" charset="0"/>
+                <a:cs typeface="Courier New" pitchFamily="49" charset="0"/>
+              </a:rPr>
+              <a:t>"@</a:t>
+            </a:r>
+            <a:r>
+              <a:rPr lang="en-US" sz="1400" dirty="0" smtClean="0">
+                <a:solidFill>
+                  <a:schemeClr val="bg1"/>
+                </a:solidFill>
+                <a:latin typeface="Courier New" pitchFamily="49" charset="0"/>
+                <a:ea typeface="Calibri" pitchFamily="34" charset="0"/>
+                <a:cs typeface="Courier New" pitchFamily="49" charset="0"/>
+              </a:rPr>
+              <a:t>grade</a:t>
+            </a:r>
+            <a:r>
+              <a:rPr lang="be-BY" sz="1400" dirty="0" smtClean="0">
+                <a:solidFill>
+                  <a:schemeClr val="bg1"/>
+                </a:solidFill>
+                <a:latin typeface="Courier New" pitchFamily="49" charset="0"/>
+                <a:ea typeface="Calibri" pitchFamily="34" charset="0"/>
+                <a:cs typeface="Courier New" pitchFamily="49" charset="0"/>
+              </a:rPr>
+              <a:t>";</a:t>
+            </a:r>
+            <a:endParaRPr lang="en-US" sz="1400" dirty="0" smtClean="0">
               <a:solidFill>
                 <a:schemeClr val="bg1"/>
               </a:solidFill>
@@ -21218,15 +21999,44 @@
               <a:defRPr/>
             </a:pPr>
             <a:r>
-              <a:rPr lang="be-BY" sz="1400" dirty="0">
-                <a:solidFill>
-                  <a:schemeClr val="bg1"/>
-                </a:solidFill>
-                <a:latin typeface="Courier New" pitchFamily="49" charset="0"/>
-                <a:ea typeface="Calibri" pitchFamily="34" charset="0"/>
-                <a:cs typeface="Courier New" pitchFamily="49" charset="0"/>
-              </a:rPr>
-              <a:t>    cmd.Parameters.Add(param);</a:t>
+              <a:rPr lang="en-US" sz="1400" dirty="0">
+                <a:solidFill>
+                  <a:schemeClr val="bg1"/>
+                </a:solidFill>
+                <a:latin typeface="Courier New" pitchFamily="49" charset="0"/>
+                <a:cs typeface="Courier New" pitchFamily="49" charset="0"/>
+              </a:rPr>
+              <a:t> </a:t>
+            </a:r>
+            <a:r>
+              <a:rPr lang="en-US" sz="1400" dirty="0" smtClean="0">
+                <a:solidFill>
+                  <a:schemeClr val="bg1"/>
+                </a:solidFill>
+                <a:latin typeface="Courier New" pitchFamily="49" charset="0"/>
+                <a:cs typeface="Courier New" pitchFamily="49" charset="0"/>
+              </a:rPr>
+              <a:t>   </a:t>
+            </a:r>
+            <a:r>
+              <a:rPr lang="en-US" sz="1400" dirty="0" err="1" smtClean="0">
+                <a:solidFill>
+                  <a:schemeClr val="bg1"/>
+                </a:solidFill>
+                <a:latin typeface="Courier New" pitchFamily="49" charset="0"/>
+                <a:cs typeface="Courier New" pitchFamily="49" charset="0"/>
+              </a:rPr>
+              <a:t>prmGrade.Value</a:t>
+            </a:r>
+            <a:r>
+              <a:rPr lang="en-US" sz="1400" dirty="0" smtClean="0">
+                <a:solidFill>
+                  <a:schemeClr val="bg1"/>
+                </a:solidFill>
+                <a:latin typeface="Courier New" pitchFamily="49" charset="0"/>
+                <a:cs typeface="Courier New" pitchFamily="49" charset="0"/>
+              </a:rPr>
+              <a:t> = 8.0;</a:t>
             </a:r>
             <a:endParaRPr lang="be-BY" sz="1400" dirty="0">
               <a:solidFill>
@@ -21240,6 +22050,72 @@
               <a:defRPr/>
             </a:pPr>
             <a:r>
+              <a:rPr lang="en-US" sz="1400" dirty="0" smtClean="0">
+                <a:solidFill>
+                  <a:schemeClr val="bg1"/>
+                </a:solidFill>
+                <a:latin typeface="Courier New" pitchFamily="49" charset="0"/>
+                <a:ea typeface="Calibri" pitchFamily="34" charset="0"/>
+                <a:cs typeface="Courier New" pitchFamily="49" charset="0"/>
+              </a:rPr>
+              <a:t>    </a:t>
+            </a:r>
+            <a:r>
+              <a:rPr lang="be-BY" sz="1400" dirty="0" smtClean="0">
+                <a:solidFill>
+                  <a:schemeClr val="bg1"/>
+                </a:solidFill>
+                <a:latin typeface="Courier New" pitchFamily="49" charset="0"/>
+                <a:ea typeface="Calibri" pitchFamily="34" charset="0"/>
+                <a:cs typeface="Courier New" pitchFamily="49" charset="0"/>
+              </a:rPr>
+              <a:t>prm</a:t>
+            </a:r>
+            <a:r>
+              <a:rPr lang="en-US" sz="1400" dirty="0">
+                <a:solidFill>
+                  <a:schemeClr val="bg1"/>
+                </a:solidFill>
+                <a:latin typeface="Courier New" pitchFamily="49" charset="0"/>
+                <a:ea typeface="Calibri" pitchFamily="34" charset="0"/>
+                <a:cs typeface="Courier New" pitchFamily="49" charset="0"/>
+              </a:rPr>
+              <a:t>Grade</a:t>
+            </a:r>
+            <a:r>
+              <a:rPr lang="be-BY" sz="1400" dirty="0" smtClean="0">
+                <a:solidFill>
+                  <a:schemeClr val="bg1"/>
+                </a:solidFill>
+                <a:latin typeface="Courier New" pitchFamily="49" charset="0"/>
+                <a:ea typeface="Calibri" pitchFamily="34" charset="0"/>
+                <a:cs typeface="Courier New" pitchFamily="49" charset="0"/>
+              </a:rPr>
+              <a:t>.</a:t>
+            </a:r>
+            <a:r>
+              <a:rPr lang="en-US" sz="1400" dirty="0" err="1" smtClean="0">
+                <a:solidFill>
+                  <a:schemeClr val="bg1"/>
+                </a:solidFill>
+                <a:latin typeface="Courier New" pitchFamily="49" charset="0"/>
+                <a:ea typeface="Calibri" pitchFamily="34" charset="0"/>
+                <a:cs typeface="Courier New" pitchFamily="49" charset="0"/>
+              </a:rPr>
+              <a:t>Sql</a:t>
+            </a:r>
+            <a:r>
+              <a:rPr lang="be-BY" sz="1400" dirty="0" smtClean="0">
+                <a:solidFill>
+                  <a:schemeClr val="bg1"/>
+                </a:solidFill>
+                <a:latin typeface="Courier New" pitchFamily="49" charset="0"/>
+                <a:ea typeface="Calibri" pitchFamily="34" charset="0"/>
+                <a:cs typeface="Courier New" pitchFamily="49" charset="0"/>
+              </a:rPr>
+              <a:t>DbType </a:t>
+            </a:r>
+            <a:r>
               <a:rPr lang="be-BY" sz="1400" dirty="0">
                 <a:solidFill>
                   <a:schemeClr val="bg1"/>
@@ -21248,7 +22124,144 @@
                 <a:ea typeface="Calibri" pitchFamily="34" charset="0"/>
                 <a:cs typeface="Courier New" pitchFamily="49" charset="0"/>
               </a:rPr>
-              <a:t>    cmd.Parameters["@value"].Value = (object)(8.0);</a:t>
+              <a:t>= </a:t>
+            </a:r>
+            <a:r>
+              <a:rPr lang="en-US" sz="1400" dirty="0" err="1">
+                <a:solidFill>
+                  <a:schemeClr val="bg1"/>
+                </a:solidFill>
+                <a:latin typeface="Courier New" pitchFamily="49" charset="0"/>
+                <a:ea typeface="Calibri" pitchFamily="34" charset="0"/>
+                <a:cs typeface="Courier New" pitchFamily="49" charset="0"/>
+              </a:rPr>
+              <a:t>SqlDbType</a:t>
+            </a:r>
+            <a:r>
+              <a:rPr lang="be-BY" sz="1400" dirty="0">
+                <a:solidFill>
+                  <a:schemeClr val="bg1"/>
+                </a:solidFill>
+                <a:latin typeface="Courier New" pitchFamily="49" charset="0"/>
+                <a:ea typeface="Calibri" pitchFamily="34" charset="0"/>
+                <a:cs typeface="Courier New" pitchFamily="49" charset="0"/>
+              </a:rPr>
+              <a:t>.</a:t>
+            </a:r>
+            <a:r>
+              <a:rPr lang="en-US" sz="1400" dirty="0">
+                <a:solidFill>
+                  <a:schemeClr val="bg1"/>
+                </a:solidFill>
+                <a:latin typeface="Courier New" pitchFamily="49" charset="0"/>
+                <a:ea typeface="Calibri" pitchFamily="34" charset="0"/>
+                <a:cs typeface="Courier New" pitchFamily="49" charset="0"/>
+              </a:rPr>
+              <a:t>Float</a:t>
+            </a:r>
+            <a:r>
+              <a:rPr lang="be-BY" sz="1400" dirty="0">
+                <a:solidFill>
+                  <a:schemeClr val="bg1"/>
+                </a:solidFill>
+                <a:latin typeface="Courier New" pitchFamily="49" charset="0"/>
+                <a:ea typeface="Calibri" pitchFamily="34" charset="0"/>
+                <a:cs typeface="Courier New" pitchFamily="49" charset="0"/>
+              </a:rPr>
+              <a:t>;</a:t>
+            </a:r>
+            <a:endParaRPr lang="be-BY" sz="1400" dirty="0">
+              <a:solidFill>
+                <a:schemeClr val="bg1"/>
+              </a:solidFill>
+              <a:latin typeface="Arial" pitchFamily="34" charset="0"/>
+            </a:endParaRPr>
+          </a:p>
+          <a:p>
+            <a:pPr eaLnBrk="0" hangingPunct="0">
+              <a:defRPr/>
+            </a:pPr>
+            <a:r>
+              <a:rPr lang="en-US" sz="1400" dirty="0" smtClean="0">
+                <a:solidFill>
+                  <a:schemeClr val="bg1"/>
+                </a:solidFill>
+                <a:latin typeface="Courier New" pitchFamily="49" charset="0"/>
+                <a:ea typeface="Calibri" pitchFamily="34" charset="0"/>
+                <a:cs typeface="Courier New" pitchFamily="49" charset="0"/>
+              </a:rPr>
+              <a:t>    </a:t>
+            </a:r>
+          </a:p>
+          <a:p>
+            <a:pPr eaLnBrk="0" hangingPunct="0">
+              <a:defRPr/>
+            </a:pPr>
+            <a:r>
+              <a:rPr lang="en-US" sz="1400" dirty="0">
+                <a:solidFill>
+                  <a:schemeClr val="bg1"/>
+                </a:solidFill>
+                <a:latin typeface="Courier New" pitchFamily="49" charset="0"/>
+                <a:ea typeface="Calibri" pitchFamily="34" charset="0"/>
+                <a:cs typeface="Courier New" pitchFamily="49" charset="0"/>
+              </a:rPr>
+              <a:t> </a:t>
+            </a:r>
+            <a:r>
+              <a:rPr lang="en-US" sz="1400" dirty="0" smtClean="0">
+                <a:solidFill>
+                  <a:schemeClr val="bg1"/>
+                </a:solidFill>
+                <a:latin typeface="Courier New" pitchFamily="49" charset="0"/>
+                <a:ea typeface="Calibri" pitchFamily="34" charset="0"/>
+                <a:cs typeface="Courier New" pitchFamily="49" charset="0"/>
+              </a:rPr>
+              <a:t>   </a:t>
+            </a:r>
+            <a:r>
+              <a:rPr lang="en-US" sz="1400" dirty="0" err="1" smtClean="0">
+                <a:solidFill>
+                  <a:schemeClr val="bg1"/>
+                </a:solidFill>
+                <a:latin typeface="Courier New" pitchFamily="49" charset="0"/>
+                <a:ea typeface="Calibri" pitchFamily="34" charset="0"/>
+                <a:cs typeface="Courier New" pitchFamily="49" charset="0"/>
+              </a:rPr>
+              <a:t>sqlC</a:t>
+            </a:r>
+            <a:r>
+              <a:rPr lang="be-BY" sz="1400" dirty="0" smtClean="0">
+                <a:solidFill>
+                  <a:schemeClr val="bg1"/>
+                </a:solidFill>
+                <a:latin typeface="Courier New" pitchFamily="49" charset="0"/>
+                <a:ea typeface="Calibri" pitchFamily="34" charset="0"/>
+                <a:cs typeface="Courier New" pitchFamily="49" charset="0"/>
+              </a:rPr>
+              <a:t>md.Parameters.Add(prm</a:t>
+            </a:r>
+            <a:r>
+              <a:rPr lang="en-US" sz="1400" dirty="0">
+                <a:solidFill>
+                  <a:schemeClr val="bg1"/>
+                </a:solidFill>
+                <a:latin typeface="Courier New" pitchFamily="49" charset="0"/>
+                <a:ea typeface="Calibri" pitchFamily="34" charset="0"/>
+                <a:cs typeface="Courier New" pitchFamily="49" charset="0"/>
+              </a:rPr>
+              <a:t>Grade</a:t>
+            </a:r>
+            <a:r>
+              <a:rPr lang="be-BY" sz="1400" dirty="0" smtClean="0">
+                <a:solidFill>
+                  <a:schemeClr val="bg1"/>
+                </a:solidFill>
+                <a:latin typeface="Courier New" pitchFamily="49" charset="0"/>
+                <a:ea typeface="Calibri" pitchFamily="34" charset="0"/>
+                <a:cs typeface="Courier New" pitchFamily="49" charset="0"/>
+              </a:rPr>
+              <a:t>);</a:t>
             </a:r>
             <a:endParaRPr lang="be-BY" sz="1400" dirty="0">
               <a:solidFill>
@@ -21387,16 +22400,16 @@
               <a:t>в свойстве </a:t>
             </a:r>
             <a:r>
-              <a:rPr lang="en-US" sz="1400" dirty="0" err="1">
+              <a:rPr lang="en-US" sz="1400" dirty="0" err="1" smtClean="0">
                 <a:solidFill>
                   <a:schemeClr val="bg1"/>
                 </a:solidFill>
                 <a:cs typeface="Times New Roman" pitchFamily="18" charset="0"/>
               </a:rPr>
-              <a:t>cmd.Parameters</a:t>
-            </a:r>
-            <a:r>
-              <a:rPr lang="en-US" sz="1400" dirty="0">
+              <a:t>SqlCommand.Parameters</a:t>
+            </a:r>
+            <a:r>
+              <a:rPr lang="en-US" sz="1400" dirty="0" smtClean="0">
                 <a:solidFill>
                   <a:schemeClr val="bg1"/>
                 </a:solidFill>
@@ -22627,7 +23640,7 @@
         <p:spPr bwMode="auto">
           <a:xfrm>
             <a:off x="152400" y="381000"/>
-            <a:ext cx="8839200" cy="1600200"/>
+            <a:ext cx="8839200" cy="1384995"/>
           </a:xfrm>
           <a:prstGeom prst="rect">
             <a:avLst/>
@@ -22700,64 +23713,117 @@
                   <a:schemeClr val="bg1"/>
                 </a:solidFill>
               </a:rPr>
-              <a:t>невозможно созать при помощи конструктора – они создаются при вызове метода  ExecuteReader().</a:t>
-            </a:r>
-            <a:endParaRPr lang="en-US" sz="1400" dirty="0">
+              <a:t>невозможно созать при помощи конструктора – они создаются при вызове метода  ExecuteReader</a:t>
+            </a:r>
+            <a:r>
+              <a:rPr lang="ru-RU" sz="1400" dirty="0" smtClean="0">
+                <a:solidFill>
+                  <a:schemeClr val="bg1"/>
+                </a:solidFill>
+              </a:rPr>
+              <a:t>(). </a:t>
+            </a:r>
+            <a:r>
+              <a:rPr lang="en-US" sz="1400" dirty="0" smtClean="0">
+                <a:solidFill>
+                  <a:schemeClr val="bg1"/>
+                </a:solidFill>
+              </a:rPr>
+              <a:t> </a:t>
+            </a:r>
+            <a:r>
+              <a:rPr lang="ru-RU" sz="1400" dirty="0" smtClean="0">
+                <a:solidFill>
+                  <a:schemeClr val="bg1"/>
+                </a:solidFill>
+              </a:rPr>
+              <a:t>Ридеры </a:t>
+            </a:r>
+            <a:r>
+              <a:rPr lang="ru-RU" sz="1400" dirty="0">
+                <a:solidFill>
+                  <a:schemeClr val="bg1"/>
+                </a:solidFill>
+              </a:rPr>
+              <a:t>позволяют перемещаться по данным набора строго последовательно и в одном направлении – от начала к концу</a:t>
+            </a:r>
+            <a:r>
+              <a:rPr lang="ru-RU" sz="1400" dirty="0" smtClean="0">
+                <a:solidFill>
+                  <a:schemeClr val="bg1"/>
+                </a:solidFill>
+              </a:rPr>
+              <a:t>. </a:t>
+            </a:r>
+            <a:r>
+              <a:rPr lang="en-US" sz="1400" dirty="0" smtClean="0">
+                <a:solidFill>
+                  <a:schemeClr val="bg1"/>
+                </a:solidFill>
+              </a:rPr>
+              <a:t> </a:t>
+            </a:r>
+            <a:r>
+              <a:rPr lang="ru-RU" sz="1400" dirty="0" smtClean="0">
+                <a:solidFill>
+                  <a:schemeClr val="bg1"/>
+                </a:solidFill>
+              </a:rPr>
+              <a:t>Данные</a:t>
+            </a:r>
+            <a:r>
+              <a:rPr lang="ru-RU" sz="1400" dirty="0">
+                <a:solidFill>
+                  <a:schemeClr val="bg1"/>
+                </a:solidFill>
+              </a:rPr>
+              <a:t>, полученные при помощи ридера, доступны только для чтения</a:t>
+            </a:r>
+            <a:r>
+              <a:rPr lang="ru-RU" sz="1400" dirty="0" smtClean="0">
+                <a:solidFill>
+                  <a:schemeClr val="bg1"/>
+                </a:solidFill>
+              </a:rPr>
+              <a:t>. На </a:t>
+            </a:r>
+            <a:r>
+              <a:rPr lang="ru-RU" sz="1400" dirty="0">
+                <a:solidFill>
+                  <a:schemeClr val="bg1"/>
+                </a:solidFill>
+              </a:rPr>
+              <a:t>время чтения данных соответствующее соединение с базой блокируется, то есть соединение не может быть использовано другими командами, пока чтение данных не завершено</a:t>
+            </a:r>
+            <a:r>
+              <a:rPr lang="ru-RU" sz="1400" dirty="0" smtClean="0">
+                <a:solidFill>
+                  <a:schemeClr val="bg1"/>
+                </a:solidFill>
+              </a:rPr>
+              <a:t>. После завершения чтения </a:t>
+            </a:r>
+            <a:r>
+              <a:rPr lang="en-US" sz="1400" dirty="0" smtClean="0">
+                <a:solidFill>
+                  <a:schemeClr val="bg1"/>
+                </a:solidFill>
+              </a:rPr>
+              <a:t>reader </a:t>
+            </a:r>
+            <a:r>
+              <a:rPr lang="ru-RU" sz="1400" dirty="0" smtClean="0">
+                <a:solidFill>
+                  <a:schemeClr val="bg1"/>
+                </a:solidFill>
+              </a:rPr>
+              <a:t>требуется закрыть!</a:t>
+            </a:r>
+            <a:endParaRPr lang="ru-RU" sz="1400" dirty="0">
               <a:solidFill>
                 <a:schemeClr val="bg1"/>
               </a:solidFill>
             </a:endParaRPr>
-          </a:p>
-          <a:p>
-            <a:r>
-              <a:rPr lang="en-US" sz="1400" dirty="0">
-                <a:solidFill>
-                  <a:schemeClr val="bg1"/>
-                </a:solidFill>
-              </a:rPr>
-              <a:t>	</a:t>
-            </a:r>
-            <a:r>
-              <a:rPr lang="ru-RU" sz="1400" dirty="0">
-                <a:solidFill>
-                  <a:schemeClr val="bg1"/>
-                </a:solidFill>
-              </a:rPr>
-              <a:t>Ридеры позволяют перемещаться по данным набора строго последовательно и в одном направлении – от начала к концу.</a:t>
-            </a:r>
-            <a:endParaRPr lang="en-US" sz="1400" dirty="0">
-              <a:solidFill>
-                <a:schemeClr val="bg1"/>
-              </a:solidFill>
-            </a:endParaRPr>
-          </a:p>
-          <a:p>
-            <a:r>
-              <a:rPr lang="en-US" sz="1400" dirty="0">
-                <a:solidFill>
-                  <a:schemeClr val="bg1"/>
-                </a:solidFill>
-              </a:rPr>
-              <a:t>	</a:t>
-            </a:r>
-            <a:r>
-              <a:rPr lang="ru-RU" sz="1400" dirty="0">
-                <a:solidFill>
-                  <a:schemeClr val="bg1"/>
-                </a:solidFill>
-              </a:rPr>
-              <a:t>Данные, полученные при помощи ридера, доступны только для чтения.</a:t>
-            </a:r>
-          </a:p>
-          <a:p>
-            <a:r>
-              <a:rPr lang="ru-RU" sz="1400" dirty="0">
-                <a:solidFill>
-                  <a:schemeClr val="bg1"/>
-                </a:solidFill>
-              </a:rPr>
-              <a:t>	На время чтения данных соответствующее соединение с базой блокируется, то есть соединение не может быть использовано другими командами, пока чтение данных не завершено.</a:t>
-            </a:r>
           </a:p>
         </p:txBody>
       </p:sp>
@@ -22771,8 +23837,8 @@
         </p:nvSpPr>
         <p:spPr bwMode="auto">
           <a:xfrm>
-            <a:off x="152400" y="1981200"/>
-            <a:ext cx="8839200" cy="2032000"/>
+            <a:off x="152400" y="1758295"/>
+            <a:ext cx="8839200" cy="2246769"/>
           </a:xfrm>
           <a:prstGeom prst="rect">
             <a:avLst/>
@@ -22800,6 +23866,39 @@
               <a:defRPr/>
             </a:pPr>
             <a:r>
+              <a:rPr lang="be-BY" sz="1400" dirty="0" smtClean="0">
+                <a:solidFill>
+                  <a:schemeClr val="bg1"/>
+                </a:solidFill>
+                <a:latin typeface="Courier New" pitchFamily="49" charset="0"/>
+                <a:ea typeface="Calibri" pitchFamily="34" charset="0"/>
+                <a:cs typeface="Courier New" pitchFamily="49" charset="0"/>
+              </a:rPr>
+              <a:t>SqlCommand </a:t>
+            </a:r>
+            <a:r>
+              <a:rPr lang="en-US" sz="1400" dirty="0" err="1" smtClean="0">
+                <a:solidFill>
+                  <a:schemeClr val="bg1"/>
+                </a:solidFill>
+                <a:latin typeface="Courier New" pitchFamily="49" charset="0"/>
+                <a:ea typeface="Calibri" pitchFamily="34" charset="0"/>
+                <a:cs typeface="Courier New" pitchFamily="49" charset="0"/>
+              </a:rPr>
+              <a:t>sqlC</a:t>
+            </a:r>
+            <a:r>
+              <a:rPr lang="be-BY" sz="1400" dirty="0" smtClean="0">
+                <a:solidFill>
+                  <a:schemeClr val="bg1"/>
+                </a:solidFill>
+                <a:latin typeface="Courier New" pitchFamily="49" charset="0"/>
+                <a:ea typeface="Calibri" pitchFamily="34" charset="0"/>
+                <a:cs typeface="Courier New" pitchFamily="49" charset="0"/>
+              </a:rPr>
+              <a:t>md </a:t>
+            </a:r>
+            <a:r>
               <a:rPr lang="be-BY" sz="1400" dirty="0">
                 <a:solidFill>
                   <a:schemeClr val="bg1"/>
@@ -22808,7 +23907,40 @@
                 <a:ea typeface="Calibri" pitchFamily="34" charset="0"/>
                 <a:cs typeface="Courier New" pitchFamily="49" charset="0"/>
               </a:rPr>
-              <a:t>    SqlCommand cmd = connection.CreateCommand();</a:t>
+              <a:t>= </a:t>
+            </a:r>
+            <a:r>
+              <a:rPr lang="en-US" sz="1400" dirty="0" err="1" smtClean="0">
+                <a:solidFill>
+                  <a:schemeClr val="bg1"/>
+                </a:solidFill>
+                <a:latin typeface="Courier New" pitchFamily="49" charset="0"/>
+                <a:ea typeface="Calibri" pitchFamily="34" charset="0"/>
+                <a:cs typeface="Courier New" pitchFamily="49" charset="0"/>
+              </a:rPr>
+              <a:t>sqlConn</a:t>
+            </a:r>
+            <a:r>
+              <a:rPr lang="be-BY" sz="1400" dirty="0" smtClean="0">
+                <a:solidFill>
+                  <a:schemeClr val="bg1"/>
+                </a:solidFill>
+                <a:latin typeface="Courier New" pitchFamily="49" charset="0"/>
+                <a:ea typeface="Calibri" pitchFamily="34" charset="0"/>
+                <a:cs typeface="Courier New" pitchFamily="49" charset="0"/>
+              </a:rPr>
+              <a:t>.CreateCommand</a:t>
+            </a:r>
+            <a:r>
+              <a:rPr lang="be-BY" sz="1400" dirty="0">
+                <a:solidFill>
+                  <a:schemeClr val="bg1"/>
+                </a:solidFill>
+                <a:latin typeface="Courier New" pitchFamily="49" charset="0"/>
+                <a:ea typeface="Calibri" pitchFamily="34" charset="0"/>
+                <a:cs typeface="Courier New" pitchFamily="49" charset="0"/>
+              </a:rPr>
+              <a:t>();</a:t>
             </a:r>
             <a:endParaRPr lang="be-BY" sz="1400" dirty="0">
               <a:solidFill>
@@ -22823,6 +23955,28 @@
               <a:defRPr/>
             </a:pPr>
             <a:r>
+              <a:rPr lang="en-US" sz="1400" dirty="0" err="1" smtClean="0">
+                <a:solidFill>
+                  <a:schemeClr val="bg1"/>
+                </a:solidFill>
+                <a:latin typeface="Courier New" pitchFamily="49" charset="0"/>
+                <a:ea typeface="Calibri" pitchFamily="34" charset="0"/>
+                <a:cs typeface="Courier New" pitchFamily="49" charset="0"/>
+              </a:rPr>
+              <a:t>sqlC</a:t>
+            </a:r>
+            <a:r>
+              <a:rPr lang="be-BY" sz="1400" dirty="0" smtClean="0">
+                <a:solidFill>
+                  <a:schemeClr val="bg1"/>
+                </a:solidFill>
+                <a:latin typeface="Courier New" pitchFamily="49" charset="0"/>
+                <a:ea typeface="Calibri" pitchFamily="34" charset="0"/>
+                <a:cs typeface="Courier New" pitchFamily="49" charset="0"/>
+              </a:rPr>
+              <a:t>md.CommandText </a:t>
+            </a:r>
+            <a:r>
               <a:rPr lang="be-BY" sz="1400" dirty="0">
                 <a:solidFill>
                   <a:schemeClr val="bg1"/>
@@ -22831,7 +23985,7 @@
                 <a:ea typeface="Calibri" pitchFamily="34" charset="0"/>
                 <a:cs typeface="Courier New" pitchFamily="49" charset="0"/>
               </a:rPr>
-              <a:t>    cmd.CommandText = "SELECT * FROM Students";</a:t>
+              <a:t>= "SELECT * FROM Students";</a:t>
             </a:r>
             <a:endParaRPr lang="be-BY" sz="1400" dirty="0">
               <a:solidFill>
@@ -22846,6 +24000,50 @@
               <a:defRPr/>
             </a:pPr>
             <a:r>
+              <a:rPr lang="en-US" sz="1400" dirty="0" smtClean="0">
+                <a:solidFill>
+                  <a:schemeClr val="bg1"/>
+                </a:solidFill>
+                <a:latin typeface="Courier New" pitchFamily="49" charset="0"/>
+                <a:ea typeface="Calibri" pitchFamily="34" charset="0"/>
+                <a:cs typeface="Courier New" pitchFamily="49" charset="0"/>
+              </a:rPr>
+              <a:t>using (</a:t>
+            </a:r>
+            <a:r>
+              <a:rPr lang="be-BY" sz="1400" dirty="0" smtClean="0">
+                <a:solidFill>
+                  <a:schemeClr val="bg1"/>
+                </a:solidFill>
+                <a:latin typeface="Courier New" pitchFamily="49" charset="0"/>
+                <a:ea typeface="Calibri" pitchFamily="34" charset="0"/>
+                <a:cs typeface="Courier New" pitchFamily="49" charset="0"/>
+              </a:rPr>
+              <a:t>SqlDataReader </a:t>
+            </a:r>
+            <a:r>
+              <a:rPr lang="en-US" sz="1400" dirty="0" err="1" smtClean="0">
+                <a:solidFill>
+                  <a:schemeClr val="bg1"/>
+                </a:solidFill>
+                <a:latin typeface="Courier New" pitchFamily="49" charset="0"/>
+                <a:ea typeface="Calibri" pitchFamily="34" charset="0"/>
+                <a:cs typeface="Courier New" pitchFamily="49" charset="0"/>
+              </a:rPr>
+              <a:t>sqlDR</a:t>
+            </a:r>
+            <a:r>
+              <a:rPr lang="be-BY" sz="1400" dirty="0" smtClean="0">
+                <a:solidFill>
+                  <a:schemeClr val="bg1"/>
+                </a:solidFill>
+                <a:latin typeface="Courier New" pitchFamily="49" charset="0"/>
+                <a:ea typeface="Calibri" pitchFamily="34" charset="0"/>
+                <a:cs typeface="Courier New" pitchFamily="49" charset="0"/>
+              </a:rPr>
+              <a:t> </a:t>
+            </a:r>
+            <a:r>
               <a:rPr lang="be-BY" sz="1400" dirty="0">
                 <a:solidFill>
                   <a:schemeClr val="bg1"/>
@@ -22854,7 +24052,51 @@
                 <a:ea typeface="Calibri" pitchFamily="34" charset="0"/>
                 <a:cs typeface="Courier New" pitchFamily="49" charset="0"/>
               </a:rPr>
-              <a:t>    SqlDataReader reader = cmd.ExecuteReader(); //Получаем ридер по запросу</a:t>
+              <a:t>= cmd.ExecuteReader</a:t>
+            </a:r>
+            <a:r>
+              <a:rPr lang="be-BY" sz="1400" dirty="0" smtClean="0">
+                <a:solidFill>
+                  <a:schemeClr val="bg1"/>
+                </a:solidFill>
+                <a:latin typeface="Courier New" pitchFamily="49" charset="0"/>
+                <a:ea typeface="Calibri" pitchFamily="34" charset="0"/>
+                <a:cs typeface="Courier New" pitchFamily="49" charset="0"/>
+              </a:rPr>
+              <a:t>()</a:t>
+            </a:r>
+            <a:r>
+              <a:rPr lang="en-US" sz="1400" dirty="0" smtClean="0">
+                <a:solidFill>
+                  <a:schemeClr val="bg1"/>
+                </a:solidFill>
+                <a:latin typeface="Courier New" pitchFamily="49" charset="0"/>
+                <a:ea typeface="Calibri" pitchFamily="34" charset="0"/>
+                <a:cs typeface="Courier New" pitchFamily="49" charset="0"/>
+              </a:rPr>
+              <a:t>)</a:t>
+            </a:r>
+            <a:r>
+              <a:rPr lang="be-BY" sz="1400" dirty="0" smtClean="0">
+                <a:solidFill>
+                  <a:schemeClr val="bg1"/>
+                </a:solidFill>
+                <a:latin typeface="Courier New" pitchFamily="49" charset="0"/>
+                <a:ea typeface="Calibri" pitchFamily="34" charset="0"/>
+                <a:cs typeface="Courier New" pitchFamily="49" charset="0"/>
+              </a:rPr>
+              <a:t> </a:t>
+            </a:r>
+            <a:r>
+              <a:rPr lang="be-BY" sz="1400" dirty="0">
+                <a:solidFill>
+                  <a:schemeClr val="bg1"/>
+                </a:solidFill>
+                <a:latin typeface="Courier New" pitchFamily="49" charset="0"/>
+                <a:ea typeface="Calibri" pitchFamily="34" charset="0"/>
+                <a:cs typeface="Courier New" pitchFamily="49" charset="0"/>
+              </a:rPr>
+              <a:t>//Получаем ридер по запросу</a:t>
             </a:r>
             <a:endParaRPr lang="be-BY" sz="1400" dirty="0">
               <a:solidFill>
@@ -22869,6 +24111,77 @@
               <a:defRPr/>
             </a:pPr>
             <a:r>
+              <a:rPr lang="en-US" sz="1400" dirty="0" smtClean="0">
+                <a:solidFill>
+                  <a:schemeClr val="bg1"/>
+                </a:solidFill>
+                <a:latin typeface="Courier New" pitchFamily="49" charset="0"/>
+                <a:ea typeface="Calibri" pitchFamily="34" charset="0"/>
+                <a:cs typeface="Courier New" pitchFamily="49" charset="0"/>
+              </a:rPr>
+              <a:t>{</a:t>
+            </a:r>
+          </a:p>
+          <a:p>
+            <a:pPr eaLnBrk="0" hangingPunct="0">
+              <a:defRPr/>
+            </a:pPr>
+            <a:r>
+              <a:rPr lang="en-US" sz="1400" dirty="0">
+                <a:solidFill>
+                  <a:schemeClr val="bg1"/>
+                </a:solidFill>
+                <a:latin typeface="Courier New" pitchFamily="49" charset="0"/>
+                <a:ea typeface="Calibri" pitchFamily="34" charset="0"/>
+                <a:cs typeface="Courier New" pitchFamily="49" charset="0"/>
+              </a:rPr>
+              <a:t> </a:t>
+            </a:r>
+            <a:r>
+              <a:rPr lang="en-US" sz="1400" dirty="0" smtClean="0">
+                <a:solidFill>
+                  <a:schemeClr val="bg1"/>
+                </a:solidFill>
+                <a:latin typeface="Courier New" pitchFamily="49" charset="0"/>
+                <a:ea typeface="Calibri" pitchFamily="34" charset="0"/>
+                <a:cs typeface="Courier New" pitchFamily="49" charset="0"/>
+              </a:rPr>
+              <a:t>   </a:t>
+            </a:r>
+            <a:r>
+              <a:rPr lang="be-BY" sz="1400" dirty="0" smtClean="0">
+                <a:solidFill>
+                  <a:schemeClr val="bg1"/>
+                </a:solidFill>
+                <a:latin typeface="Courier New" pitchFamily="49" charset="0"/>
+                <a:ea typeface="Calibri" pitchFamily="34" charset="0"/>
+                <a:cs typeface="Courier New" pitchFamily="49" charset="0"/>
+              </a:rPr>
+              <a:t>while (</a:t>
+            </a:r>
+            <a:r>
+              <a:rPr lang="en-US" sz="1400" dirty="0" err="1">
+                <a:solidFill>
+                  <a:schemeClr val="bg1"/>
+                </a:solidFill>
+                <a:latin typeface="Courier New" pitchFamily="49" charset="0"/>
+                <a:ea typeface="Calibri" pitchFamily="34" charset="0"/>
+                <a:cs typeface="Courier New" pitchFamily="49" charset="0"/>
+              </a:rPr>
+              <a:t>sqlDR</a:t>
+            </a:r>
+            <a:r>
+              <a:rPr lang="be-BY" sz="1400" dirty="0" smtClean="0">
+                <a:solidFill>
+                  <a:schemeClr val="bg1"/>
+                </a:solidFill>
+                <a:latin typeface="Courier New" pitchFamily="49" charset="0"/>
+                <a:ea typeface="Calibri" pitchFamily="34" charset="0"/>
+                <a:cs typeface="Courier New" pitchFamily="49" charset="0"/>
+              </a:rPr>
+              <a:t>.Read</a:t>
+            </a:r>
+            <a:r>
               <a:rPr lang="be-BY" sz="1400" dirty="0">
                 <a:solidFill>
                   <a:schemeClr val="bg1"/>
@@ -22877,7 +24190,7 @@
                 <a:ea typeface="Calibri" pitchFamily="34" charset="0"/>
                 <a:cs typeface="Courier New" pitchFamily="49" charset="0"/>
               </a:rPr>
-              <a:t>    while (reader.Read())</a:t>
+              <a:t>())</a:t>
             </a:r>
             <a:endParaRPr lang="be-BY" sz="1400" dirty="0">
               <a:solidFill>
@@ -22892,15 +24205,26 @@
               <a:defRPr/>
             </a:pPr>
             <a:r>
-              <a:rPr lang="be-BY" sz="1400" dirty="0">
-                <a:solidFill>
-                  <a:schemeClr val="bg1"/>
-                </a:solidFill>
-                <a:latin typeface="Courier New" pitchFamily="49" charset="0"/>
-                <a:ea typeface="Calibri" pitchFamily="34" charset="0"/>
-                <a:cs typeface="Courier New" pitchFamily="49" charset="0"/>
-              </a:rPr>
-              <a:t>    {</a:t>
+              <a:rPr lang="en-US" sz="1400" dirty="0" smtClean="0">
+                <a:solidFill>
+                  <a:schemeClr val="bg1"/>
+                </a:solidFill>
+                <a:latin typeface="Courier New" pitchFamily="49" charset="0"/>
+                <a:ea typeface="Calibri" pitchFamily="34" charset="0"/>
+                <a:cs typeface="Courier New" pitchFamily="49" charset="0"/>
+              </a:rPr>
+              <a:t>    </a:t>
+            </a:r>
+            <a:r>
+              <a:rPr lang="be-BY" sz="1400" dirty="0" smtClean="0">
+                <a:solidFill>
+                  <a:schemeClr val="bg1"/>
+                </a:solidFill>
+                <a:latin typeface="Courier New" pitchFamily="49" charset="0"/>
+                <a:ea typeface="Calibri" pitchFamily="34" charset="0"/>
+                <a:cs typeface="Courier New" pitchFamily="49" charset="0"/>
+              </a:rPr>
+              <a:t>{</a:t>
             </a:r>
             <a:endParaRPr lang="be-BY" sz="1400" dirty="0">
               <a:solidFill>
@@ -22915,6 +24239,39 @@
               <a:defRPr/>
             </a:pPr>
             <a:r>
+              <a:rPr lang="be-BY" sz="1400" dirty="0" smtClean="0">
+                <a:solidFill>
+                  <a:schemeClr val="bg1"/>
+                </a:solidFill>
+                <a:latin typeface="Courier New" pitchFamily="49" charset="0"/>
+                <a:ea typeface="Calibri" pitchFamily="34" charset="0"/>
+                <a:cs typeface="Courier New" pitchFamily="49" charset="0"/>
+              </a:rPr>
+              <a:t>    </a:t>
+            </a:r>
+            <a:r>
+              <a:rPr lang="en-US" sz="1400" dirty="0" smtClean="0">
+                <a:solidFill>
+                  <a:schemeClr val="bg1"/>
+                </a:solidFill>
+                <a:latin typeface="Courier New" pitchFamily="49" charset="0"/>
+                <a:ea typeface="Calibri" pitchFamily="34" charset="0"/>
+                <a:cs typeface="Courier New" pitchFamily="49" charset="0"/>
+              </a:rPr>
+              <a:t>    </a:t>
+            </a:r>
+            <a:r>
+              <a:rPr lang="be-BY" sz="1400" dirty="0" smtClean="0">
+                <a:solidFill>
+                  <a:schemeClr val="bg1"/>
+                </a:solidFill>
+                <a:latin typeface="Courier New" pitchFamily="49" charset="0"/>
+                <a:ea typeface="Calibri" pitchFamily="34" charset="0"/>
+                <a:cs typeface="Courier New" pitchFamily="49" charset="0"/>
+              </a:rPr>
+              <a:t>//</a:t>
+            </a:r>
+            <a:r>
               <a:rPr lang="be-BY" sz="1400" dirty="0">
                 <a:solidFill>
                   <a:schemeClr val="bg1"/>
@@ -22923,7 +24280,7 @@
                 <a:ea typeface="Calibri" pitchFamily="34" charset="0"/>
                 <a:cs typeface="Courier New" pitchFamily="49" charset="0"/>
               </a:rPr>
-              <a:t>        //Читаем информацию из таблицы</a:t>
+              <a:t>Читаем информацию из таблицы</a:t>
             </a:r>
             <a:endParaRPr lang="be-BY" sz="1400" dirty="0">
               <a:solidFill>
@@ -22938,6 +24295,28 @@
               <a:defRPr/>
             </a:pPr>
             <a:r>
+              <a:rPr lang="en-US" sz="1400" dirty="0" smtClean="0">
+                <a:solidFill>
+                  <a:schemeClr val="bg1"/>
+                </a:solidFill>
+                <a:latin typeface="Courier New" pitchFamily="49" charset="0"/>
+                <a:ea typeface="Calibri" pitchFamily="34" charset="0"/>
+                <a:cs typeface="Courier New" pitchFamily="49" charset="0"/>
+              </a:rPr>
+              <a:t>    </a:t>
+            </a:r>
+            <a:r>
+              <a:rPr lang="be-BY" sz="1400" dirty="0" smtClean="0">
+                <a:solidFill>
+                  <a:schemeClr val="bg1"/>
+                </a:solidFill>
+                <a:latin typeface="Courier New" pitchFamily="49" charset="0"/>
+                <a:ea typeface="Calibri" pitchFamily="34" charset="0"/>
+                <a:cs typeface="Courier New" pitchFamily="49" charset="0"/>
+              </a:rPr>
+              <a:t>    </a:t>
+            </a:r>
+            <a:r>
               <a:rPr lang="be-BY" sz="1400" dirty="0">
                 <a:solidFill>
                   <a:schemeClr val="bg1"/>
@@ -22946,7 +24325,73 @@
                 <a:ea typeface="Calibri" pitchFamily="34" charset="0"/>
                 <a:cs typeface="Courier New" pitchFamily="49" charset="0"/>
               </a:rPr>
-              <a:t>        Console.Write("Student : {0} grade{1}", reader["Name"], reader["Grade"]);</a:t>
+              <a:t>Console.Write("Student : {0} grade{1}", </a:t>
+            </a:r>
+            <a:r>
+              <a:rPr lang="en-US" sz="1400" dirty="0" err="1">
+                <a:solidFill>
+                  <a:schemeClr val="bg1"/>
+                </a:solidFill>
+                <a:latin typeface="Courier New" pitchFamily="49" charset="0"/>
+                <a:ea typeface="Calibri" pitchFamily="34" charset="0"/>
+                <a:cs typeface="Courier New" pitchFamily="49" charset="0"/>
+              </a:rPr>
+              <a:t>sqlDR</a:t>
+            </a:r>
+            <a:r>
+              <a:rPr lang="be-BY" sz="1400" dirty="0" smtClean="0">
+                <a:solidFill>
+                  <a:schemeClr val="bg1"/>
+                </a:solidFill>
+                <a:latin typeface="Courier New" pitchFamily="49" charset="0"/>
+                <a:ea typeface="Calibri" pitchFamily="34" charset="0"/>
+                <a:cs typeface="Courier New" pitchFamily="49" charset="0"/>
+              </a:rPr>
+              <a:t>["</a:t>
+            </a:r>
+            <a:r>
+              <a:rPr lang="be-BY" sz="1400" dirty="0">
+                <a:solidFill>
+                  <a:schemeClr val="bg1"/>
+                </a:solidFill>
+                <a:latin typeface="Courier New" pitchFamily="49" charset="0"/>
+                <a:ea typeface="Calibri" pitchFamily="34" charset="0"/>
+                <a:cs typeface="Courier New" pitchFamily="49" charset="0"/>
+              </a:rPr>
+              <a:t>Name"], </a:t>
+            </a:r>
+            <a:r>
+              <a:rPr lang="en-US" sz="1400" dirty="0" err="1">
+                <a:solidFill>
+                  <a:schemeClr val="bg1"/>
+                </a:solidFill>
+                <a:latin typeface="Courier New" pitchFamily="49" charset="0"/>
+                <a:ea typeface="Calibri" pitchFamily="34" charset="0"/>
+                <a:cs typeface="Courier New" pitchFamily="49" charset="0"/>
+              </a:rPr>
+              <a:t>sqlDR</a:t>
+            </a:r>
+            <a:r>
+              <a:rPr lang="be-BY" sz="1400" dirty="0" smtClean="0">
+                <a:solidFill>
+                  <a:schemeClr val="bg1"/>
+                </a:solidFill>
+                <a:latin typeface="Courier New" pitchFamily="49" charset="0"/>
+                <a:ea typeface="Calibri" pitchFamily="34" charset="0"/>
+                <a:cs typeface="Courier New" pitchFamily="49" charset="0"/>
+              </a:rPr>
+              <a:t>["</a:t>
+            </a:r>
+            <a:r>
+              <a:rPr lang="be-BY" sz="1400" dirty="0">
+                <a:solidFill>
+                  <a:schemeClr val="bg1"/>
+                </a:solidFill>
+                <a:latin typeface="Courier New" pitchFamily="49" charset="0"/>
+                <a:ea typeface="Calibri" pitchFamily="34" charset="0"/>
+                <a:cs typeface="Courier New" pitchFamily="49" charset="0"/>
+              </a:rPr>
+              <a:t>Grade"]);</a:t>
             </a:r>
             <a:endParaRPr lang="be-BY" sz="1400" dirty="0">
               <a:solidFill>
@@ -22984,15 +24429,70 @@
               <a:defRPr/>
             </a:pPr>
             <a:r>
-              <a:rPr lang="be-BY" sz="1400" dirty="0">
-                <a:solidFill>
-                  <a:schemeClr val="bg1"/>
-                </a:solidFill>
-                <a:latin typeface="Courier New" pitchFamily="49" charset="0"/>
-                <a:ea typeface="Calibri" pitchFamily="34" charset="0"/>
-                <a:cs typeface="Courier New" pitchFamily="49" charset="0"/>
-              </a:rPr>
-              <a:t>    reader.Close();     //После прочтения надо закрыть ридер</a:t>
+              <a:rPr lang="en-US" sz="1400" dirty="0" smtClean="0">
+                <a:solidFill>
+                  <a:schemeClr val="bg1"/>
+                </a:solidFill>
+                <a:latin typeface="Courier New" pitchFamily="49" charset="0"/>
+                <a:ea typeface="Calibri" pitchFamily="34" charset="0"/>
+                <a:cs typeface="Courier New" pitchFamily="49" charset="0"/>
+              </a:rPr>
+              <a:t>} // </a:t>
+            </a:r>
+            <a:r>
+              <a:rPr lang="ru-RU" sz="1400" dirty="0" smtClean="0">
+                <a:solidFill>
+                  <a:schemeClr val="bg1"/>
+                </a:solidFill>
+                <a:latin typeface="Courier New" pitchFamily="49" charset="0"/>
+                <a:ea typeface="Calibri" pitchFamily="34" charset="0"/>
+                <a:cs typeface="Courier New" pitchFamily="49" charset="0"/>
+              </a:rPr>
+              <a:t>Использование </a:t>
+            </a:r>
+            <a:r>
+              <a:rPr lang="en-US" sz="1400" dirty="0" smtClean="0">
+                <a:solidFill>
+                  <a:schemeClr val="bg1"/>
+                </a:solidFill>
+                <a:latin typeface="Courier New" pitchFamily="49" charset="0"/>
+                <a:ea typeface="Calibri" pitchFamily="34" charset="0"/>
+                <a:cs typeface="Courier New" pitchFamily="49" charset="0"/>
+              </a:rPr>
+              <a:t>using </a:t>
+            </a:r>
+            <a:r>
+              <a:rPr lang="ru-RU" sz="1400" dirty="0" smtClean="0">
+                <a:solidFill>
+                  <a:schemeClr val="bg1"/>
+                </a:solidFill>
+                <a:latin typeface="Courier New" pitchFamily="49" charset="0"/>
+                <a:ea typeface="Calibri" pitchFamily="34" charset="0"/>
+                <a:cs typeface="Courier New" pitchFamily="49" charset="0"/>
+              </a:rPr>
+              <a:t>гарантирует закрытие </a:t>
+            </a:r>
+            <a:r>
+              <a:rPr lang="en-US" sz="1400" dirty="0" err="1" smtClean="0">
+                <a:solidFill>
+                  <a:schemeClr val="bg1"/>
+                </a:solidFill>
+                <a:latin typeface="Courier New" pitchFamily="49" charset="0"/>
+                <a:ea typeface="Calibri" pitchFamily="34" charset="0"/>
+                <a:cs typeface="Courier New" pitchFamily="49" charset="0"/>
+              </a:rPr>
+              <a:t>reader’a</a:t>
+            </a:r>
+            <a:r>
+              <a:rPr lang="be-BY" sz="1400" dirty="0" smtClean="0">
+                <a:solidFill>
+                  <a:schemeClr val="bg1"/>
+                </a:solidFill>
+                <a:latin typeface="Courier New" pitchFamily="49" charset="0"/>
+                <a:ea typeface="Calibri" pitchFamily="34" charset="0"/>
+                <a:cs typeface="Courier New" pitchFamily="49" charset="0"/>
+              </a:rPr>
+              <a:t>    </a:t>
             </a:r>
             <a:endParaRPr lang="be-BY" sz="1400" dirty="0">
               <a:solidFill>
@@ -23067,8 +24567,8 @@
         </p:nvSpPr>
         <p:spPr bwMode="auto">
           <a:xfrm>
-            <a:off x="152400" y="4572000"/>
-            <a:ext cx="8839200" cy="2154238"/>
+            <a:off x="152400" y="4509120"/>
+            <a:ext cx="8839200" cy="2339102"/>
           </a:xfrm>
           <a:prstGeom prst="rect">
             <a:avLst/>
@@ -23092,7 +24592,7 @@
           </a:bodyPr>
           <a:lstStyle/>
           <a:p>
-            <a:pPr lvl="1" eaLnBrk="0" hangingPunct="0">
+            <a:pPr eaLnBrk="0" hangingPunct="0">
               <a:defRPr/>
             </a:pPr>
             <a:r>
@@ -23104,14 +24604,102 @@
                 <a:ea typeface="Calibri" pitchFamily="34" charset="0"/>
                 <a:cs typeface="Courier New" pitchFamily="49" charset="0"/>
               </a:rPr>
-              <a:t>SqlCommand cmd = connection.CreateCommand();</a:t>
-            </a:r>
-          </a:p>
-          <a:p>
-            <a:pPr lvl="1" eaLnBrk="0" hangingPunct="0">
+              <a:t>SqlCommand </a:t>
+            </a:r>
+            <a:r>
+              <a:rPr lang="en-US" sz="1200" dirty="0" err="1" smtClean="0">
+                <a:solidFill>
+                  <a:schemeClr val="bg1"/>
+                </a:solidFill>
+                <a:latin typeface="Courier New" pitchFamily="49" charset="0"/>
+                <a:ea typeface="Calibri" pitchFamily="34" charset="0"/>
+                <a:cs typeface="Courier New" pitchFamily="49" charset="0"/>
+              </a:rPr>
+              <a:t>sqlC</a:t>
+            </a:r>
+            <a:r>
+              <a:rPr lang="be-BY" sz="1200" dirty="0" smtClean="0">
+                <a:solidFill>
+                  <a:schemeClr val="bg1"/>
+                </a:solidFill>
+                <a:latin typeface="Courier New" pitchFamily="49" charset="0"/>
+                <a:ea typeface="Calibri" pitchFamily="34" charset="0"/>
+                <a:cs typeface="Courier New" pitchFamily="49" charset="0"/>
+              </a:rPr>
+              <a:t>md =</a:t>
+            </a:r>
+            <a:r>
+              <a:rPr lang="en-US" sz="1200" dirty="0" smtClean="0">
+                <a:solidFill>
+                  <a:schemeClr val="bg1"/>
+                </a:solidFill>
+                <a:latin typeface="Courier New" pitchFamily="49" charset="0"/>
+                <a:ea typeface="Calibri" pitchFamily="34" charset="0"/>
+                <a:cs typeface="Courier New" pitchFamily="49" charset="0"/>
+              </a:rPr>
+              <a:t> </a:t>
+            </a:r>
+            <a:r>
+              <a:rPr lang="en-US" sz="1200" dirty="0" err="1" smtClean="0">
+                <a:solidFill>
+                  <a:schemeClr val="bg1"/>
+                </a:solidFill>
+                <a:latin typeface="Courier New" pitchFamily="49" charset="0"/>
+                <a:ea typeface="Calibri" pitchFamily="34" charset="0"/>
+                <a:cs typeface="Courier New" pitchFamily="49" charset="0"/>
+              </a:rPr>
+              <a:t>sqlConn</a:t>
+            </a:r>
+            <a:r>
+              <a:rPr lang="be-BY" sz="1200" dirty="0" smtClean="0">
+                <a:solidFill>
+                  <a:schemeClr val="bg1"/>
+                </a:solidFill>
+                <a:latin typeface="Courier New" pitchFamily="49" charset="0"/>
+                <a:ea typeface="Calibri" pitchFamily="34" charset="0"/>
+                <a:cs typeface="Courier New" pitchFamily="49" charset="0"/>
+              </a:rPr>
+              <a:t>.CreateCommand</a:t>
+            </a:r>
+            <a:r>
+              <a:rPr lang="be-BY" sz="1200" dirty="0">
+                <a:solidFill>
+                  <a:schemeClr val="bg1"/>
+                </a:solidFill>
+                <a:latin typeface="Courier New" pitchFamily="49" charset="0"/>
+                <a:ea typeface="Calibri" pitchFamily="34" charset="0"/>
+                <a:cs typeface="Courier New" pitchFamily="49" charset="0"/>
+              </a:rPr>
+              <a:t>();</a:t>
+            </a:r>
+          </a:p>
+          <a:p>
+            <a:pPr eaLnBrk="0" hangingPunct="0">
               <a:defRPr/>
             </a:pPr>
             <a:r>
+              <a:rPr lang="en-US" sz="1200" dirty="0" err="1" smtClean="0">
+                <a:solidFill>
+                  <a:schemeClr val="bg1"/>
+                </a:solidFill>
+                <a:latin typeface="Courier New" pitchFamily="49" charset="0"/>
+                <a:ea typeface="Calibri" pitchFamily="34" charset="0"/>
+                <a:cs typeface="Courier New" pitchFamily="49" charset="0"/>
+              </a:rPr>
+              <a:t>sqlCmd</a:t>
+            </a:r>
+            <a:r>
+              <a:rPr lang="be-BY" sz="1200" dirty="0" smtClean="0">
+                <a:solidFill>
+                  <a:schemeClr val="bg1"/>
+                </a:solidFill>
+                <a:latin typeface="Courier New" pitchFamily="49" charset="0"/>
+                <a:ea typeface="Calibri" pitchFamily="34" charset="0"/>
+                <a:cs typeface="Courier New" pitchFamily="49" charset="0"/>
+              </a:rPr>
+              <a:t>.CommandText </a:t>
+            </a:r>
+            <a:r>
               <a:rPr lang="be-BY" sz="1200" dirty="0">
                 <a:solidFill>
                   <a:schemeClr val="bg1"/>
@@ -23120,14 +24708,69 @@
                 <a:ea typeface="Calibri" pitchFamily="34" charset="0"/>
                 <a:cs typeface="Courier New" pitchFamily="49" charset="0"/>
               </a:rPr>
-              <a:t>cmd.CommandText = "SELECT * FROM Students";</a:t>
-            </a:r>
-          </a:p>
-          <a:p>
-            <a:pPr lvl="1" eaLnBrk="0" hangingPunct="0">
+              <a:t>= "SELECT * FROM Students";</a:t>
+            </a:r>
+          </a:p>
+          <a:p>
+            <a:pPr eaLnBrk="0" hangingPunct="0">
               <a:defRPr/>
             </a:pPr>
             <a:r>
+              <a:rPr lang="en-US" sz="1200" dirty="0" smtClean="0">
+                <a:solidFill>
+                  <a:schemeClr val="bg1"/>
+                </a:solidFill>
+                <a:latin typeface="Courier New" pitchFamily="49" charset="0"/>
+                <a:ea typeface="Calibri" pitchFamily="34" charset="0"/>
+                <a:cs typeface="Courier New" pitchFamily="49" charset="0"/>
+              </a:rPr>
+              <a:t>using (</a:t>
+            </a:r>
+            <a:r>
+              <a:rPr lang="be-BY" sz="1200" dirty="0" smtClean="0">
+                <a:solidFill>
+                  <a:schemeClr val="bg1"/>
+                </a:solidFill>
+                <a:latin typeface="Courier New" pitchFamily="49" charset="0"/>
+                <a:ea typeface="Calibri" pitchFamily="34" charset="0"/>
+                <a:cs typeface="Courier New" pitchFamily="49" charset="0"/>
+              </a:rPr>
+              <a:t>SqlDataReader </a:t>
+            </a:r>
+            <a:r>
+              <a:rPr lang="en-US" sz="1200" dirty="0" err="1" smtClean="0">
+                <a:solidFill>
+                  <a:schemeClr val="bg1"/>
+                </a:solidFill>
+                <a:latin typeface="Courier New" pitchFamily="49" charset="0"/>
+                <a:ea typeface="Calibri" pitchFamily="34" charset="0"/>
+                <a:cs typeface="Courier New" pitchFamily="49" charset="0"/>
+              </a:rPr>
+              <a:t>sqlDR</a:t>
+            </a:r>
+            <a:r>
+              <a:rPr lang="en-US" sz="1200" dirty="0" smtClean="0">
+                <a:solidFill>
+                  <a:schemeClr val="bg1"/>
+                </a:solidFill>
+                <a:latin typeface="Courier New" pitchFamily="49" charset="0"/>
+                <a:ea typeface="Calibri" pitchFamily="34" charset="0"/>
+                <a:cs typeface="Courier New" pitchFamily="49" charset="0"/>
+              </a:rPr>
+              <a:t> </a:t>
+            </a:r>
+            <a:r>
+              <a:rPr lang="be-BY" sz="1200" dirty="0" smtClean="0">
+                <a:solidFill>
+                  <a:schemeClr val="bg1"/>
+                </a:solidFill>
+                <a:latin typeface="Courier New" pitchFamily="49" charset="0"/>
+                <a:ea typeface="Calibri" pitchFamily="34" charset="0"/>
+                <a:cs typeface="Courier New" pitchFamily="49" charset="0"/>
+              </a:rPr>
+              <a:t>= </a:t>
+            </a:r>
+            <a:r>
               <a:rPr lang="be-BY" sz="1200" dirty="0">
                 <a:solidFill>
                   <a:schemeClr val="bg1"/>
@@ -23136,30 +24779,96 @@
                 <a:ea typeface="Calibri" pitchFamily="34" charset="0"/>
                 <a:cs typeface="Courier New" pitchFamily="49" charset="0"/>
               </a:rPr>
-              <a:t>SqlDataReader reader = cmd.ExecuteReader(); //Получаем ридер по запросу</a:t>
-            </a:r>
-          </a:p>
-          <a:p>
-            <a:pPr lvl="1" eaLnBrk="0" hangingPunct="0">
+              <a:t>cmd.ExecuteReader</a:t>
+            </a:r>
+            <a:r>
+              <a:rPr lang="be-BY" sz="1200" dirty="0" smtClean="0">
+                <a:solidFill>
+                  <a:schemeClr val="bg1"/>
+                </a:solidFill>
+                <a:latin typeface="Courier New" pitchFamily="49" charset="0"/>
+                <a:ea typeface="Calibri" pitchFamily="34" charset="0"/>
+                <a:cs typeface="Courier New" pitchFamily="49" charset="0"/>
+              </a:rPr>
+              <a:t>()</a:t>
+            </a:r>
+            <a:r>
+              <a:rPr lang="en-US" sz="1200" dirty="0" smtClean="0">
+                <a:solidFill>
+                  <a:schemeClr val="bg1"/>
+                </a:solidFill>
+                <a:latin typeface="Courier New" pitchFamily="49" charset="0"/>
+                <a:ea typeface="Calibri" pitchFamily="34" charset="0"/>
+                <a:cs typeface="Courier New" pitchFamily="49" charset="0"/>
+              </a:rPr>
+              <a:t>)</a:t>
+            </a:r>
+            <a:r>
+              <a:rPr lang="be-BY" sz="1200" dirty="0" smtClean="0">
+                <a:solidFill>
+                  <a:schemeClr val="bg1"/>
+                </a:solidFill>
+                <a:latin typeface="Courier New" pitchFamily="49" charset="0"/>
+                <a:ea typeface="Calibri" pitchFamily="34" charset="0"/>
+                <a:cs typeface="Courier New" pitchFamily="49" charset="0"/>
+              </a:rPr>
+              <a:t> </a:t>
+            </a:r>
+            <a:r>
+              <a:rPr lang="be-BY" sz="1200" dirty="0">
+                <a:solidFill>
+                  <a:schemeClr val="bg1"/>
+                </a:solidFill>
+                <a:latin typeface="Courier New" pitchFamily="49" charset="0"/>
+                <a:ea typeface="Calibri" pitchFamily="34" charset="0"/>
+                <a:cs typeface="Courier New" pitchFamily="49" charset="0"/>
+              </a:rPr>
+              <a:t>//Получаем ридер по запросу</a:t>
+            </a:r>
+          </a:p>
+          <a:p>
+            <a:pPr eaLnBrk="0" hangingPunct="0">
               <a:defRPr/>
             </a:pPr>
             <a:r>
-              <a:rPr lang="be-BY" sz="1200" dirty="0">
-                <a:solidFill>
-                  <a:schemeClr val="bg1"/>
-                </a:solidFill>
-                <a:latin typeface="Courier New" pitchFamily="49" charset="0"/>
-                <a:ea typeface="Calibri" pitchFamily="34" charset="0"/>
-                <a:cs typeface="Courier New" pitchFamily="49" charset="0"/>
-              </a:rPr>
-              <a:t>int nameIndex = reader.GetOrdinal("Name");</a:t>
-            </a:r>
-          </a:p>
-          <a:p>
-            <a:pPr lvl="1" eaLnBrk="0" hangingPunct="0">
+              <a:rPr lang="en-US" sz="1200" dirty="0" smtClean="0">
+                <a:solidFill>
+                  <a:schemeClr val="bg1"/>
+                </a:solidFill>
+                <a:latin typeface="Courier New" pitchFamily="49" charset="0"/>
+                <a:ea typeface="Calibri" pitchFamily="34" charset="0"/>
+                <a:cs typeface="Courier New" pitchFamily="49" charset="0"/>
+              </a:rPr>
+              <a:t>{</a:t>
+            </a:r>
+          </a:p>
+          <a:p>
+            <a:pPr eaLnBrk="0" hangingPunct="0">
               <a:defRPr/>
             </a:pPr>
             <a:r>
+              <a:rPr lang="en-US" sz="1200" dirty="0" smtClean="0">
+                <a:solidFill>
+                  <a:schemeClr val="bg1"/>
+                </a:solidFill>
+                <a:latin typeface="Courier New" pitchFamily="49" charset="0"/>
+                <a:ea typeface="Calibri" pitchFamily="34" charset="0"/>
+                <a:cs typeface="Courier New" pitchFamily="49" charset="0"/>
+              </a:rPr>
+              <a:t>    </a:t>
+            </a:r>
+            <a:r>
+              <a:rPr lang="be-BY" sz="1200" dirty="0" smtClean="0">
+                <a:solidFill>
+                  <a:schemeClr val="bg1"/>
+                </a:solidFill>
+                <a:latin typeface="Courier New" pitchFamily="49" charset="0"/>
+                <a:ea typeface="Calibri" pitchFamily="34" charset="0"/>
+                <a:cs typeface="Courier New" pitchFamily="49" charset="0"/>
+              </a:rPr>
+              <a:t>int </a:t>
+            </a:r>
+            <a:r>
               <a:rPr lang="be-BY" sz="1200" dirty="0">
                 <a:solidFill>
                   <a:schemeClr val="bg1"/>
@@ -23168,14 +24877,91 @@
                 <a:ea typeface="Calibri" pitchFamily="34" charset="0"/>
                 <a:cs typeface="Courier New" pitchFamily="49" charset="0"/>
               </a:rPr>
-              <a:t>int gradeIndex = reader.GetOrdinal("Grade");</a:t>
-            </a:r>
-          </a:p>
-          <a:p>
-            <a:pPr lvl="1" eaLnBrk="0" hangingPunct="0">
+              <a:t>nameIndex </a:t>
+            </a:r>
+            <a:r>
+              <a:rPr lang="be-BY" sz="1200" dirty="0" smtClean="0">
+                <a:solidFill>
+                  <a:schemeClr val="bg1"/>
+                </a:solidFill>
+                <a:latin typeface="Courier New" pitchFamily="49" charset="0"/>
+                <a:ea typeface="Calibri" pitchFamily="34" charset="0"/>
+                <a:cs typeface="Courier New" pitchFamily="49" charset="0"/>
+              </a:rPr>
+              <a:t>=</a:t>
+            </a:r>
+            <a:r>
+              <a:rPr lang="en-US" sz="1200" dirty="0">
+                <a:solidFill>
+                  <a:schemeClr val="bg1"/>
+                </a:solidFill>
+                <a:latin typeface="Courier New" pitchFamily="49" charset="0"/>
+                <a:ea typeface="Calibri" pitchFamily="34" charset="0"/>
+                <a:cs typeface="Courier New" pitchFamily="49" charset="0"/>
+              </a:rPr>
+              <a:t> </a:t>
+            </a:r>
+            <a:r>
+              <a:rPr lang="en-US" sz="1200" dirty="0" err="1">
+                <a:solidFill>
+                  <a:schemeClr val="bg1"/>
+                </a:solidFill>
+                <a:latin typeface="Courier New" pitchFamily="49" charset="0"/>
+                <a:ea typeface="Calibri" pitchFamily="34" charset="0"/>
+                <a:cs typeface="Courier New" pitchFamily="49" charset="0"/>
+              </a:rPr>
+              <a:t>sqlDR</a:t>
+            </a:r>
+            <a:r>
+              <a:rPr lang="be-BY" sz="1200" dirty="0" smtClean="0">
+                <a:solidFill>
+                  <a:schemeClr val="bg1"/>
+                </a:solidFill>
+                <a:latin typeface="Courier New" pitchFamily="49" charset="0"/>
+                <a:ea typeface="Calibri" pitchFamily="34" charset="0"/>
+                <a:cs typeface="Courier New" pitchFamily="49" charset="0"/>
+              </a:rPr>
+              <a:t>.GetOrdinal</a:t>
+            </a:r>
+            <a:r>
+              <a:rPr lang="be-BY" sz="1200" dirty="0">
+                <a:solidFill>
+                  <a:schemeClr val="bg1"/>
+                </a:solidFill>
+                <a:latin typeface="Courier New" pitchFamily="49" charset="0"/>
+                <a:ea typeface="Calibri" pitchFamily="34" charset="0"/>
+                <a:cs typeface="Courier New" pitchFamily="49" charset="0"/>
+              </a:rPr>
+              <a:t>("Name");</a:t>
+            </a:r>
+          </a:p>
+          <a:p>
+            <a:pPr eaLnBrk="0" hangingPunct="0">
               <a:defRPr/>
             </a:pPr>
             <a:r>
+              <a:rPr lang="en-US" sz="1200" dirty="0" smtClean="0">
+                <a:solidFill>
+                  <a:schemeClr val="bg1"/>
+                </a:solidFill>
+                <a:latin typeface="Courier New" pitchFamily="49" charset="0"/>
+                <a:ea typeface="Calibri" pitchFamily="34" charset="0"/>
+                <a:cs typeface="Courier New" pitchFamily="49" charset="0"/>
+              </a:rPr>
+              <a:t>    </a:t>
+            </a:r>
+            <a:r>
+              <a:rPr lang="be-BY" sz="1200" dirty="0" smtClean="0">
+                <a:solidFill>
+                  <a:schemeClr val="bg1"/>
+                </a:solidFill>
+                <a:latin typeface="Courier New" pitchFamily="49" charset="0"/>
+                <a:ea typeface="Calibri" pitchFamily="34" charset="0"/>
+                <a:cs typeface="Courier New" pitchFamily="49" charset="0"/>
+              </a:rPr>
+              <a:t>int </a:t>
+            </a:r>
+            <a:r>
               <a:rPr lang="be-BY" sz="1200" dirty="0">
                 <a:solidFill>
                   <a:schemeClr val="bg1"/>
@@ -23184,30 +24970,153 @@
                 <a:ea typeface="Calibri" pitchFamily="34" charset="0"/>
                 <a:cs typeface="Courier New" pitchFamily="49" charset="0"/>
               </a:rPr>
-              <a:t>while (reader.Read())</a:t>
-            </a:r>
-          </a:p>
-          <a:p>
-            <a:pPr lvl="1" eaLnBrk="0" hangingPunct="0">
+              <a:t>gradeIndex </a:t>
+            </a:r>
+            <a:r>
+              <a:rPr lang="be-BY" sz="1200" dirty="0" smtClean="0">
+                <a:solidFill>
+                  <a:schemeClr val="bg1"/>
+                </a:solidFill>
+                <a:latin typeface="Courier New" pitchFamily="49" charset="0"/>
+                <a:ea typeface="Calibri" pitchFamily="34" charset="0"/>
+                <a:cs typeface="Courier New" pitchFamily="49" charset="0"/>
+              </a:rPr>
+              <a:t>=</a:t>
+            </a:r>
+            <a:r>
+              <a:rPr lang="en-US" sz="1200" dirty="0">
+                <a:solidFill>
+                  <a:schemeClr val="bg1"/>
+                </a:solidFill>
+                <a:latin typeface="Courier New" pitchFamily="49" charset="0"/>
+                <a:ea typeface="Calibri" pitchFamily="34" charset="0"/>
+                <a:cs typeface="Courier New" pitchFamily="49" charset="0"/>
+              </a:rPr>
+              <a:t> </a:t>
+            </a:r>
+            <a:r>
+              <a:rPr lang="en-US" sz="1200" dirty="0" err="1">
+                <a:solidFill>
+                  <a:schemeClr val="bg1"/>
+                </a:solidFill>
+                <a:latin typeface="Courier New" pitchFamily="49" charset="0"/>
+                <a:ea typeface="Calibri" pitchFamily="34" charset="0"/>
+                <a:cs typeface="Courier New" pitchFamily="49" charset="0"/>
+              </a:rPr>
+              <a:t>sqlDR</a:t>
+            </a:r>
+            <a:r>
+              <a:rPr lang="be-BY" sz="1200" dirty="0" smtClean="0">
+                <a:solidFill>
+                  <a:schemeClr val="bg1"/>
+                </a:solidFill>
+                <a:latin typeface="Courier New" pitchFamily="49" charset="0"/>
+                <a:ea typeface="Calibri" pitchFamily="34" charset="0"/>
+                <a:cs typeface="Courier New" pitchFamily="49" charset="0"/>
+              </a:rPr>
+              <a:t>.GetOrdinal</a:t>
+            </a:r>
+            <a:r>
+              <a:rPr lang="be-BY" sz="1200" dirty="0">
+                <a:solidFill>
+                  <a:schemeClr val="bg1"/>
+                </a:solidFill>
+                <a:latin typeface="Courier New" pitchFamily="49" charset="0"/>
+                <a:ea typeface="Calibri" pitchFamily="34" charset="0"/>
+                <a:cs typeface="Courier New" pitchFamily="49" charset="0"/>
+              </a:rPr>
+              <a:t>("Grade");</a:t>
+            </a:r>
+          </a:p>
+          <a:p>
+            <a:pPr eaLnBrk="0" hangingPunct="0">
               <a:defRPr/>
             </a:pPr>
             <a:r>
-              <a:rPr lang="en-US" sz="1200" dirty="0">
-                <a:solidFill>
-                  <a:schemeClr val="bg1"/>
-                </a:solidFill>
-                <a:latin typeface="Courier New" pitchFamily="49" charset="0"/>
-                <a:ea typeface="Calibri" pitchFamily="34" charset="0"/>
-                <a:cs typeface="Courier New" pitchFamily="49" charset="0"/>
-              </a:rPr>
-              <a:t>{</a:t>
-            </a:r>
-          </a:p>
-          <a:p>
-            <a:pPr lvl="1" eaLnBrk="0" hangingPunct="0">
+              <a:rPr lang="en-US" sz="1200" dirty="0" smtClean="0">
+                <a:solidFill>
+                  <a:schemeClr val="bg1"/>
+                </a:solidFill>
+                <a:latin typeface="Courier New" pitchFamily="49" charset="0"/>
+                <a:ea typeface="Calibri" pitchFamily="34" charset="0"/>
+                <a:cs typeface="Courier New" pitchFamily="49" charset="0"/>
+              </a:rPr>
+              <a:t>    </a:t>
+            </a:r>
+            <a:r>
+              <a:rPr lang="be-BY" sz="1200" dirty="0" smtClean="0">
+                <a:solidFill>
+                  <a:schemeClr val="bg1"/>
+                </a:solidFill>
+                <a:latin typeface="Courier New" pitchFamily="49" charset="0"/>
+                <a:ea typeface="Calibri" pitchFamily="34" charset="0"/>
+                <a:cs typeface="Courier New" pitchFamily="49" charset="0"/>
+              </a:rPr>
+              <a:t>while (</a:t>
+            </a:r>
+            <a:r>
+              <a:rPr lang="en-US" sz="1200" dirty="0" err="1">
+                <a:solidFill>
+                  <a:schemeClr val="bg1"/>
+                </a:solidFill>
+                <a:latin typeface="Courier New" pitchFamily="49" charset="0"/>
+                <a:ea typeface="Calibri" pitchFamily="34" charset="0"/>
+                <a:cs typeface="Courier New" pitchFamily="49" charset="0"/>
+              </a:rPr>
+              <a:t>sqlDR</a:t>
+            </a:r>
+            <a:r>
+              <a:rPr lang="be-BY" sz="1200" dirty="0" smtClean="0">
+                <a:solidFill>
+                  <a:schemeClr val="bg1"/>
+                </a:solidFill>
+                <a:latin typeface="Courier New" pitchFamily="49" charset="0"/>
+                <a:ea typeface="Calibri" pitchFamily="34" charset="0"/>
+                <a:cs typeface="Courier New" pitchFamily="49" charset="0"/>
+              </a:rPr>
+              <a:t>.Read</a:t>
+            </a:r>
+            <a:r>
+              <a:rPr lang="be-BY" sz="1200" dirty="0">
+                <a:solidFill>
+                  <a:schemeClr val="bg1"/>
+                </a:solidFill>
+                <a:latin typeface="Courier New" pitchFamily="49" charset="0"/>
+                <a:ea typeface="Calibri" pitchFamily="34" charset="0"/>
+                <a:cs typeface="Courier New" pitchFamily="49" charset="0"/>
+              </a:rPr>
+              <a:t>())</a:t>
+            </a:r>
+          </a:p>
+          <a:p>
+            <a:pPr eaLnBrk="0" hangingPunct="0">
               <a:defRPr/>
             </a:pPr>
             <a:r>
+              <a:rPr lang="en-US" sz="1200" dirty="0" smtClean="0">
+                <a:solidFill>
+                  <a:schemeClr val="bg1"/>
+                </a:solidFill>
+                <a:latin typeface="Courier New" pitchFamily="49" charset="0"/>
+                <a:ea typeface="Calibri" pitchFamily="34" charset="0"/>
+                <a:cs typeface="Courier New" pitchFamily="49" charset="0"/>
+              </a:rPr>
+              <a:t>    {</a:t>
+            </a:r>
+            <a:endParaRPr lang="en-US" sz="1200" dirty="0">
+              <a:solidFill>
+                <a:schemeClr val="bg1"/>
+              </a:solidFill>
+              <a:latin typeface="Courier New" pitchFamily="49" charset="0"/>
+              <a:ea typeface="Calibri" pitchFamily="34" charset="0"/>
+              <a:cs typeface="Courier New" pitchFamily="49" charset="0"/>
+            </a:endParaRPr>
+          </a:p>
+          <a:p>
+            <a:pPr eaLnBrk="0" hangingPunct="0">
+              <a:defRPr/>
+            </a:pPr>
+            <a:r>
               <a:rPr lang="en-US" sz="1200" dirty="0">
                 <a:solidFill>
                   <a:schemeClr val="bg1"/>
@@ -23219,15 +25128,48 @@
               <a:t>    </a:t>
             </a:r>
             <a:r>
-              <a:rPr lang="be-BY" sz="1200" dirty="0">
-                <a:solidFill>
-                  <a:schemeClr val="bg1"/>
-                </a:solidFill>
-                <a:latin typeface="Courier New" pitchFamily="49" charset="0"/>
-                <a:ea typeface="Calibri" pitchFamily="34" charset="0"/>
-                <a:cs typeface="Courier New" pitchFamily="49" charset="0"/>
-              </a:rPr>
-              <a:t>//Читаем</a:t>
+              <a:rPr lang="en-US" sz="1200" dirty="0" smtClean="0">
+                <a:solidFill>
+                  <a:schemeClr val="bg1"/>
+                </a:solidFill>
+                <a:latin typeface="Courier New" pitchFamily="49" charset="0"/>
+                <a:ea typeface="Calibri" pitchFamily="34" charset="0"/>
+                <a:cs typeface="Courier New" pitchFamily="49" charset="0"/>
+              </a:rPr>
+              <a:t>    </a:t>
+            </a:r>
+            <a:r>
+              <a:rPr lang="be-BY" sz="1200" dirty="0" smtClean="0">
+                <a:solidFill>
+                  <a:schemeClr val="bg1"/>
+                </a:solidFill>
+                <a:latin typeface="Courier New" pitchFamily="49" charset="0"/>
+                <a:ea typeface="Calibri" pitchFamily="34" charset="0"/>
+                <a:cs typeface="Courier New" pitchFamily="49" charset="0"/>
+              </a:rPr>
+              <a:t>//</a:t>
+            </a:r>
+            <a:r>
+              <a:rPr lang="en-US" sz="1200" dirty="0" smtClean="0">
+                <a:solidFill>
+                  <a:schemeClr val="bg1"/>
+                </a:solidFill>
+                <a:latin typeface="Courier New" pitchFamily="49" charset="0"/>
+                <a:ea typeface="Calibri" pitchFamily="34" charset="0"/>
+                <a:cs typeface="Courier New" pitchFamily="49" charset="0"/>
+              </a:rPr>
+              <a:t> </a:t>
+            </a:r>
+            <a:r>
+              <a:rPr lang="be-BY" sz="1200" dirty="0" smtClean="0">
+                <a:solidFill>
+                  <a:schemeClr val="bg1"/>
+                </a:solidFill>
+                <a:latin typeface="Courier New" pitchFamily="49" charset="0"/>
+                <a:ea typeface="Calibri" pitchFamily="34" charset="0"/>
+                <a:cs typeface="Courier New" pitchFamily="49" charset="0"/>
+              </a:rPr>
+              <a:t>Читаем</a:t>
             </a:r>
             <a:r>
               <a:rPr lang="ru-RU" sz="1200" dirty="0">
@@ -23250,7 +25192,7 @@
             </a:endParaRPr>
           </a:p>
           <a:p>
-            <a:pPr lvl="1" eaLnBrk="0" hangingPunct="0">
+            <a:pPr eaLnBrk="0" hangingPunct="0">
               <a:defRPr/>
             </a:pPr>
             <a:r>
@@ -23262,7 +25204,106 @@
                 <a:ea typeface="Calibri" pitchFamily="34" charset="0"/>
                 <a:cs typeface="Courier New" pitchFamily="49" charset="0"/>
               </a:rPr>
-              <a:t>    Console.Write("Student : {0} grade{1}", reader[nameIndex], reader[gradeIndex]);</a:t>
+              <a:t>    </a:t>
+            </a:r>
+            <a:r>
+              <a:rPr lang="en-US" sz="1200" dirty="0" smtClean="0">
+                <a:solidFill>
+                  <a:schemeClr val="bg1"/>
+                </a:solidFill>
+                <a:latin typeface="Courier New" pitchFamily="49" charset="0"/>
+                <a:ea typeface="Calibri" pitchFamily="34" charset="0"/>
+                <a:cs typeface="Courier New" pitchFamily="49" charset="0"/>
+              </a:rPr>
+              <a:t>    </a:t>
+            </a:r>
+            <a:r>
+              <a:rPr lang="be-BY" sz="1200" dirty="0" smtClean="0">
+                <a:solidFill>
+                  <a:schemeClr val="bg1"/>
+                </a:solidFill>
+                <a:latin typeface="Courier New" pitchFamily="49" charset="0"/>
+                <a:ea typeface="Calibri" pitchFamily="34" charset="0"/>
+                <a:cs typeface="Courier New" pitchFamily="49" charset="0"/>
+              </a:rPr>
+              <a:t>Console.Write</a:t>
+            </a:r>
+            <a:r>
+              <a:rPr lang="be-BY" sz="1200" dirty="0">
+                <a:solidFill>
+                  <a:schemeClr val="bg1"/>
+                </a:solidFill>
+                <a:latin typeface="Courier New" pitchFamily="49" charset="0"/>
+                <a:ea typeface="Calibri" pitchFamily="34" charset="0"/>
+                <a:cs typeface="Courier New" pitchFamily="49" charset="0"/>
+              </a:rPr>
+              <a:t>("Student : {0} grade{1}", </a:t>
+            </a:r>
+            <a:r>
+              <a:rPr lang="en-US" sz="1200" dirty="0" err="1">
+                <a:solidFill>
+                  <a:schemeClr val="bg1"/>
+                </a:solidFill>
+                <a:latin typeface="Courier New" pitchFamily="49" charset="0"/>
+                <a:ea typeface="Calibri" pitchFamily="34" charset="0"/>
+                <a:cs typeface="Courier New" pitchFamily="49" charset="0"/>
+              </a:rPr>
+              <a:t>sqlDR</a:t>
+            </a:r>
+            <a:r>
+              <a:rPr lang="be-BY" sz="1200" dirty="0" smtClean="0">
+                <a:solidFill>
+                  <a:schemeClr val="bg1"/>
+                </a:solidFill>
+                <a:latin typeface="Courier New" pitchFamily="49" charset="0"/>
+                <a:ea typeface="Calibri" pitchFamily="34" charset="0"/>
+                <a:cs typeface="Courier New" pitchFamily="49" charset="0"/>
+              </a:rPr>
+              <a:t>[nameIndex</a:t>
+            </a:r>
+            <a:r>
+              <a:rPr lang="be-BY" sz="1200" dirty="0">
+                <a:solidFill>
+                  <a:schemeClr val="bg1"/>
+                </a:solidFill>
+                <a:latin typeface="Courier New" pitchFamily="49" charset="0"/>
+                <a:ea typeface="Calibri" pitchFamily="34" charset="0"/>
+                <a:cs typeface="Courier New" pitchFamily="49" charset="0"/>
+              </a:rPr>
+              <a:t>], </a:t>
+            </a:r>
+            <a:r>
+              <a:rPr lang="en-US" sz="1200" dirty="0" err="1">
+                <a:solidFill>
+                  <a:schemeClr val="bg1"/>
+                </a:solidFill>
+                <a:latin typeface="Courier New" pitchFamily="49" charset="0"/>
+                <a:ea typeface="Calibri" pitchFamily="34" charset="0"/>
+                <a:cs typeface="Courier New" pitchFamily="49" charset="0"/>
+              </a:rPr>
+              <a:t>sqlDR</a:t>
+            </a:r>
+            <a:r>
+              <a:rPr lang="be-BY" sz="1200" dirty="0" smtClean="0">
+                <a:solidFill>
+                  <a:schemeClr val="bg1"/>
+                </a:solidFill>
+                <a:latin typeface="Courier New" pitchFamily="49" charset="0"/>
+                <a:ea typeface="Calibri" pitchFamily="34" charset="0"/>
+                <a:cs typeface="Courier New" pitchFamily="49" charset="0"/>
+              </a:rPr>
+              <a:t>[gradeIndex</a:t>
+            </a:r>
+            <a:r>
+              <a:rPr lang="be-BY" sz="1200" dirty="0">
+                <a:solidFill>
+                  <a:schemeClr val="bg1"/>
+                </a:solidFill>
+                <a:latin typeface="Courier New" pitchFamily="49" charset="0"/>
+                <a:ea typeface="Calibri" pitchFamily="34" charset="0"/>
+                <a:cs typeface="Courier New" pitchFamily="49" charset="0"/>
+              </a:rPr>
+              <a:t>]);</a:t>
             </a:r>
             <a:endParaRPr lang="en-US" sz="1200" dirty="0">
               <a:solidFill>
@@ -23274,19 +25315,19 @@
             </a:endParaRPr>
           </a:p>
           <a:p>
-            <a:pPr lvl="1" eaLnBrk="0" hangingPunct="0">
+            <a:pPr eaLnBrk="0" hangingPunct="0">
               <a:defRPr/>
             </a:pPr>
             <a:r>
-              <a:rPr lang="en-US" sz="1200" dirty="0">
-                <a:solidFill>
-                  <a:schemeClr val="bg1"/>
-                </a:solidFill>
-                <a:latin typeface="Courier New" pitchFamily="49" charset="0"/>
-                <a:ea typeface="Calibri" pitchFamily="34" charset="0"/>
-                <a:cs typeface="Courier New" pitchFamily="49" charset="0"/>
-              </a:rPr>
-              <a:t>}</a:t>
+              <a:rPr lang="en-US" sz="1200" dirty="0" smtClean="0">
+                <a:solidFill>
+                  <a:schemeClr val="bg1"/>
+                </a:solidFill>
+                <a:latin typeface="Courier New" pitchFamily="49" charset="0"/>
+                <a:ea typeface="Calibri" pitchFamily="34" charset="0"/>
+                <a:cs typeface="Courier New" pitchFamily="49" charset="0"/>
+              </a:rPr>
+              <a:t>    }</a:t>
             </a:r>
             <a:endParaRPr lang="be-BY" sz="1200" dirty="0">
               <a:solidFill>
@@ -23298,20 +25339,83 @@
             </a:endParaRPr>
           </a:p>
           <a:p>
-            <a:pPr lvl="1" eaLnBrk="0" hangingPunct="0">
+            <a:pPr eaLnBrk="0" hangingPunct="0">
               <a:defRPr/>
             </a:pPr>
             <a:r>
-              <a:rPr lang="be-BY" sz="1200" dirty="0">
-                <a:solidFill>
-                  <a:schemeClr val="bg1"/>
-                </a:solidFill>
-                <a:latin typeface="Courier New" pitchFamily="49" charset="0"/>
-                <a:ea typeface="Calibri" pitchFamily="34" charset="0"/>
-                <a:cs typeface="Courier New" pitchFamily="49" charset="0"/>
-              </a:rPr>
-              <a:t>reader.Close();     //После прочтения надо закрыть ридер</a:t>
-            </a:r>
+              <a:rPr lang="en-US" sz="1200" dirty="0" smtClean="0">
+                <a:solidFill>
+                  <a:schemeClr val="bg1"/>
+                </a:solidFill>
+                <a:latin typeface="Courier New" pitchFamily="49" charset="0"/>
+                <a:ea typeface="Calibri" pitchFamily="34" charset="0"/>
+                <a:cs typeface="Courier New" pitchFamily="49" charset="0"/>
+              </a:rPr>
+              <a:t>} </a:t>
+            </a:r>
+            <a:r>
+              <a:rPr lang="en-US" sz="1200" dirty="0">
+                <a:solidFill>
+                  <a:schemeClr val="bg1"/>
+                </a:solidFill>
+                <a:latin typeface="Courier New" pitchFamily="49" charset="0"/>
+                <a:ea typeface="Calibri" pitchFamily="34" charset="0"/>
+                <a:cs typeface="Courier New" pitchFamily="49" charset="0"/>
+              </a:rPr>
+              <a:t>// </a:t>
+            </a:r>
+            <a:r>
+              <a:rPr lang="ru-RU" sz="1200" dirty="0">
+                <a:solidFill>
+                  <a:schemeClr val="bg1"/>
+                </a:solidFill>
+                <a:latin typeface="Courier New" pitchFamily="49" charset="0"/>
+                <a:ea typeface="Calibri" pitchFamily="34" charset="0"/>
+                <a:cs typeface="Courier New" pitchFamily="49" charset="0"/>
+              </a:rPr>
+              <a:t>Использование </a:t>
+            </a:r>
+            <a:r>
+              <a:rPr lang="en-US" sz="1200" dirty="0">
+                <a:solidFill>
+                  <a:schemeClr val="bg1"/>
+                </a:solidFill>
+                <a:latin typeface="Courier New" pitchFamily="49" charset="0"/>
+                <a:ea typeface="Calibri" pitchFamily="34" charset="0"/>
+                <a:cs typeface="Courier New" pitchFamily="49" charset="0"/>
+              </a:rPr>
+              <a:t>using </a:t>
+            </a:r>
+            <a:r>
+              <a:rPr lang="ru-RU" sz="1200" dirty="0">
+                <a:solidFill>
+                  <a:schemeClr val="bg1"/>
+                </a:solidFill>
+                <a:latin typeface="Courier New" pitchFamily="49" charset="0"/>
+                <a:ea typeface="Calibri" pitchFamily="34" charset="0"/>
+                <a:cs typeface="Courier New" pitchFamily="49" charset="0"/>
+              </a:rPr>
+              <a:t>гарантирует закрытие </a:t>
+            </a:r>
+            <a:r>
+              <a:rPr lang="en-US" sz="1200" dirty="0" err="1">
+                <a:solidFill>
+                  <a:schemeClr val="bg1"/>
+                </a:solidFill>
+                <a:latin typeface="Courier New" pitchFamily="49" charset="0"/>
+                <a:ea typeface="Calibri" pitchFamily="34" charset="0"/>
+                <a:cs typeface="Courier New" pitchFamily="49" charset="0"/>
+              </a:rPr>
+              <a:t>reader’a</a:t>
+            </a:r>
+            <a:endParaRPr lang="be-BY" sz="1200" dirty="0">
+              <a:solidFill>
+                <a:schemeClr val="bg1"/>
+              </a:solidFill>
+              <a:latin typeface="Courier New" pitchFamily="49" charset="0"/>
+              <a:ea typeface="Calibri" pitchFamily="34" charset="0"/>
+              <a:cs typeface="Courier New" pitchFamily="49" charset="0"/>
+            </a:endParaRPr>
           </a:p>
         </p:txBody>
       </p:sp>
@@ -23538,8 +25642,8 @@
         </p:nvSpPr>
         <p:spPr bwMode="auto">
           <a:xfrm>
-            <a:off x="152400" y="868363"/>
-            <a:ext cx="8839200" cy="1570037"/>
+            <a:off x="152400" y="620688"/>
+            <a:ext cx="8839200" cy="1938992"/>
           </a:xfrm>
           <a:prstGeom prst="rect">
             <a:avLst/>
@@ -23567,6 +25671,61 @@
               <a:defRPr/>
             </a:pPr>
             <a:r>
+              <a:rPr lang="en-US" sz="1200" dirty="0" smtClean="0">
+                <a:solidFill>
+                  <a:schemeClr val="bg1"/>
+                </a:solidFill>
+                <a:latin typeface="Courier New" pitchFamily="49" charset="0"/>
+                <a:ea typeface="Calibri" pitchFamily="34" charset="0"/>
+                <a:cs typeface="Courier New" pitchFamily="49" charset="0"/>
+              </a:rPr>
+              <a:t>using (</a:t>
+            </a:r>
+            <a:r>
+              <a:rPr lang="be-BY" sz="1200" dirty="0" smtClean="0">
+                <a:solidFill>
+                  <a:schemeClr val="bg1"/>
+                </a:solidFill>
+                <a:latin typeface="Courier New" pitchFamily="49" charset="0"/>
+                <a:ea typeface="Calibri" pitchFamily="34" charset="0"/>
+                <a:cs typeface="Courier New" pitchFamily="49" charset="0"/>
+              </a:rPr>
+              <a:t>SqlDataReader </a:t>
+            </a:r>
+            <a:r>
+              <a:rPr lang="en-US" sz="1200" dirty="0" err="1">
+                <a:solidFill>
+                  <a:schemeClr val="bg1"/>
+                </a:solidFill>
+                <a:latin typeface="Courier New" pitchFamily="49" charset="0"/>
+                <a:ea typeface="Calibri" pitchFamily="34" charset="0"/>
+                <a:cs typeface="Courier New" pitchFamily="49" charset="0"/>
+              </a:rPr>
+              <a:t>sqlDR</a:t>
+            </a:r>
+            <a:r>
+              <a:rPr lang="en-US" sz="1200" dirty="0">
+                <a:solidFill>
+                  <a:schemeClr val="bg1"/>
+                </a:solidFill>
+                <a:latin typeface="Courier New" pitchFamily="49" charset="0"/>
+                <a:ea typeface="Calibri" pitchFamily="34" charset="0"/>
+                <a:cs typeface="Courier New" pitchFamily="49" charset="0"/>
+              </a:rPr>
+              <a:t> </a:t>
+            </a:r>
+            <a:r>
+              <a:rPr lang="be-BY" sz="1200" dirty="0" smtClean="0">
+                <a:solidFill>
+                  <a:schemeClr val="bg1"/>
+                </a:solidFill>
+                <a:latin typeface="Courier New" pitchFamily="49" charset="0"/>
+                <a:ea typeface="Calibri" pitchFamily="34" charset="0"/>
+                <a:cs typeface="Courier New" pitchFamily="49" charset="0"/>
+              </a:rPr>
+              <a:t>= </a:t>
+            </a:r>
+            <a:r>
               <a:rPr lang="be-BY" sz="1200" dirty="0">
                 <a:solidFill>
                   <a:schemeClr val="bg1"/>
@@ -23575,7 +25734,29 @@
                 <a:ea typeface="Calibri" pitchFamily="34" charset="0"/>
                 <a:cs typeface="Courier New" pitchFamily="49" charset="0"/>
               </a:rPr>
-              <a:t>        SqlDataReader reader = cmd.ExecuteReader();</a:t>
+              <a:t>cmd.ExecuteReader</a:t>
+            </a:r>
+            <a:r>
+              <a:rPr lang="be-BY" sz="1200" dirty="0" smtClean="0">
+                <a:solidFill>
+                  <a:schemeClr val="bg1"/>
+                </a:solidFill>
+                <a:latin typeface="Courier New" pitchFamily="49" charset="0"/>
+                <a:ea typeface="Calibri" pitchFamily="34" charset="0"/>
+                <a:cs typeface="Courier New" pitchFamily="49" charset="0"/>
+              </a:rPr>
+              <a:t>()</a:t>
+            </a:r>
+            <a:r>
+              <a:rPr lang="en-US" sz="1200" dirty="0" smtClean="0">
+                <a:solidFill>
+                  <a:schemeClr val="bg1"/>
+                </a:solidFill>
+                <a:latin typeface="Courier New" pitchFamily="49" charset="0"/>
+                <a:ea typeface="Calibri" pitchFamily="34" charset="0"/>
+                <a:cs typeface="Courier New" pitchFamily="49" charset="0"/>
+              </a:rPr>
+              <a:t>)</a:t>
             </a:r>
             <a:endParaRPr lang="be-BY" sz="1200" dirty="0">
               <a:solidFill>
@@ -23590,6 +25771,55 @@
               <a:defRPr/>
             </a:pPr>
             <a:r>
+              <a:rPr lang="en-US" sz="1200" dirty="0" smtClean="0">
+                <a:solidFill>
+                  <a:schemeClr val="bg1"/>
+                </a:solidFill>
+                <a:latin typeface="Courier New" pitchFamily="49" charset="0"/>
+                <a:ea typeface="Calibri" pitchFamily="34" charset="0"/>
+                <a:cs typeface="Courier New" pitchFamily="49" charset="0"/>
+              </a:rPr>
+              <a:t>{</a:t>
+            </a:r>
+          </a:p>
+          <a:p>
+            <a:pPr eaLnBrk="0" hangingPunct="0">
+              <a:defRPr/>
+            </a:pPr>
+            <a:r>
+              <a:rPr lang="en-US" sz="1200" dirty="0">
+                <a:solidFill>
+                  <a:schemeClr val="bg1"/>
+                </a:solidFill>
+                <a:latin typeface="Courier New" pitchFamily="49" charset="0"/>
+                <a:ea typeface="Calibri" pitchFamily="34" charset="0"/>
+                <a:cs typeface="Courier New" pitchFamily="49" charset="0"/>
+              </a:rPr>
+              <a:t> </a:t>
+            </a:r>
+            <a:r>
+              <a:rPr lang="en-US" sz="1200" dirty="0" smtClean="0">
+                <a:solidFill>
+                  <a:schemeClr val="bg1"/>
+                </a:solidFill>
+                <a:latin typeface="Courier New" pitchFamily="49" charset="0"/>
+                <a:ea typeface="Calibri" pitchFamily="34" charset="0"/>
+                <a:cs typeface="Courier New" pitchFamily="49" charset="0"/>
+              </a:rPr>
+              <a:t>   </a:t>
+            </a:r>
+            <a:r>
+              <a:rPr lang="be-BY" sz="1200" dirty="0" smtClean="0">
+                <a:solidFill>
+                  <a:schemeClr val="bg1"/>
+                </a:solidFill>
+                <a:latin typeface="Courier New" pitchFamily="49" charset="0"/>
+                <a:ea typeface="Calibri" pitchFamily="34" charset="0"/>
+                <a:cs typeface="Courier New" pitchFamily="49" charset="0"/>
+              </a:rPr>
+              <a:t>int </a:t>
+            </a:r>
+            <a:r>
               <a:rPr lang="be-BY" sz="1200" dirty="0">
                 <a:solidFill>
                   <a:schemeClr val="bg1"/>
@@ -23598,7 +25828,62 @@
                 <a:ea typeface="Calibri" pitchFamily="34" charset="0"/>
                 <a:cs typeface="Courier New" pitchFamily="49" charset="0"/>
               </a:rPr>
-              <a:t>        int nameIndex = reader.GetOrdinal("Name");</a:t>
+              <a:t>nameIndex </a:t>
+            </a:r>
+            <a:r>
+              <a:rPr lang="be-BY" sz="1200" dirty="0" smtClean="0">
+                <a:solidFill>
+                  <a:schemeClr val="bg1"/>
+                </a:solidFill>
+                <a:latin typeface="Courier New" pitchFamily="49" charset="0"/>
+                <a:ea typeface="Calibri" pitchFamily="34" charset="0"/>
+                <a:cs typeface="Courier New" pitchFamily="49" charset="0"/>
+              </a:rPr>
+              <a:t>=</a:t>
+            </a:r>
+            <a:r>
+              <a:rPr lang="en-US" sz="1200" dirty="0" smtClean="0">
+                <a:solidFill>
+                  <a:schemeClr val="bg1"/>
+                </a:solidFill>
+                <a:latin typeface="Courier New" pitchFamily="49" charset="0"/>
+                <a:ea typeface="Calibri" pitchFamily="34" charset="0"/>
+                <a:cs typeface="Courier New" pitchFamily="49" charset="0"/>
+              </a:rPr>
+              <a:t> </a:t>
+            </a:r>
+            <a:r>
+              <a:rPr lang="en-US" sz="1200" dirty="0" err="1" smtClean="0">
+                <a:solidFill>
+                  <a:schemeClr val="bg1"/>
+                </a:solidFill>
+                <a:latin typeface="Courier New" pitchFamily="49" charset="0"/>
+                <a:ea typeface="Calibri" pitchFamily="34" charset="0"/>
+                <a:cs typeface="Courier New" pitchFamily="49" charset="0"/>
+              </a:rPr>
+              <a:t>sqlDR</a:t>
+            </a:r>
+            <a:r>
+              <a:rPr lang="be-BY" sz="1200" dirty="0" smtClean="0">
+                <a:solidFill>
+                  <a:schemeClr val="bg1"/>
+                </a:solidFill>
+                <a:latin typeface="Courier New" pitchFamily="49" charset="0"/>
+                <a:ea typeface="Calibri" pitchFamily="34" charset="0"/>
+                <a:cs typeface="Courier New" pitchFamily="49" charset="0"/>
+              </a:rPr>
+              <a:t>.GetOrdinal</a:t>
+            </a:r>
+            <a:r>
+              <a:rPr lang="be-BY" sz="1200" dirty="0">
+                <a:solidFill>
+                  <a:schemeClr val="bg1"/>
+                </a:solidFill>
+                <a:latin typeface="Courier New" pitchFamily="49" charset="0"/>
+                <a:ea typeface="Calibri" pitchFamily="34" charset="0"/>
+                <a:cs typeface="Courier New" pitchFamily="49" charset="0"/>
+              </a:rPr>
+              <a:t>("Name");</a:t>
             </a:r>
             <a:endParaRPr lang="be-BY" sz="1200" dirty="0">
               <a:solidFill>
@@ -23613,6 +25898,28 @@
               <a:defRPr/>
             </a:pPr>
             <a:r>
+              <a:rPr lang="en-US" sz="1200" dirty="0" smtClean="0">
+                <a:solidFill>
+                  <a:schemeClr val="bg1"/>
+                </a:solidFill>
+                <a:latin typeface="Courier New" pitchFamily="49" charset="0"/>
+                <a:ea typeface="Calibri" pitchFamily="34" charset="0"/>
+                <a:cs typeface="Courier New" pitchFamily="49" charset="0"/>
+              </a:rPr>
+              <a:t>    </a:t>
+            </a:r>
+            <a:r>
+              <a:rPr lang="be-BY" sz="1200" dirty="0" smtClean="0">
+                <a:solidFill>
+                  <a:schemeClr val="bg1"/>
+                </a:solidFill>
+                <a:latin typeface="Courier New" pitchFamily="49" charset="0"/>
+                <a:ea typeface="Calibri" pitchFamily="34" charset="0"/>
+                <a:cs typeface="Courier New" pitchFamily="49" charset="0"/>
+              </a:rPr>
+              <a:t>int </a:t>
+            </a:r>
+            <a:r>
               <a:rPr lang="be-BY" sz="1200" dirty="0">
                 <a:solidFill>
                   <a:schemeClr val="bg1"/>
@@ -23621,7 +25928,62 @@
                 <a:ea typeface="Calibri" pitchFamily="34" charset="0"/>
                 <a:cs typeface="Courier New" pitchFamily="49" charset="0"/>
               </a:rPr>
-              <a:t>        int gradeIndex = reader.GetOrdinal("Grade");</a:t>
+              <a:t>gradeIndex </a:t>
+            </a:r>
+            <a:r>
+              <a:rPr lang="be-BY" sz="1200" dirty="0" smtClean="0">
+                <a:solidFill>
+                  <a:schemeClr val="bg1"/>
+                </a:solidFill>
+                <a:latin typeface="Courier New" pitchFamily="49" charset="0"/>
+                <a:ea typeface="Calibri" pitchFamily="34" charset="0"/>
+                <a:cs typeface="Courier New" pitchFamily="49" charset="0"/>
+              </a:rPr>
+              <a:t>=</a:t>
+            </a:r>
+            <a:r>
+              <a:rPr lang="en-US" sz="1200" dirty="0">
+                <a:solidFill>
+                  <a:schemeClr val="bg1"/>
+                </a:solidFill>
+                <a:latin typeface="Courier New" pitchFamily="49" charset="0"/>
+                <a:ea typeface="Calibri" pitchFamily="34" charset="0"/>
+                <a:cs typeface="Courier New" pitchFamily="49" charset="0"/>
+              </a:rPr>
+              <a:t> </a:t>
+            </a:r>
+            <a:r>
+              <a:rPr lang="en-US" sz="1200" dirty="0" err="1">
+                <a:solidFill>
+                  <a:schemeClr val="bg1"/>
+                </a:solidFill>
+                <a:latin typeface="Courier New" pitchFamily="49" charset="0"/>
+                <a:ea typeface="Calibri" pitchFamily="34" charset="0"/>
+                <a:cs typeface="Courier New" pitchFamily="49" charset="0"/>
+              </a:rPr>
+              <a:t>sqlDR</a:t>
+            </a:r>
+            <a:r>
+              <a:rPr lang="be-BY" sz="1200" dirty="0" smtClean="0">
+                <a:solidFill>
+                  <a:schemeClr val="bg1"/>
+                </a:solidFill>
+                <a:latin typeface="Courier New" pitchFamily="49" charset="0"/>
+                <a:ea typeface="Calibri" pitchFamily="34" charset="0"/>
+                <a:cs typeface="Courier New" pitchFamily="49" charset="0"/>
+              </a:rPr>
+              <a:t>.GetOrdinal</a:t>
+            </a:r>
+            <a:r>
+              <a:rPr lang="be-BY" sz="1200" dirty="0">
+                <a:solidFill>
+                  <a:schemeClr val="bg1"/>
+                </a:solidFill>
+                <a:latin typeface="Courier New" pitchFamily="49" charset="0"/>
+                <a:ea typeface="Calibri" pitchFamily="34" charset="0"/>
+                <a:cs typeface="Courier New" pitchFamily="49" charset="0"/>
+              </a:rPr>
+              <a:t>("Grade");</a:t>
             </a:r>
             <a:endParaRPr lang="be-BY" sz="1200" dirty="0">
               <a:solidFill>
@@ -23636,6 +25998,50 @@
               <a:defRPr/>
             </a:pPr>
             <a:r>
+              <a:rPr lang="en-US" sz="1200" dirty="0" smtClean="0">
+                <a:solidFill>
+                  <a:schemeClr val="bg1"/>
+                </a:solidFill>
+                <a:latin typeface="Courier New" pitchFamily="49" charset="0"/>
+                <a:ea typeface="Calibri" pitchFamily="34" charset="0"/>
+                <a:cs typeface="Courier New" pitchFamily="49" charset="0"/>
+              </a:rPr>
+              <a:t>    </a:t>
+            </a:r>
+            <a:r>
+              <a:rPr lang="be-BY" sz="1200" dirty="0" smtClean="0">
+                <a:solidFill>
+                  <a:schemeClr val="bg1"/>
+                </a:solidFill>
+                <a:latin typeface="Courier New" pitchFamily="49" charset="0"/>
+                <a:ea typeface="Calibri" pitchFamily="34" charset="0"/>
+                <a:cs typeface="Courier New" pitchFamily="49" charset="0"/>
+              </a:rPr>
+              <a:t>while (</a:t>
+            </a:r>
+            <a:r>
+              <a:rPr lang="en-US" sz="1200" dirty="0" err="1">
+                <a:solidFill>
+                  <a:schemeClr val="bg1"/>
+                </a:solidFill>
+                <a:latin typeface="Courier New" pitchFamily="49" charset="0"/>
+                <a:ea typeface="Calibri" pitchFamily="34" charset="0"/>
+                <a:cs typeface="Courier New" pitchFamily="49" charset="0"/>
+              </a:rPr>
+              <a:t>sqlDR</a:t>
+            </a:r>
+            <a:r>
+              <a:rPr lang="be-BY" sz="1200" dirty="0" smtClean="0">
+                <a:solidFill>
+                  <a:schemeClr val="bg1"/>
+                </a:solidFill>
+                <a:latin typeface="Courier New" pitchFamily="49" charset="0"/>
+                <a:ea typeface="Calibri" pitchFamily="34" charset="0"/>
+                <a:cs typeface="Courier New" pitchFamily="49" charset="0"/>
+              </a:rPr>
+              <a:t>.Read</a:t>
+            </a:r>
+            <a:r>
               <a:rPr lang="be-BY" sz="1200" dirty="0">
                 <a:solidFill>
                   <a:schemeClr val="bg1"/>
@@ -23644,7 +26050,7 @@
                 <a:ea typeface="Calibri" pitchFamily="34" charset="0"/>
                 <a:cs typeface="Courier New" pitchFamily="49" charset="0"/>
               </a:rPr>
-              <a:t>        while (reader.Read())</a:t>
+              <a:t>())</a:t>
             </a:r>
             <a:endParaRPr lang="be-BY" sz="1200" dirty="0">
               <a:solidFill>
@@ -23659,15 +26065,26 @@
               <a:defRPr/>
             </a:pPr>
             <a:r>
-              <a:rPr lang="be-BY" sz="1200" dirty="0">
-                <a:solidFill>
-                  <a:schemeClr val="bg1"/>
-                </a:solidFill>
-                <a:latin typeface="Courier New" pitchFamily="49" charset="0"/>
-                <a:ea typeface="Calibri" pitchFamily="34" charset="0"/>
-                <a:cs typeface="Courier New" pitchFamily="49" charset="0"/>
-              </a:rPr>
-              <a:t>        {</a:t>
+              <a:rPr lang="en-US" sz="1200" dirty="0" smtClean="0">
+                <a:solidFill>
+                  <a:schemeClr val="bg1"/>
+                </a:solidFill>
+                <a:latin typeface="Courier New" pitchFamily="49" charset="0"/>
+                <a:ea typeface="Calibri" pitchFamily="34" charset="0"/>
+                <a:cs typeface="Courier New" pitchFamily="49" charset="0"/>
+              </a:rPr>
+              <a:t>    </a:t>
+            </a:r>
+            <a:r>
+              <a:rPr lang="be-BY" sz="1200" dirty="0" smtClean="0">
+                <a:solidFill>
+                  <a:schemeClr val="bg1"/>
+                </a:solidFill>
+                <a:latin typeface="Courier New" pitchFamily="49" charset="0"/>
+                <a:ea typeface="Calibri" pitchFamily="34" charset="0"/>
+                <a:cs typeface="Courier New" pitchFamily="49" charset="0"/>
+              </a:rPr>
+              <a:t>{</a:t>
             </a:r>
             <a:endParaRPr lang="be-BY" sz="1200" dirty="0">
               <a:solidFill>
@@ -23682,6 +26099,28 @@
               <a:defRPr/>
             </a:pPr>
             <a:r>
+              <a:rPr lang="en-US" sz="1200" dirty="0" smtClean="0">
+                <a:solidFill>
+                  <a:schemeClr val="bg1"/>
+                </a:solidFill>
+                <a:latin typeface="Courier New" pitchFamily="49" charset="0"/>
+                <a:ea typeface="Calibri" pitchFamily="34" charset="0"/>
+                <a:cs typeface="Courier New" pitchFamily="49" charset="0"/>
+              </a:rPr>
+              <a:t>         </a:t>
+            </a:r>
+            <a:r>
+              <a:rPr lang="be-BY" sz="1200" dirty="0" smtClean="0">
+                <a:solidFill>
+                  <a:schemeClr val="bg1"/>
+                </a:solidFill>
+                <a:latin typeface="Courier New" pitchFamily="49" charset="0"/>
+                <a:ea typeface="Calibri" pitchFamily="34" charset="0"/>
+                <a:cs typeface="Courier New" pitchFamily="49" charset="0"/>
+              </a:rPr>
+              <a:t>Console.Write</a:t>
+            </a:r>
+            <a:r>
               <a:rPr lang="be-BY" sz="1200" dirty="0">
                 <a:solidFill>
                   <a:schemeClr val="bg1"/>
@@ -23690,7 +26129,62 @@
                 <a:ea typeface="Calibri" pitchFamily="34" charset="0"/>
                 <a:cs typeface="Courier New" pitchFamily="49" charset="0"/>
               </a:rPr>
-              <a:t>            Console.Write("Student : {0} grade{1}", reader.GetString(nameIndex)</a:t>
+              <a:t>("Student : {0} grade{1</a:t>
+            </a:r>
+            <a:r>
+              <a:rPr lang="be-BY" sz="1200" dirty="0" smtClean="0">
+                <a:solidFill>
+                  <a:schemeClr val="bg1"/>
+                </a:solidFill>
+                <a:latin typeface="Courier New" pitchFamily="49" charset="0"/>
+                <a:ea typeface="Calibri" pitchFamily="34" charset="0"/>
+                <a:cs typeface="Courier New" pitchFamily="49" charset="0"/>
+              </a:rPr>
+              <a:t>}",</a:t>
+            </a:r>
+            <a:r>
+              <a:rPr lang="en-US" sz="1200" dirty="0">
+                <a:solidFill>
+                  <a:schemeClr val="bg1"/>
+                </a:solidFill>
+                <a:latin typeface="Courier New" pitchFamily="49" charset="0"/>
+                <a:ea typeface="Calibri" pitchFamily="34" charset="0"/>
+                <a:cs typeface="Courier New" pitchFamily="49" charset="0"/>
+              </a:rPr>
+              <a:t> </a:t>
+            </a:r>
+            <a:r>
+              <a:rPr lang="en-US" sz="1200" dirty="0" err="1">
+                <a:solidFill>
+                  <a:schemeClr val="bg1"/>
+                </a:solidFill>
+                <a:latin typeface="Courier New" pitchFamily="49" charset="0"/>
+                <a:ea typeface="Calibri" pitchFamily="34" charset="0"/>
+                <a:cs typeface="Courier New" pitchFamily="49" charset="0"/>
+              </a:rPr>
+              <a:t>sqlDR</a:t>
+            </a:r>
+            <a:r>
+              <a:rPr lang="be-BY" sz="1200" dirty="0" smtClean="0">
+                <a:solidFill>
+                  <a:schemeClr val="bg1"/>
+                </a:solidFill>
+                <a:latin typeface="Courier New" pitchFamily="49" charset="0"/>
+                <a:ea typeface="Calibri" pitchFamily="34" charset="0"/>
+                <a:cs typeface="Courier New" pitchFamily="49" charset="0"/>
+              </a:rPr>
+              <a:t>.GetString(nameIndex</a:t>
+            </a:r>
+            <a:r>
+              <a:rPr lang="be-BY" sz="1200" dirty="0">
+                <a:solidFill>
+                  <a:schemeClr val="bg1"/>
+                </a:solidFill>
+                <a:latin typeface="Courier New" pitchFamily="49" charset="0"/>
+                <a:ea typeface="Calibri" pitchFamily="34" charset="0"/>
+                <a:cs typeface="Courier New" pitchFamily="49" charset="0"/>
+              </a:rPr>
+              <a:t>)</a:t>
             </a:r>
             <a:endParaRPr lang="be-BY" sz="1200" dirty="0">
               <a:solidFill>
@@ -23705,6 +26199,50 @@
               <a:defRPr/>
             </a:pPr>
             <a:r>
+              <a:rPr lang="be-BY" sz="1200" dirty="0" smtClean="0">
+                <a:solidFill>
+                  <a:schemeClr val="bg1"/>
+                </a:solidFill>
+                <a:latin typeface="Courier New" pitchFamily="49" charset="0"/>
+                <a:ea typeface="Calibri" pitchFamily="34" charset="0"/>
+                <a:cs typeface="Courier New" pitchFamily="49" charset="0"/>
+              </a:rPr>
+              <a:t>                                                  ,</a:t>
+            </a:r>
+            <a:r>
+              <a:rPr lang="en-US" sz="1200" dirty="0">
+                <a:solidFill>
+                  <a:schemeClr val="bg1"/>
+                </a:solidFill>
+                <a:latin typeface="Courier New" pitchFamily="49" charset="0"/>
+                <a:ea typeface="Calibri" pitchFamily="34" charset="0"/>
+                <a:cs typeface="Courier New" pitchFamily="49" charset="0"/>
+              </a:rPr>
+              <a:t> </a:t>
+            </a:r>
+            <a:r>
+              <a:rPr lang="en-US" sz="1200" dirty="0" err="1">
+                <a:solidFill>
+                  <a:schemeClr val="bg1"/>
+                </a:solidFill>
+                <a:latin typeface="Courier New" pitchFamily="49" charset="0"/>
+                <a:ea typeface="Calibri" pitchFamily="34" charset="0"/>
+                <a:cs typeface="Courier New" pitchFamily="49" charset="0"/>
+              </a:rPr>
+              <a:t>sqlDR</a:t>
+            </a:r>
+            <a:r>
+              <a:rPr lang="be-BY" sz="1200" dirty="0" smtClean="0">
+                <a:solidFill>
+                  <a:schemeClr val="bg1"/>
+                </a:solidFill>
+                <a:latin typeface="Courier New" pitchFamily="49" charset="0"/>
+                <a:ea typeface="Calibri" pitchFamily="34" charset="0"/>
+                <a:cs typeface="Courier New" pitchFamily="49" charset="0"/>
+              </a:rPr>
+              <a:t>.GetFloat(gradeIndex</a:t>
+            </a:r>
+            <a:r>
               <a:rPr lang="be-BY" sz="1200" dirty="0">
                 <a:solidFill>
                   <a:schemeClr val="bg1"/>
@@ -23713,7 +26251,7 @@
                 <a:ea typeface="Calibri" pitchFamily="34" charset="0"/>
                 <a:cs typeface="Courier New" pitchFamily="49" charset="0"/>
               </a:rPr>
-              <a:t>                                                   , reader.GetFloat(gradeIndex));</a:t>
+              <a:t>));</a:t>
             </a:r>
             <a:endParaRPr lang="be-BY" sz="1200" dirty="0">
               <a:solidFill>
@@ -23728,15 +26266,49 @@
               <a:defRPr/>
             </a:pPr>
             <a:r>
-              <a:rPr lang="be-BY" sz="1200" dirty="0">
-                <a:solidFill>
-                  <a:schemeClr val="bg1"/>
-                </a:solidFill>
-                <a:latin typeface="Courier New" pitchFamily="49" charset="0"/>
-                <a:ea typeface="Calibri" pitchFamily="34" charset="0"/>
-                <a:cs typeface="Courier New" pitchFamily="49" charset="0"/>
-              </a:rPr>
-              <a:t>        }</a:t>
+              <a:rPr lang="en-US" sz="1200" dirty="0" smtClean="0">
+                <a:solidFill>
+                  <a:schemeClr val="bg1"/>
+                </a:solidFill>
+                <a:latin typeface="Courier New" pitchFamily="49" charset="0"/>
+                <a:ea typeface="Calibri" pitchFamily="34" charset="0"/>
+                <a:cs typeface="Courier New" pitchFamily="49" charset="0"/>
+              </a:rPr>
+              <a:t>    </a:t>
+            </a:r>
+            <a:r>
+              <a:rPr lang="be-BY" sz="1200" dirty="0" smtClean="0">
+                <a:solidFill>
+                  <a:schemeClr val="bg1"/>
+                </a:solidFill>
+                <a:latin typeface="Courier New" pitchFamily="49" charset="0"/>
+                <a:ea typeface="Calibri" pitchFamily="34" charset="0"/>
+                <a:cs typeface="Courier New" pitchFamily="49" charset="0"/>
+              </a:rPr>
+              <a:t>}</a:t>
+            </a:r>
+            <a:endParaRPr lang="en-US" sz="1200" dirty="0" smtClean="0">
+              <a:solidFill>
+                <a:schemeClr val="bg1"/>
+              </a:solidFill>
+              <a:latin typeface="Courier New" pitchFamily="49" charset="0"/>
+              <a:ea typeface="Calibri" pitchFamily="34" charset="0"/>
+              <a:cs typeface="Courier New" pitchFamily="49" charset="0"/>
+            </a:endParaRPr>
+          </a:p>
+          <a:p>
+            <a:pPr eaLnBrk="0" hangingPunct="0">
+              <a:defRPr/>
+            </a:pPr>
+            <a:r>
+              <a:rPr lang="en-US" sz="1200" dirty="0">
+                <a:solidFill>
+                  <a:schemeClr val="bg1"/>
+                </a:solidFill>
+                <a:latin typeface="Courier New" pitchFamily="49" charset="0"/>
+                <a:cs typeface="Courier New" pitchFamily="49" charset="0"/>
+              </a:rPr>
+              <a:t>}</a:t>
             </a:r>
             <a:endParaRPr lang="be-BY" sz="1200" dirty="0">
               <a:solidFill>
@@ -23839,14 +26411,14 @@
           <p:nvPr>
             <p:extLst>
               <p:ext uri="{D42A27DB-BD31-4B8C-83A1-F6EECF244321}">
-                <p14:modId xmlns:p14="http://schemas.microsoft.com/office/powerpoint/2010/main" val="2230446086"/>
+                <p14:modId xmlns:p14="http://schemas.microsoft.com/office/powerpoint/2010/main" val="3710887172"/>
               </p:ext>
             </p:extLst>
           </p:nvPr>
         </p:nvGraphicFramePr>
         <p:xfrm>
-          <a:off x="152400" y="3200400"/>
-          <a:ext cx="8839200" cy="1920877"/>
+          <a:off x="251520" y="3152775"/>
+          <a:ext cx="8740080" cy="1923159"/>
         </p:xfrm>
         <a:graphic>
           <a:graphicData uri="http://schemas.openxmlformats.org/drawingml/2006/table">
@@ -23855,11 +26427,10 @@
                 <a:tableStyleId>{5C22544A-7EE6-4342-B048-85BDC9FD1C3A}</a:tableStyleId>
               </a:tblPr>
               <a:tblGrid>
-                <a:gridCol w="1447800"/>
-                <a:gridCol w="914400"/>
-                <a:gridCol w="6477000"/>
+                <a:gridCol w="2448272"/>
+                <a:gridCol w="6291808"/>
               </a:tblGrid>
-              <a:tr h="213431">
+              <a:tr h="215713">
                 <a:tc>
                   <a:txBody>
                     <a:bodyPr/>
@@ -23871,14 +26442,14 @@
                         </a:spcAft>
                       </a:pPr>
                       <a:r>
-                        <a:rPr lang="ru-RU" sz="1400" dirty="0">
+                        <a:rPr lang="ru-RU" sz="1200" dirty="0">
                           <a:solidFill>
                             <a:srgbClr val="0070C0"/>
                           </a:solidFill>
                         </a:rPr>
                         <a:t>Имя</a:t>
                       </a:r>
-                      <a:endParaRPr lang="be-BY" sz="1400" dirty="0">
+                      <a:endParaRPr lang="be-BY" sz="1200" dirty="0">
                         <a:solidFill>
                           <a:srgbClr val="0070C0"/>
                         </a:solidFill>
@@ -23887,7 +26458,44 @@
                       </a:endParaRPr>
                     </a:p>
                   </a:txBody>
-                  <a:tcPr marL="68580" marR="68580" marT="0" marB="0" anchor="ctr"/>
+                  <a:tcPr marL="68580" marR="68580" marT="0" marB="0" anchor="ctr">
+                    <a:lnL w="12700" cap="flat" cmpd="sng" algn="ctr">
+                      <a:solidFill>
+                        <a:srgbClr val="0070C0"/>
+                      </a:solidFill>
+                      <a:prstDash val="solid"/>
+                      <a:round/>
+                      <a:headEnd type="none" w="med" len="med"/>
+                      <a:tailEnd type="none" w="med" len="med"/>
+                    </a:lnL>
+                    <a:lnR w="12700" cap="flat" cmpd="sng" algn="ctr">
+                      <a:solidFill>
+                        <a:srgbClr val="0070C0"/>
+                      </a:solidFill>
+                      <a:prstDash val="solid"/>
+                      <a:round/>
+                      <a:headEnd type="none" w="med" len="med"/>
+                      <a:tailEnd type="none" w="med" len="med"/>
+                    </a:lnR>
+                    <a:lnT w="12700" cap="flat" cmpd="sng" algn="ctr">
+                      <a:solidFill>
+                        <a:srgbClr val="0070C0"/>
+                      </a:solidFill>
+                      <a:prstDash val="solid"/>
+                      <a:round/>
+                      <a:headEnd type="none" w="med" len="med"/>
+                      <a:tailEnd type="none" w="med" len="med"/>
+                    </a:lnT>
+                    <a:lnB w="12700" cap="flat" cmpd="sng" algn="ctr">
+                      <a:solidFill>
+                        <a:srgbClr val="0070C0"/>
+                      </a:solidFill>
+                      <a:prstDash val="solid"/>
+                      <a:round/>
+                      <a:headEnd type="none" w="med" len="med"/>
+                      <a:tailEnd type="none" w="med" len="med"/>
+                    </a:lnB>
+                  </a:tcPr>
                 </a:tc>
                 <a:tc>
                   <a:txBody>
@@ -23900,14 +26508,14 @@
                         </a:spcAft>
                       </a:pPr>
                       <a:r>
-                        <a:rPr lang="ru-RU" sz="1400">
-                          <a:solidFill>
-                            <a:srgbClr val="0070C0"/>
-                          </a:solidFill>
-                        </a:rPr>
-                        <a:t>Значение</a:t>
-                      </a:r>
-                      <a:endParaRPr lang="be-BY" sz="1400">
+                        <a:rPr lang="ru-RU" sz="1200" dirty="0">
+                          <a:solidFill>
+                            <a:srgbClr val="0070C0"/>
+                          </a:solidFill>
+                        </a:rPr>
+                        <a:t>Описание</a:t>
+                      </a:r>
+                      <a:endParaRPr lang="be-BY" sz="1200" dirty="0">
                         <a:solidFill>
                           <a:srgbClr val="0070C0"/>
                         </a:solidFill>
@@ -23916,36 +26524,44 @@
                       </a:endParaRPr>
                     </a:p>
                   </a:txBody>
-                  <a:tcPr marL="68580" marR="68580" marT="0" marB="0" anchor="ctr"/>
-                </a:tc>
-                <a:tc>
-                  <a:txBody>
-                    <a:bodyPr/>
-                    <a:lstStyle/>
-                    <a:p>
-                      <a:pPr algn="ctr">
-                        <a:spcAft>
-                          <a:spcPts val="0"/>
-                        </a:spcAft>
-                      </a:pPr>
-                      <a:r>
-                        <a:rPr lang="ru-RU" sz="1400">
-                          <a:solidFill>
-                            <a:srgbClr val="0070C0"/>
-                          </a:solidFill>
-                        </a:rPr>
-                        <a:t>Описание</a:t>
-                      </a:r>
-                      <a:endParaRPr lang="be-BY" sz="1400">
-                        <a:solidFill>
-                          <a:srgbClr val="0070C0"/>
-                        </a:solidFill>
-                        <a:latin typeface="Times New Roman"/>
-                        <a:ea typeface="Times New Roman"/>
-                      </a:endParaRPr>
-                    </a:p>
-                  </a:txBody>
-                  <a:tcPr marL="68580" marR="68580" marT="0" marB="0" anchor="ctr"/>
+                  <a:tcPr marL="68580" marR="68580" marT="0" marB="0" anchor="ctr">
+                    <a:lnL w="12700" cap="flat" cmpd="sng" algn="ctr">
+                      <a:solidFill>
+                        <a:srgbClr val="0070C0"/>
+                      </a:solidFill>
+                      <a:prstDash val="solid"/>
+                      <a:round/>
+                      <a:headEnd type="none" w="med" len="med"/>
+                      <a:tailEnd type="none" w="med" len="med"/>
+                    </a:lnL>
+                    <a:lnR w="12700" cap="flat" cmpd="sng" algn="ctr">
+                      <a:solidFill>
+                        <a:srgbClr val="0070C0"/>
+                      </a:solidFill>
+                      <a:prstDash val="solid"/>
+                      <a:round/>
+                      <a:headEnd type="none" w="med" len="med"/>
+                      <a:tailEnd type="none" w="med" len="med"/>
+                    </a:lnR>
+                    <a:lnT w="12700" cap="flat" cmpd="sng" algn="ctr">
+                      <a:solidFill>
+                        <a:srgbClr val="0070C0"/>
+                      </a:solidFill>
+                      <a:prstDash val="solid"/>
+                      <a:round/>
+                      <a:headEnd type="none" w="med" len="med"/>
+                      <a:tailEnd type="none" w="med" len="med"/>
+                    </a:lnT>
+                    <a:lnB w="12700" cap="flat" cmpd="sng" algn="ctr">
+                      <a:solidFill>
+                        <a:srgbClr val="0070C0"/>
+                      </a:solidFill>
+                      <a:prstDash val="solid"/>
+                      <a:round/>
+                      <a:headEnd type="none" w="med" len="med"/>
+                      <a:tailEnd type="none" w="med" len="med"/>
+                    </a:lnB>
+                  </a:tcPr>
                 </a:tc>
               </a:tr>
               <a:tr h="213431">
@@ -23960,14 +26576,30 @@
                         </a:spcAft>
                       </a:pPr>
                       <a:r>
-                        <a:rPr lang="ru-RU" sz="1400">
+                        <a:rPr lang="en-US" sz="1200" dirty="0" err="1" smtClean="0">
+                          <a:solidFill>
+                            <a:srgbClr val="0070C0"/>
+                          </a:solidFill>
+                        </a:rPr>
+                        <a:t>CommandBehavior</a:t>
+                      </a:r>
+                      <a:r>
+                        <a:rPr lang="en-US" sz="1200" dirty="0" smtClean="0">
+                          <a:solidFill>
+                            <a:srgbClr val="0070C0"/>
+                          </a:solidFill>
+                        </a:rPr>
+                        <a:t>.</a:t>
+                      </a:r>
+                      <a:r>
+                        <a:rPr lang="ru-RU" sz="1200" dirty="0" smtClean="0">
                           <a:solidFill>
                             <a:srgbClr val="0070C0"/>
                           </a:solidFill>
                         </a:rPr>
                         <a:t>CloseConnection</a:t>
                       </a:r>
-                      <a:endParaRPr lang="be-BY" sz="1400">
+                      <a:endParaRPr lang="be-BY" sz="1200" dirty="0">
                         <a:solidFill>
                           <a:srgbClr val="0070C0"/>
                         </a:solidFill>
@@ -23976,36 +26608,44 @@
                       </a:endParaRPr>
                     </a:p>
                   </a:txBody>
-                  <a:tcPr marL="68580" marR="68580" marT="0" marB="0" anchor="ctr"/>
-                </a:tc>
-                <a:tc>
-                  <a:txBody>
-                    <a:bodyPr/>
-                    <a:lstStyle/>
-                    <a:p>
-                      <a:pPr algn="ctr">
-                        <a:spcAft>
-                          <a:spcPts val="0"/>
-                        </a:spcAft>
-                      </a:pPr>
-                      <a:r>
-                        <a:rPr lang="ru-RU" sz="1400" dirty="0">
-                          <a:solidFill>
-                            <a:srgbClr val="0070C0"/>
-                          </a:solidFill>
-                        </a:rPr>
-                        <a:t>32</a:t>
-                      </a:r>
-                      <a:endParaRPr lang="be-BY" sz="1400" dirty="0">
-                        <a:solidFill>
-                          <a:srgbClr val="0070C0"/>
-                        </a:solidFill>
-                        <a:latin typeface="Times New Roman"/>
-                        <a:ea typeface="Times New Roman"/>
-                      </a:endParaRPr>
-                    </a:p>
-                  </a:txBody>
-                  <a:tcPr marL="68580" marR="68580" marT="0" marB="0" anchor="ctr"/>
+                  <a:tcPr marL="68580" marR="68580" marT="0" marB="0" anchor="ctr">
+                    <a:lnL w="12700" cap="flat" cmpd="sng" algn="ctr">
+                      <a:solidFill>
+                        <a:srgbClr val="0070C0"/>
+                      </a:solidFill>
+                      <a:prstDash val="solid"/>
+                      <a:round/>
+                      <a:headEnd type="none" w="med" len="med"/>
+                      <a:tailEnd type="none" w="med" len="med"/>
+                    </a:lnL>
+                    <a:lnR w="12700" cap="flat" cmpd="sng" algn="ctr">
+                      <a:solidFill>
+                        <a:srgbClr val="0070C0"/>
+                      </a:solidFill>
+                      <a:prstDash val="solid"/>
+                      <a:round/>
+                      <a:headEnd type="none" w="med" len="med"/>
+                      <a:tailEnd type="none" w="med" len="med"/>
+                    </a:lnR>
+                    <a:lnT w="12700" cap="flat" cmpd="sng" algn="ctr">
+                      <a:solidFill>
+                        <a:srgbClr val="0070C0"/>
+                      </a:solidFill>
+                      <a:prstDash val="solid"/>
+                      <a:round/>
+                      <a:headEnd type="none" w="med" len="med"/>
+                      <a:tailEnd type="none" w="med" len="med"/>
+                    </a:lnT>
+                    <a:lnB w="12700" cap="flat" cmpd="sng" algn="ctr">
+                      <a:solidFill>
+                        <a:srgbClr val="0070C0"/>
+                      </a:solidFill>
+                      <a:prstDash val="solid"/>
+                      <a:round/>
+                      <a:headEnd type="none" w="med" len="med"/>
+                      <a:tailEnd type="none" w="med" len="med"/>
+                    </a:lnB>
+                  </a:tcPr>
                 </a:tc>
                 <a:tc>
                   <a:txBody>
@@ -24018,7 +26658,7 @@
                         </a:spcAft>
                       </a:pPr>
                       <a:r>
-                        <a:rPr lang="ru-RU" sz="1400" dirty="0">
+                        <a:rPr lang="ru-RU" sz="1200" dirty="0">
                           <a:solidFill>
                             <a:srgbClr val="0070C0"/>
                           </a:solidFill>
@@ -24026,7 +26666,7 @@
                         <a:t>При </a:t>
                       </a:r>
                       <a:r>
-                        <a:rPr lang="ru-RU" sz="1400" dirty="0" smtClean="0">
+                        <a:rPr lang="ru-RU" sz="1200" dirty="0" smtClean="0">
                           <a:solidFill>
                             <a:srgbClr val="0070C0"/>
                           </a:solidFill>
@@ -24034,7 +26674,7 @@
                         <a:t>закрытии </a:t>
                       </a:r>
                       <a:r>
-                        <a:rPr lang="ru-RU" sz="1400" dirty="0" err="1">
+                        <a:rPr lang="ru-RU" sz="1200" dirty="0" err="1">
                           <a:solidFill>
                             <a:srgbClr val="0070C0"/>
                           </a:solidFill>
@@ -24042,14 +26682,14 @@
                         <a:t>ридера</a:t>
                       </a:r>
                       <a:r>
-                        <a:rPr lang="ru-RU" sz="1400" dirty="0">
+                        <a:rPr lang="ru-RU" sz="1200" dirty="0">
                           <a:solidFill>
                             <a:srgbClr val="0070C0"/>
                           </a:solidFill>
                         </a:rPr>
                         <a:t> закрывается и соединение</a:t>
                       </a:r>
-                      <a:endParaRPr lang="be-BY" sz="1400" dirty="0">
+                      <a:endParaRPr lang="be-BY" sz="1200" dirty="0">
                         <a:solidFill>
                           <a:srgbClr val="0070C0"/>
                         </a:solidFill>
@@ -24058,7 +26698,44 @@
                       </a:endParaRPr>
                     </a:p>
                   </a:txBody>
-                  <a:tcPr marL="68580" marR="68580" marT="0" marB="0" anchor="ctr"/>
+                  <a:tcPr marL="68580" marR="68580" marT="0" marB="0" anchor="ctr">
+                    <a:lnL w="12700" cap="flat" cmpd="sng" algn="ctr">
+                      <a:solidFill>
+                        <a:srgbClr val="0070C0"/>
+                      </a:solidFill>
+                      <a:prstDash val="solid"/>
+                      <a:round/>
+                      <a:headEnd type="none" w="med" len="med"/>
+                      <a:tailEnd type="none" w="med" len="med"/>
+                    </a:lnL>
+                    <a:lnR w="12700" cap="flat" cmpd="sng" algn="ctr">
+                      <a:solidFill>
+                        <a:srgbClr val="0070C0"/>
+                      </a:solidFill>
+                      <a:prstDash val="solid"/>
+                      <a:round/>
+                      <a:headEnd type="none" w="med" len="med"/>
+                      <a:tailEnd type="none" w="med" len="med"/>
+                    </a:lnR>
+                    <a:lnT w="12700" cap="flat" cmpd="sng" algn="ctr">
+                      <a:solidFill>
+                        <a:srgbClr val="0070C0"/>
+                      </a:solidFill>
+                      <a:prstDash val="solid"/>
+                      <a:round/>
+                      <a:headEnd type="none" w="med" len="med"/>
+                      <a:tailEnd type="none" w="med" len="med"/>
+                    </a:lnT>
+                    <a:lnB w="12700" cap="flat" cmpd="sng" algn="ctr">
+                      <a:solidFill>
+                        <a:srgbClr val="0070C0"/>
+                      </a:solidFill>
+                      <a:prstDash val="solid"/>
+                      <a:round/>
+                      <a:headEnd type="none" w="med" len="med"/>
+                      <a:tailEnd type="none" w="med" len="med"/>
+                    </a:lnB>
+                  </a:tcPr>
                 </a:tc>
               </a:tr>
               <a:tr h="426861">
@@ -24073,14 +26750,30 @@
                         </a:spcAft>
                       </a:pPr>
                       <a:r>
-                        <a:rPr lang="ru-RU" sz="1400">
+                        <a:rPr lang="en-US" sz="1200" dirty="0" err="1" smtClean="0">
+                          <a:solidFill>
+                            <a:srgbClr val="0070C0"/>
+                          </a:solidFill>
+                        </a:rPr>
+                        <a:t>CommandBehavior</a:t>
+                      </a:r>
+                      <a:r>
+                        <a:rPr lang="en-US" sz="1200" dirty="0" smtClean="0">
+                          <a:solidFill>
+                            <a:srgbClr val="0070C0"/>
+                          </a:solidFill>
+                        </a:rPr>
+                        <a:t>.</a:t>
+                      </a:r>
+                      <a:r>
+                        <a:rPr lang="ru-RU" sz="1200" dirty="0" smtClean="0">
                           <a:solidFill>
                             <a:srgbClr val="0070C0"/>
                           </a:solidFill>
                         </a:rPr>
                         <a:t>KeyInfo</a:t>
                       </a:r>
-                      <a:endParaRPr lang="be-BY" sz="1400">
+                      <a:endParaRPr lang="be-BY" sz="1200" dirty="0">
                         <a:solidFill>
                           <a:srgbClr val="0070C0"/>
                         </a:solidFill>
@@ -24089,36 +26782,44 @@
                       </a:endParaRPr>
                     </a:p>
                   </a:txBody>
-                  <a:tcPr marL="68580" marR="68580" marT="0" marB="0" anchor="ctr"/>
-                </a:tc>
-                <a:tc>
-                  <a:txBody>
-                    <a:bodyPr/>
-                    <a:lstStyle/>
-                    <a:p>
-                      <a:pPr algn="ctr">
-                        <a:spcAft>
-                          <a:spcPts val="0"/>
-                        </a:spcAft>
-                      </a:pPr>
-                      <a:r>
-                        <a:rPr lang="ru-RU" sz="1400">
-                          <a:solidFill>
-                            <a:srgbClr val="0070C0"/>
-                          </a:solidFill>
-                        </a:rPr>
-                        <a:t>4</a:t>
-                      </a:r>
-                      <a:endParaRPr lang="be-BY" sz="1400">
-                        <a:solidFill>
-                          <a:srgbClr val="0070C0"/>
-                        </a:solidFill>
-                        <a:latin typeface="Times New Roman"/>
-                        <a:ea typeface="Times New Roman"/>
-                      </a:endParaRPr>
-                    </a:p>
-                  </a:txBody>
-                  <a:tcPr marL="68580" marR="68580" marT="0" marB="0" anchor="ctr"/>
+                  <a:tcPr marL="68580" marR="68580" marT="0" marB="0" anchor="ctr">
+                    <a:lnL w="12700" cap="flat" cmpd="sng" algn="ctr">
+                      <a:solidFill>
+                        <a:srgbClr val="0070C0"/>
+                      </a:solidFill>
+                      <a:prstDash val="solid"/>
+                      <a:round/>
+                      <a:headEnd type="none" w="med" len="med"/>
+                      <a:tailEnd type="none" w="med" len="med"/>
+                    </a:lnL>
+                    <a:lnR w="12700" cap="flat" cmpd="sng" algn="ctr">
+                      <a:solidFill>
+                        <a:srgbClr val="0070C0"/>
+                      </a:solidFill>
+                      <a:prstDash val="solid"/>
+                      <a:round/>
+                      <a:headEnd type="none" w="med" len="med"/>
+                      <a:tailEnd type="none" w="med" len="med"/>
+                    </a:lnR>
+                    <a:lnT w="12700" cap="flat" cmpd="sng" algn="ctr">
+                      <a:solidFill>
+                        <a:srgbClr val="0070C0"/>
+                      </a:solidFill>
+                      <a:prstDash val="solid"/>
+                      <a:round/>
+                      <a:headEnd type="none" w="med" len="med"/>
+                      <a:tailEnd type="none" w="med" len="med"/>
+                    </a:lnT>
+                    <a:lnB w="12700" cap="flat" cmpd="sng" algn="ctr">
+                      <a:solidFill>
+                        <a:srgbClr val="0070C0"/>
+                      </a:solidFill>
+                      <a:prstDash val="solid"/>
+                      <a:round/>
+                      <a:headEnd type="none" w="med" len="med"/>
+                      <a:tailEnd type="none" w="med" len="med"/>
+                    </a:lnB>
+                  </a:tcPr>
                 </a:tc>
                 <a:tc>
                   <a:txBody>
@@ -24131,14 +26832,14 @@
                         </a:spcAft>
                       </a:pPr>
                       <a:r>
-                        <a:rPr lang="ru-RU" sz="1400">
+                        <a:rPr lang="ru-RU" sz="1200" dirty="0">
                           <a:solidFill>
                             <a:srgbClr val="0070C0"/>
                           </a:solidFill>
                         </a:rPr>
                         <a:t>Ридер получает сведения первичного ключа для столбцов, входящих в набор результатов</a:t>
                       </a:r>
-                      <a:endParaRPr lang="be-BY" sz="1400">
+                      <a:endParaRPr lang="be-BY" sz="1200" dirty="0">
                         <a:solidFill>
                           <a:srgbClr val="0070C0"/>
                         </a:solidFill>
@@ -24147,7 +26848,52 @@
                       </a:endParaRPr>
                     </a:p>
                   </a:txBody>
-                  <a:tcPr marL="68580" marR="68580" marT="0" marB="0" anchor="ctr"/>
+                  <a:tcPr marL="68580" marR="68580" marT="0" marB="0" anchor="ctr">
+                    <a:lnL w="12700" cap="flat" cmpd="sng" algn="ctr">
+                      <a:solidFill>
+                        <a:srgbClr val="0070C0"/>
+                      </a:solidFill>
+                      <a:prstDash val="solid"/>
+                      <a:round/>
+                      <a:headEnd type="none" w="med" len="med"/>
+                      <a:tailEnd type="none" w="med" len="med"/>
+                    </a:lnL>
+                    <a:lnR w="12700" cap="flat" cmpd="sng" algn="ctr">
+                      <a:solidFill>
+                        <a:srgbClr val="0070C0"/>
+                      </a:solidFill>
+                      <a:prstDash val="solid"/>
+                      <a:round/>
+                      <a:headEnd type="none" w="med" len="med"/>
+                      <a:tailEnd type="none" w="med" len="med"/>
+                    </a:lnR>
+                    <a:lnT w="12700" cap="flat" cmpd="sng" algn="ctr">
+                      <a:solidFill>
+                        <a:srgbClr val="0070C0"/>
+                      </a:solidFill>
+                      <a:prstDash val="solid"/>
+                      <a:round/>
+                      <a:headEnd type="none" w="med" len="med"/>
+                      <a:tailEnd type="none" w="med" len="med"/>
+                    </a:lnT>
+                    <a:lnB w="12700" cap="flat" cmpd="sng" algn="ctr">
+                      <a:solidFill>
+                        <a:srgbClr val="0070C0"/>
+                      </a:solidFill>
+                      <a:prstDash val="solid"/>
+                      <a:round/>
+                      <a:headEnd type="none" w="med" len="med"/>
+                      <a:tailEnd type="none" w="med" len="med"/>
+                    </a:lnB>
+                    <a:lnTlToBr w="12700" cmpd="sng">
+                      <a:noFill/>
+                      <a:prstDash val="solid"/>
+                    </a:lnTlToBr>
+                    <a:lnBlToTr w="12700" cmpd="sng">
+                      <a:noFill/>
+                      <a:prstDash val="solid"/>
+                    </a:lnBlToTr>
+                  </a:tcPr>
                 </a:tc>
               </a:tr>
               <a:tr h="426861">
@@ -24162,14 +26908,30 @@
                         </a:spcAft>
                       </a:pPr>
                       <a:r>
-                        <a:rPr lang="ru-RU" sz="1400">
+                        <a:rPr lang="en-US" sz="1200" dirty="0" err="1" smtClean="0">
+                          <a:solidFill>
+                            <a:srgbClr val="0070C0"/>
+                          </a:solidFill>
+                        </a:rPr>
+                        <a:t>CommandBehavior</a:t>
+                      </a:r>
+                      <a:r>
+                        <a:rPr lang="en-US" sz="1200" dirty="0" smtClean="0">
+                          <a:solidFill>
+                            <a:srgbClr val="0070C0"/>
+                          </a:solidFill>
+                        </a:rPr>
+                        <a:t>.</a:t>
+                      </a:r>
+                      <a:r>
+                        <a:rPr lang="ru-RU" sz="1200" dirty="0" smtClean="0">
                           <a:solidFill>
                             <a:srgbClr val="0070C0"/>
                           </a:solidFill>
                         </a:rPr>
                         <a:t>SchemaOnly</a:t>
                       </a:r>
-                      <a:endParaRPr lang="be-BY" sz="1400">
+                      <a:endParaRPr lang="be-BY" sz="1200" dirty="0">
                         <a:solidFill>
                           <a:srgbClr val="0070C0"/>
                         </a:solidFill>
@@ -24178,36 +26940,44 @@
                       </a:endParaRPr>
                     </a:p>
                   </a:txBody>
-                  <a:tcPr marL="68580" marR="68580" marT="0" marB="0" anchor="ctr"/>
-                </a:tc>
-                <a:tc>
-                  <a:txBody>
-                    <a:bodyPr/>
-                    <a:lstStyle/>
-                    <a:p>
-                      <a:pPr algn="ctr">
-                        <a:spcAft>
-                          <a:spcPts val="0"/>
-                        </a:spcAft>
-                      </a:pPr>
-                      <a:r>
-                        <a:rPr lang="ru-RU" sz="1400">
-                          <a:solidFill>
-                            <a:srgbClr val="0070C0"/>
-                          </a:solidFill>
-                        </a:rPr>
-                        <a:t>2</a:t>
-                      </a:r>
-                      <a:endParaRPr lang="be-BY" sz="1400">
-                        <a:solidFill>
-                          <a:srgbClr val="0070C0"/>
-                        </a:solidFill>
-                        <a:latin typeface="Times New Roman"/>
-                        <a:ea typeface="Times New Roman"/>
-                      </a:endParaRPr>
-                    </a:p>
-                  </a:txBody>
-                  <a:tcPr marL="68580" marR="68580" marT="0" marB="0" anchor="ctr"/>
+                  <a:tcPr marL="68580" marR="68580" marT="0" marB="0" anchor="ctr">
+                    <a:lnL w="12700" cap="flat" cmpd="sng" algn="ctr">
+                      <a:solidFill>
+                        <a:srgbClr val="0070C0"/>
+                      </a:solidFill>
+                      <a:prstDash val="solid"/>
+                      <a:round/>
+                      <a:headEnd type="none" w="med" len="med"/>
+                      <a:tailEnd type="none" w="med" len="med"/>
+                    </a:lnL>
+                    <a:lnR w="12700" cap="flat" cmpd="sng" algn="ctr">
+                      <a:solidFill>
+                        <a:srgbClr val="0070C0"/>
+                      </a:solidFill>
+                      <a:prstDash val="solid"/>
+                      <a:round/>
+                      <a:headEnd type="none" w="med" len="med"/>
+                      <a:tailEnd type="none" w="med" len="med"/>
+                    </a:lnR>
+                    <a:lnT w="12700" cap="flat" cmpd="sng" algn="ctr">
+                      <a:solidFill>
+                        <a:srgbClr val="0070C0"/>
+                      </a:solidFill>
+                      <a:prstDash val="solid"/>
+                      <a:round/>
+                      <a:headEnd type="none" w="med" len="med"/>
+                      <a:tailEnd type="none" w="med" len="med"/>
+                    </a:lnT>
+                    <a:lnB w="12700" cap="flat" cmpd="sng" algn="ctr">
+                      <a:solidFill>
+                        <a:srgbClr val="0070C0"/>
+                      </a:solidFill>
+                      <a:prstDash val="solid"/>
+                      <a:round/>
+                      <a:headEnd type="none" w="med" len="med"/>
+                      <a:tailEnd type="none" w="med" len="med"/>
+                    </a:lnB>
+                  </a:tcPr>
                 </a:tc>
                 <a:tc>
                   <a:txBody>
@@ -24220,7 +26990,7 @@
                         </a:spcAft>
                       </a:pPr>
                       <a:r>
-                        <a:rPr lang="ru-RU" sz="1400" dirty="0" err="1">
+                        <a:rPr lang="ru-RU" sz="1200" dirty="0" err="1">
                           <a:solidFill>
                             <a:srgbClr val="0070C0"/>
                           </a:solidFill>
@@ -24228,14 +26998,14 @@
                         <a:t>Ридер</a:t>
                       </a:r>
                       <a:r>
-                        <a:rPr lang="ru-RU" sz="1400" dirty="0">
+                        <a:rPr lang="ru-RU" sz="1200" dirty="0">
                           <a:solidFill>
                             <a:srgbClr val="0070C0"/>
                           </a:solidFill>
                         </a:rPr>
                         <a:t> содержит только информацию о столбцах, запрос фактически не выполняется</a:t>
                       </a:r>
-                      <a:endParaRPr lang="be-BY" sz="1400" dirty="0">
+                      <a:endParaRPr lang="be-BY" sz="1200" dirty="0">
                         <a:solidFill>
                           <a:srgbClr val="0070C0"/>
                         </a:solidFill>
@@ -24244,7 +27014,44 @@
                       </a:endParaRPr>
                     </a:p>
                   </a:txBody>
-                  <a:tcPr marL="68580" marR="68580" marT="0" marB="0" anchor="ctr"/>
+                  <a:tcPr marL="68580" marR="68580" marT="0" marB="0" anchor="ctr">
+                    <a:lnL w="12700" cap="flat" cmpd="sng" algn="ctr">
+                      <a:solidFill>
+                        <a:srgbClr val="0070C0"/>
+                      </a:solidFill>
+                      <a:prstDash val="solid"/>
+                      <a:round/>
+                      <a:headEnd type="none" w="med" len="med"/>
+                      <a:tailEnd type="none" w="med" len="med"/>
+                    </a:lnL>
+                    <a:lnR w="12700" cap="flat" cmpd="sng" algn="ctr">
+                      <a:solidFill>
+                        <a:srgbClr val="0070C0"/>
+                      </a:solidFill>
+                      <a:prstDash val="solid"/>
+                      <a:round/>
+                      <a:headEnd type="none" w="med" len="med"/>
+                      <a:tailEnd type="none" w="med" len="med"/>
+                    </a:lnR>
+                    <a:lnT w="12700" cap="flat" cmpd="sng" algn="ctr">
+                      <a:solidFill>
+                        <a:srgbClr val="0070C0"/>
+                      </a:solidFill>
+                      <a:prstDash val="solid"/>
+                      <a:round/>
+                      <a:headEnd type="none" w="med" len="med"/>
+                      <a:tailEnd type="none" w="med" len="med"/>
+                    </a:lnT>
+                    <a:lnB w="12700" cap="flat" cmpd="sng" algn="ctr">
+                      <a:solidFill>
+                        <a:srgbClr val="0070C0"/>
+                      </a:solidFill>
+                      <a:prstDash val="solid"/>
+                      <a:round/>
+                      <a:headEnd type="none" w="med" len="med"/>
+                      <a:tailEnd type="none" w="med" len="med"/>
+                    </a:lnB>
+                  </a:tcPr>
                 </a:tc>
               </a:tr>
               <a:tr h="213431">
@@ -24259,14 +27066,30 @@
                         </a:spcAft>
                       </a:pPr>
                       <a:r>
-                        <a:rPr lang="ru-RU" sz="1400">
+                        <a:rPr lang="en-US" sz="1200" dirty="0" err="1" smtClean="0">
+                          <a:solidFill>
+                            <a:srgbClr val="0070C0"/>
+                          </a:solidFill>
+                        </a:rPr>
+                        <a:t>CommandBehavior</a:t>
+                      </a:r>
+                      <a:r>
+                        <a:rPr lang="en-US" sz="1200" dirty="0" smtClean="0">
+                          <a:solidFill>
+                            <a:srgbClr val="0070C0"/>
+                          </a:solidFill>
+                        </a:rPr>
+                        <a:t>.</a:t>
+                      </a:r>
+                      <a:r>
+                        <a:rPr lang="ru-RU" sz="1200" dirty="0" smtClean="0">
                           <a:solidFill>
                             <a:srgbClr val="0070C0"/>
                           </a:solidFill>
                         </a:rPr>
                         <a:t>SequentialAccess</a:t>
                       </a:r>
-                      <a:endParaRPr lang="be-BY" sz="1400">
+                      <a:endParaRPr lang="be-BY" sz="1200" dirty="0">
                         <a:solidFill>
                           <a:srgbClr val="0070C0"/>
                         </a:solidFill>
@@ -24275,36 +27098,44 @@
                       </a:endParaRPr>
                     </a:p>
                   </a:txBody>
-                  <a:tcPr marL="68580" marR="68580" marT="0" marB="0" anchor="ctr"/>
-                </a:tc>
-                <a:tc>
-                  <a:txBody>
-                    <a:bodyPr/>
-                    <a:lstStyle/>
-                    <a:p>
-                      <a:pPr algn="ctr">
-                        <a:spcAft>
-                          <a:spcPts val="0"/>
-                        </a:spcAft>
-                      </a:pPr>
-                      <a:r>
-                        <a:rPr lang="ru-RU" sz="1400">
-                          <a:solidFill>
-                            <a:srgbClr val="0070C0"/>
-                          </a:solidFill>
-                        </a:rPr>
-                        <a:t>16</a:t>
-                      </a:r>
-                      <a:endParaRPr lang="be-BY" sz="1400">
-                        <a:solidFill>
-                          <a:srgbClr val="0070C0"/>
-                        </a:solidFill>
-                        <a:latin typeface="Times New Roman"/>
-                        <a:ea typeface="Times New Roman"/>
-                      </a:endParaRPr>
-                    </a:p>
-                  </a:txBody>
-                  <a:tcPr marL="68580" marR="68580" marT="0" marB="0" anchor="ctr"/>
+                  <a:tcPr marL="68580" marR="68580" marT="0" marB="0" anchor="ctr">
+                    <a:lnL w="12700" cap="flat" cmpd="sng" algn="ctr">
+                      <a:solidFill>
+                        <a:srgbClr val="0070C0"/>
+                      </a:solidFill>
+                      <a:prstDash val="solid"/>
+                      <a:round/>
+                      <a:headEnd type="none" w="med" len="med"/>
+                      <a:tailEnd type="none" w="med" len="med"/>
+                    </a:lnL>
+                    <a:lnR w="12700" cap="flat" cmpd="sng" algn="ctr">
+                      <a:solidFill>
+                        <a:srgbClr val="0070C0"/>
+                      </a:solidFill>
+                      <a:prstDash val="solid"/>
+                      <a:round/>
+                      <a:headEnd type="none" w="med" len="med"/>
+                      <a:tailEnd type="none" w="med" len="med"/>
+                    </a:lnR>
+                    <a:lnT w="12700" cap="flat" cmpd="sng" algn="ctr">
+                      <a:solidFill>
+                        <a:srgbClr val="0070C0"/>
+                      </a:solidFill>
+                      <a:prstDash val="solid"/>
+                      <a:round/>
+                      <a:headEnd type="none" w="med" len="med"/>
+                      <a:tailEnd type="none" w="med" len="med"/>
+                    </a:lnT>
+                    <a:lnB w="12700" cap="flat" cmpd="sng" algn="ctr">
+                      <a:solidFill>
+                        <a:srgbClr val="0070C0"/>
+                      </a:solidFill>
+                      <a:prstDash val="solid"/>
+                      <a:round/>
+                      <a:headEnd type="none" w="med" len="med"/>
+                      <a:tailEnd type="none" w="med" len="med"/>
+                    </a:lnB>
+                  </a:tcPr>
                 </a:tc>
                 <a:tc>
                   <a:txBody>
@@ -24317,14 +27148,14 @@
                         </a:spcAft>
                       </a:pPr>
                       <a:r>
-                        <a:rPr lang="ru-RU" sz="1400">
+                        <a:rPr lang="ru-RU" sz="1200">
                           <a:solidFill>
                             <a:srgbClr val="0070C0"/>
                           </a:solidFill>
                         </a:rPr>
                         <a:t>Значения столбцов доступны только в последовательном порядке</a:t>
                       </a:r>
-                      <a:endParaRPr lang="be-BY" sz="1400">
+                      <a:endParaRPr lang="be-BY" sz="1200">
                         <a:solidFill>
                           <a:srgbClr val="0070C0"/>
                         </a:solidFill>
@@ -24333,7 +27164,44 @@
                       </a:endParaRPr>
                     </a:p>
                   </a:txBody>
-                  <a:tcPr marL="68580" marR="68580" marT="0" marB="0" anchor="ctr"/>
+                  <a:tcPr marL="68580" marR="68580" marT="0" marB="0" anchor="ctr">
+                    <a:lnL w="12700" cap="flat" cmpd="sng" algn="ctr">
+                      <a:solidFill>
+                        <a:srgbClr val="0070C0"/>
+                      </a:solidFill>
+                      <a:prstDash val="solid"/>
+                      <a:round/>
+                      <a:headEnd type="none" w="med" len="med"/>
+                      <a:tailEnd type="none" w="med" len="med"/>
+                    </a:lnL>
+                    <a:lnR w="12700" cap="flat" cmpd="sng" algn="ctr">
+                      <a:solidFill>
+                        <a:srgbClr val="0070C0"/>
+                      </a:solidFill>
+                      <a:prstDash val="solid"/>
+                      <a:round/>
+                      <a:headEnd type="none" w="med" len="med"/>
+                      <a:tailEnd type="none" w="med" len="med"/>
+                    </a:lnR>
+                    <a:lnT w="12700" cap="flat" cmpd="sng" algn="ctr">
+                      <a:solidFill>
+                        <a:srgbClr val="0070C0"/>
+                      </a:solidFill>
+                      <a:prstDash val="solid"/>
+                      <a:round/>
+                      <a:headEnd type="none" w="med" len="med"/>
+                      <a:tailEnd type="none" w="med" len="med"/>
+                    </a:lnT>
+                    <a:lnB w="12700" cap="flat" cmpd="sng" algn="ctr">
+                      <a:solidFill>
+                        <a:srgbClr val="0070C0"/>
+                      </a:solidFill>
+                      <a:prstDash val="solid"/>
+                      <a:round/>
+                      <a:headEnd type="none" w="med" len="med"/>
+                      <a:tailEnd type="none" w="med" len="med"/>
+                    </a:lnB>
+                  </a:tcPr>
                 </a:tc>
               </a:tr>
               <a:tr h="213431">
@@ -24348,14 +27216,30 @@
                         </a:spcAft>
                       </a:pPr>
                       <a:r>
-                        <a:rPr lang="ru-RU" sz="1400">
+                        <a:rPr lang="en-US" sz="1200" dirty="0" err="1" smtClean="0">
+                          <a:solidFill>
+                            <a:srgbClr val="0070C0"/>
+                          </a:solidFill>
+                        </a:rPr>
+                        <a:t>CommandBehavior</a:t>
+                      </a:r>
+                      <a:r>
+                        <a:rPr lang="en-US" sz="1200" dirty="0" smtClean="0">
+                          <a:solidFill>
+                            <a:srgbClr val="0070C0"/>
+                          </a:solidFill>
+                        </a:rPr>
+                        <a:t>.</a:t>
+                      </a:r>
+                      <a:r>
+                        <a:rPr lang="ru-RU" sz="1200" dirty="0" smtClean="0">
                           <a:solidFill>
                             <a:srgbClr val="0070C0"/>
                           </a:solidFill>
                         </a:rPr>
                         <a:t>SingleResult</a:t>
                       </a:r>
-                      <a:endParaRPr lang="be-BY" sz="1400">
+                      <a:endParaRPr lang="be-BY" sz="1200" dirty="0">
                         <a:solidFill>
                           <a:srgbClr val="0070C0"/>
                         </a:solidFill>
@@ -24364,36 +27248,44 @@
                       </a:endParaRPr>
                     </a:p>
                   </a:txBody>
-                  <a:tcPr marL="68580" marR="68580" marT="0" marB="0" anchor="ctr"/>
-                </a:tc>
-                <a:tc>
-                  <a:txBody>
-                    <a:bodyPr/>
-                    <a:lstStyle/>
-                    <a:p>
-                      <a:pPr algn="ctr">
-                        <a:spcAft>
-                          <a:spcPts val="0"/>
-                        </a:spcAft>
-                      </a:pPr>
-                      <a:r>
-                        <a:rPr lang="ru-RU" sz="1400">
-                          <a:solidFill>
-                            <a:srgbClr val="0070C0"/>
-                          </a:solidFill>
-                        </a:rPr>
-                        <a:t>1</a:t>
-                      </a:r>
-                      <a:endParaRPr lang="be-BY" sz="1400">
-                        <a:solidFill>
-                          <a:srgbClr val="0070C0"/>
-                        </a:solidFill>
-                        <a:latin typeface="Times New Roman"/>
-                        <a:ea typeface="Times New Roman"/>
-                      </a:endParaRPr>
-                    </a:p>
-                  </a:txBody>
-                  <a:tcPr marL="68580" marR="68580" marT="0" marB="0" anchor="ctr"/>
+                  <a:tcPr marL="68580" marR="68580" marT="0" marB="0" anchor="ctr">
+                    <a:lnL w="12700" cap="flat" cmpd="sng" algn="ctr">
+                      <a:solidFill>
+                        <a:srgbClr val="0070C0"/>
+                      </a:solidFill>
+                      <a:prstDash val="solid"/>
+                      <a:round/>
+                      <a:headEnd type="none" w="med" len="med"/>
+                      <a:tailEnd type="none" w="med" len="med"/>
+                    </a:lnL>
+                    <a:lnR w="12700" cap="flat" cmpd="sng" algn="ctr">
+                      <a:solidFill>
+                        <a:srgbClr val="0070C0"/>
+                      </a:solidFill>
+                      <a:prstDash val="solid"/>
+                      <a:round/>
+                      <a:headEnd type="none" w="med" len="med"/>
+                      <a:tailEnd type="none" w="med" len="med"/>
+                    </a:lnR>
+                    <a:lnT w="12700" cap="flat" cmpd="sng" algn="ctr">
+                      <a:solidFill>
+                        <a:srgbClr val="0070C0"/>
+                      </a:solidFill>
+                      <a:prstDash val="solid"/>
+                      <a:round/>
+                      <a:headEnd type="none" w="med" len="med"/>
+                      <a:tailEnd type="none" w="med" len="med"/>
+                    </a:lnT>
+                    <a:lnB w="12700" cap="flat" cmpd="sng" algn="ctr">
+                      <a:solidFill>
+                        <a:srgbClr val="0070C0"/>
+                      </a:solidFill>
+                      <a:prstDash val="solid"/>
+                      <a:round/>
+                      <a:headEnd type="none" w="med" len="med"/>
+                      <a:tailEnd type="none" w="med" len="med"/>
+                    </a:lnB>
+                  </a:tcPr>
                 </a:tc>
                 <a:tc>
                   <a:txBody>
@@ -24406,14 +27298,14 @@
                         </a:spcAft>
                       </a:pPr>
                       <a:r>
-                        <a:rPr lang="ru-RU" sz="1400">
+                        <a:rPr lang="ru-RU" sz="1200" dirty="0">
                           <a:solidFill>
                             <a:srgbClr val="0070C0"/>
                           </a:solidFill>
                         </a:rPr>
                         <a:t>Ридер содержит результаты только первого запроса, возвращающего записи</a:t>
                       </a:r>
-                      <a:endParaRPr lang="be-BY" sz="1400">
+                      <a:endParaRPr lang="be-BY" sz="1200" dirty="0">
                         <a:solidFill>
                           <a:srgbClr val="0070C0"/>
                         </a:solidFill>
@@ -24422,7 +27314,44 @@
                       </a:endParaRPr>
                     </a:p>
                   </a:txBody>
-                  <a:tcPr marL="68580" marR="68580" marT="0" marB="0" anchor="ctr"/>
+                  <a:tcPr marL="68580" marR="68580" marT="0" marB="0" anchor="ctr">
+                    <a:lnL w="12700" cap="flat" cmpd="sng" algn="ctr">
+                      <a:solidFill>
+                        <a:srgbClr val="0070C0"/>
+                      </a:solidFill>
+                      <a:prstDash val="solid"/>
+                      <a:round/>
+                      <a:headEnd type="none" w="med" len="med"/>
+                      <a:tailEnd type="none" w="med" len="med"/>
+                    </a:lnL>
+                    <a:lnR w="12700" cap="flat" cmpd="sng" algn="ctr">
+                      <a:solidFill>
+                        <a:srgbClr val="0070C0"/>
+                      </a:solidFill>
+                      <a:prstDash val="solid"/>
+                      <a:round/>
+                      <a:headEnd type="none" w="med" len="med"/>
+                      <a:tailEnd type="none" w="med" len="med"/>
+                    </a:lnR>
+                    <a:lnT w="12700" cap="flat" cmpd="sng" algn="ctr">
+                      <a:solidFill>
+                        <a:srgbClr val="0070C0"/>
+                      </a:solidFill>
+                      <a:prstDash val="solid"/>
+                      <a:round/>
+                      <a:headEnd type="none" w="med" len="med"/>
+                      <a:tailEnd type="none" w="med" len="med"/>
+                    </a:lnT>
+                    <a:lnB w="12700" cap="flat" cmpd="sng" algn="ctr">
+                      <a:solidFill>
+                        <a:srgbClr val="0070C0"/>
+                      </a:solidFill>
+                      <a:prstDash val="solid"/>
+                      <a:round/>
+                      <a:headEnd type="none" w="med" len="med"/>
+                      <a:tailEnd type="none" w="med" len="med"/>
+                    </a:lnB>
+                  </a:tcPr>
                 </a:tc>
               </a:tr>
               <a:tr h="213431">
@@ -24437,14 +27366,30 @@
                         </a:spcAft>
                       </a:pPr>
                       <a:r>
-                        <a:rPr lang="ru-RU" sz="1400">
+                        <a:rPr lang="en-US" sz="1200" dirty="0" err="1" smtClean="0">
+                          <a:solidFill>
+                            <a:srgbClr val="0070C0"/>
+                          </a:solidFill>
+                        </a:rPr>
+                        <a:t>CommandBehavior</a:t>
+                      </a:r>
+                      <a:r>
+                        <a:rPr lang="en-US" sz="1200" dirty="0" smtClean="0">
+                          <a:solidFill>
+                            <a:srgbClr val="0070C0"/>
+                          </a:solidFill>
+                        </a:rPr>
+                        <a:t>.</a:t>
+                      </a:r>
+                      <a:r>
+                        <a:rPr lang="ru-RU" sz="1200" dirty="0" smtClean="0">
                           <a:solidFill>
                             <a:srgbClr val="0070C0"/>
                           </a:solidFill>
                         </a:rPr>
                         <a:t>SingleRow</a:t>
                       </a:r>
-                      <a:endParaRPr lang="be-BY" sz="1400">
+                      <a:endParaRPr lang="be-BY" sz="1200" dirty="0">
                         <a:solidFill>
                           <a:srgbClr val="0070C0"/>
                         </a:solidFill>
@@ -24453,36 +27398,44 @@
                       </a:endParaRPr>
                     </a:p>
                   </a:txBody>
-                  <a:tcPr marL="68580" marR="68580" marT="0" marB="0" anchor="ctr"/>
-                </a:tc>
-                <a:tc>
-                  <a:txBody>
-                    <a:bodyPr/>
-                    <a:lstStyle/>
-                    <a:p>
-                      <a:pPr algn="ctr">
-                        <a:spcAft>
-                          <a:spcPts val="0"/>
-                        </a:spcAft>
-                      </a:pPr>
-                      <a:r>
-                        <a:rPr lang="ru-RU" sz="1400">
-                          <a:solidFill>
-                            <a:srgbClr val="0070C0"/>
-                          </a:solidFill>
-                        </a:rPr>
-                        <a:t>8</a:t>
-                      </a:r>
-                      <a:endParaRPr lang="be-BY" sz="1400">
-                        <a:solidFill>
-                          <a:srgbClr val="0070C0"/>
-                        </a:solidFill>
-                        <a:latin typeface="Times New Roman"/>
-                        <a:ea typeface="Times New Roman"/>
-                      </a:endParaRPr>
-                    </a:p>
-                  </a:txBody>
-                  <a:tcPr marL="68580" marR="68580" marT="0" marB="0" anchor="ctr"/>
+                  <a:tcPr marL="68580" marR="68580" marT="0" marB="0" anchor="ctr">
+                    <a:lnL w="12700" cap="flat" cmpd="sng" algn="ctr">
+                      <a:solidFill>
+                        <a:srgbClr val="0070C0"/>
+                      </a:solidFill>
+                      <a:prstDash val="solid"/>
+                      <a:round/>
+                      <a:headEnd type="none" w="med" len="med"/>
+                      <a:tailEnd type="none" w="med" len="med"/>
+                    </a:lnL>
+                    <a:lnR w="12700" cap="flat" cmpd="sng" algn="ctr">
+                      <a:solidFill>
+                        <a:srgbClr val="0070C0"/>
+                      </a:solidFill>
+                      <a:prstDash val="solid"/>
+                      <a:round/>
+                      <a:headEnd type="none" w="med" len="med"/>
+                      <a:tailEnd type="none" w="med" len="med"/>
+                    </a:lnR>
+                    <a:lnT w="12700" cap="flat" cmpd="sng" algn="ctr">
+                      <a:solidFill>
+                        <a:srgbClr val="0070C0"/>
+                      </a:solidFill>
+                      <a:prstDash val="solid"/>
+                      <a:round/>
+                      <a:headEnd type="none" w="med" len="med"/>
+                      <a:tailEnd type="none" w="med" len="med"/>
+                    </a:lnT>
+                    <a:lnB w="12700" cap="flat" cmpd="sng" algn="ctr">
+                      <a:solidFill>
+                        <a:srgbClr val="0070C0"/>
+                      </a:solidFill>
+                      <a:prstDash val="solid"/>
+                      <a:round/>
+                      <a:headEnd type="none" w="med" len="med"/>
+                      <a:tailEnd type="none" w="med" len="med"/>
+                    </a:lnB>
+                  </a:tcPr>
                 </a:tc>
                 <a:tc>
                   <a:txBody>
@@ -24495,7 +27448,7 @@
                         </a:spcAft>
                       </a:pPr>
                       <a:r>
-                        <a:rPr lang="ru-RU" sz="1400" dirty="0" err="1">
+                        <a:rPr lang="ru-RU" sz="1200" dirty="0" err="1">
                           <a:solidFill>
                             <a:srgbClr val="0070C0"/>
                           </a:solidFill>
@@ -24503,14 +27456,14 @@
                         <a:t>Ридер</a:t>
                       </a:r>
                       <a:r>
-                        <a:rPr lang="ru-RU" sz="1400" dirty="0">
+                        <a:rPr lang="ru-RU" sz="1200" dirty="0">
                           <a:solidFill>
                             <a:srgbClr val="0070C0"/>
                           </a:solidFill>
                         </a:rPr>
                         <a:t> содержит только первую запись, возвращенную запросом</a:t>
                       </a:r>
-                      <a:endParaRPr lang="be-BY" sz="1400" dirty="0">
+                      <a:endParaRPr lang="be-BY" sz="1200" dirty="0">
                         <a:solidFill>
                           <a:srgbClr val="0070C0"/>
                         </a:solidFill>
@@ -24519,7 +27472,44 @@
                       </a:endParaRPr>
                     </a:p>
                   </a:txBody>
-                  <a:tcPr marL="68580" marR="68580" marT="0" marB="0" anchor="ctr"/>
+                  <a:tcPr marL="68580" marR="68580" marT="0" marB="0" anchor="ctr">
+                    <a:lnL w="12700" cap="flat" cmpd="sng" algn="ctr">
+                      <a:solidFill>
+                        <a:srgbClr val="0070C0"/>
+                      </a:solidFill>
+                      <a:prstDash val="solid"/>
+                      <a:round/>
+                      <a:headEnd type="none" w="med" len="med"/>
+                      <a:tailEnd type="none" w="med" len="med"/>
+                    </a:lnL>
+                    <a:lnR w="12700" cap="flat" cmpd="sng" algn="ctr">
+                      <a:solidFill>
+                        <a:srgbClr val="0070C0"/>
+                      </a:solidFill>
+                      <a:prstDash val="solid"/>
+                      <a:round/>
+                      <a:headEnd type="none" w="med" len="med"/>
+                      <a:tailEnd type="none" w="med" len="med"/>
+                    </a:lnR>
+                    <a:lnT w="12700" cap="flat" cmpd="sng" algn="ctr">
+                      <a:solidFill>
+                        <a:srgbClr val="0070C0"/>
+                      </a:solidFill>
+                      <a:prstDash val="solid"/>
+                      <a:round/>
+                      <a:headEnd type="none" w="med" len="med"/>
+                      <a:tailEnd type="none" w="med" len="med"/>
+                    </a:lnT>
+                    <a:lnB w="12700" cap="flat" cmpd="sng" algn="ctr">
+                      <a:solidFill>
+                        <a:srgbClr val="0070C0"/>
+                      </a:solidFill>
+                      <a:prstDash val="solid"/>
+                      <a:round/>
+                      <a:headEnd type="none" w="med" len="med"/>
+                      <a:tailEnd type="none" w="med" len="med"/>
+                    </a:lnB>
+                  </a:tcPr>
                 </a:tc>
               </a:tr>
             </a:tbl>
@@ -24871,7 +27861,40 @@
                 <a:ea typeface="Calibri" pitchFamily="34" charset="0"/>
                 <a:cs typeface="Courier New" pitchFamily="49" charset="0"/>
               </a:rPr>
-              <a:t>SqlConnection connection = new SqlConnection(</a:t>
+              <a:t>SqlConnection </a:t>
+            </a:r>
+            <a:r>
+              <a:rPr lang="en-US" sz="1000" dirty="0" err="1" smtClean="0">
+                <a:solidFill>
+                  <a:schemeClr val="bg1"/>
+                </a:solidFill>
+                <a:latin typeface="Courier New" pitchFamily="49" charset="0"/>
+                <a:ea typeface="Calibri" pitchFamily="34" charset="0"/>
+                <a:cs typeface="Courier New" pitchFamily="49" charset="0"/>
+              </a:rPr>
+              <a:t>sqlConn</a:t>
+            </a:r>
+            <a:r>
+              <a:rPr lang="be-BY" sz="1000" dirty="0" smtClean="0">
+                <a:solidFill>
+                  <a:schemeClr val="bg1"/>
+                </a:solidFill>
+                <a:latin typeface="Courier New" pitchFamily="49" charset="0"/>
+                <a:ea typeface="Calibri" pitchFamily="34" charset="0"/>
+                <a:cs typeface="Courier New" pitchFamily="49" charset="0"/>
+              </a:rPr>
+              <a:t> </a:t>
+            </a:r>
+            <a:r>
+              <a:rPr lang="be-BY" sz="1000" dirty="0">
+                <a:solidFill>
+                  <a:schemeClr val="bg1"/>
+                </a:solidFill>
+                <a:latin typeface="Courier New" pitchFamily="49" charset="0"/>
+                <a:ea typeface="Calibri" pitchFamily="34" charset="0"/>
+                <a:cs typeface="Courier New" pitchFamily="49" charset="0"/>
+              </a:rPr>
+              <a:t>= new SqlConnection(</a:t>
             </a:r>
             <a:r>
               <a:rPr lang="en-US" sz="1000" dirty="0">
@@ -24927,6 +27950,38 @@
               <a:defRPr/>
             </a:pPr>
             <a:r>
+              <a:rPr lang="en-US" sz="1000" dirty="0" smtClean="0">
+                <a:solidFill>
+                  <a:schemeClr val="bg1"/>
+                </a:solidFill>
+                <a:latin typeface="Courier New" pitchFamily="49" charset="0"/>
+                <a:ea typeface="Calibri" pitchFamily="34" charset="0"/>
+                <a:cs typeface="Courier New" pitchFamily="49" charset="0"/>
+              </a:rPr>
+              <a:t>       </a:t>
+            </a:r>
+            <a:r>
+              <a:rPr lang="en-US" sz="1000" dirty="0" err="1" smtClean="0">
+                <a:solidFill>
+                  <a:schemeClr val="bg1"/>
+                </a:solidFill>
+                <a:latin typeface="Courier New" pitchFamily="49" charset="0"/>
+                <a:ea typeface="Calibri" pitchFamily="34" charset="0"/>
+                <a:cs typeface="Courier New" pitchFamily="49" charset="0"/>
+              </a:rPr>
+              <a:t>sqlConn</a:t>
+            </a:r>
+            <a:r>
+              <a:rPr lang="be-BY" sz="1000" dirty="0" smtClean="0">
+                <a:solidFill>
+                  <a:schemeClr val="bg1"/>
+                </a:solidFill>
+                <a:latin typeface="Courier New" pitchFamily="49" charset="0"/>
+                <a:cs typeface="Calibri" pitchFamily="34" charset="0"/>
+              </a:rPr>
+              <a:t>.Open</a:t>
+            </a:r>
+            <a:r>
               <a:rPr lang="be-BY" sz="1000" dirty="0">
                 <a:solidFill>
                   <a:schemeClr val="bg1"/>
@@ -24934,27 +27989,7 @@
                 <a:latin typeface="Courier New" pitchFamily="49" charset="0"/>
                 <a:cs typeface="Calibri" pitchFamily="34" charset="0"/>
               </a:rPr>
-              <a:t>    </a:t>
-            </a:r>
-            <a:r>
-              <a:rPr lang="en-US" sz="1000" dirty="0">
-                <a:solidFill>
-                  <a:schemeClr val="bg1"/>
-                </a:solidFill>
-                <a:latin typeface="Courier New" pitchFamily="49" charset="0"/>
-                <a:cs typeface="Calibri" pitchFamily="34" charset="0"/>
-              </a:rPr>
-              <a:t>   </a:t>
-            </a:r>
-            <a:r>
-              <a:rPr lang="be-BY" sz="1000" dirty="0">
-                <a:solidFill>
-                  <a:schemeClr val="bg1"/>
-                </a:solidFill>
-                <a:latin typeface="Courier New" pitchFamily="49" charset="0"/>
-                <a:cs typeface="Calibri" pitchFamily="34" charset="0"/>
-              </a:rPr>
-              <a:t>connection.Open();</a:t>
+              <a:t>();</a:t>
             </a:r>
             <a:endParaRPr lang="en-US" sz="1000" dirty="0">
               <a:solidFill>
@@ -24989,7 +28024,18 @@
                 <a:ea typeface="Calibri" pitchFamily="34" charset="0"/>
                 <a:cs typeface="Courier New" pitchFamily="49" charset="0"/>
               </a:rPr>
-              <a:t>DataTable tempTable = conntect</a:t>
+              <a:t>DataTable tempTable </a:t>
+            </a:r>
+            <a:r>
+              <a:rPr lang="be-BY" sz="1000" dirty="0" smtClean="0">
+                <a:solidFill>
+                  <a:schemeClr val="bg1"/>
+                </a:solidFill>
+                <a:latin typeface="Courier New" pitchFamily="49" charset="0"/>
+                <a:ea typeface="Calibri" pitchFamily="34" charset="0"/>
+                <a:cs typeface="Courier New" pitchFamily="49" charset="0"/>
+              </a:rPr>
+              <a:t>=</a:t>
             </a:r>
             <a:r>
               <a:rPr lang="en-US" sz="1000" dirty="0">
@@ -25000,7 +28046,29 @@
                 <a:ea typeface="Calibri" pitchFamily="34" charset="0"/>
                 <a:cs typeface="Courier New" pitchFamily="49" charset="0"/>
               </a:rPr>
-              <a:t>ion</a:t>
+              <a:t> </a:t>
+            </a:r>
+            <a:r>
+              <a:rPr lang="en-US" sz="1000" dirty="0" err="1">
+                <a:solidFill>
+                  <a:schemeClr val="bg1"/>
+                </a:solidFill>
+                <a:latin typeface="Courier New" pitchFamily="49" charset="0"/>
+                <a:ea typeface="Calibri" pitchFamily="34" charset="0"/>
+                <a:cs typeface="Courier New" pitchFamily="49" charset="0"/>
+              </a:rPr>
+              <a:t>sqlConn</a:t>
+            </a:r>
+            <a:r>
+              <a:rPr lang="be-BY" sz="1000" dirty="0" smtClean="0">
+                <a:solidFill>
+                  <a:schemeClr val="bg1"/>
+                </a:solidFill>
+                <a:latin typeface="Courier New" pitchFamily="49" charset="0"/>
+                <a:ea typeface="Calibri" pitchFamily="34" charset="0"/>
+                <a:cs typeface="Courier New" pitchFamily="49" charset="0"/>
+              </a:rPr>
+              <a:t>.GetSchema</a:t>
             </a:r>
             <a:r>
               <a:rPr lang="be-BY" sz="1000" dirty="0">
@@ -25011,7 +28079,7 @@
                 <a:ea typeface="Calibri" pitchFamily="34" charset="0"/>
                 <a:cs typeface="Courier New" pitchFamily="49" charset="0"/>
               </a:rPr>
-              <a:t>.GetSchema("Tables");</a:t>
+              <a:t>("Tables");</a:t>
             </a:r>
             <a:r>
               <a:rPr lang="en-US" sz="1000" dirty="0">
@@ -26147,8 +29215,8 @@
         </p:nvSpPr>
         <p:spPr bwMode="auto">
           <a:xfrm>
-            <a:off x="152400" y="4156075"/>
-            <a:ext cx="8839200" cy="2092325"/>
+            <a:off x="107504" y="4196695"/>
+            <a:ext cx="8839200" cy="2400657"/>
           </a:xfrm>
           <a:prstGeom prst="rect">
             <a:avLst/>
@@ -26176,6 +29244,61 @@
               <a:defRPr/>
             </a:pPr>
             <a:r>
+              <a:rPr lang="en-US" sz="1000" dirty="0" smtClean="0">
+                <a:solidFill>
+                  <a:schemeClr val="bg1"/>
+                </a:solidFill>
+                <a:latin typeface="Courier New" pitchFamily="49" charset="0"/>
+                <a:ea typeface="Calibri" pitchFamily="34" charset="0"/>
+                <a:cs typeface="Courier New" pitchFamily="49" charset="0"/>
+              </a:rPr>
+              <a:t>using</a:t>
+            </a:r>
+            <a:r>
+              <a:rPr lang="be-BY" sz="1000" dirty="0" smtClean="0">
+                <a:solidFill>
+                  <a:schemeClr val="bg1"/>
+                </a:solidFill>
+                <a:latin typeface="Courier New" pitchFamily="49" charset="0"/>
+                <a:ea typeface="Calibri" pitchFamily="34" charset="0"/>
+                <a:cs typeface="Courier New" pitchFamily="49" charset="0"/>
+              </a:rPr>
+              <a:t> (SqlConnection </a:t>
+            </a:r>
+            <a:r>
+              <a:rPr lang="en-US" sz="1000" dirty="0" err="1">
+                <a:solidFill>
+                  <a:schemeClr val="bg1"/>
+                </a:solidFill>
+                <a:latin typeface="Courier New" pitchFamily="49" charset="0"/>
+                <a:ea typeface="Calibri" pitchFamily="34" charset="0"/>
+                <a:cs typeface="Courier New" pitchFamily="49" charset="0"/>
+              </a:rPr>
+              <a:t>sqlConn</a:t>
+            </a:r>
+            <a:r>
+              <a:rPr lang="en-US" sz="1000" dirty="0">
+                <a:solidFill>
+                  <a:schemeClr val="bg1"/>
+                </a:solidFill>
+                <a:latin typeface="Courier New" pitchFamily="49" charset="0"/>
+                <a:ea typeface="Calibri" pitchFamily="34" charset="0"/>
+                <a:cs typeface="Courier New" pitchFamily="49" charset="0"/>
+              </a:rPr>
+              <a:t> </a:t>
+            </a:r>
+            <a:r>
+              <a:rPr lang="be-BY" sz="1000" dirty="0" smtClean="0">
+                <a:solidFill>
+                  <a:schemeClr val="bg1"/>
+                </a:solidFill>
+                <a:latin typeface="Courier New" pitchFamily="49" charset="0"/>
+                <a:ea typeface="Calibri" pitchFamily="34" charset="0"/>
+                <a:cs typeface="Courier New" pitchFamily="49" charset="0"/>
+              </a:rPr>
+              <a:t>= </a:t>
+            </a:r>
+            <a:r>
               <a:rPr lang="be-BY" sz="1000" dirty="0">
                 <a:solidFill>
                   <a:schemeClr val="bg1"/>
@@ -26184,7 +29307,51 @@
                 <a:ea typeface="Calibri" pitchFamily="34" charset="0"/>
                 <a:cs typeface="Courier New" pitchFamily="49" charset="0"/>
               </a:rPr>
-              <a:t>        SqlConnection connection = new SqlConnection(/* Строка подключения */);</a:t>
+              <a:t>new SqlConnection</a:t>
+            </a:r>
+            <a:r>
+              <a:rPr lang="be-BY" sz="1000" dirty="0" smtClean="0">
+                <a:solidFill>
+                  <a:schemeClr val="bg1"/>
+                </a:solidFill>
+                <a:latin typeface="Courier New" pitchFamily="49" charset="0"/>
+                <a:ea typeface="Calibri" pitchFamily="34" charset="0"/>
+                <a:cs typeface="Courier New" pitchFamily="49" charset="0"/>
+              </a:rPr>
+              <a:t>(</a:t>
+            </a:r>
+            <a:r>
+              <a:rPr lang="en-US" sz="1000" dirty="0" smtClean="0">
+                <a:solidFill>
+                  <a:schemeClr val="bg1"/>
+                </a:solidFill>
+                <a:latin typeface="Courier New" pitchFamily="49" charset="0"/>
+                <a:ea typeface="Calibri" pitchFamily="34" charset="0"/>
+                <a:cs typeface="Courier New" pitchFamily="49" charset="0"/>
+              </a:rPr>
+              <a:t>" … "</a:t>
+            </a:r>
+            <a:r>
+              <a:rPr lang="be-BY" sz="1000" dirty="0" smtClean="0">
+                <a:solidFill>
+                  <a:schemeClr val="bg1"/>
+                </a:solidFill>
+                <a:latin typeface="Courier New" pitchFamily="49" charset="0"/>
+                <a:ea typeface="Calibri" pitchFamily="34" charset="0"/>
+                <a:cs typeface="Courier New" pitchFamily="49" charset="0"/>
+              </a:rPr>
+              <a:t>)</a:t>
+            </a:r>
+            <a:r>
+              <a:rPr lang="en-US" sz="1000" dirty="0" smtClean="0">
+                <a:solidFill>
+                  <a:schemeClr val="bg1"/>
+                </a:solidFill>
+                <a:latin typeface="Courier New" pitchFamily="49" charset="0"/>
+                <a:ea typeface="Calibri" pitchFamily="34" charset="0"/>
+                <a:cs typeface="Courier New" pitchFamily="49" charset="0"/>
+              </a:rPr>
+              <a:t>)</a:t>
             </a:r>
             <a:endParaRPr lang="be-BY" sz="900" dirty="0">
               <a:solidFill>
@@ -26199,6 +29366,55 @@
               <a:defRPr/>
             </a:pPr>
             <a:r>
+              <a:rPr lang="en-US" sz="1000" dirty="0" smtClean="0">
+                <a:solidFill>
+                  <a:schemeClr val="bg1"/>
+                </a:solidFill>
+                <a:latin typeface="Courier New" pitchFamily="49" charset="0"/>
+                <a:ea typeface="Calibri" pitchFamily="34" charset="0"/>
+                <a:cs typeface="Courier New" pitchFamily="49" charset="0"/>
+              </a:rPr>
+              <a:t>{</a:t>
+            </a:r>
+          </a:p>
+          <a:p>
+            <a:pPr eaLnBrk="0" hangingPunct="0">
+              <a:defRPr/>
+            </a:pPr>
+            <a:r>
+              <a:rPr lang="en-US" sz="1000" dirty="0" smtClean="0">
+                <a:solidFill>
+                  <a:schemeClr val="bg1"/>
+                </a:solidFill>
+                <a:latin typeface="Courier New" pitchFamily="49" charset="0"/>
+                <a:ea typeface="Calibri" pitchFamily="34" charset="0"/>
+                <a:cs typeface="Courier New" pitchFamily="49" charset="0"/>
+              </a:rPr>
+              <a:t>    </a:t>
+            </a:r>
+            <a:r>
+              <a:rPr lang="en-US" sz="1000" dirty="0" err="1" smtClean="0">
+                <a:solidFill>
+                  <a:schemeClr val="bg1"/>
+                </a:solidFill>
+                <a:latin typeface="Courier New" pitchFamily="49" charset="0"/>
+                <a:ea typeface="Calibri" pitchFamily="34" charset="0"/>
+                <a:cs typeface="Courier New" pitchFamily="49" charset="0"/>
+              </a:rPr>
+              <a:t>sqlConn</a:t>
+            </a:r>
+            <a:r>
+              <a:rPr lang="be-BY" sz="1000" dirty="0" smtClean="0">
+                <a:solidFill>
+                  <a:schemeClr val="bg1"/>
+                </a:solidFill>
+                <a:latin typeface="Courier New" pitchFamily="49" charset="0"/>
+                <a:ea typeface="Calibri" pitchFamily="34" charset="0"/>
+                <a:cs typeface="Courier New" pitchFamily="49" charset="0"/>
+              </a:rPr>
+              <a:t>.Open</a:t>
+            </a:r>
+            <a:r>
               <a:rPr lang="be-BY" sz="1000" dirty="0">
                 <a:solidFill>
                   <a:schemeClr val="bg1"/>
@@ -26207,7 +29423,29 @@
                 <a:ea typeface="Calibri" pitchFamily="34" charset="0"/>
                 <a:cs typeface="Courier New" pitchFamily="49" charset="0"/>
               </a:rPr>
-              <a:t>        connection.Open();                              //Открываем соединение</a:t>
+              <a:t>();                              </a:t>
+            </a:r>
+            <a:r>
+              <a:rPr lang="be-BY" sz="1000" dirty="0" smtClean="0">
+                <a:solidFill>
+                  <a:schemeClr val="bg1"/>
+                </a:solidFill>
+                <a:latin typeface="Courier New" pitchFamily="49" charset="0"/>
+                <a:ea typeface="Calibri" pitchFamily="34" charset="0"/>
+                <a:cs typeface="Courier New" pitchFamily="49" charset="0"/>
+              </a:rPr>
+              <a:t>// Открываем </a:t>
+            </a:r>
+            <a:r>
+              <a:rPr lang="be-BY" sz="1000" dirty="0">
+                <a:solidFill>
+                  <a:schemeClr val="bg1"/>
+                </a:solidFill>
+                <a:latin typeface="Courier New" pitchFamily="49" charset="0"/>
+                <a:ea typeface="Calibri" pitchFamily="34" charset="0"/>
+                <a:cs typeface="Courier New" pitchFamily="49" charset="0"/>
+              </a:rPr>
+              <a:t>соединение</a:t>
             </a:r>
             <a:endParaRPr lang="be-BY" sz="900" dirty="0">
               <a:solidFill>
@@ -26222,6 +29460,72 @@
               <a:defRPr/>
             </a:pPr>
             <a:r>
+              <a:rPr lang="en-US" sz="1000" dirty="0" smtClean="0">
+                <a:solidFill>
+                  <a:schemeClr val="bg1"/>
+                </a:solidFill>
+                <a:latin typeface="Courier New" pitchFamily="49" charset="0"/>
+                <a:ea typeface="Calibri" pitchFamily="34" charset="0"/>
+                <a:cs typeface="Courier New" pitchFamily="49" charset="0"/>
+              </a:rPr>
+              <a:t>    </a:t>
+            </a:r>
+            <a:r>
+              <a:rPr lang="be-BY" sz="1000" dirty="0" smtClean="0">
+                <a:solidFill>
+                  <a:schemeClr val="bg1"/>
+                </a:solidFill>
+                <a:latin typeface="Courier New" pitchFamily="49" charset="0"/>
+                <a:ea typeface="Calibri" pitchFamily="34" charset="0"/>
+                <a:cs typeface="Courier New" pitchFamily="49" charset="0"/>
+              </a:rPr>
+              <a:t>SqlCommand </a:t>
+            </a:r>
+            <a:r>
+              <a:rPr lang="en-US" sz="1000" dirty="0" err="1" smtClean="0">
+                <a:solidFill>
+                  <a:schemeClr val="bg1"/>
+                </a:solidFill>
+                <a:latin typeface="Courier New" pitchFamily="49" charset="0"/>
+                <a:ea typeface="Calibri" pitchFamily="34" charset="0"/>
+                <a:cs typeface="Courier New" pitchFamily="49" charset="0"/>
+              </a:rPr>
+              <a:t>sqlC</a:t>
+            </a:r>
+            <a:r>
+              <a:rPr lang="be-BY" sz="1000" dirty="0" smtClean="0">
+                <a:solidFill>
+                  <a:schemeClr val="bg1"/>
+                </a:solidFill>
+                <a:latin typeface="Courier New" pitchFamily="49" charset="0"/>
+                <a:ea typeface="Calibri" pitchFamily="34" charset="0"/>
+                <a:cs typeface="Courier New" pitchFamily="49" charset="0"/>
+              </a:rPr>
+              <a:t>md =</a:t>
+            </a:r>
+            <a:r>
+              <a:rPr lang="en-US" sz="1000" dirty="0" err="1" smtClean="0">
+                <a:solidFill>
+                  <a:schemeClr val="bg1"/>
+                </a:solidFill>
+                <a:latin typeface="Courier New" pitchFamily="49" charset="0"/>
+                <a:ea typeface="Calibri" pitchFamily="34" charset="0"/>
+                <a:cs typeface="Courier New" pitchFamily="49" charset="0"/>
+              </a:rPr>
+              <a:t>sqlConn</a:t>
+            </a:r>
+            <a:r>
+              <a:rPr lang="be-BY" sz="1000" dirty="0" smtClean="0">
+                <a:solidFill>
+                  <a:schemeClr val="bg1"/>
+                </a:solidFill>
+                <a:latin typeface="Courier New" pitchFamily="49" charset="0"/>
+                <a:ea typeface="Calibri" pitchFamily="34" charset="0"/>
+                <a:cs typeface="Courier New" pitchFamily="49" charset="0"/>
+              </a:rPr>
+              <a:t>.CreateCommand</a:t>
+            </a:r>
+            <a:r>
               <a:rPr lang="be-BY" sz="1000" dirty="0">
                 <a:solidFill>
                   <a:schemeClr val="bg1"/>
@@ -26230,7 +29534,51 @@
                 <a:ea typeface="Calibri" pitchFamily="34" charset="0"/>
                 <a:cs typeface="Courier New" pitchFamily="49" charset="0"/>
               </a:rPr>
-              <a:t>        SqlCommand cmd = connection.CreateCommand();    //СОздаем команду</a:t>
+              <a:t>();    </a:t>
+            </a:r>
+            <a:r>
+              <a:rPr lang="be-BY" sz="1000" dirty="0" smtClean="0">
+                <a:solidFill>
+                  <a:schemeClr val="bg1"/>
+                </a:solidFill>
+                <a:latin typeface="Courier New" pitchFamily="49" charset="0"/>
+                <a:ea typeface="Calibri" pitchFamily="34" charset="0"/>
+                <a:cs typeface="Courier New" pitchFamily="49" charset="0"/>
+              </a:rPr>
+              <a:t>// С</a:t>
+            </a:r>
+            <a:r>
+              <a:rPr lang="ru-RU" sz="1000" dirty="0" smtClean="0">
+                <a:solidFill>
+                  <a:schemeClr val="bg1"/>
+                </a:solidFill>
+                <a:latin typeface="Courier New" pitchFamily="49" charset="0"/>
+                <a:ea typeface="Calibri" pitchFamily="34" charset="0"/>
+                <a:cs typeface="Courier New" pitchFamily="49" charset="0"/>
+              </a:rPr>
+              <a:t>о</a:t>
+            </a:r>
+            <a:r>
+              <a:rPr lang="be-BY" sz="1000" dirty="0" smtClean="0">
+                <a:solidFill>
+                  <a:schemeClr val="bg1"/>
+                </a:solidFill>
+                <a:latin typeface="Courier New" pitchFamily="49" charset="0"/>
+                <a:ea typeface="Calibri" pitchFamily="34" charset="0"/>
+                <a:cs typeface="Courier New" pitchFamily="49" charset="0"/>
+              </a:rPr>
+              <a:t>здаем </a:t>
+            </a:r>
+            <a:r>
+              <a:rPr lang="be-BY" sz="1000" dirty="0">
+                <a:solidFill>
+                  <a:schemeClr val="bg1"/>
+                </a:solidFill>
+                <a:latin typeface="Courier New" pitchFamily="49" charset="0"/>
+                <a:ea typeface="Calibri" pitchFamily="34" charset="0"/>
+                <a:cs typeface="Courier New" pitchFamily="49" charset="0"/>
+              </a:rPr>
+              <a:t>команду</a:t>
             </a:r>
             <a:endParaRPr lang="be-BY" sz="900" dirty="0">
               <a:solidFill>
@@ -26245,6 +29593,39 @@
               <a:defRPr/>
             </a:pPr>
             <a:r>
+              <a:rPr lang="en-US" sz="1000" dirty="0" smtClean="0">
+                <a:solidFill>
+                  <a:schemeClr val="bg1"/>
+                </a:solidFill>
+                <a:latin typeface="Courier New" pitchFamily="49" charset="0"/>
+                <a:ea typeface="Calibri" pitchFamily="34" charset="0"/>
+                <a:cs typeface="Courier New" pitchFamily="49" charset="0"/>
+              </a:rPr>
+              <a:t>    </a:t>
+            </a:r>
+            <a:r>
+              <a:rPr lang="en-US" sz="1000" dirty="0" err="1" smtClean="0">
+                <a:solidFill>
+                  <a:schemeClr val="bg1"/>
+                </a:solidFill>
+                <a:latin typeface="Courier New" pitchFamily="49" charset="0"/>
+                <a:ea typeface="Calibri" pitchFamily="34" charset="0"/>
+                <a:cs typeface="Courier New" pitchFamily="49" charset="0"/>
+              </a:rPr>
+              <a:t>sqlCmd</a:t>
+            </a:r>
+            <a:r>
+              <a:rPr lang="be-BY" sz="1000" dirty="0" smtClean="0">
+                <a:solidFill>
+                  <a:schemeClr val="bg1"/>
+                </a:solidFill>
+                <a:latin typeface="Courier New" pitchFamily="49" charset="0"/>
+                <a:ea typeface="Calibri" pitchFamily="34" charset="0"/>
+                <a:cs typeface="Courier New" pitchFamily="49" charset="0"/>
+              </a:rPr>
+              <a:t>.CommandText </a:t>
+            </a:r>
+            <a:r>
               <a:rPr lang="be-BY" sz="1000" dirty="0">
                 <a:solidFill>
                   <a:schemeClr val="bg1"/>
@@ -26253,7 +29634,29 @@
                 <a:ea typeface="Calibri" pitchFamily="34" charset="0"/>
                 <a:cs typeface="Courier New" pitchFamily="49" charset="0"/>
               </a:rPr>
-              <a:t>        cmd.CommandText = "UpdateStudents";             //Указываем имя хранимой процедуры</a:t>
+              <a:t>= "UpdateStudents";             </a:t>
+            </a:r>
+            <a:r>
+              <a:rPr lang="be-BY" sz="1000" dirty="0" smtClean="0">
+                <a:solidFill>
+                  <a:schemeClr val="bg1"/>
+                </a:solidFill>
+                <a:latin typeface="Courier New" pitchFamily="49" charset="0"/>
+                <a:ea typeface="Calibri" pitchFamily="34" charset="0"/>
+                <a:cs typeface="Courier New" pitchFamily="49" charset="0"/>
+              </a:rPr>
+              <a:t>// Указываем </a:t>
+            </a:r>
+            <a:r>
+              <a:rPr lang="be-BY" sz="1000" dirty="0">
+                <a:solidFill>
+                  <a:schemeClr val="bg1"/>
+                </a:solidFill>
+                <a:latin typeface="Courier New" pitchFamily="49" charset="0"/>
+                <a:ea typeface="Calibri" pitchFamily="34" charset="0"/>
+                <a:cs typeface="Courier New" pitchFamily="49" charset="0"/>
+              </a:rPr>
+              <a:t>имя хранимой процедуры</a:t>
             </a:r>
             <a:endParaRPr lang="be-BY" sz="900" dirty="0">
               <a:solidFill>
@@ -26268,6 +29671,39 @@
               <a:defRPr/>
             </a:pPr>
             <a:r>
+              <a:rPr lang="en-US" sz="1000" dirty="0" smtClean="0">
+                <a:solidFill>
+                  <a:schemeClr val="bg1"/>
+                </a:solidFill>
+                <a:latin typeface="Courier New" pitchFamily="49" charset="0"/>
+                <a:ea typeface="Calibri" pitchFamily="34" charset="0"/>
+                <a:cs typeface="Courier New" pitchFamily="49" charset="0"/>
+              </a:rPr>
+              <a:t>    </a:t>
+            </a:r>
+            <a:r>
+              <a:rPr lang="en-US" sz="1000" dirty="0" err="1" smtClean="0">
+                <a:solidFill>
+                  <a:schemeClr val="bg1"/>
+                </a:solidFill>
+                <a:latin typeface="Courier New" pitchFamily="49" charset="0"/>
+                <a:ea typeface="Calibri" pitchFamily="34" charset="0"/>
+                <a:cs typeface="Courier New" pitchFamily="49" charset="0"/>
+              </a:rPr>
+              <a:t>sqlCmd</a:t>
+            </a:r>
+            <a:r>
+              <a:rPr lang="be-BY" sz="1000" dirty="0" smtClean="0">
+                <a:solidFill>
+                  <a:schemeClr val="bg1"/>
+                </a:solidFill>
+                <a:latin typeface="Courier New" pitchFamily="49" charset="0"/>
+                <a:ea typeface="Calibri" pitchFamily="34" charset="0"/>
+                <a:cs typeface="Courier New" pitchFamily="49" charset="0"/>
+              </a:rPr>
+              <a:t>.CommandType </a:t>
+            </a:r>
+            <a:r>
               <a:rPr lang="be-BY" sz="1000" dirty="0">
                 <a:solidFill>
                   <a:schemeClr val="bg1"/>
@@ -26276,7 +29712,29 @@
                 <a:ea typeface="Calibri" pitchFamily="34" charset="0"/>
                 <a:cs typeface="Courier New" pitchFamily="49" charset="0"/>
               </a:rPr>
-              <a:t>        cmd.CommandType = CommandType.StoredProcedure;  //Указываем, тип команды - хранимая процедура</a:t>
+              <a:t>= CommandType.StoredProcedure;  </a:t>
+            </a:r>
+            <a:r>
+              <a:rPr lang="be-BY" sz="1000" dirty="0" smtClean="0">
+                <a:solidFill>
+                  <a:schemeClr val="bg1"/>
+                </a:solidFill>
+                <a:latin typeface="Courier New" pitchFamily="49" charset="0"/>
+                <a:ea typeface="Calibri" pitchFamily="34" charset="0"/>
+                <a:cs typeface="Courier New" pitchFamily="49" charset="0"/>
+              </a:rPr>
+              <a:t>// Указываем</a:t>
+            </a:r>
+            <a:r>
+              <a:rPr lang="be-BY" sz="1000" dirty="0">
+                <a:solidFill>
+                  <a:schemeClr val="bg1"/>
+                </a:solidFill>
+                <a:latin typeface="Courier New" pitchFamily="49" charset="0"/>
+                <a:ea typeface="Calibri" pitchFamily="34" charset="0"/>
+                <a:cs typeface="Courier New" pitchFamily="49" charset="0"/>
+              </a:rPr>
+              <a:t>, тип команды - хранимая процедура</a:t>
             </a:r>
             <a:endParaRPr lang="be-BY" sz="900" dirty="0">
               <a:solidFill>
@@ -26291,6 +29749,39 @@
               <a:defRPr/>
             </a:pPr>
             <a:r>
+              <a:rPr lang="en-US" sz="1000" dirty="0" smtClean="0">
+                <a:solidFill>
+                  <a:schemeClr val="bg1"/>
+                </a:solidFill>
+                <a:latin typeface="Courier New" pitchFamily="49" charset="0"/>
+                <a:ea typeface="Calibri" pitchFamily="34" charset="0"/>
+                <a:cs typeface="Courier New" pitchFamily="49" charset="0"/>
+              </a:rPr>
+              <a:t>    </a:t>
+            </a:r>
+            <a:r>
+              <a:rPr lang="en-US" sz="1000" dirty="0" err="1" smtClean="0">
+                <a:solidFill>
+                  <a:schemeClr val="bg1"/>
+                </a:solidFill>
+                <a:latin typeface="Courier New" pitchFamily="49" charset="0"/>
+                <a:ea typeface="Calibri" pitchFamily="34" charset="0"/>
+                <a:cs typeface="Courier New" pitchFamily="49" charset="0"/>
+              </a:rPr>
+              <a:t>sqlCmd</a:t>
+            </a:r>
+            <a:r>
+              <a:rPr lang="be-BY" sz="1000" dirty="0" smtClean="0">
+                <a:solidFill>
+                  <a:schemeClr val="bg1"/>
+                </a:solidFill>
+                <a:latin typeface="Courier New" pitchFamily="49" charset="0"/>
+                <a:ea typeface="Calibri" pitchFamily="34" charset="0"/>
+                <a:cs typeface="Courier New" pitchFamily="49" charset="0"/>
+              </a:rPr>
+              <a:t>.Parameters.Add</a:t>
+            </a:r>
+            <a:r>
               <a:rPr lang="be-BY" sz="1000" dirty="0">
                 <a:solidFill>
                   <a:schemeClr val="bg1"/>
@@ -26299,7 +29790,29 @@
                 <a:ea typeface="Calibri" pitchFamily="34" charset="0"/>
                 <a:cs typeface="Courier New" pitchFamily="49" charset="0"/>
               </a:rPr>
-              <a:t>        cmd.Parameters.Add("@ID", SqlDbType.Int);       //Задаем параменты для команды</a:t>
+              <a:t>("@ID", SqlDbType.Int);       </a:t>
+            </a:r>
+            <a:r>
+              <a:rPr lang="be-BY" sz="1000" dirty="0" smtClean="0">
+                <a:solidFill>
+                  <a:schemeClr val="bg1"/>
+                </a:solidFill>
+                <a:latin typeface="Courier New" pitchFamily="49" charset="0"/>
+                <a:ea typeface="Calibri" pitchFamily="34" charset="0"/>
+                <a:cs typeface="Courier New" pitchFamily="49" charset="0"/>
+              </a:rPr>
+              <a:t>// Задаем </a:t>
+            </a:r>
+            <a:r>
+              <a:rPr lang="be-BY" sz="1000" dirty="0">
+                <a:solidFill>
+                  <a:schemeClr val="bg1"/>
+                </a:solidFill>
+                <a:latin typeface="Courier New" pitchFamily="49" charset="0"/>
+                <a:ea typeface="Calibri" pitchFamily="34" charset="0"/>
+                <a:cs typeface="Courier New" pitchFamily="49" charset="0"/>
+              </a:rPr>
+              <a:t>параменты для команды</a:t>
             </a:r>
             <a:endParaRPr lang="be-BY" sz="900" dirty="0">
               <a:solidFill>
@@ -26314,6 +29827,39 @@
               <a:defRPr/>
             </a:pPr>
             <a:r>
+              <a:rPr lang="en-US" sz="1000" dirty="0" smtClean="0">
+                <a:solidFill>
+                  <a:schemeClr val="bg1"/>
+                </a:solidFill>
+                <a:latin typeface="Courier New" pitchFamily="49" charset="0"/>
+                <a:ea typeface="Calibri" pitchFamily="34" charset="0"/>
+                <a:cs typeface="Courier New" pitchFamily="49" charset="0"/>
+              </a:rPr>
+              <a:t>    </a:t>
+            </a:r>
+            <a:r>
+              <a:rPr lang="en-US" sz="1000" dirty="0" err="1" smtClean="0">
+                <a:solidFill>
+                  <a:schemeClr val="bg1"/>
+                </a:solidFill>
+                <a:latin typeface="Courier New" pitchFamily="49" charset="0"/>
+                <a:ea typeface="Calibri" pitchFamily="34" charset="0"/>
+                <a:cs typeface="Courier New" pitchFamily="49" charset="0"/>
+              </a:rPr>
+              <a:t>sqlCmd</a:t>
+            </a:r>
+            <a:r>
+              <a:rPr lang="be-BY" sz="1000" dirty="0" smtClean="0">
+                <a:solidFill>
+                  <a:schemeClr val="bg1"/>
+                </a:solidFill>
+                <a:latin typeface="Courier New" pitchFamily="49" charset="0"/>
+                <a:ea typeface="Calibri" pitchFamily="34" charset="0"/>
+                <a:cs typeface="Courier New" pitchFamily="49" charset="0"/>
+              </a:rPr>
+              <a:t>.Parameters.Add</a:t>
+            </a:r>
+            <a:r>
               <a:rPr lang="be-BY" sz="1000" dirty="0">
                 <a:solidFill>
                   <a:schemeClr val="bg1"/>
@@ -26322,7 +29868,7 @@
                 <a:ea typeface="Calibri" pitchFamily="34" charset="0"/>
                 <a:cs typeface="Courier New" pitchFamily="49" charset="0"/>
               </a:rPr>
-              <a:t>        cmd.Parameters.Add("@name", SqlDbType.NVarChar );</a:t>
+              <a:t>("@name", SqlDbType.NVarChar );</a:t>
             </a:r>
             <a:endParaRPr lang="be-BY" sz="900" dirty="0">
               <a:solidFill>
@@ -26337,6 +29883,39 @@
               <a:defRPr/>
             </a:pPr>
             <a:r>
+              <a:rPr lang="en-US" sz="1000" dirty="0" smtClean="0">
+                <a:solidFill>
+                  <a:schemeClr val="bg1"/>
+                </a:solidFill>
+                <a:latin typeface="Courier New" pitchFamily="49" charset="0"/>
+                <a:ea typeface="Calibri" pitchFamily="34" charset="0"/>
+                <a:cs typeface="Courier New" pitchFamily="49" charset="0"/>
+              </a:rPr>
+              <a:t>    </a:t>
+            </a:r>
+            <a:r>
+              <a:rPr lang="en-US" sz="1000" dirty="0" err="1" smtClean="0">
+                <a:solidFill>
+                  <a:schemeClr val="bg1"/>
+                </a:solidFill>
+                <a:latin typeface="Courier New" pitchFamily="49" charset="0"/>
+                <a:ea typeface="Calibri" pitchFamily="34" charset="0"/>
+                <a:cs typeface="Courier New" pitchFamily="49" charset="0"/>
+              </a:rPr>
+              <a:t>sqlCmd</a:t>
+            </a:r>
+            <a:r>
+              <a:rPr lang="be-BY" sz="1000" dirty="0" smtClean="0">
+                <a:solidFill>
+                  <a:schemeClr val="bg1"/>
+                </a:solidFill>
+                <a:latin typeface="Courier New" pitchFamily="49" charset="0"/>
+                <a:ea typeface="Calibri" pitchFamily="34" charset="0"/>
+                <a:cs typeface="Courier New" pitchFamily="49" charset="0"/>
+              </a:rPr>
+              <a:t>.Parameters.Add</a:t>
+            </a:r>
+            <a:r>
               <a:rPr lang="be-BY" sz="1000" dirty="0">
                 <a:solidFill>
                   <a:schemeClr val="bg1"/>
@@ -26345,7 +29924,7 @@
                 <a:ea typeface="Calibri" pitchFamily="34" charset="0"/>
                 <a:cs typeface="Courier New" pitchFamily="49" charset="0"/>
               </a:rPr>
-              <a:t>        cmd.Parameters.Add("@grade", SqlDbType.Int );</a:t>
+              <a:t>("@grade", SqlDbType.Int );</a:t>
             </a:r>
             <a:endParaRPr lang="be-BY" sz="900" dirty="0">
               <a:solidFill>
@@ -26360,6 +29939,39 @@
               <a:defRPr/>
             </a:pPr>
             <a:r>
+              <a:rPr lang="en-US" sz="1000" dirty="0" smtClean="0">
+                <a:solidFill>
+                  <a:schemeClr val="bg1"/>
+                </a:solidFill>
+                <a:latin typeface="Courier New" pitchFamily="49" charset="0"/>
+                <a:ea typeface="Calibri" pitchFamily="34" charset="0"/>
+                <a:cs typeface="Courier New" pitchFamily="49" charset="0"/>
+              </a:rPr>
+              <a:t>    </a:t>
+            </a:r>
+            <a:r>
+              <a:rPr lang="en-US" sz="1000" dirty="0" err="1" smtClean="0">
+                <a:solidFill>
+                  <a:schemeClr val="bg1"/>
+                </a:solidFill>
+                <a:latin typeface="Courier New" pitchFamily="49" charset="0"/>
+                <a:ea typeface="Calibri" pitchFamily="34" charset="0"/>
+                <a:cs typeface="Courier New" pitchFamily="49" charset="0"/>
+              </a:rPr>
+              <a:t>sqlCmd</a:t>
+            </a:r>
+            <a:r>
+              <a:rPr lang="be-BY" sz="1000" dirty="0" smtClean="0">
+                <a:solidFill>
+                  <a:schemeClr val="bg1"/>
+                </a:solidFill>
+                <a:latin typeface="Courier New" pitchFamily="49" charset="0"/>
+                <a:ea typeface="Calibri" pitchFamily="34" charset="0"/>
+                <a:cs typeface="Courier New" pitchFamily="49" charset="0"/>
+              </a:rPr>
+              <a:t>.Parameters</a:t>
+            </a:r>
+            <a:r>
               <a:rPr lang="be-BY" sz="1000" dirty="0">
                 <a:solidFill>
                   <a:schemeClr val="bg1"/>
@@ -26368,7 +29980,7 @@
                 <a:ea typeface="Calibri" pitchFamily="34" charset="0"/>
                 <a:cs typeface="Courier New" pitchFamily="49" charset="0"/>
               </a:rPr>
-              <a:t>        cmd.Parameters["@ID"] = 1;</a:t>
+              <a:t>["@ID"] = 1;</a:t>
             </a:r>
             <a:endParaRPr lang="be-BY" sz="900" dirty="0">
               <a:solidFill>
@@ -26383,6 +29995,39 @@
               <a:defRPr/>
             </a:pPr>
             <a:r>
+              <a:rPr lang="en-US" sz="1000" dirty="0" smtClean="0">
+                <a:solidFill>
+                  <a:schemeClr val="bg1"/>
+                </a:solidFill>
+                <a:latin typeface="Courier New" pitchFamily="49" charset="0"/>
+                <a:ea typeface="Calibri" pitchFamily="34" charset="0"/>
+                <a:cs typeface="Courier New" pitchFamily="49" charset="0"/>
+              </a:rPr>
+              <a:t>    </a:t>
+            </a:r>
+            <a:r>
+              <a:rPr lang="en-US" sz="1000" dirty="0" err="1" smtClean="0">
+                <a:solidFill>
+                  <a:schemeClr val="bg1"/>
+                </a:solidFill>
+                <a:latin typeface="Courier New" pitchFamily="49" charset="0"/>
+                <a:ea typeface="Calibri" pitchFamily="34" charset="0"/>
+                <a:cs typeface="Courier New" pitchFamily="49" charset="0"/>
+              </a:rPr>
+              <a:t>sqlCmd</a:t>
+            </a:r>
+            <a:r>
+              <a:rPr lang="be-BY" sz="1000" dirty="0" smtClean="0">
+                <a:solidFill>
+                  <a:schemeClr val="bg1"/>
+                </a:solidFill>
+                <a:latin typeface="Courier New" pitchFamily="49" charset="0"/>
+                <a:ea typeface="Calibri" pitchFamily="34" charset="0"/>
+                <a:cs typeface="Courier New" pitchFamily="49" charset="0"/>
+              </a:rPr>
+              <a:t>.Parameters</a:t>
+            </a:r>
+            <a:r>
               <a:rPr lang="be-BY" sz="1000" dirty="0">
                 <a:solidFill>
                   <a:schemeClr val="bg1"/>
@@ -26391,7 +30036,7 @@
                 <a:ea typeface="Calibri" pitchFamily="34" charset="0"/>
                 <a:cs typeface="Courier New" pitchFamily="49" charset="0"/>
               </a:rPr>
-              <a:t>        cmd.Parameters["@name"] = "Shamtko";</a:t>
+              <a:t>["@name"] = "Shamtko";</a:t>
             </a:r>
             <a:endParaRPr lang="be-BY" sz="900" dirty="0">
               <a:solidFill>
@@ -26406,6 +30051,39 @@
               <a:defRPr/>
             </a:pPr>
             <a:r>
+              <a:rPr lang="en-US" sz="1000" dirty="0" smtClean="0">
+                <a:solidFill>
+                  <a:schemeClr val="bg1"/>
+                </a:solidFill>
+                <a:latin typeface="Courier New" pitchFamily="49" charset="0"/>
+                <a:ea typeface="Calibri" pitchFamily="34" charset="0"/>
+                <a:cs typeface="Courier New" pitchFamily="49" charset="0"/>
+              </a:rPr>
+              <a:t>    </a:t>
+            </a:r>
+            <a:r>
+              <a:rPr lang="en-US" sz="1000" dirty="0" err="1" smtClean="0">
+                <a:solidFill>
+                  <a:schemeClr val="bg1"/>
+                </a:solidFill>
+                <a:latin typeface="Courier New" pitchFamily="49" charset="0"/>
+                <a:ea typeface="Calibri" pitchFamily="34" charset="0"/>
+                <a:cs typeface="Courier New" pitchFamily="49" charset="0"/>
+              </a:rPr>
+              <a:t>sqlCmd</a:t>
+            </a:r>
+            <a:r>
+              <a:rPr lang="be-BY" sz="1000" dirty="0" smtClean="0">
+                <a:solidFill>
+                  <a:schemeClr val="bg1"/>
+                </a:solidFill>
+                <a:latin typeface="Courier New" pitchFamily="49" charset="0"/>
+                <a:ea typeface="Calibri" pitchFamily="34" charset="0"/>
+                <a:cs typeface="Courier New" pitchFamily="49" charset="0"/>
+              </a:rPr>
+              <a:t>.Parameters</a:t>
+            </a:r>
+            <a:r>
               <a:rPr lang="be-BY" sz="1000" dirty="0">
                 <a:solidFill>
                   <a:schemeClr val="bg1"/>
@@ -26414,7 +30092,7 @@
                 <a:ea typeface="Calibri" pitchFamily="34" charset="0"/>
                 <a:cs typeface="Courier New" pitchFamily="49" charset="0"/>
               </a:rPr>
-              <a:t>        cmd.Parameters["@grade"] = 5;</a:t>
+              <a:t>["@grade"] = 5;</a:t>
             </a:r>
             <a:endParaRPr lang="be-BY" sz="900" dirty="0">
               <a:solidFill>
@@ -26429,6 +30107,83 @@
               <a:defRPr/>
             </a:pPr>
             <a:r>
+              <a:rPr lang="en-US" sz="1000" dirty="0" smtClean="0">
+                <a:solidFill>
+                  <a:schemeClr val="bg1"/>
+                </a:solidFill>
+                <a:latin typeface="Courier New" pitchFamily="49" charset="0"/>
+                <a:ea typeface="Calibri" pitchFamily="34" charset="0"/>
+                <a:cs typeface="Courier New" pitchFamily="49" charset="0"/>
+              </a:rPr>
+              <a:t>    </a:t>
+            </a:r>
+            <a:r>
+              <a:rPr lang="be-BY" sz="1000" dirty="0" smtClean="0">
+                <a:solidFill>
+                  <a:schemeClr val="bg1"/>
+                </a:solidFill>
+                <a:latin typeface="Courier New" pitchFamily="49" charset="0"/>
+                <a:ea typeface="Calibri" pitchFamily="34" charset="0"/>
+                <a:cs typeface="Courier New" pitchFamily="49" charset="0"/>
+              </a:rPr>
+              <a:t>int </a:t>
+            </a:r>
+            <a:r>
+              <a:rPr lang="en-US" sz="1000" dirty="0" err="1" smtClean="0">
+                <a:solidFill>
+                  <a:schemeClr val="bg1"/>
+                </a:solidFill>
+                <a:latin typeface="Courier New" pitchFamily="49" charset="0"/>
+                <a:ea typeface="Calibri" pitchFamily="34" charset="0"/>
+                <a:cs typeface="Courier New" pitchFamily="49" charset="0"/>
+              </a:rPr>
+              <a:t>rowsAffected</a:t>
+            </a:r>
+            <a:r>
+              <a:rPr lang="be-BY" sz="1000" dirty="0" smtClean="0">
+                <a:solidFill>
+                  <a:schemeClr val="bg1"/>
+                </a:solidFill>
+                <a:latin typeface="Courier New" pitchFamily="49" charset="0"/>
+                <a:ea typeface="Calibri" pitchFamily="34" charset="0"/>
+                <a:cs typeface="Courier New" pitchFamily="49" charset="0"/>
+              </a:rPr>
+              <a:t> =</a:t>
+            </a:r>
+            <a:r>
+              <a:rPr lang="en-US" sz="1000" dirty="0">
+                <a:solidFill>
+                  <a:schemeClr val="bg1"/>
+                </a:solidFill>
+                <a:latin typeface="Courier New" pitchFamily="49" charset="0"/>
+                <a:ea typeface="Calibri" pitchFamily="34" charset="0"/>
+                <a:cs typeface="Courier New" pitchFamily="49" charset="0"/>
+              </a:rPr>
+              <a:t> </a:t>
+            </a:r>
+            <a:r>
+              <a:rPr lang="en-US" sz="1000" dirty="0" err="1">
+                <a:solidFill>
+                  <a:schemeClr val="bg1"/>
+                </a:solidFill>
+                <a:latin typeface="Courier New" pitchFamily="49" charset="0"/>
+                <a:ea typeface="Calibri" pitchFamily="34" charset="0"/>
+                <a:cs typeface="Courier New" pitchFamily="49" charset="0"/>
+              </a:rPr>
+              <a:t>sqlCmd</a:t>
+            </a:r>
+            <a:r>
+              <a:rPr lang="be-BY" sz="1000" dirty="0" smtClean="0">
+                <a:solidFill>
+                  <a:schemeClr val="bg1"/>
+                </a:solidFill>
+                <a:latin typeface="Courier New" pitchFamily="49" charset="0"/>
+                <a:ea typeface="Calibri" pitchFamily="34" charset="0"/>
+                <a:cs typeface="Courier New" pitchFamily="49" charset="0"/>
+              </a:rPr>
+              <a:t>.ExecuteNonQuery</a:t>
+            </a:r>
+            <a:r>
               <a:rPr lang="be-BY" sz="1000" dirty="0">
                 <a:solidFill>
                   <a:schemeClr val="bg1"/>
@@ -26437,7 +30192,7 @@
                 <a:ea typeface="Calibri" pitchFamily="34" charset="0"/>
                 <a:cs typeface="Courier New" pitchFamily="49" charset="0"/>
               </a:rPr>
-              <a:t>        int result = cmd.ExecuteNonQuery();</a:t>
+              <a:t>();</a:t>
             </a:r>
             <a:endParaRPr lang="be-BY" sz="900" dirty="0">
               <a:solidFill>
@@ -26452,6 +30207,28 @@
               <a:defRPr/>
             </a:pPr>
             <a:r>
+              <a:rPr lang="en-US" sz="1000" dirty="0" smtClean="0">
+                <a:solidFill>
+                  <a:schemeClr val="bg1"/>
+                </a:solidFill>
+                <a:latin typeface="Courier New" pitchFamily="49" charset="0"/>
+                <a:ea typeface="Calibri" pitchFamily="34" charset="0"/>
+                <a:cs typeface="Courier New" pitchFamily="49" charset="0"/>
+              </a:rPr>
+              <a:t>    </a:t>
+            </a:r>
+            <a:r>
+              <a:rPr lang="be-BY" sz="1000" dirty="0" smtClean="0">
+                <a:solidFill>
+                  <a:schemeClr val="bg1"/>
+                </a:solidFill>
+                <a:latin typeface="Courier New" pitchFamily="49" charset="0"/>
+                <a:ea typeface="Calibri" pitchFamily="34" charset="0"/>
+                <a:cs typeface="Courier New" pitchFamily="49" charset="0"/>
+              </a:rPr>
+              <a:t>Console.WriteLine</a:t>
+            </a:r>
+            <a:r>
               <a:rPr lang="be-BY" sz="1000" dirty="0">
                 <a:solidFill>
                   <a:schemeClr val="bg1"/>
@@ -26460,7 +30237,75 @@
                 <a:ea typeface="Calibri" pitchFamily="34" charset="0"/>
                 <a:cs typeface="Courier New" pitchFamily="49" charset="0"/>
               </a:rPr>
-              <a:t>        Console.WriteLine("{0} rows changed",result);</a:t>
+              <a:t>("{0} rows changed</a:t>
+            </a:r>
+            <a:r>
+              <a:rPr lang="be-BY" sz="1000" dirty="0" smtClean="0">
+                <a:solidFill>
+                  <a:schemeClr val="bg1"/>
+                </a:solidFill>
+                <a:latin typeface="Courier New" pitchFamily="49" charset="0"/>
+                <a:ea typeface="Calibri" pitchFamily="34" charset="0"/>
+                <a:cs typeface="Courier New" pitchFamily="49" charset="0"/>
+              </a:rPr>
+              <a:t>",</a:t>
+            </a:r>
+            <a:r>
+              <a:rPr lang="en-US" sz="1000" dirty="0">
+                <a:solidFill>
+                  <a:schemeClr val="bg1"/>
+                </a:solidFill>
+                <a:latin typeface="Courier New" pitchFamily="49" charset="0"/>
+                <a:ea typeface="Calibri" pitchFamily="34" charset="0"/>
+                <a:cs typeface="Courier New" pitchFamily="49" charset="0"/>
+              </a:rPr>
+              <a:t> </a:t>
+            </a:r>
+            <a:r>
+              <a:rPr lang="en-US" sz="1000" dirty="0" err="1">
+                <a:solidFill>
+                  <a:schemeClr val="bg1"/>
+                </a:solidFill>
+                <a:latin typeface="Courier New" pitchFamily="49" charset="0"/>
+                <a:ea typeface="Calibri" pitchFamily="34" charset="0"/>
+                <a:cs typeface="Courier New" pitchFamily="49" charset="0"/>
+              </a:rPr>
+              <a:t>rowsAffected</a:t>
+            </a:r>
+            <a:r>
+              <a:rPr lang="be-BY" sz="1000" dirty="0" smtClean="0">
+                <a:solidFill>
+                  <a:schemeClr val="bg1"/>
+                </a:solidFill>
+                <a:latin typeface="Courier New" pitchFamily="49" charset="0"/>
+                <a:ea typeface="Calibri" pitchFamily="34" charset="0"/>
+                <a:cs typeface="Courier New" pitchFamily="49" charset="0"/>
+              </a:rPr>
+              <a:t>);</a:t>
+            </a:r>
+            <a:endParaRPr lang="en-US" sz="1000" dirty="0" smtClean="0">
+              <a:solidFill>
+                <a:schemeClr val="bg1"/>
+              </a:solidFill>
+              <a:latin typeface="Courier New" pitchFamily="49" charset="0"/>
+              <a:ea typeface="Calibri" pitchFamily="34" charset="0"/>
+              <a:cs typeface="Courier New" pitchFamily="49" charset="0"/>
+            </a:endParaRPr>
+          </a:p>
+          <a:p>
+            <a:pPr eaLnBrk="0" hangingPunct="0">
+              <a:defRPr/>
+            </a:pPr>
+            <a:r>
+              <a:rPr lang="en-US" sz="1000" dirty="0">
+                <a:solidFill>
+                  <a:schemeClr val="bg1"/>
+                </a:solidFill>
+                <a:latin typeface="Courier New" pitchFamily="49" charset="0"/>
+                <a:ea typeface="Calibri" pitchFamily="34" charset="0"/>
+                <a:cs typeface="Courier New" pitchFamily="49" charset="0"/>
+              </a:rPr>
+              <a:t>}</a:t>
             </a:r>
             <a:endParaRPr lang="be-BY" dirty="0">
               <a:solidFill>
@@ -26997,7 +30842,40 @@
                 <a:ea typeface="Calibri" pitchFamily="34" charset="0"/>
                 <a:cs typeface="Courier New" pitchFamily="49" charset="0"/>
               </a:rPr>
-              <a:t>    SqlConnection con = new SqlConnection(/*Строка подключения*/);</a:t>
+              <a:t>    SqlConnection </a:t>
+            </a:r>
+            <a:r>
+              <a:rPr lang="en-US" sz="1000" dirty="0" err="1" smtClean="0">
+                <a:solidFill>
+                  <a:schemeClr val="bg1"/>
+                </a:solidFill>
+                <a:latin typeface="Courier New" pitchFamily="49" charset="0"/>
+                <a:ea typeface="Calibri" pitchFamily="34" charset="0"/>
+                <a:cs typeface="Courier New" pitchFamily="49" charset="0"/>
+              </a:rPr>
+              <a:t>sqlConn</a:t>
+            </a:r>
+            <a:r>
+              <a:rPr lang="be-BY" sz="1000" dirty="0" smtClean="0">
+                <a:solidFill>
+                  <a:schemeClr val="bg1"/>
+                </a:solidFill>
+                <a:latin typeface="Courier New" pitchFamily="49" charset="0"/>
+                <a:ea typeface="Calibri" pitchFamily="34" charset="0"/>
+                <a:cs typeface="Courier New" pitchFamily="49" charset="0"/>
+              </a:rPr>
+              <a:t> </a:t>
+            </a:r>
+            <a:r>
+              <a:rPr lang="be-BY" sz="1000" dirty="0">
+                <a:solidFill>
+                  <a:schemeClr val="bg1"/>
+                </a:solidFill>
+                <a:latin typeface="Courier New" pitchFamily="49" charset="0"/>
+                <a:ea typeface="Calibri" pitchFamily="34" charset="0"/>
+                <a:cs typeface="Courier New" pitchFamily="49" charset="0"/>
+              </a:rPr>
+              <a:t>= new SqlConnection(/*Строка подключения*/);</a:t>
             </a:r>
             <a:endParaRPr lang="be-BY" sz="900" dirty="0">
               <a:solidFill>
@@ -27019,7 +30897,40 @@
                 <a:ea typeface="Calibri" pitchFamily="34" charset="0"/>
                 <a:cs typeface="Courier New" pitchFamily="49" charset="0"/>
               </a:rPr>
-              <a:t>    SqlDataAdapter adapt = new SqlDataAdapter();</a:t>
+              <a:t>    SqlDataAdapter </a:t>
+            </a:r>
+            <a:r>
+              <a:rPr lang="en-US" sz="1000" dirty="0" err="1" smtClean="0">
+                <a:solidFill>
+                  <a:schemeClr val="bg1"/>
+                </a:solidFill>
+                <a:latin typeface="Courier New" pitchFamily="49" charset="0"/>
+                <a:ea typeface="Calibri" pitchFamily="34" charset="0"/>
+                <a:cs typeface="Courier New" pitchFamily="49" charset="0"/>
+              </a:rPr>
+              <a:t>dataAdapter</a:t>
+            </a:r>
+            <a:r>
+              <a:rPr lang="be-BY" sz="1000" dirty="0" smtClean="0">
+                <a:solidFill>
+                  <a:schemeClr val="bg1"/>
+                </a:solidFill>
+                <a:latin typeface="Courier New" pitchFamily="49" charset="0"/>
+                <a:ea typeface="Calibri" pitchFamily="34" charset="0"/>
+                <a:cs typeface="Courier New" pitchFamily="49" charset="0"/>
+              </a:rPr>
+              <a:t> </a:t>
+            </a:r>
+            <a:r>
+              <a:rPr lang="be-BY" sz="1000" dirty="0">
+                <a:solidFill>
+                  <a:schemeClr val="bg1"/>
+                </a:solidFill>
+                <a:latin typeface="Courier New" pitchFamily="49" charset="0"/>
+                <a:ea typeface="Calibri" pitchFamily="34" charset="0"/>
+                <a:cs typeface="Courier New" pitchFamily="49" charset="0"/>
+              </a:rPr>
+              <a:t>= new SqlDataAdapter();</a:t>
             </a:r>
             <a:endParaRPr lang="be-BY" sz="900" dirty="0">
               <a:solidFill>
@@ -27041,7 +30952,84 @@
                 <a:ea typeface="Calibri" pitchFamily="34" charset="0"/>
                 <a:cs typeface="Courier New" pitchFamily="49" charset="0"/>
               </a:rPr>
-              <a:t>    SqlCommand select = con.CreateCommand();</a:t>
+              <a:t>    SqlCommand </a:t>
+            </a:r>
+            <a:r>
+              <a:rPr lang="be-BY" sz="1000" dirty="0" smtClean="0">
+                <a:solidFill>
+                  <a:schemeClr val="bg1"/>
+                </a:solidFill>
+                <a:latin typeface="Courier New" pitchFamily="49" charset="0"/>
+                <a:ea typeface="Calibri" pitchFamily="34" charset="0"/>
+                <a:cs typeface="Courier New" pitchFamily="49" charset="0"/>
+              </a:rPr>
+              <a:t>select</a:t>
+            </a:r>
+            <a:r>
+              <a:rPr lang="en-US" sz="1000" dirty="0" smtClean="0">
+                <a:solidFill>
+                  <a:schemeClr val="bg1"/>
+                </a:solidFill>
+                <a:latin typeface="Courier New" pitchFamily="49" charset="0"/>
+                <a:ea typeface="Calibri" pitchFamily="34" charset="0"/>
+                <a:cs typeface="Courier New" pitchFamily="49" charset="0"/>
+              </a:rPr>
+              <a:t>Command</a:t>
+            </a:r>
+            <a:r>
+              <a:rPr lang="be-BY" sz="1000" dirty="0" smtClean="0">
+                <a:solidFill>
+                  <a:schemeClr val="bg1"/>
+                </a:solidFill>
+                <a:latin typeface="Courier New" pitchFamily="49" charset="0"/>
+                <a:ea typeface="Calibri" pitchFamily="34" charset="0"/>
+                <a:cs typeface="Courier New" pitchFamily="49" charset="0"/>
+              </a:rPr>
+              <a:t> =</a:t>
+            </a:r>
+            <a:r>
+              <a:rPr lang="en-US" sz="1000" dirty="0">
+                <a:solidFill>
+                  <a:schemeClr val="bg1"/>
+                </a:solidFill>
+                <a:latin typeface="Courier New" pitchFamily="49" charset="0"/>
+                <a:ea typeface="Calibri" pitchFamily="34" charset="0"/>
+                <a:cs typeface="Courier New" pitchFamily="49" charset="0"/>
+              </a:rPr>
+              <a:t> </a:t>
+            </a:r>
+            <a:r>
+              <a:rPr lang="en-US" sz="1000" dirty="0" err="1">
+                <a:solidFill>
+                  <a:schemeClr val="bg1"/>
+                </a:solidFill>
+                <a:latin typeface="Courier New" pitchFamily="49" charset="0"/>
+                <a:ea typeface="Calibri" pitchFamily="34" charset="0"/>
+                <a:cs typeface="Courier New" pitchFamily="49" charset="0"/>
+              </a:rPr>
+              <a:t>sqlConn</a:t>
+            </a:r>
+            <a:r>
+              <a:rPr lang="be-BY" sz="1000" dirty="0" smtClean="0">
+                <a:solidFill>
+                  <a:schemeClr val="bg1"/>
+                </a:solidFill>
+                <a:latin typeface="Courier New" pitchFamily="49" charset="0"/>
+                <a:ea typeface="Calibri" pitchFamily="34" charset="0"/>
+                <a:cs typeface="Courier New" pitchFamily="49" charset="0"/>
+              </a:rPr>
+              <a:t>.CreateCommand</a:t>
+            </a:r>
+            <a:r>
+              <a:rPr lang="be-BY" sz="1000" dirty="0">
+                <a:solidFill>
+                  <a:schemeClr val="bg1"/>
+                </a:solidFill>
+                <a:latin typeface="Courier New" pitchFamily="49" charset="0"/>
+                <a:ea typeface="Calibri" pitchFamily="34" charset="0"/>
+                <a:cs typeface="Courier New" pitchFamily="49" charset="0"/>
+              </a:rPr>
+              <a:t>();</a:t>
             </a:r>
             <a:endParaRPr lang="be-BY" sz="900" dirty="0">
               <a:solidFill>
@@ -27055,6 +31043,39 @@
               <a:defRPr/>
             </a:pPr>
             <a:r>
+              <a:rPr lang="be-BY" sz="1000" dirty="0" smtClean="0">
+                <a:solidFill>
+                  <a:schemeClr val="bg1"/>
+                </a:solidFill>
+                <a:latin typeface="Courier New" pitchFamily="49" charset="0"/>
+                <a:ea typeface="Calibri" pitchFamily="34" charset="0"/>
+                <a:cs typeface="Courier New" pitchFamily="49" charset="0"/>
+              </a:rPr>
+              <a:t>    select</a:t>
+            </a:r>
+            <a:r>
+              <a:rPr lang="en-US" sz="1000" dirty="0" smtClean="0">
+                <a:solidFill>
+                  <a:schemeClr val="bg1"/>
+                </a:solidFill>
+                <a:latin typeface="Courier New" pitchFamily="49" charset="0"/>
+                <a:ea typeface="Calibri" pitchFamily="34" charset="0"/>
+                <a:cs typeface="Courier New" pitchFamily="49" charset="0"/>
+              </a:rPr>
+              <a:t>Command</a:t>
+            </a:r>
+            <a:r>
+              <a:rPr lang="be-BY" sz="1000" dirty="0" smtClean="0">
+                <a:solidFill>
+                  <a:schemeClr val="bg1"/>
+                </a:solidFill>
+                <a:latin typeface="Courier New" pitchFamily="49" charset="0"/>
+                <a:ea typeface="Calibri" pitchFamily="34" charset="0"/>
+                <a:cs typeface="Courier New" pitchFamily="49" charset="0"/>
+              </a:rPr>
+              <a:t>.CommandText </a:t>
+            </a:r>
+            <a:r>
               <a:rPr lang="be-BY" sz="1000" dirty="0">
                 <a:solidFill>
                   <a:schemeClr val="bg1"/>
@@ -27063,7 +31084,7 @@
                 <a:ea typeface="Calibri" pitchFamily="34" charset="0"/>
                 <a:cs typeface="Courier New" pitchFamily="49" charset="0"/>
               </a:rPr>
-              <a:t>    select.CommandText = "SELECT * FROM </a:t>
+              <a:t>= "SELECT * FROM </a:t>
             </a:r>
             <a:r>
               <a:rPr lang="en-US" sz="1000" dirty="0">
@@ -27121,6 +31142,39 @@
               <a:defRPr/>
             </a:pPr>
             <a:r>
+              <a:rPr lang="en-US" sz="1000" dirty="0" smtClean="0">
+                <a:solidFill>
+                  <a:schemeClr val="bg1"/>
+                </a:solidFill>
+                <a:latin typeface="Courier New" pitchFamily="49" charset="0"/>
+                <a:ea typeface="Calibri" pitchFamily="34" charset="0"/>
+                <a:cs typeface="Courier New" pitchFamily="49" charset="0"/>
+              </a:rPr>
+              <a:t>    </a:t>
+            </a:r>
+            <a:r>
+              <a:rPr lang="en-US" sz="1000" dirty="0" err="1" smtClean="0">
+                <a:solidFill>
+                  <a:schemeClr val="bg1"/>
+                </a:solidFill>
+                <a:latin typeface="Courier New" pitchFamily="49" charset="0"/>
+                <a:ea typeface="Calibri" pitchFamily="34" charset="0"/>
+                <a:cs typeface="Courier New" pitchFamily="49" charset="0"/>
+              </a:rPr>
+              <a:t>dataAdapter</a:t>
+            </a:r>
+            <a:r>
+              <a:rPr lang="be-BY" sz="1000" dirty="0" smtClean="0">
+                <a:solidFill>
+                  <a:schemeClr val="bg1"/>
+                </a:solidFill>
+                <a:latin typeface="Courier New" pitchFamily="49" charset="0"/>
+                <a:ea typeface="Calibri" pitchFamily="34" charset="0"/>
+                <a:cs typeface="Courier New" pitchFamily="49" charset="0"/>
+              </a:rPr>
+              <a:t>.SelectCommand </a:t>
+            </a:r>
+            <a:r>
               <a:rPr lang="be-BY" sz="1000" dirty="0">
                 <a:solidFill>
                   <a:schemeClr val="bg1"/>
@@ -27129,7 +31183,29 @@
                 <a:ea typeface="Calibri" pitchFamily="34" charset="0"/>
                 <a:cs typeface="Courier New" pitchFamily="49" charset="0"/>
               </a:rPr>
-              <a:t>    adapt.SelectCommand = select;</a:t>
+              <a:t>= select</a:t>
+            </a:r>
+            <a:r>
+              <a:rPr lang="en-US" sz="1000" dirty="0">
+                <a:solidFill>
+                  <a:schemeClr val="bg1"/>
+                </a:solidFill>
+                <a:latin typeface="Courier New" pitchFamily="49" charset="0"/>
+                <a:ea typeface="Calibri" pitchFamily="34" charset="0"/>
+                <a:cs typeface="Courier New" pitchFamily="49" charset="0"/>
+              </a:rPr>
+              <a:t>Command</a:t>
+            </a:r>
+            <a:r>
+              <a:rPr lang="be-BY" sz="1000" dirty="0" smtClean="0">
+                <a:solidFill>
+                  <a:schemeClr val="bg1"/>
+                </a:solidFill>
+                <a:latin typeface="Courier New" pitchFamily="49" charset="0"/>
+                <a:ea typeface="Calibri" pitchFamily="34" charset="0"/>
+                <a:cs typeface="Courier New" pitchFamily="49" charset="0"/>
+              </a:rPr>
+              <a:t>;</a:t>
             </a:r>
             <a:endParaRPr lang="be-BY" sz="900" dirty="0">
               <a:solidFill>
@@ -27151,7 +31227,40 @@
                 <a:ea typeface="Calibri" pitchFamily="34" charset="0"/>
                 <a:cs typeface="Courier New" pitchFamily="49" charset="0"/>
               </a:rPr>
-              <a:t>    DataSet set = new DataSet();</a:t>
+              <a:t>    DataSet </a:t>
+            </a:r>
+            <a:r>
+              <a:rPr lang="en-US" sz="1000" dirty="0" smtClean="0">
+                <a:solidFill>
+                  <a:schemeClr val="bg1"/>
+                </a:solidFill>
+                <a:latin typeface="Courier New" pitchFamily="49" charset="0"/>
+                <a:ea typeface="Calibri" pitchFamily="34" charset="0"/>
+                <a:cs typeface="Courier New" pitchFamily="49" charset="0"/>
+              </a:rPr>
+              <a:t>ds</a:t>
+            </a:r>
+            <a:r>
+              <a:rPr lang="be-BY" sz="1000" dirty="0" smtClean="0">
+                <a:solidFill>
+                  <a:schemeClr val="bg1"/>
+                </a:solidFill>
+                <a:latin typeface="Courier New" pitchFamily="49" charset="0"/>
+                <a:ea typeface="Calibri" pitchFamily="34" charset="0"/>
+                <a:cs typeface="Courier New" pitchFamily="49" charset="0"/>
+              </a:rPr>
+              <a:t> </a:t>
+            </a:r>
+            <a:r>
+              <a:rPr lang="be-BY" sz="1000" dirty="0">
+                <a:solidFill>
+                  <a:schemeClr val="bg1"/>
+                </a:solidFill>
+                <a:latin typeface="Courier New" pitchFamily="49" charset="0"/>
+                <a:ea typeface="Calibri" pitchFamily="34" charset="0"/>
+                <a:cs typeface="Courier New" pitchFamily="49" charset="0"/>
+              </a:rPr>
+              <a:t>= new DataSet();</a:t>
             </a:r>
             <a:endParaRPr lang="be-BY" sz="900" dirty="0">
               <a:solidFill>
@@ -27165,15 +31274,59 @@
               <a:defRPr/>
             </a:pPr>
             <a:r>
-              <a:rPr lang="be-BY" sz="1000" dirty="0">
-                <a:solidFill>
-                  <a:schemeClr val="bg1"/>
-                </a:solidFill>
-                <a:latin typeface="Courier New" pitchFamily="49" charset="0"/>
-                <a:ea typeface="Calibri" pitchFamily="34" charset="0"/>
-                <a:cs typeface="Courier New" pitchFamily="49" charset="0"/>
-              </a:rPr>
-              <a:t>    adapt.Fill(set);</a:t>
+              <a:rPr lang="en-US" sz="1000" dirty="0" smtClean="0">
+                <a:solidFill>
+                  <a:schemeClr val="bg1"/>
+                </a:solidFill>
+                <a:latin typeface="Courier New" pitchFamily="49" charset="0"/>
+                <a:ea typeface="Calibri" pitchFamily="34" charset="0"/>
+                <a:cs typeface="Courier New" pitchFamily="49" charset="0"/>
+              </a:rPr>
+              <a:t>    </a:t>
+            </a:r>
+            <a:r>
+              <a:rPr lang="en-US" sz="1000" dirty="0" err="1" smtClean="0">
+                <a:solidFill>
+                  <a:schemeClr val="bg1"/>
+                </a:solidFill>
+                <a:latin typeface="Courier New" pitchFamily="49" charset="0"/>
+                <a:ea typeface="Calibri" pitchFamily="34" charset="0"/>
+                <a:cs typeface="Courier New" pitchFamily="49" charset="0"/>
+              </a:rPr>
+              <a:t>dataAdapter</a:t>
+            </a:r>
+            <a:r>
+              <a:rPr lang="be-BY" sz="1000" dirty="0" smtClean="0">
+                <a:solidFill>
+                  <a:schemeClr val="bg1"/>
+                </a:solidFill>
+                <a:latin typeface="Courier New" pitchFamily="49" charset="0"/>
+                <a:ea typeface="Calibri" pitchFamily="34" charset="0"/>
+                <a:cs typeface="Courier New" pitchFamily="49" charset="0"/>
+              </a:rPr>
+              <a:t>.Fill(</a:t>
+            </a:r>
+            <a:r>
+              <a:rPr lang="en-US" sz="1000" dirty="0" smtClean="0">
+                <a:solidFill>
+                  <a:schemeClr val="bg1"/>
+                </a:solidFill>
+                <a:latin typeface="Courier New" pitchFamily="49" charset="0"/>
+                <a:ea typeface="Calibri" pitchFamily="34" charset="0"/>
+                <a:cs typeface="Courier New" pitchFamily="49" charset="0"/>
+              </a:rPr>
+              <a:t>ds</a:t>
+            </a:r>
+            <a:r>
+              <a:rPr lang="be-BY" sz="1000" dirty="0" smtClean="0">
+                <a:solidFill>
+                  <a:schemeClr val="bg1"/>
+                </a:solidFill>
+                <a:latin typeface="Courier New" pitchFamily="49" charset="0"/>
+                <a:ea typeface="Calibri" pitchFamily="34" charset="0"/>
+                <a:cs typeface="Courier New" pitchFamily="49" charset="0"/>
+              </a:rPr>
+              <a:t>);</a:t>
             </a:r>
             <a:endParaRPr lang="be-BY" dirty="0">
               <a:solidFill>
@@ -27541,8 +31694,8 @@
         </p:nvSpPr>
         <p:spPr bwMode="auto">
           <a:xfrm>
-            <a:off x="152400" y="107950"/>
-            <a:ext cx="8839200" cy="6402388"/>
+            <a:off x="152400" y="354489"/>
+            <a:ext cx="8839200" cy="5909310"/>
           </a:xfrm>
           <a:prstGeom prst="rect">
             <a:avLst/>
@@ -27570,17 +31723,197 @@
               <a:defRPr/>
             </a:pPr>
             <a:r>
-              <a:rPr lang="be-BY" sz="1000" dirty="0">
-                <a:solidFill>
-                  <a:schemeClr val="bg1"/>
-                </a:solidFill>
-                <a:latin typeface="Courier New" pitchFamily="49" charset="0"/>
-                <a:ea typeface="Calibri" pitchFamily="34" charset="0"/>
-                <a:cs typeface="Courier New" pitchFamily="49" charset="0"/>
-              </a:rPr>
-              <a:t>    SqlConnection con = new SqlConnection(/*Строка подключения*/);</a:t>
-            </a:r>
-            <a:endParaRPr lang="be-BY" sz="900" dirty="0">
+              <a:rPr lang="en-US" sz="900" dirty="0">
+                <a:solidFill>
+                  <a:schemeClr val="bg1"/>
+                </a:solidFill>
+                <a:latin typeface="Arial" pitchFamily="34" charset="0"/>
+              </a:rPr>
+              <a:t>using (</a:t>
+            </a:r>
+            <a:r>
+              <a:rPr lang="en-US" sz="900" dirty="0" err="1">
+                <a:solidFill>
+                  <a:schemeClr val="bg1"/>
+                </a:solidFill>
+                <a:latin typeface="Arial" pitchFamily="34" charset="0"/>
+              </a:rPr>
+              <a:t>SqlConnection</a:t>
+            </a:r>
+            <a:r>
+              <a:rPr lang="en-US" sz="900" dirty="0">
+                <a:solidFill>
+                  <a:schemeClr val="bg1"/>
+                </a:solidFill>
+                <a:latin typeface="Arial" pitchFamily="34" charset="0"/>
+              </a:rPr>
+              <a:t> </a:t>
+            </a:r>
+            <a:r>
+              <a:rPr lang="en-US" sz="900" dirty="0" err="1">
+                <a:solidFill>
+                  <a:schemeClr val="bg1"/>
+                </a:solidFill>
+                <a:latin typeface="Arial" pitchFamily="34" charset="0"/>
+              </a:rPr>
+              <a:t>sqlConn</a:t>
+            </a:r>
+            <a:r>
+              <a:rPr lang="en-US" sz="900" dirty="0">
+                <a:solidFill>
+                  <a:schemeClr val="bg1"/>
+                </a:solidFill>
+                <a:latin typeface="Arial" pitchFamily="34" charset="0"/>
+              </a:rPr>
+              <a:t> = new </a:t>
+            </a:r>
+            <a:r>
+              <a:rPr lang="en-US" sz="900" dirty="0" err="1">
+                <a:solidFill>
+                  <a:schemeClr val="bg1"/>
+                </a:solidFill>
+                <a:latin typeface="Arial" pitchFamily="34" charset="0"/>
+              </a:rPr>
+              <a:t>SqlConnection</a:t>
+            </a:r>
+            <a:r>
+              <a:rPr lang="en-US" sz="900" dirty="0">
+                <a:solidFill>
+                  <a:schemeClr val="bg1"/>
+                </a:solidFill>
+                <a:latin typeface="Arial" pitchFamily="34" charset="0"/>
+              </a:rPr>
+              <a:t>(/*</a:t>
+            </a:r>
+            <a:r>
+              <a:rPr lang="be-BY" sz="900" dirty="0">
+                <a:solidFill>
+                  <a:schemeClr val="bg1"/>
+                </a:solidFill>
+                <a:latin typeface="Arial" pitchFamily="34" charset="0"/>
+              </a:rPr>
+              <a:t>Строка подключения*/))</a:t>
+            </a:r>
+          </a:p>
+          <a:p>
+            <a:pPr eaLnBrk="0" hangingPunct="0">
+              <a:defRPr/>
+            </a:pPr>
+            <a:r>
+              <a:rPr lang="be-BY" sz="900" dirty="0">
+                <a:solidFill>
+                  <a:schemeClr val="bg1"/>
+                </a:solidFill>
+                <a:latin typeface="Arial" pitchFamily="34" charset="0"/>
+              </a:rPr>
+              <a:t>{</a:t>
+            </a:r>
+          </a:p>
+          <a:p>
+            <a:pPr eaLnBrk="0" hangingPunct="0">
+              <a:defRPr/>
+            </a:pPr>
+            <a:r>
+              <a:rPr lang="be-BY" sz="900" dirty="0">
+                <a:solidFill>
+                  <a:schemeClr val="bg1"/>
+                </a:solidFill>
+                <a:latin typeface="Arial" pitchFamily="34" charset="0"/>
+              </a:rPr>
+              <a:t>    </a:t>
+            </a:r>
+            <a:r>
+              <a:rPr lang="en-US" sz="900" dirty="0" err="1">
+                <a:solidFill>
+                  <a:schemeClr val="bg1"/>
+                </a:solidFill>
+                <a:latin typeface="Arial" pitchFamily="34" charset="0"/>
+              </a:rPr>
+              <a:t>sqlConn.Open</a:t>
+            </a:r>
+            <a:r>
+              <a:rPr lang="en-US" sz="900" dirty="0">
+                <a:solidFill>
+                  <a:schemeClr val="bg1"/>
+                </a:solidFill>
+                <a:latin typeface="Arial" pitchFamily="34" charset="0"/>
+              </a:rPr>
+              <a:t>();</a:t>
+            </a:r>
+          </a:p>
+          <a:p>
+            <a:pPr eaLnBrk="0" hangingPunct="0">
+              <a:defRPr/>
+            </a:pPr>
+            <a:r>
+              <a:rPr lang="en-US" sz="900" dirty="0">
+                <a:solidFill>
+                  <a:schemeClr val="bg1"/>
+                </a:solidFill>
+                <a:latin typeface="Arial" pitchFamily="34" charset="0"/>
+              </a:rPr>
+              <a:t>    </a:t>
+            </a:r>
+            <a:r>
+              <a:rPr lang="en-US" sz="900" dirty="0" err="1">
+                <a:solidFill>
+                  <a:schemeClr val="bg1"/>
+                </a:solidFill>
+                <a:latin typeface="Arial" pitchFamily="34" charset="0"/>
+              </a:rPr>
+              <a:t>SqlDataAdapter</a:t>
+            </a:r>
+            <a:r>
+              <a:rPr lang="en-US" sz="900" dirty="0">
+                <a:solidFill>
+                  <a:schemeClr val="bg1"/>
+                </a:solidFill>
+                <a:latin typeface="Arial" pitchFamily="34" charset="0"/>
+              </a:rPr>
+              <a:t> </a:t>
+            </a:r>
+            <a:r>
+              <a:rPr lang="en-US" sz="900" dirty="0" err="1">
+                <a:solidFill>
+                  <a:schemeClr val="bg1"/>
+                </a:solidFill>
+                <a:latin typeface="Arial" pitchFamily="34" charset="0"/>
+              </a:rPr>
+              <a:t>dataAdapter</a:t>
+            </a:r>
+            <a:r>
+              <a:rPr lang="en-US" sz="900" dirty="0">
+                <a:solidFill>
+                  <a:schemeClr val="bg1"/>
+                </a:solidFill>
+                <a:latin typeface="Arial" pitchFamily="34" charset="0"/>
+              </a:rPr>
+              <a:t> = new </a:t>
+            </a:r>
+            <a:r>
+              <a:rPr lang="en-US" sz="900" dirty="0" err="1">
+                <a:solidFill>
+                  <a:schemeClr val="bg1"/>
+                </a:solidFill>
+                <a:latin typeface="Arial" pitchFamily="34" charset="0"/>
+              </a:rPr>
+              <a:t>SqlDataAdapter</a:t>
+            </a:r>
+            <a:r>
+              <a:rPr lang="en-US" sz="900" dirty="0">
+                <a:solidFill>
+                  <a:schemeClr val="bg1"/>
+                </a:solidFill>
+                <a:latin typeface="Arial" pitchFamily="34" charset="0"/>
+              </a:rPr>
+              <a:t>();</a:t>
+            </a:r>
+          </a:p>
+          <a:p>
+            <a:pPr eaLnBrk="0" hangingPunct="0">
+              <a:defRPr/>
+            </a:pPr>
+            <a:endParaRPr lang="en-US" sz="900" dirty="0">
               <a:solidFill>
                 <a:schemeClr val="bg1"/>
               </a:solidFill>
@@ -27592,17 +31925,156 @@
               <a:defRPr/>
             </a:pPr>
             <a:r>
-              <a:rPr lang="be-BY" sz="1000" dirty="0">
-                <a:solidFill>
-                  <a:schemeClr val="bg1"/>
-                </a:solidFill>
-                <a:latin typeface="Courier New" pitchFamily="49" charset="0"/>
-                <a:ea typeface="Calibri" pitchFamily="34" charset="0"/>
-                <a:cs typeface="Courier New" pitchFamily="49" charset="0"/>
-              </a:rPr>
-              <a:t>    con.Open();</a:t>
-            </a:r>
-            <a:endParaRPr lang="be-BY" sz="900" dirty="0">
+              <a:rPr lang="en-US" sz="900" dirty="0">
+                <a:solidFill>
+                  <a:schemeClr val="bg1"/>
+                </a:solidFill>
+                <a:latin typeface="Arial" pitchFamily="34" charset="0"/>
+              </a:rPr>
+              <a:t>    </a:t>
+            </a:r>
+            <a:r>
+              <a:rPr lang="en-US" sz="900" dirty="0" err="1">
+                <a:solidFill>
+                  <a:schemeClr val="bg1"/>
+                </a:solidFill>
+                <a:latin typeface="Arial" pitchFamily="34" charset="0"/>
+              </a:rPr>
+              <a:t>SqlCommand</a:t>
+            </a:r>
+            <a:r>
+              <a:rPr lang="en-US" sz="900" dirty="0">
+                <a:solidFill>
+                  <a:schemeClr val="bg1"/>
+                </a:solidFill>
+                <a:latin typeface="Arial" pitchFamily="34" charset="0"/>
+              </a:rPr>
+              <a:t> </a:t>
+            </a:r>
+            <a:r>
+              <a:rPr lang="en-US" sz="900" dirty="0" err="1">
+                <a:solidFill>
+                  <a:schemeClr val="bg1"/>
+                </a:solidFill>
+                <a:latin typeface="Arial" pitchFamily="34" charset="0"/>
+              </a:rPr>
+              <a:t>cmdSelect</a:t>
+            </a:r>
+            <a:r>
+              <a:rPr lang="en-US" sz="900" dirty="0">
+                <a:solidFill>
+                  <a:schemeClr val="bg1"/>
+                </a:solidFill>
+                <a:latin typeface="Arial" pitchFamily="34" charset="0"/>
+              </a:rPr>
+              <a:t> = </a:t>
+            </a:r>
+            <a:r>
+              <a:rPr lang="en-US" sz="900" dirty="0" err="1">
+                <a:solidFill>
+                  <a:schemeClr val="bg1"/>
+                </a:solidFill>
+                <a:latin typeface="Arial" pitchFamily="34" charset="0"/>
+              </a:rPr>
+              <a:t>sqlConn.CreateCommand</a:t>
+            </a:r>
+            <a:r>
+              <a:rPr lang="en-US" sz="900" dirty="0">
+                <a:solidFill>
+                  <a:schemeClr val="bg1"/>
+                </a:solidFill>
+                <a:latin typeface="Arial" pitchFamily="34" charset="0"/>
+              </a:rPr>
+              <a:t>();</a:t>
+            </a:r>
+          </a:p>
+          <a:p>
+            <a:pPr eaLnBrk="0" hangingPunct="0">
+              <a:defRPr/>
+            </a:pPr>
+            <a:r>
+              <a:rPr lang="en-US" sz="900" dirty="0">
+                <a:solidFill>
+                  <a:schemeClr val="bg1"/>
+                </a:solidFill>
+                <a:latin typeface="Arial" pitchFamily="34" charset="0"/>
+              </a:rPr>
+              <a:t>    </a:t>
+            </a:r>
+            <a:r>
+              <a:rPr lang="en-US" sz="900" dirty="0" err="1">
+                <a:solidFill>
+                  <a:schemeClr val="bg1"/>
+                </a:solidFill>
+                <a:latin typeface="Arial" pitchFamily="34" charset="0"/>
+              </a:rPr>
+              <a:t>cmdSelect.CommandText</a:t>
+            </a:r>
+            <a:r>
+              <a:rPr lang="en-US" sz="900" dirty="0">
+                <a:solidFill>
+                  <a:schemeClr val="bg1"/>
+                </a:solidFill>
+                <a:latin typeface="Arial" pitchFamily="34" charset="0"/>
+              </a:rPr>
+              <a:t> = "SELECT * FROM Students";</a:t>
+            </a:r>
+          </a:p>
+          <a:p>
+            <a:pPr eaLnBrk="0" hangingPunct="0">
+              <a:defRPr/>
+            </a:pPr>
+            <a:r>
+              <a:rPr lang="en-US" sz="900" dirty="0">
+                <a:solidFill>
+                  <a:schemeClr val="bg1"/>
+                </a:solidFill>
+                <a:latin typeface="Arial" pitchFamily="34" charset="0"/>
+              </a:rPr>
+              <a:t>    </a:t>
+            </a:r>
+            <a:r>
+              <a:rPr lang="en-US" sz="900" dirty="0" err="1">
+                <a:solidFill>
+                  <a:schemeClr val="bg1"/>
+                </a:solidFill>
+                <a:latin typeface="Arial" pitchFamily="34" charset="0"/>
+              </a:rPr>
+              <a:t>dataAdapter.SelectCommand</a:t>
+            </a:r>
+            <a:r>
+              <a:rPr lang="en-US" sz="900" dirty="0">
+                <a:solidFill>
+                  <a:schemeClr val="bg1"/>
+                </a:solidFill>
+                <a:latin typeface="Arial" pitchFamily="34" charset="0"/>
+              </a:rPr>
+              <a:t> = </a:t>
+            </a:r>
+            <a:r>
+              <a:rPr lang="en-US" sz="900" dirty="0" err="1">
+                <a:solidFill>
+                  <a:schemeClr val="bg1"/>
+                </a:solidFill>
+                <a:latin typeface="Arial" pitchFamily="34" charset="0"/>
+              </a:rPr>
+              <a:t>cmdSelect</a:t>
+            </a:r>
+            <a:r>
+              <a:rPr lang="en-US" sz="900" dirty="0">
+                <a:solidFill>
+                  <a:schemeClr val="bg1"/>
+                </a:solidFill>
+                <a:latin typeface="Arial" pitchFamily="34" charset="0"/>
+              </a:rPr>
+              <a:t>;</a:t>
+            </a:r>
+          </a:p>
+          <a:p>
+            <a:pPr eaLnBrk="0" hangingPunct="0">
+              <a:defRPr/>
+            </a:pPr>
+            <a:endParaRPr lang="en-US" sz="900" dirty="0">
               <a:solidFill>
                 <a:schemeClr val="bg1"/>
               </a:solidFill>
@@ -27614,17 +32086,356 @@
               <a:defRPr/>
             </a:pPr>
             <a:r>
-              <a:rPr lang="be-BY" sz="1000" dirty="0">
-                <a:solidFill>
-                  <a:schemeClr val="bg1"/>
-                </a:solidFill>
-                <a:latin typeface="Courier New" pitchFamily="49" charset="0"/>
-                <a:ea typeface="Calibri" pitchFamily="34" charset="0"/>
-                <a:cs typeface="Courier New" pitchFamily="49" charset="0"/>
-              </a:rPr>
-              <a:t>    SqlDataAdapter adapt = new SqlDataAdapter();</a:t>
-            </a:r>
-            <a:endParaRPr lang="be-BY" sz="900" dirty="0">
+              <a:rPr lang="en-US" sz="900" dirty="0">
+                <a:solidFill>
+                  <a:schemeClr val="bg1"/>
+                </a:solidFill>
+                <a:latin typeface="Arial" pitchFamily="34" charset="0"/>
+              </a:rPr>
+              <a:t>    </a:t>
+            </a:r>
+            <a:r>
+              <a:rPr lang="en-US" sz="900" dirty="0" err="1">
+                <a:solidFill>
+                  <a:schemeClr val="bg1"/>
+                </a:solidFill>
+                <a:latin typeface="Arial" pitchFamily="34" charset="0"/>
+              </a:rPr>
+              <a:t>SqlCommand</a:t>
+            </a:r>
+            <a:r>
+              <a:rPr lang="en-US" sz="900" dirty="0">
+                <a:solidFill>
+                  <a:schemeClr val="bg1"/>
+                </a:solidFill>
+                <a:latin typeface="Arial" pitchFamily="34" charset="0"/>
+              </a:rPr>
+              <a:t> </a:t>
+            </a:r>
+            <a:r>
+              <a:rPr lang="en-US" sz="900" dirty="0" err="1">
+                <a:solidFill>
+                  <a:schemeClr val="bg1"/>
+                </a:solidFill>
+                <a:latin typeface="Arial" pitchFamily="34" charset="0"/>
+              </a:rPr>
+              <a:t>cmdInsert</a:t>
+            </a:r>
+            <a:r>
+              <a:rPr lang="en-US" sz="900" dirty="0">
+                <a:solidFill>
+                  <a:schemeClr val="bg1"/>
+                </a:solidFill>
+                <a:latin typeface="Arial" pitchFamily="34" charset="0"/>
+              </a:rPr>
+              <a:t> = </a:t>
+            </a:r>
+            <a:r>
+              <a:rPr lang="en-US" sz="900" dirty="0" err="1">
+                <a:solidFill>
+                  <a:schemeClr val="bg1"/>
+                </a:solidFill>
+                <a:latin typeface="Arial" pitchFamily="34" charset="0"/>
+              </a:rPr>
+              <a:t>sqlConn.CreateCommand</a:t>
+            </a:r>
+            <a:r>
+              <a:rPr lang="en-US" sz="900" dirty="0">
+                <a:solidFill>
+                  <a:schemeClr val="bg1"/>
+                </a:solidFill>
+                <a:latin typeface="Arial" pitchFamily="34" charset="0"/>
+              </a:rPr>
+              <a:t>();</a:t>
+            </a:r>
+          </a:p>
+          <a:p>
+            <a:pPr eaLnBrk="0" hangingPunct="0">
+              <a:defRPr/>
+            </a:pPr>
+            <a:r>
+              <a:rPr lang="en-US" sz="900" dirty="0">
+                <a:solidFill>
+                  <a:schemeClr val="bg1"/>
+                </a:solidFill>
+                <a:latin typeface="Arial" pitchFamily="34" charset="0"/>
+              </a:rPr>
+              <a:t>    </a:t>
+            </a:r>
+            <a:r>
+              <a:rPr lang="en-US" sz="900" dirty="0" err="1">
+                <a:solidFill>
+                  <a:schemeClr val="bg1"/>
+                </a:solidFill>
+                <a:latin typeface="Arial" pitchFamily="34" charset="0"/>
+              </a:rPr>
+              <a:t>cmdInsert.CommandText</a:t>
+            </a:r>
+            <a:r>
+              <a:rPr lang="en-US" sz="900" dirty="0">
+                <a:solidFill>
+                  <a:schemeClr val="bg1"/>
+                </a:solidFill>
+                <a:latin typeface="Arial" pitchFamily="34" charset="0"/>
+              </a:rPr>
+              <a:t> = "INSERT INTO Students(Name, Grade) VALUES (@name, @grade)";</a:t>
+            </a:r>
+          </a:p>
+          <a:p>
+            <a:pPr eaLnBrk="0" hangingPunct="0">
+              <a:defRPr/>
+            </a:pPr>
+            <a:r>
+              <a:rPr lang="en-US" sz="900" dirty="0">
+                <a:solidFill>
+                  <a:schemeClr val="bg1"/>
+                </a:solidFill>
+                <a:latin typeface="Arial" pitchFamily="34" charset="0"/>
+              </a:rPr>
+              <a:t>    </a:t>
+            </a:r>
+            <a:r>
+              <a:rPr lang="en-US" sz="900" dirty="0" err="1">
+                <a:solidFill>
+                  <a:schemeClr val="bg1"/>
+                </a:solidFill>
+                <a:latin typeface="Arial" pitchFamily="34" charset="0"/>
+              </a:rPr>
+              <a:t>cmdInsert.Parameters.Add</a:t>
+            </a:r>
+            <a:r>
+              <a:rPr lang="en-US" sz="900" dirty="0">
+                <a:solidFill>
+                  <a:schemeClr val="bg1"/>
+                </a:solidFill>
+                <a:latin typeface="Arial" pitchFamily="34" charset="0"/>
+              </a:rPr>
+              <a:t>("@name", </a:t>
+            </a:r>
+            <a:r>
+              <a:rPr lang="en-US" sz="900" dirty="0" err="1">
+                <a:solidFill>
+                  <a:schemeClr val="bg1"/>
+                </a:solidFill>
+                <a:latin typeface="Arial" pitchFamily="34" charset="0"/>
+              </a:rPr>
+              <a:t>SqlDbType.NChar</a:t>
+            </a:r>
+            <a:r>
+              <a:rPr lang="en-US" sz="900" dirty="0">
+                <a:solidFill>
+                  <a:schemeClr val="bg1"/>
+                </a:solidFill>
+                <a:latin typeface="Arial" pitchFamily="34" charset="0"/>
+              </a:rPr>
+              <a:t>, 10);</a:t>
+            </a:r>
+          </a:p>
+          <a:p>
+            <a:pPr eaLnBrk="0" hangingPunct="0">
+              <a:defRPr/>
+            </a:pPr>
+            <a:r>
+              <a:rPr lang="en-US" sz="900" dirty="0">
+                <a:solidFill>
+                  <a:schemeClr val="bg1"/>
+                </a:solidFill>
+                <a:latin typeface="Arial" pitchFamily="34" charset="0"/>
+              </a:rPr>
+              <a:t>    </a:t>
+            </a:r>
+            <a:r>
+              <a:rPr lang="en-US" sz="900" dirty="0" err="1">
+                <a:solidFill>
+                  <a:schemeClr val="bg1"/>
+                </a:solidFill>
+                <a:latin typeface="Arial" pitchFamily="34" charset="0"/>
+              </a:rPr>
+              <a:t>cmdInsert.Parameters.Add</a:t>
+            </a:r>
+            <a:r>
+              <a:rPr lang="en-US" sz="900" dirty="0">
+                <a:solidFill>
+                  <a:schemeClr val="bg1"/>
+                </a:solidFill>
+                <a:latin typeface="Arial" pitchFamily="34" charset="0"/>
+              </a:rPr>
+              <a:t>("@grade", </a:t>
+            </a:r>
+            <a:r>
+              <a:rPr lang="en-US" sz="900" dirty="0" err="1">
+                <a:solidFill>
+                  <a:schemeClr val="bg1"/>
+                </a:solidFill>
+                <a:latin typeface="Arial" pitchFamily="34" charset="0"/>
+              </a:rPr>
+              <a:t>SqlDbType.Int</a:t>
+            </a:r>
+            <a:r>
+              <a:rPr lang="en-US" sz="900" dirty="0">
+                <a:solidFill>
+                  <a:schemeClr val="bg1"/>
+                </a:solidFill>
+                <a:latin typeface="Arial" pitchFamily="34" charset="0"/>
+              </a:rPr>
+              <a:t>);</a:t>
+            </a:r>
+          </a:p>
+          <a:p>
+            <a:pPr eaLnBrk="0" hangingPunct="0">
+              <a:defRPr/>
+            </a:pPr>
+            <a:r>
+              <a:rPr lang="en-US" sz="900" dirty="0">
+                <a:solidFill>
+                  <a:schemeClr val="bg1"/>
+                </a:solidFill>
+                <a:latin typeface="Arial" pitchFamily="34" charset="0"/>
+              </a:rPr>
+              <a:t>    </a:t>
+            </a:r>
+            <a:r>
+              <a:rPr lang="en-US" sz="900" dirty="0" err="1">
+                <a:solidFill>
+                  <a:schemeClr val="bg1"/>
+                </a:solidFill>
+                <a:latin typeface="Arial" pitchFamily="34" charset="0"/>
+              </a:rPr>
+              <a:t>cmdInsert.Parameters</a:t>
+            </a:r>
+            <a:r>
+              <a:rPr lang="en-US" sz="900" dirty="0">
+                <a:solidFill>
+                  <a:schemeClr val="bg1"/>
+                </a:solidFill>
+                <a:latin typeface="Arial" pitchFamily="34" charset="0"/>
+              </a:rPr>
+              <a:t>["@name"].</a:t>
+            </a:r>
+            <a:r>
+              <a:rPr lang="en-US" sz="900" dirty="0" err="1">
+                <a:solidFill>
+                  <a:schemeClr val="bg1"/>
+                </a:solidFill>
+                <a:latin typeface="Arial" pitchFamily="34" charset="0"/>
+              </a:rPr>
+              <a:t>SourceColumn</a:t>
+            </a:r>
+            <a:r>
+              <a:rPr lang="en-US" sz="900" dirty="0">
+                <a:solidFill>
+                  <a:schemeClr val="bg1"/>
+                </a:solidFill>
+                <a:latin typeface="Arial" pitchFamily="34" charset="0"/>
+              </a:rPr>
+              <a:t> = "Name";</a:t>
+            </a:r>
+          </a:p>
+          <a:p>
+            <a:pPr eaLnBrk="0" hangingPunct="0">
+              <a:defRPr/>
+            </a:pPr>
+            <a:r>
+              <a:rPr lang="en-US" sz="900" dirty="0">
+                <a:solidFill>
+                  <a:schemeClr val="bg1"/>
+                </a:solidFill>
+                <a:latin typeface="Arial" pitchFamily="34" charset="0"/>
+              </a:rPr>
+              <a:t>    </a:t>
+            </a:r>
+            <a:r>
+              <a:rPr lang="en-US" sz="900" dirty="0" err="1">
+                <a:solidFill>
+                  <a:schemeClr val="bg1"/>
+                </a:solidFill>
+                <a:latin typeface="Arial" pitchFamily="34" charset="0"/>
+              </a:rPr>
+              <a:t>cmdInsert.Parameters</a:t>
+            </a:r>
+            <a:r>
+              <a:rPr lang="en-US" sz="900" dirty="0">
+                <a:solidFill>
+                  <a:schemeClr val="bg1"/>
+                </a:solidFill>
+                <a:latin typeface="Arial" pitchFamily="34" charset="0"/>
+              </a:rPr>
+              <a:t>["@grade"].</a:t>
+            </a:r>
+            <a:r>
+              <a:rPr lang="en-US" sz="900" dirty="0" err="1">
+                <a:solidFill>
+                  <a:schemeClr val="bg1"/>
+                </a:solidFill>
+                <a:latin typeface="Arial" pitchFamily="34" charset="0"/>
+              </a:rPr>
+              <a:t>SourceColumn</a:t>
+            </a:r>
+            <a:r>
+              <a:rPr lang="en-US" sz="900" dirty="0">
+                <a:solidFill>
+                  <a:schemeClr val="bg1"/>
+                </a:solidFill>
+                <a:latin typeface="Arial" pitchFamily="34" charset="0"/>
+              </a:rPr>
+              <a:t> = "Grade";</a:t>
+            </a:r>
+          </a:p>
+          <a:p>
+            <a:pPr eaLnBrk="0" hangingPunct="0">
+              <a:defRPr/>
+            </a:pPr>
+            <a:r>
+              <a:rPr lang="en-US" sz="900" dirty="0">
+                <a:solidFill>
+                  <a:schemeClr val="bg1"/>
+                </a:solidFill>
+                <a:latin typeface="Arial" pitchFamily="34" charset="0"/>
+              </a:rPr>
+              <a:t>    </a:t>
+            </a:r>
+            <a:r>
+              <a:rPr lang="en-US" sz="900" dirty="0" err="1">
+                <a:solidFill>
+                  <a:schemeClr val="bg1"/>
+                </a:solidFill>
+                <a:latin typeface="Arial" pitchFamily="34" charset="0"/>
+              </a:rPr>
+              <a:t>dataAdapter.InsertCommand</a:t>
+            </a:r>
+            <a:r>
+              <a:rPr lang="en-US" sz="900" dirty="0">
+                <a:solidFill>
+                  <a:schemeClr val="bg1"/>
+                </a:solidFill>
+                <a:latin typeface="Arial" pitchFamily="34" charset="0"/>
+              </a:rPr>
+              <a:t> = </a:t>
+            </a:r>
+            <a:r>
+              <a:rPr lang="en-US" sz="900" dirty="0" err="1">
+                <a:solidFill>
+                  <a:schemeClr val="bg1"/>
+                </a:solidFill>
+                <a:latin typeface="Arial" pitchFamily="34" charset="0"/>
+              </a:rPr>
+              <a:t>cmdInsert</a:t>
+            </a:r>
+            <a:r>
+              <a:rPr lang="en-US" sz="900" dirty="0">
+                <a:solidFill>
+                  <a:schemeClr val="bg1"/>
+                </a:solidFill>
+                <a:latin typeface="Arial" pitchFamily="34" charset="0"/>
+              </a:rPr>
+              <a:t>;</a:t>
+            </a:r>
+          </a:p>
+          <a:p>
+            <a:pPr eaLnBrk="0" hangingPunct="0">
+              <a:defRPr/>
+            </a:pPr>
+            <a:endParaRPr lang="en-US" sz="900" dirty="0">
               <a:solidFill>
                 <a:schemeClr val="bg1"/>
               </a:solidFill>
@@ -27635,31 +32446,357 @@
             <a:pPr eaLnBrk="0" hangingPunct="0">
               <a:defRPr/>
             </a:pPr>
-            <a:endParaRPr lang="be-BY" sz="1000" dirty="0">
-              <a:solidFill>
-                <a:schemeClr val="bg1"/>
-              </a:solidFill>
-              <a:latin typeface="Courier New" pitchFamily="49" charset="0"/>
-              <a:ea typeface="Calibri" pitchFamily="34" charset="0"/>
-              <a:cs typeface="Courier New" pitchFamily="49" charset="0"/>
-            </a:endParaRPr>
+            <a:r>
+              <a:rPr lang="en-US" sz="900" dirty="0">
+                <a:solidFill>
+                  <a:schemeClr val="bg1"/>
+                </a:solidFill>
+                <a:latin typeface="Arial" pitchFamily="34" charset="0"/>
+              </a:rPr>
+              <a:t>    </a:t>
+            </a:r>
+            <a:r>
+              <a:rPr lang="en-US" sz="900" dirty="0" err="1">
+                <a:solidFill>
+                  <a:schemeClr val="bg1"/>
+                </a:solidFill>
+                <a:latin typeface="Arial" pitchFamily="34" charset="0"/>
+              </a:rPr>
+              <a:t>SqlCommand</a:t>
+            </a:r>
+            <a:r>
+              <a:rPr lang="en-US" sz="900" dirty="0">
+                <a:solidFill>
+                  <a:schemeClr val="bg1"/>
+                </a:solidFill>
+                <a:latin typeface="Arial" pitchFamily="34" charset="0"/>
+              </a:rPr>
+              <a:t> </a:t>
+            </a:r>
+            <a:r>
+              <a:rPr lang="en-US" sz="900" dirty="0" err="1">
+                <a:solidFill>
+                  <a:schemeClr val="bg1"/>
+                </a:solidFill>
+                <a:latin typeface="Arial" pitchFamily="34" charset="0"/>
+              </a:rPr>
+              <a:t>cmdDelete</a:t>
+            </a:r>
+            <a:r>
+              <a:rPr lang="en-US" sz="900" dirty="0">
+                <a:solidFill>
+                  <a:schemeClr val="bg1"/>
+                </a:solidFill>
+                <a:latin typeface="Arial" pitchFamily="34" charset="0"/>
+              </a:rPr>
+              <a:t> = </a:t>
+            </a:r>
+            <a:r>
+              <a:rPr lang="en-US" sz="900" dirty="0" err="1">
+                <a:solidFill>
+                  <a:schemeClr val="bg1"/>
+                </a:solidFill>
+                <a:latin typeface="Arial" pitchFamily="34" charset="0"/>
+              </a:rPr>
+              <a:t>sqlConn.CreateCommand</a:t>
+            </a:r>
+            <a:r>
+              <a:rPr lang="en-US" sz="900" dirty="0">
+                <a:solidFill>
+                  <a:schemeClr val="bg1"/>
+                </a:solidFill>
+                <a:latin typeface="Arial" pitchFamily="34" charset="0"/>
+              </a:rPr>
+              <a:t>();</a:t>
+            </a:r>
           </a:p>
           <a:p>
             <a:pPr eaLnBrk="0" hangingPunct="0">
               <a:defRPr/>
             </a:pPr>
             <a:r>
-              <a:rPr lang="be-BY" sz="1000" dirty="0">
-                <a:solidFill>
-                  <a:schemeClr val="bg1"/>
-                </a:solidFill>
-                <a:latin typeface="Courier New" pitchFamily="49" charset="0"/>
-                <a:ea typeface="Calibri" pitchFamily="34" charset="0"/>
-                <a:cs typeface="Courier New" pitchFamily="49" charset="0"/>
-              </a:rPr>
-              <a:t>    SqlCommand select = con.CreateCommand();</a:t>
-            </a:r>
-            <a:endParaRPr lang="be-BY" sz="900" dirty="0">
+              <a:rPr lang="en-US" sz="900" dirty="0">
+                <a:solidFill>
+                  <a:schemeClr val="bg1"/>
+                </a:solidFill>
+                <a:latin typeface="Arial" pitchFamily="34" charset="0"/>
+              </a:rPr>
+              <a:t>    </a:t>
+            </a:r>
+            <a:r>
+              <a:rPr lang="en-US" sz="900" dirty="0" err="1">
+                <a:solidFill>
+                  <a:schemeClr val="bg1"/>
+                </a:solidFill>
+                <a:latin typeface="Arial" pitchFamily="34" charset="0"/>
+              </a:rPr>
+              <a:t>cmdDelete.CommandText</a:t>
+            </a:r>
+            <a:r>
+              <a:rPr lang="en-US" sz="900" dirty="0">
+                <a:solidFill>
+                  <a:schemeClr val="bg1"/>
+                </a:solidFill>
+                <a:latin typeface="Arial" pitchFamily="34" charset="0"/>
+              </a:rPr>
+              <a:t> = "DELETE FROM Students WHERE (Name = @name) AND (Grade = @grade)";</a:t>
+            </a:r>
+          </a:p>
+          <a:p>
+            <a:pPr eaLnBrk="0" hangingPunct="0">
+              <a:defRPr/>
+            </a:pPr>
+            <a:r>
+              <a:rPr lang="en-US" sz="900" dirty="0">
+                <a:solidFill>
+                  <a:schemeClr val="bg1"/>
+                </a:solidFill>
+                <a:latin typeface="Arial" pitchFamily="34" charset="0"/>
+              </a:rPr>
+              <a:t>    </a:t>
+            </a:r>
+            <a:r>
+              <a:rPr lang="en-US" sz="900" dirty="0" err="1">
+                <a:solidFill>
+                  <a:schemeClr val="bg1"/>
+                </a:solidFill>
+                <a:latin typeface="Arial" pitchFamily="34" charset="0"/>
+              </a:rPr>
+              <a:t>cmdDelete.Parameters.Add</a:t>
+            </a:r>
+            <a:r>
+              <a:rPr lang="en-US" sz="900" dirty="0">
+                <a:solidFill>
+                  <a:schemeClr val="bg1"/>
+                </a:solidFill>
+                <a:latin typeface="Arial" pitchFamily="34" charset="0"/>
+              </a:rPr>
+              <a:t>("@name", </a:t>
+            </a:r>
+            <a:r>
+              <a:rPr lang="en-US" sz="900" dirty="0" err="1">
+                <a:solidFill>
+                  <a:schemeClr val="bg1"/>
+                </a:solidFill>
+                <a:latin typeface="Arial" pitchFamily="34" charset="0"/>
+              </a:rPr>
+              <a:t>SqlDbType.NChar</a:t>
+            </a:r>
+            <a:r>
+              <a:rPr lang="en-US" sz="900" dirty="0">
+                <a:solidFill>
+                  <a:schemeClr val="bg1"/>
+                </a:solidFill>
+                <a:latin typeface="Arial" pitchFamily="34" charset="0"/>
+              </a:rPr>
+              <a:t>, 10);</a:t>
+            </a:r>
+          </a:p>
+          <a:p>
+            <a:pPr eaLnBrk="0" hangingPunct="0">
+              <a:defRPr/>
+            </a:pPr>
+            <a:r>
+              <a:rPr lang="en-US" sz="900" dirty="0">
+                <a:solidFill>
+                  <a:schemeClr val="bg1"/>
+                </a:solidFill>
+                <a:latin typeface="Arial" pitchFamily="34" charset="0"/>
+              </a:rPr>
+              <a:t>    </a:t>
+            </a:r>
+            <a:r>
+              <a:rPr lang="en-US" sz="900" dirty="0" err="1">
+                <a:solidFill>
+                  <a:schemeClr val="bg1"/>
+                </a:solidFill>
+                <a:latin typeface="Arial" pitchFamily="34" charset="0"/>
+              </a:rPr>
+              <a:t>cmdDelete.Parameters.Add</a:t>
+            </a:r>
+            <a:r>
+              <a:rPr lang="en-US" sz="900" dirty="0">
+                <a:solidFill>
+                  <a:schemeClr val="bg1"/>
+                </a:solidFill>
+                <a:latin typeface="Arial" pitchFamily="34" charset="0"/>
+              </a:rPr>
+              <a:t>("@grade", </a:t>
+            </a:r>
+            <a:r>
+              <a:rPr lang="en-US" sz="900" dirty="0" err="1">
+                <a:solidFill>
+                  <a:schemeClr val="bg1"/>
+                </a:solidFill>
+                <a:latin typeface="Arial" pitchFamily="34" charset="0"/>
+              </a:rPr>
+              <a:t>SqlDbType.Int</a:t>
+            </a:r>
+            <a:r>
+              <a:rPr lang="en-US" sz="900" dirty="0">
+                <a:solidFill>
+                  <a:schemeClr val="bg1"/>
+                </a:solidFill>
+                <a:latin typeface="Arial" pitchFamily="34" charset="0"/>
+              </a:rPr>
+              <a:t>);</a:t>
+            </a:r>
+          </a:p>
+          <a:p>
+            <a:pPr eaLnBrk="0" hangingPunct="0">
+              <a:defRPr/>
+            </a:pPr>
+            <a:r>
+              <a:rPr lang="en-US" sz="900" dirty="0">
+                <a:solidFill>
+                  <a:schemeClr val="bg1"/>
+                </a:solidFill>
+                <a:latin typeface="Arial" pitchFamily="34" charset="0"/>
+              </a:rPr>
+              <a:t>    </a:t>
+            </a:r>
+            <a:r>
+              <a:rPr lang="en-US" sz="900" dirty="0" err="1">
+                <a:solidFill>
+                  <a:schemeClr val="bg1"/>
+                </a:solidFill>
+                <a:latin typeface="Arial" pitchFamily="34" charset="0"/>
+              </a:rPr>
+              <a:t>cmdDelete.Parameters</a:t>
+            </a:r>
+            <a:r>
+              <a:rPr lang="en-US" sz="900" dirty="0">
+                <a:solidFill>
+                  <a:schemeClr val="bg1"/>
+                </a:solidFill>
+                <a:latin typeface="Arial" pitchFamily="34" charset="0"/>
+              </a:rPr>
+              <a:t>["@name"].</a:t>
+            </a:r>
+            <a:r>
+              <a:rPr lang="en-US" sz="900" dirty="0" err="1">
+                <a:solidFill>
+                  <a:schemeClr val="bg1"/>
+                </a:solidFill>
+                <a:latin typeface="Arial" pitchFamily="34" charset="0"/>
+              </a:rPr>
+              <a:t>SourceColumn</a:t>
+            </a:r>
+            <a:r>
+              <a:rPr lang="en-US" sz="900" dirty="0">
+                <a:solidFill>
+                  <a:schemeClr val="bg1"/>
+                </a:solidFill>
+                <a:latin typeface="Arial" pitchFamily="34" charset="0"/>
+              </a:rPr>
+              <a:t> = "Name";</a:t>
+            </a:r>
+          </a:p>
+          <a:p>
+            <a:pPr eaLnBrk="0" hangingPunct="0">
+              <a:defRPr/>
+            </a:pPr>
+            <a:r>
+              <a:rPr lang="en-US" sz="900" dirty="0">
+                <a:solidFill>
+                  <a:schemeClr val="bg1"/>
+                </a:solidFill>
+                <a:latin typeface="Arial" pitchFamily="34" charset="0"/>
+              </a:rPr>
+              <a:t>    </a:t>
+            </a:r>
+            <a:r>
+              <a:rPr lang="en-US" sz="900" dirty="0" err="1">
+                <a:solidFill>
+                  <a:schemeClr val="bg1"/>
+                </a:solidFill>
+                <a:latin typeface="Arial" pitchFamily="34" charset="0"/>
+              </a:rPr>
+              <a:t>cmdDelete.Parameters</a:t>
+            </a:r>
+            <a:r>
+              <a:rPr lang="en-US" sz="900" dirty="0">
+                <a:solidFill>
+                  <a:schemeClr val="bg1"/>
+                </a:solidFill>
+                <a:latin typeface="Arial" pitchFamily="34" charset="0"/>
+              </a:rPr>
+              <a:t>["@grade"].</a:t>
+            </a:r>
+            <a:r>
+              <a:rPr lang="en-US" sz="900" dirty="0" err="1">
+                <a:solidFill>
+                  <a:schemeClr val="bg1"/>
+                </a:solidFill>
+                <a:latin typeface="Arial" pitchFamily="34" charset="0"/>
+              </a:rPr>
+              <a:t>SourceColumn</a:t>
+            </a:r>
+            <a:r>
+              <a:rPr lang="en-US" sz="900" dirty="0">
+                <a:solidFill>
+                  <a:schemeClr val="bg1"/>
+                </a:solidFill>
+                <a:latin typeface="Arial" pitchFamily="34" charset="0"/>
+              </a:rPr>
+              <a:t> = "Grade";</a:t>
+            </a:r>
+          </a:p>
+          <a:p>
+            <a:pPr eaLnBrk="0" hangingPunct="0">
+              <a:defRPr/>
+            </a:pPr>
+            <a:r>
+              <a:rPr lang="en-US" sz="900" dirty="0">
+                <a:solidFill>
+                  <a:schemeClr val="bg1"/>
+                </a:solidFill>
+                <a:latin typeface="Arial" pitchFamily="34" charset="0"/>
+              </a:rPr>
+              <a:t>    </a:t>
+            </a:r>
+            <a:r>
+              <a:rPr lang="en-US" sz="900" dirty="0" err="1">
+                <a:solidFill>
+                  <a:schemeClr val="bg1"/>
+                </a:solidFill>
+                <a:latin typeface="Arial" pitchFamily="34" charset="0"/>
+              </a:rPr>
+              <a:t>dataAdapter.DeleteCommand</a:t>
+            </a:r>
+            <a:r>
+              <a:rPr lang="en-US" sz="900" dirty="0">
+                <a:solidFill>
+                  <a:schemeClr val="bg1"/>
+                </a:solidFill>
+                <a:latin typeface="Arial" pitchFamily="34" charset="0"/>
+              </a:rPr>
+              <a:t> = </a:t>
+            </a:r>
+            <a:r>
+              <a:rPr lang="en-US" sz="900" dirty="0" err="1">
+                <a:solidFill>
+                  <a:schemeClr val="bg1"/>
+                </a:solidFill>
+                <a:latin typeface="Arial" pitchFamily="34" charset="0"/>
+              </a:rPr>
+              <a:t>cmdDelete</a:t>
+            </a:r>
+            <a:r>
+              <a:rPr lang="en-US" sz="900" dirty="0">
+                <a:solidFill>
+                  <a:schemeClr val="bg1"/>
+                </a:solidFill>
+                <a:latin typeface="Arial" pitchFamily="34" charset="0"/>
+              </a:rPr>
+              <a:t>;</a:t>
+            </a:r>
+          </a:p>
+          <a:p>
+            <a:pPr eaLnBrk="0" hangingPunct="0">
+              <a:defRPr/>
+            </a:pPr>
+            <a:endParaRPr lang="en-US" sz="900" dirty="0">
               <a:solidFill>
                 <a:schemeClr val="bg1"/>
               </a:solidFill>
@@ -27671,17 +32808,800 @@
               <a:defRPr/>
             </a:pPr>
             <a:r>
-              <a:rPr lang="be-BY" sz="1000" dirty="0">
-                <a:solidFill>
-                  <a:schemeClr val="bg1"/>
-                </a:solidFill>
-                <a:latin typeface="Courier New" pitchFamily="49" charset="0"/>
-                <a:ea typeface="Calibri" pitchFamily="34" charset="0"/>
-                <a:cs typeface="Courier New" pitchFamily="49" charset="0"/>
-              </a:rPr>
-              <a:t>    select.CommandText = "SELECT * FROM Students";</a:t>
-            </a:r>
-            <a:endParaRPr lang="be-BY" sz="900" dirty="0">
+              <a:rPr lang="en-US" sz="900" dirty="0">
+                <a:solidFill>
+                  <a:schemeClr val="bg1"/>
+                </a:solidFill>
+                <a:latin typeface="Arial" pitchFamily="34" charset="0"/>
+              </a:rPr>
+              <a:t>    </a:t>
+            </a:r>
+            <a:r>
+              <a:rPr lang="en-US" sz="900" dirty="0" err="1">
+                <a:solidFill>
+                  <a:schemeClr val="bg1"/>
+                </a:solidFill>
+                <a:latin typeface="Arial" pitchFamily="34" charset="0"/>
+              </a:rPr>
+              <a:t>SqlCommand</a:t>
+            </a:r>
+            <a:r>
+              <a:rPr lang="en-US" sz="900" dirty="0">
+                <a:solidFill>
+                  <a:schemeClr val="bg1"/>
+                </a:solidFill>
+                <a:latin typeface="Arial" pitchFamily="34" charset="0"/>
+              </a:rPr>
+              <a:t> </a:t>
+            </a:r>
+            <a:r>
+              <a:rPr lang="en-US" sz="900" dirty="0" err="1">
+                <a:solidFill>
+                  <a:schemeClr val="bg1"/>
+                </a:solidFill>
+                <a:latin typeface="Arial" pitchFamily="34" charset="0"/>
+              </a:rPr>
+              <a:t>cmdUpdate</a:t>
+            </a:r>
+            <a:r>
+              <a:rPr lang="en-US" sz="900" dirty="0">
+                <a:solidFill>
+                  <a:schemeClr val="bg1"/>
+                </a:solidFill>
+                <a:latin typeface="Arial" pitchFamily="34" charset="0"/>
+              </a:rPr>
+              <a:t> = </a:t>
+            </a:r>
+            <a:r>
+              <a:rPr lang="en-US" sz="900" dirty="0" err="1">
+                <a:solidFill>
+                  <a:schemeClr val="bg1"/>
+                </a:solidFill>
+                <a:latin typeface="Arial" pitchFamily="34" charset="0"/>
+              </a:rPr>
+              <a:t>sqlConn.CreateCommand</a:t>
+            </a:r>
+            <a:r>
+              <a:rPr lang="en-US" sz="900" dirty="0">
+                <a:solidFill>
+                  <a:schemeClr val="bg1"/>
+                </a:solidFill>
+                <a:latin typeface="Arial" pitchFamily="34" charset="0"/>
+              </a:rPr>
+              <a:t>();</a:t>
+            </a:r>
+          </a:p>
+          <a:p>
+            <a:pPr eaLnBrk="0" hangingPunct="0">
+              <a:defRPr/>
+            </a:pPr>
+            <a:r>
+              <a:rPr lang="en-US" sz="900" dirty="0">
+                <a:solidFill>
+                  <a:schemeClr val="bg1"/>
+                </a:solidFill>
+                <a:latin typeface="Arial" pitchFamily="34" charset="0"/>
+              </a:rPr>
+              <a:t>    </a:t>
+            </a:r>
+            <a:r>
+              <a:rPr lang="en-US" sz="900" dirty="0" err="1">
+                <a:solidFill>
+                  <a:schemeClr val="bg1"/>
+                </a:solidFill>
+                <a:latin typeface="Arial" pitchFamily="34" charset="0"/>
+              </a:rPr>
+              <a:t>cmdUpdate.CommandText</a:t>
+            </a:r>
+            <a:r>
+              <a:rPr lang="en-US" sz="900" dirty="0">
+                <a:solidFill>
+                  <a:schemeClr val="bg1"/>
+                </a:solidFill>
+                <a:latin typeface="Arial" pitchFamily="34" charset="0"/>
+              </a:rPr>
+              <a:t> = "UPDATE Students SET Name = @</a:t>
+            </a:r>
+            <a:r>
+              <a:rPr lang="en-US" sz="900" dirty="0" err="1">
+                <a:solidFill>
+                  <a:schemeClr val="bg1"/>
+                </a:solidFill>
+                <a:latin typeface="Arial" pitchFamily="34" charset="0"/>
+              </a:rPr>
+              <a:t>newName</a:t>
+            </a:r>
+            <a:r>
+              <a:rPr lang="en-US" sz="900" dirty="0">
+                <a:solidFill>
+                  <a:schemeClr val="bg1"/>
+                </a:solidFill>
+                <a:latin typeface="Arial" pitchFamily="34" charset="0"/>
+              </a:rPr>
+              <a:t>, Grade = @</a:t>
+            </a:r>
+            <a:r>
+              <a:rPr lang="en-US" sz="900" dirty="0" err="1">
+                <a:solidFill>
+                  <a:schemeClr val="bg1"/>
+                </a:solidFill>
+                <a:latin typeface="Arial" pitchFamily="34" charset="0"/>
+              </a:rPr>
+              <a:t>newGrade</a:t>
+            </a:r>
+            <a:r>
+              <a:rPr lang="en-US" sz="900" dirty="0">
+                <a:solidFill>
+                  <a:schemeClr val="bg1"/>
+                </a:solidFill>
+                <a:latin typeface="Arial" pitchFamily="34" charset="0"/>
+              </a:rPr>
+              <a:t> WHERE (Name = @name) AND (Grade = @grade)";</a:t>
+            </a:r>
+          </a:p>
+          <a:p>
+            <a:pPr eaLnBrk="0" hangingPunct="0">
+              <a:defRPr/>
+            </a:pPr>
+            <a:r>
+              <a:rPr lang="en-US" sz="900" dirty="0">
+                <a:solidFill>
+                  <a:schemeClr val="bg1"/>
+                </a:solidFill>
+                <a:latin typeface="Arial" pitchFamily="34" charset="0"/>
+              </a:rPr>
+              <a:t>    </a:t>
+            </a:r>
+            <a:r>
+              <a:rPr lang="en-US" sz="900" dirty="0" err="1">
+                <a:solidFill>
+                  <a:schemeClr val="bg1"/>
+                </a:solidFill>
+                <a:latin typeface="Arial" pitchFamily="34" charset="0"/>
+              </a:rPr>
+              <a:t>cmdUpdate.Parameters.Add</a:t>
+            </a:r>
+            <a:r>
+              <a:rPr lang="en-US" sz="900" dirty="0">
+                <a:solidFill>
+                  <a:schemeClr val="bg1"/>
+                </a:solidFill>
+                <a:latin typeface="Arial" pitchFamily="34" charset="0"/>
+              </a:rPr>
+              <a:t>("@</a:t>
+            </a:r>
+            <a:r>
+              <a:rPr lang="en-US" sz="900" dirty="0" err="1">
+                <a:solidFill>
+                  <a:schemeClr val="bg1"/>
+                </a:solidFill>
+                <a:latin typeface="Arial" pitchFamily="34" charset="0"/>
+              </a:rPr>
+              <a:t>newName</a:t>
+            </a:r>
+            <a:r>
+              <a:rPr lang="en-US" sz="900" dirty="0">
+                <a:solidFill>
+                  <a:schemeClr val="bg1"/>
+                </a:solidFill>
+                <a:latin typeface="Arial" pitchFamily="34" charset="0"/>
+              </a:rPr>
+              <a:t>", </a:t>
+            </a:r>
+            <a:r>
+              <a:rPr lang="en-US" sz="900" dirty="0" err="1">
+                <a:solidFill>
+                  <a:schemeClr val="bg1"/>
+                </a:solidFill>
+                <a:latin typeface="Arial" pitchFamily="34" charset="0"/>
+              </a:rPr>
+              <a:t>SqlDbType.NChar</a:t>
+            </a:r>
+            <a:r>
+              <a:rPr lang="en-US" sz="900" dirty="0">
+                <a:solidFill>
+                  <a:schemeClr val="bg1"/>
+                </a:solidFill>
+                <a:latin typeface="Arial" pitchFamily="34" charset="0"/>
+              </a:rPr>
+              <a:t>, 10);</a:t>
+            </a:r>
+          </a:p>
+          <a:p>
+            <a:pPr eaLnBrk="0" hangingPunct="0">
+              <a:defRPr/>
+            </a:pPr>
+            <a:r>
+              <a:rPr lang="en-US" sz="900" dirty="0">
+                <a:solidFill>
+                  <a:schemeClr val="bg1"/>
+                </a:solidFill>
+                <a:latin typeface="Arial" pitchFamily="34" charset="0"/>
+              </a:rPr>
+              <a:t>    </a:t>
+            </a:r>
+            <a:r>
+              <a:rPr lang="en-US" sz="900" dirty="0" err="1">
+                <a:solidFill>
+                  <a:schemeClr val="bg1"/>
+                </a:solidFill>
+                <a:latin typeface="Arial" pitchFamily="34" charset="0"/>
+              </a:rPr>
+              <a:t>cmdUpdate.Parameters.Add</a:t>
+            </a:r>
+            <a:r>
+              <a:rPr lang="en-US" sz="900" dirty="0">
+                <a:solidFill>
+                  <a:schemeClr val="bg1"/>
+                </a:solidFill>
+                <a:latin typeface="Arial" pitchFamily="34" charset="0"/>
+              </a:rPr>
+              <a:t>("@</a:t>
+            </a:r>
+            <a:r>
+              <a:rPr lang="en-US" sz="900" dirty="0" err="1">
+                <a:solidFill>
+                  <a:schemeClr val="bg1"/>
+                </a:solidFill>
+                <a:latin typeface="Arial" pitchFamily="34" charset="0"/>
+              </a:rPr>
+              <a:t>newGrade</a:t>
+            </a:r>
+            <a:r>
+              <a:rPr lang="en-US" sz="900" dirty="0">
+                <a:solidFill>
+                  <a:schemeClr val="bg1"/>
+                </a:solidFill>
+                <a:latin typeface="Arial" pitchFamily="34" charset="0"/>
+              </a:rPr>
+              <a:t>", </a:t>
+            </a:r>
+            <a:r>
+              <a:rPr lang="en-US" sz="900" dirty="0" err="1">
+                <a:solidFill>
+                  <a:schemeClr val="bg1"/>
+                </a:solidFill>
+                <a:latin typeface="Arial" pitchFamily="34" charset="0"/>
+              </a:rPr>
+              <a:t>SqlDbType.Int</a:t>
+            </a:r>
+            <a:r>
+              <a:rPr lang="en-US" sz="900" dirty="0">
+                <a:solidFill>
+                  <a:schemeClr val="bg1"/>
+                </a:solidFill>
+                <a:latin typeface="Arial" pitchFamily="34" charset="0"/>
+              </a:rPr>
+              <a:t>);</a:t>
+            </a:r>
+          </a:p>
+          <a:p>
+            <a:pPr eaLnBrk="0" hangingPunct="0">
+              <a:defRPr/>
+            </a:pPr>
+            <a:r>
+              <a:rPr lang="en-US" sz="900" dirty="0">
+                <a:solidFill>
+                  <a:schemeClr val="bg1"/>
+                </a:solidFill>
+                <a:latin typeface="Arial" pitchFamily="34" charset="0"/>
+              </a:rPr>
+              <a:t>    </a:t>
+            </a:r>
+            <a:r>
+              <a:rPr lang="en-US" sz="900" dirty="0" err="1">
+                <a:solidFill>
+                  <a:schemeClr val="bg1"/>
+                </a:solidFill>
+                <a:latin typeface="Arial" pitchFamily="34" charset="0"/>
+              </a:rPr>
+              <a:t>cmdUpdate.Parameters.Add</a:t>
+            </a:r>
+            <a:r>
+              <a:rPr lang="en-US" sz="900" dirty="0">
+                <a:solidFill>
+                  <a:schemeClr val="bg1"/>
+                </a:solidFill>
+                <a:latin typeface="Arial" pitchFamily="34" charset="0"/>
+              </a:rPr>
+              <a:t>("@name", </a:t>
+            </a:r>
+            <a:r>
+              <a:rPr lang="en-US" sz="900" dirty="0" err="1">
+                <a:solidFill>
+                  <a:schemeClr val="bg1"/>
+                </a:solidFill>
+                <a:latin typeface="Arial" pitchFamily="34" charset="0"/>
+              </a:rPr>
+              <a:t>SqlDbType.NChar</a:t>
+            </a:r>
+            <a:r>
+              <a:rPr lang="en-US" sz="900" dirty="0">
+                <a:solidFill>
+                  <a:schemeClr val="bg1"/>
+                </a:solidFill>
+                <a:latin typeface="Arial" pitchFamily="34" charset="0"/>
+              </a:rPr>
+              <a:t>, 10);</a:t>
+            </a:r>
+          </a:p>
+          <a:p>
+            <a:pPr eaLnBrk="0" hangingPunct="0">
+              <a:defRPr/>
+            </a:pPr>
+            <a:r>
+              <a:rPr lang="en-US" sz="900" dirty="0">
+                <a:solidFill>
+                  <a:schemeClr val="bg1"/>
+                </a:solidFill>
+                <a:latin typeface="Arial" pitchFamily="34" charset="0"/>
+              </a:rPr>
+              <a:t>    </a:t>
+            </a:r>
+            <a:r>
+              <a:rPr lang="en-US" sz="900" dirty="0" err="1">
+                <a:solidFill>
+                  <a:schemeClr val="bg1"/>
+                </a:solidFill>
+                <a:latin typeface="Arial" pitchFamily="34" charset="0"/>
+              </a:rPr>
+              <a:t>cmdUpdate.Parameters.Add</a:t>
+            </a:r>
+            <a:r>
+              <a:rPr lang="en-US" sz="900" dirty="0">
+                <a:solidFill>
+                  <a:schemeClr val="bg1"/>
+                </a:solidFill>
+                <a:latin typeface="Arial" pitchFamily="34" charset="0"/>
+              </a:rPr>
+              <a:t>("@grade", </a:t>
+            </a:r>
+            <a:r>
+              <a:rPr lang="en-US" sz="900" dirty="0" err="1">
+                <a:solidFill>
+                  <a:schemeClr val="bg1"/>
+                </a:solidFill>
+                <a:latin typeface="Arial" pitchFamily="34" charset="0"/>
+              </a:rPr>
+              <a:t>SqlDbType.Int</a:t>
+            </a:r>
+            <a:r>
+              <a:rPr lang="en-US" sz="900" dirty="0">
+                <a:solidFill>
+                  <a:schemeClr val="bg1"/>
+                </a:solidFill>
+                <a:latin typeface="Arial" pitchFamily="34" charset="0"/>
+              </a:rPr>
+              <a:t>);</a:t>
+            </a:r>
+          </a:p>
+          <a:p>
+            <a:pPr eaLnBrk="0" hangingPunct="0">
+              <a:defRPr/>
+            </a:pPr>
+            <a:r>
+              <a:rPr lang="en-US" sz="900" dirty="0">
+                <a:solidFill>
+                  <a:schemeClr val="bg1"/>
+                </a:solidFill>
+                <a:latin typeface="Arial" pitchFamily="34" charset="0"/>
+              </a:rPr>
+              <a:t>    </a:t>
+            </a:r>
+            <a:r>
+              <a:rPr lang="en-US" sz="900" dirty="0" err="1">
+                <a:solidFill>
+                  <a:schemeClr val="bg1"/>
+                </a:solidFill>
+                <a:latin typeface="Arial" pitchFamily="34" charset="0"/>
+              </a:rPr>
+              <a:t>cmdUpdate.Parameters</a:t>
+            </a:r>
+            <a:r>
+              <a:rPr lang="en-US" sz="900" dirty="0">
+                <a:solidFill>
+                  <a:schemeClr val="bg1"/>
+                </a:solidFill>
+                <a:latin typeface="Arial" pitchFamily="34" charset="0"/>
+              </a:rPr>
+              <a:t>["@</a:t>
+            </a:r>
+            <a:r>
+              <a:rPr lang="en-US" sz="900" dirty="0" err="1">
+                <a:solidFill>
+                  <a:schemeClr val="bg1"/>
+                </a:solidFill>
+                <a:latin typeface="Arial" pitchFamily="34" charset="0"/>
+              </a:rPr>
+              <a:t>newName</a:t>
+            </a:r>
+            <a:r>
+              <a:rPr lang="en-US" sz="900" dirty="0">
+                <a:solidFill>
+                  <a:schemeClr val="bg1"/>
+                </a:solidFill>
+                <a:latin typeface="Arial" pitchFamily="34" charset="0"/>
+              </a:rPr>
+              <a:t>"].</a:t>
+            </a:r>
+            <a:r>
+              <a:rPr lang="en-US" sz="900" dirty="0" err="1">
+                <a:solidFill>
+                  <a:schemeClr val="bg1"/>
+                </a:solidFill>
+                <a:latin typeface="Arial" pitchFamily="34" charset="0"/>
+              </a:rPr>
+              <a:t>SourceColumn</a:t>
+            </a:r>
+            <a:r>
+              <a:rPr lang="en-US" sz="900" dirty="0">
+                <a:solidFill>
+                  <a:schemeClr val="bg1"/>
+                </a:solidFill>
+                <a:latin typeface="Arial" pitchFamily="34" charset="0"/>
+              </a:rPr>
+              <a:t> = "Name";</a:t>
+            </a:r>
+          </a:p>
+          <a:p>
+            <a:pPr eaLnBrk="0" hangingPunct="0">
+              <a:defRPr/>
+            </a:pPr>
+            <a:r>
+              <a:rPr lang="en-US" sz="900" dirty="0">
+                <a:solidFill>
+                  <a:schemeClr val="bg1"/>
+                </a:solidFill>
+                <a:latin typeface="Arial" pitchFamily="34" charset="0"/>
+              </a:rPr>
+              <a:t>    </a:t>
+            </a:r>
+            <a:r>
+              <a:rPr lang="en-US" sz="900" dirty="0" err="1">
+                <a:solidFill>
+                  <a:schemeClr val="bg1"/>
+                </a:solidFill>
+                <a:latin typeface="Arial" pitchFamily="34" charset="0"/>
+              </a:rPr>
+              <a:t>cmdUpdate.Parameters</a:t>
+            </a:r>
+            <a:r>
+              <a:rPr lang="en-US" sz="900" dirty="0">
+                <a:solidFill>
+                  <a:schemeClr val="bg1"/>
+                </a:solidFill>
+                <a:latin typeface="Arial" pitchFamily="34" charset="0"/>
+              </a:rPr>
+              <a:t>["@</a:t>
+            </a:r>
+            <a:r>
+              <a:rPr lang="en-US" sz="900" dirty="0" err="1">
+                <a:solidFill>
+                  <a:schemeClr val="bg1"/>
+                </a:solidFill>
+                <a:latin typeface="Arial" pitchFamily="34" charset="0"/>
+              </a:rPr>
+              <a:t>newGrade</a:t>
+            </a:r>
+            <a:r>
+              <a:rPr lang="en-US" sz="900" dirty="0">
+                <a:solidFill>
+                  <a:schemeClr val="bg1"/>
+                </a:solidFill>
+                <a:latin typeface="Arial" pitchFamily="34" charset="0"/>
+              </a:rPr>
+              <a:t>"].</a:t>
+            </a:r>
+            <a:r>
+              <a:rPr lang="en-US" sz="900" dirty="0" err="1">
+                <a:solidFill>
+                  <a:schemeClr val="bg1"/>
+                </a:solidFill>
+                <a:latin typeface="Arial" pitchFamily="34" charset="0"/>
+              </a:rPr>
+              <a:t>SourceColumn</a:t>
+            </a:r>
+            <a:r>
+              <a:rPr lang="en-US" sz="900" dirty="0">
+                <a:solidFill>
+                  <a:schemeClr val="bg1"/>
+                </a:solidFill>
+                <a:latin typeface="Arial" pitchFamily="34" charset="0"/>
+              </a:rPr>
+              <a:t> = "Grade";</a:t>
+            </a:r>
+          </a:p>
+          <a:p>
+            <a:pPr eaLnBrk="0" hangingPunct="0">
+              <a:defRPr/>
+            </a:pPr>
+            <a:r>
+              <a:rPr lang="en-US" sz="900" dirty="0">
+                <a:solidFill>
+                  <a:schemeClr val="bg1"/>
+                </a:solidFill>
+                <a:latin typeface="Arial" pitchFamily="34" charset="0"/>
+              </a:rPr>
+              <a:t>    </a:t>
+            </a:r>
+            <a:r>
+              <a:rPr lang="en-US" sz="900" dirty="0" err="1">
+                <a:solidFill>
+                  <a:schemeClr val="bg1"/>
+                </a:solidFill>
+                <a:latin typeface="Arial" pitchFamily="34" charset="0"/>
+              </a:rPr>
+              <a:t>cmdUpdate.Parameters</a:t>
+            </a:r>
+            <a:r>
+              <a:rPr lang="en-US" sz="900" dirty="0">
+                <a:solidFill>
+                  <a:schemeClr val="bg1"/>
+                </a:solidFill>
+                <a:latin typeface="Arial" pitchFamily="34" charset="0"/>
+              </a:rPr>
+              <a:t>["@name"].</a:t>
+            </a:r>
+            <a:r>
+              <a:rPr lang="en-US" sz="900" dirty="0" err="1">
+                <a:solidFill>
+                  <a:schemeClr val="bg1"/>
+                </a:solidFill>
+                <a:latin typeface="Arial" pitchFamily="34" charset="0"/>
+              </a:rPr>
+              <a:t>SourceColumn</a:t>
+            </a:r>
+            <a:r>
+              <a:rPr lang="en-US" sz="900" dirty="0">
+                <a:solidFill>
+                  <a:schemeClr val="bg1"/>
+                </a:solidFill>
+                <a:latin typeface="Arial" pitchFamily="34" charset="0"/>
+              </a:rPr>
+              <a:t> = "Name";</a:t>
+            </a:r>
+          </a:p>
+          <a:p>
+            <a:pPr eaLnBrk="0" hangingPunct="0">
+              <a:defRPr/>
+            </a:pPr>
+            <a:r>
+              <a:rPr lang="en-US" sz="900" dirty="0">
+                <a:solidFill>
+                  <a:schemeClr val="bg1"/>
+                </a:solidFill>
+                <a:latin typeface="Arial" pitchFamily="34" charset="0"/>
+              </a:rPr>
+              <a:t>    </a:t>
+            </a:r>
+            <a:r>
+              <a:rPr lang="en-US" sz="900" dirty="0" err="1">
+                <a:solidFill>
+                  <a:schemeClr val="bg1"/>
+                </a:solidFill>
+                <a:latin typeface="Arial" pitchFamily="34" charset="0"/>
+              </a:rPr>
+              <a:t>cmdUpdate.Parameters</a:t>
+            </a:r>
+            <a:r>
+              <a:rPr lang="en-US" sz="900" dirty="0">
+                <a:solidFill>
+                  <a:schemeClr val="bg1"/>
+                </a:solidFill>
+                <a:latin typeface="Arial" pitchFamily="34" charset="0"/>
+              </a:rPr>
+              <a:t>["@grade"].</a:t>
+            </a:r>
+            <a:r>
+              <a:rPr lang="en-US" sz="900" dirty="0" err="1">
+                <a:solidFill>
+                  <a:schemeClr val="bg1"/>
+                </a:solidFill>
+                <a:latin typeface="Arial" pitchFamily="34" charset="0"/>
+              </a:rPr>
+              <a:t>SourceColumn</a:t>
+            </a:r>
+            <a:r>
+              <a:rPr lang="en-US" sz="900" dirty="0">
+                <a:solidFill>
+                  <a:schemeClr val="bg1"/>
+                </a:solidFill>
+                <a:latin typeface="Arial" pitchFamily="34" charset="0"/>
+              </a:rPr>
+              <a:t> = "Grade";</a:t>
+            </a:r>
+          </a:p>
+          <a:p>
+            <a:pPr eaLnBrk="0" hangingPunct="0">
+              <a:defRPr/>
+            </a:pPr>
+            <a:r>
+              <a:rPr lang="en-US" sz="900" dirty="0">
+                <a:solidFill>
+                  <a:schemeClr val="bg1"/>
+                </a:solidFill>
+                <a:latin typeface="Arial" pitchFamily="34" charset="0"/>
+              </a:rPr>
+              <a:t>    </a:t>
+            </a:r>
+            <a:r>
+              <a:rPr lang="en-US" sz="900" dirty="0" err="1">
+                <a:solidFill>
+                  <a:schemeClr val="bg1"/>
+                </a:solidFill>
+                <a:latin typeface="Arial" pitchFamily="34" charset="0"/>
+              </a:rPr>
+              <a:t>cmdUpdate.Parameters</a:t>
+            </a:r>
+            <a:r>
+              <a:rPr lang="en-US" sz="900" dirty="0">
+                <a:solidFill>
+                  <a:schemeClr val="bg1"/>
+                </a:solidFill>
+                <a:latin typeface="Arial" pitchFamily="34" charset="0"/>
+              </a:rPr>
+              <a:t>["@name"].</a:t>
+            </a:r>
+            <a:r>
+              <a:rPr lang="en-US" sz="900" dirty="0" err="1">
+                <a:solidFill>
+                  <a:schemeClr val="bg1"/>
+                </a:solidFill>
+                <a:latin typeface="Arial" pitchFamily="34" charset="0"/>
+              </a:rPr>
+              <a:t>SourceVersion</a:t>
+            </a:r>
+            <a:r>
+              <a:rPr lang="en-US" sz="900" dirty="0">
+                <a:solidFill>
+                  <a:schemeClr val="bg1"/>
+                </a:solidFill>
+                <a:latin typeface="Arial" pitchFamily="34" charset="0"/>
+              </a:rPr>
+              <a:t> = </a:t>
+            </a:r>
+            <a:r>
+              <a:rPr lang="en-US" sz="900" dirty="0" err="1">
+                <a:solidFill>
+                  <a:schemeClr val="bg1"/>
+                </a:solidFill>
+                <a:latin typeface="Arial" pitchFamily="34" charset="0"/>
+              </a:rPr>
+              <a:t>DataRowVersion.Original</a:t>
+            </a:r>
+            <a:r>
+              <a:rPr lang="en-US" sz="900" dirty="0">
+                <a:solidFill>
+                  <a:schemeClr val="bg1"/>
+                </a:solidFill>
+                <a:latin typeface="Arial" pitchFamily="34" charset="0"/>
+              </a:rPr>
+              <a:t>;</a:t>
+            </a:r>
+          </a:p>
+          <a:p>
+            <a:pPr eaLnBrk="0" hangingPunct="0">
+              <a:defRPr/>
+            </a:pPr>
+            <a:r>
+              <a:rPr lang="en-US" sz="900" dirty="0">
+                <a:solidFill>
+                  <a:schemeClr val="bg1"/>
+                </a:solidFill>
+                <a:latin typeface="Arial" pitchFamily="34" charset="0"/>
+              </a:rPr>
+              <a:t>    </a:t>
+            </a:r>
+            <a:r>
+              <a:rPr lang="en-US" sz="900" dirty="0" err="1">
+                <a:solidFill>
+                  <a:schemeClr val="bg1"/>
+                </a:solidFill>
+                <a:latin typeface="Arial" pitchFamily="34" charset="0"/>
+              </a:rPr>
+              <a:t>cmdUpdate.Parameters</a:t>
+            </a:r>
+            <a:r>
+              <a:rPr lang="en-US" sz="900" dirty="0">
+                <a:solidFill>
+                  <a:schemeClr val="bg1"/>
+                </a:solidFill>
+                <a:latin typeface="Arial" pitchFamily="34" charset="0"/>
+              </a:rPr>
+              <a:t>["@grade"].</a:t>
+            </a:r>
+            <a:r>
+              <a:rPr lang="en-US" sz="900" dirty="0" err="1">
+                <a:solidFill>
+                  <a:schemeClr val="bg1"/>
+                </a:solidFill>
+                <a:latin typeface="Arial" pitchFamily="34" charset="0"/>
+              </a:rPr>
+              <a:t>SourceVersion</a:t>
+            </a:r>
+            <a:r>
+              <a:rPr lang="en-US" sz="900" dirty="0">
+                <a:solidFill>
+                  <a:schemeClr val="bg1"/>
+                </a:solidFill>
+                <a:latin typeface="Arial" pitchFamily="34" charset="0"/>
+              </a:rPr>
+              <a:t> = </a:t>
+            </a:r>
+            <a:r>
+              <a:rPr lang="en-US" sz="900" dirty="0" err="1">
+                <a:solidFill>
+                  <a:schemeClr val="bg1"/>
+                </a:solidFill>
+                <a:latin typeface="Arial" pitchFamily="34" charset="0"/>
+              </a:rPr>
+              <a:t>DataRowVersion.Original</a:t>
+            </a:r>
+            <a:r>
+              <a:rPr lang="en-US" sz="900" dirty="0">
+                <a:solidFill>
+                  <a:schemeClr val="bg1"/>
+                </a:solidFill>
+                <a:latin typeface="Arial" pitchFamily="34" charset="0"/>
+              </a:rPr>
+              <a:t>;</a:t>
+            </a:r>
+          </a:p>
+          <a:p>
+            <a:pPr eaLnBrk="0" hangingPunct="0">
+              <a:defRPr/>
+            </a:pPr>
+            <a:r>
+              <a:rPr lang="en-US" sz="900" dirty="0">
+                <a:solidFill>
+                  <a:schemeClr val="bg1"/>
+                </a:solidFill>
+                <a:latin typeface="Arial" pitchFamily="34" charset="0"/>
+              </a:rPr>
+              <a:t>    </a:t>
+            </a:r>
+            <a:r>
+              <a:rPr lang="en-US" sz="900" dirty="0" err="1">
+                <a:solidFill>
+                  <a:schemeClr val="bg1"/>
+                </a:solidFill>
+                <a:latin typeface="Arial" pitchFamily="34" charset="0"/>
+              </a:rPr>
+              <a:t>dataAdapter.UpdateCommand</a:t>
+            </a:r>
+            <a:r>
+              <a:rPr lang="en-US" sz="900" dirty="0">
+                <a:solidFill>
+                  <a:schemeClr val="bg1"/>
+                </a:solidFill>
+                <a:latin typeface="Arial" pitchFamily="34" charset="0"/>
+              </a:rPr>
+              <a:t> = </a:t>
+            </a:r>
+            <a:r>
+              <a:rPr lang="en-US" sz="900" dirty="0" err="1">
+                <a:solidFill>
+                  <a:schemeClr val="bg1"/>
+                </a:solidFill>
+                <a:latin typeface="Arial" pitchFamily="34" charset="0"/>
+              </a:rPr>
+              <a:t>cmdUpdate</a:t>
+            </a:r>
+            <a:r>
+              <a:rPr lang="en-US" sz="900" dirty="0">
+                <a:solidFill>
+                  <a:schemeClr val="bg1"/>
+                </a:solidFill>
+                <a:latin typeface="Arial" pitchFamily="34" charset="0"/>
+              </a:rPr>
+              <a:t>;</a:t>
+            </a:r>
+          </a:p>
+          <a:p>
+            <a:pPr eaLnBrk="0" hangingPunct="0">
+              <a:defRPr/>
+            </a:pPr>
+            <a:endParaRPr lang="en-US" sz="900" dirty="0">
               <a:solidFill>
                 <a:schemeClr val="bg1"/>
               </a:solidFill>
@@ -27693,729 +33613,133 @@
               <a:defRPr/>
             </a:pPr>
             <a:r>
-              <a:rPr lang="be-BY" sz="1000" dirty="0">
-                <a:solidFill>
-                  <a:schemeClr val="bg1"/>
-                </a:solidFill>
-                <a:latin typeface="Courier New" pitchFamily="49" charset="0"/>
-                <a:ea typeface="Calibri" pitchFamily="34" charset="0"/>
-                <a:cs typeface="Courier New" pitchFamily="49" charset="0"/>
-              </a:rPr>
-              <a:t>    adapt.SelectCommand = select;</a:t>
-            </a:r>
-            <a:endParaRPr lang="be-BY" sz="900" dirty="0">
-              <a:solidFill>
-                <a:schemeClr val="bg1"/>
-              </a:solidFill>
-              <a:latin typeface="Arial" pitchFamily="34" charset="0"/>
-            </a:endParaRPr>
+              <a:rPr lang="en-US" sz="900" dirty="0">
+                <a:solidFill>
+                  <a:schemeClr val="bg1"/>
+                </a:solidFill>
+                <a:latin typeface="Arial" pitchFamily="34" charset="0"/>
+              </a:rPr>
+              <a:t>    </a:t>
+            </a:r>
+            <a:r>
+              <a:rPr lang="en-US" sz="900" dirty="0" err="1">
+                <a:solidFill>
+                  <a:schemeClr val="bg1"/>
+                </a:solidFill>
+                <a:latin typeface="Arial" pitchFamily="34" charset="0"/>
+              </a:rPr>
+              <a:t>DataTable</a:t>
+            </a:r>
+            <a:r>
+              <a:rPr lang="en-US" sz="900" dirty="0">
+                <a:solidFill>
+                  <a:schemeClr val="bg1"/>
+                </a:solidFill>
+                <a:latin typeface="Arial" pitchFamily="34" charset="0"/>
+              </a:rPr>
+              <a:t> </a:t>
+            </a:r>
+            <a:r>
+              <a:rPr lang="en-US" sz="900" dirty="0" err="1">
+                <a:solidFill>
+                  <a:schemeClr val="bg1"/>
+                </a:solidFill>
+                <a:latin typeface="Arial" pitchFamily="34" charset="0"/>
+              </a:rPr>
+              <a:t>tbl</a:t>
+            </a:r>
+            <a:r>
+              <a:rPr lang="en-US" sz="900" dirty="0">
+                <a:solidFill>
+                  <a:schemeClr val="bg1"/>
+                </a:solidFill>
+                <a:latin typeface="Arial" pitchFamily="34" charset="0"/>
+              </a:rPr>
+              <a:t> = new </a:t>
+            </a:r>
+            <a:r>
+              <a:rPr lang="en-US" sz="900" dirty="0" err="1">
+                <a:solidFill>
+                  <a:schemeClr val="bg1"/>
+                </a:solidFill>
+                <a:latin typeface="Arial" pitchFamily="34" charset="0"/>
+              </a:rPr>
+              <a:t>DataTable</a:t>
+            </a:r>
+            <a:r>
+              <a:rPr lang="en-US" sz="900" dirty="0">
+                <a:solidFill>
+                  <a:schemeClr val="bg1"/>
+                </a:solidFill>
+                <a:latin typeface="Arial" pitchFamily="34" charset="0"/>
+              </a:rPr>
+              <a:t>();</a:t>
+            </a:r>
           </a:p>
           <a:p>
             <a:pPr eaLnBrk="0" hangingPunct="0">
               <a:defRPr/>
             </a:pPr>
-            <a:endParaRPr lang="be-BY" sz="1000" dirty="0">
-              <a:solidFill>
-                <a:schemeClr val="bg1"/>
-              </a:solidFill>
-              <a:latin typeface="Courier New" pitchFamily="49" charset="0"/>
-              <a:ea typeface="Calibri" pitchFamily="34" charset="0"/>
-              <a:cs typeface="Courier New" pitchFamily="49" charset="0"/>
-            </a:endParaRPr>
+            <a:r>
+              <a:rPr lang="en-US" sz="900" dirty="0">
+                <a:solidFill>
+                  <a:schemeClr val="bg1"/>
+                </a:solidFill>
+                <a:latin typeface="Arial" pitchFamily="34" charset="0"/>
+              </a:rPr>
+              <a:t>    </a:t>
+            </a:r>
+            <a:r>
+              <a:rPr lang="en-US" sz="900" dirty="0" err="1">
+                <a:solidFill>
+                  <a:schemeClr val="bg1"/>
+                </a:solidFill>
+                <a:latin typeface="Arial" pitchFamily="34" charset="0"/>
+              </a:rPr>
+              <a:t>dataAdapter.Fill</a:t>
+            </a:r>
+            <a:r>
+              <a:rPr lang="en-US" sz="900" dirty="0">
+                <a:solidFill>
+                  <a:schemeClr val="bg1"/>
+                </a:solidFill>
+                <a:latin typeface="Arial" pitchFamily="34" charset="0"/>
+              </a:rPr>
+              <a:t>(</a:t>
+            </a:r>
+            <a:r>
+              <a:rPr lang="en-US" sz="900" dirty="0" err="1">
+                <a:solidFill>
+                  <a:schemeClr val="bg1"/>
+                </a:solidFill>
+                <a:latin typeface="Arial" pitchFamily="34" charset="0"/>
+              </a:rPr>
+              <a:t>tbl</a:t>
+            </a:r>
+            <a:r>
+              <a:rPr lang="en-US" sz="900" dirty="0">
+                <a:solidFill>
+                  <a:schemeClr val="bg1"/>
+                </a:solidFill>
+                <a:latin typeface="Arial" pitchFamily="34" charset="0"/>
+              </a:rPr>
+              <a:t>);</a:t>
+            </a:r>
           </a:p>
           <a:p>
             <a:pPr eaLnBrk="0" hangingPunct="0">
               <a:defRPr/>
             </a:pPr>
             <a:r>
-              <a:rPr lang="be-BY" sz="1000" dirty="0">
-                <a:solidFill>
-                  <a:schemeClr val="bg1"/>
-                </a:solidFill>
-                <a:latin typeface="Courier New" pitchFamily="49" charset="0"/>
-                <a:ea typeface="Calibri" pitchFamily="34" charset="0"/>
-                <a:cs typeface="Courier New" pitchFamily="49" charset="0"/>
-              </a:rPr>
-              <a:t>    SqlCommand insert = con.CreateCommand();</a:t>
+              <a:rPr lang="en-US" sz="900" dirty="0" smtClean="0">
+                <a:solidFill>
+                  <a:schemeClr val="bg1"/>
+                </a:solidFill>
+                <a:latin typeface="Arial" pitchFamily="34" charset="0"/>
+              </a:rPr>
+              <a:t>}</a:t>
             </a:r>
             <a:endParaRPr lang="be-BY" sz="900" dirty="0">
-              <a:solidFill>
-                <a:schemeClr val="bg1"/>
-              </a:solidFill>
-              <a:latin typeface="Arial" pitchFamily="34" charset="0"/>
-            </a:endParaRPr>
-          </a:p>
-          <a:p>
-            <a:pPr eaLnBrk="0" hangingPunct="0">
-              <a:defRPr/>
-            </a:pPr>
-            <a:r>
-              <a:rPr lang="be-BY" sz="1000" dirty="0">
-                <a:solidFill>
-                  <a:schemeClr val="bg1"/>
-                </a:solidFill>
-                <a:latin typeface="Courier New" pitchFamily="49" charset="0"/>
-                <a:ea typeface="Calibri" pitchFamily="34" charset="0"/>
-                <a:cs typeface="Courier New" pitchFamily="49" charset="0"/>
-              </a:rPr>
-              <a:t>    insert.CommandText = "INSERT INTO Students(Name ,Grade) VALUES (@p1, @p2)";</a:t>
-            </a:r>
-            <a:endParaRPr lang="be-BY" sz="900" dirty="0">
-              <a:solidFill>
-                <a:schemeClr val="bg1"/>
-              </a:solidFill>
-              <a:latin typeface="Arial" pitchFamily="34" charset="0"/>
-            </a:endParaRPr>
-          </a:p>
-          <a:p>
-            <a:pPr eaLnBrk="0" hangingPunct="0">
-              <a:defRPr/>
-            </a:pPr>
-            <a:r>
-              <a:rPr lang="be-BY" sz="1000" dirty="0">
-                <a:solidFill>
-                  <a:schemeClr val="bg1"/>
-                </a:solidFill>
-                <a:latin typeface="Courier New" pitchFamily="49" charset="0"/>
-                <a:ea typeface="Calibri" pitchFamily="34" charset="0"/>
-                <a:cs typeface="Courier New" pitchFamily="49" charset="0"/>
-              </a:rPr>
-              <a:t>    insert.Parameters.Add("@p1", SqlDbType.NChar,10);</a:t>
-            </a:r>
-            <a:endParaRPr lang="be-BY" sz="900" dirty="0">
-              <a:solidFill>
-                <a:schemeClr val="bg1"/>
-              </a:solidFill>
-              <a:latin typeface="Arial" pitchFamily="34" charset="0"/>
-            </a:endParaRPr>
-          </a:p>
-          <a:p>
-            <a:pPr eaLnBrk="0" hangingPunct="0">
-              <a:defRPr/>
-            </a:pPr>
-            <a:r>
-              <a:rPr lang="be-BY" sz="1000" dirty="0">
-                <a:solidFill>
-                  <a:schemeClr val="bg1"/>
-                </a:solidFill>
-                <a:latin typeface="Courier New" pitchFamily="49" charset="0"/>
-                <a:ea typeface="Calibri" pitchFamily="34" charset="0"/>
-                <a:cs typeface="Courier New" pitchFamily="49" charset="0"/>
-              </a:rPr>
-              <a:t>    insert.Parameters.Add("@p2", SqlDbType.Int);</a:t>
-            </a:r>
-            <a:endParaRPr lang="be-BY" sz="900" dirty="0">
-              <a:solidFill>
-                <a:schemeClr val="bg1"/>
-              </a:solidFill>
-              <a:latin typeface="Arial" pitchFamily="34" charset="0"/>
-            </a:endParaRPr>
-          </a:p>
-          <a:p>
-            <a:pPr eaLnBrk="0" hangingPunct="0">
-              <a:defRPr/>
-            </a:pPr>
-            <a:r>
-              <a:rPr lang="be-BY" sz="1000" dirty="0">
-                <a:solidFill>
-                  <a:schemeClr val="bg1"/>
-                </a:solidFill>
-                <a:latin typeface="Courier New" pitchFamily="49" charset="0"/>
-                <a:ea typeface="Calibri" pitchFamily="34" charset="0"/>
-                <a:cs typeface="Courier New" pitchFamily="49" charset="0"/>
-              </a:rPr>
-              <a:t>    insert.Parameters["@p1"].SourceColumn = "Name";</a:t>
-            </a:r>
-            <a:endParaRPr lang="be-BY" sz="900" dirty="0">
-              <a:solidFill>
-                <a:schemeClr val="bg1"/>
-              </a:solidFill>
-              <a:latin typeface="Arial" pitchFamily="34" charset="0"/>
-            </a:endParaRPr>
-          </a:p>
-          <a:p>
-            <a:pPr eaLnBrk="0" hangingPunct="0">
-              <a:defRPr/>
-            </a:pPr>
-            <a:r>
-              <a:rPr lang="be-BY" sz="1000" dirty="0">
-                <a:solidFill>
-                  <a:schemeClr val="bg1"/>
-                </a:solidFill>
-                <a:latin typeface="Courier New" pitchFamily="49" charset="0"/>
-                <a:ea typeface="Calibri" pitchFamily="34" charset="0"/>
-                <a:cs typeface="Courier New" pitchFamily="49" charset="0"/>
-              </a:rPr>
-              <a:t>    insert.Parameters["@p2"].SourceColumn = "Grade";</a:t>
-            </a:r>
-            <a:endParaRPr lang="be-BY" sz="900" dirty="0">
-              <a:solidFill>
-                <a:schemeClr val="bg1"/>
-              </a:solidFill>
-              <a:latin typeface="Arial" pitchFamily="34" charset="0"/>
-            </a:endParaRPr>
-          </a:p>
-          <a:p>
-            <a:pPr eaLnBrk="0" hangingPunct="0">
-              <a:defRPr/>
-            </a:pPr>
-            <a:r>
-              <a:rPr lang="be-BY" sz="1000" dirty="0">
-                <a:solidFill>
-                  <a:schemeClr val="bg1"/>
-                </a:solidFill>
-                <a:latin typeface="Courier New" pitchFamily="49" charset="0"/>
-                <a:ea typeface="Calibri" pitchFamily="34" charset="0"/>
-                <a:cs typeface="Courier New" pitchFamily="49" charset="0"/>
-              </a:rPr>
-              <a:t>    adapt.InsertCommand = insert;</a:t>
-            </a:r>
-            <a:endParaRPr lang="be-BY" sz="900" dirty="0">
-              <a:solidFill>
-                <a:schemeClr val="bg1"/>
-              </a:solidFill>
-              <a:latin typeface="Arial" pitchFamily="34" charset="0"/>
-            </a:endParaRPr>
-          </a:p>
-          <a:p>
-            <a:pPr eaLnBrk="0" hangingPunct="0">
-              <a:defRPr/>
-            </a:pPr>
-            <a:endParaRPr lang="be-BY" sz="1000" dirty="0">
-              <a:solidFill>
-                <a:schemeClr val="bg1"/>
-              </a:solidFill>
-              <a:latin typeface="Courier New" pitchFamily="49" charset="0"/>
-              <a:ea typeface="Calibri" pitchFamily="34" charset="0"/>
-              <a:cs typeface="Courier New" pitchFamily="49" charset="0"/>
-            </a:endParaRPr>
-          </a:p>
-          <a:p>
-            <a:pPr eaLnBrk="0" hangingPunct="0">
-              <a:defRPr/>
-            </a:pPr>
-            <a:r>
-              <a:rPr lang="be-BY" sz="1000" dirty="0">
-                <a:solidFill>
-                  <a:schemeClr val="bg1"/>
-                </a:solidFill>
-                <a:latin typeface="Courier New" pitchFamily="49" charset="0"/>
-                <a:ea typeface="Calibri" pitchFamily="34" charset="0"/>
-                <a:cs typeface="Courier New" pitchFamily="49" charset="0"/>
-              </a:rPr>
-              <a:t>    SqlCommand delete = con.CreateCommand();</a:t>
-            </a:r>
-            <a:endParaRPr lang="be-BY" sz="900" dirty="0">
-              <a:solidFill>
-                <a:schemeClr val="bg1"/>
-              </a:solidFill>
-              <a:latin typeface="Arial" pitchFamily="34" charset="0"/>
-            </a:endParaRPr>
-          </a:p>
-          <a:p>
-            <a:pPr eaLnBrk="0" hangingPunct="0">
-              <a:defRPr/>
-            </a:pPr>
-            <a:r>
-              <a:rPr lang="be-BY" sz="1000" dirty="0">
-                <a:solidFill>
-                  <a:schemeClr val="bg1"/>
-                </a:solidFill>
-                <a:latin typeface="Courier New" pitchFamily="49" charset="0"/>
-                <a:ea typeface="Calibri" pitchFamily="34" charset="0"/>
-                <a:cs typeface="Courier New" pitchFamily="49" charset="0"/>
-              </a:rPr>
-              <a:t>    delete.CommandText = "DELETE FROM Students WHERE (Name = @p1) AND (Grade = @p2)";</a:t>
-            </a:r>
-            <a:endParaRPr lang="be-BY" sz="900" dirty="0">
-              <a:solidFill>
-                <a:schemeClr val="bg1"/>
-              </a:solidFill>
-              <a:latin typeface="Arial" pitchFamily="34" charset="0"/>
-            </a:endParaRPr>
-          </a:p>
-          <a:p>
-            <a:pPr eaLnBrk="0" hangingPunct="0">
-              <a:defRPr/>
-            </a:pPr>
-            <a:r>
-              <a:rPr lang="be-BY" sz="1000" dirty="0">
-                <a:solidFill>
-                  <a:schemeClr val="bg1"/>
-                </a:solidFill>
-                <a:latin typeface="Courier New" pitchFamily="49" charset="0"/>
-                <a:ea typeface="Calibri" pitchFamily="34" charset="0"/>
-                <a:cs typeface="Courier New" pitchFamily="49" charset="0"/>
-              </a:rPr>
-              <a:t>    delete.Parameters.Add("@p1", SqlDbType.NChar, 10);</a:t>
-            </a:r>
-            <a:endParaRPr lang="be-BY" sz="900" dirty="0">
-              <a:solidFill>
-                <a:schemeClr val="bg1"/>
-              </a:solidFill>
-              <a:latin typeface="Arial" pitchFamily="34" charset="0"/>
-            </a:endParaRPr>
-          </a:p>
-          <a:p>
-            <a:pPr eaLnBrk="0" hangingPunct="0">
-              <a:defRPr/>
-            </a:pPr>
-            <a:r>
-              <a:rPr lang="be-BY" sz="1000" dirty="0">
-                <a:solidFill>
-                  <a:schemeClr val="bg1"/>
-                </a:solidFill>
-                <a:latin typeface="Courier New" pitchFamily="49" charset="0"/>
-                <a:ea typeface="Calibri" pitchFamily="34" charset="0"/>
-                <a:cs typeface="Courier New" pitchFamily="49" charset="0"/>
-              </a:rPr>
-              <a:t>    delete.Parameters.Add("@p2", SqlDbType.Int);</a:t>
-            </a:r>
-            <a:endParaRPr lang="be-BY" sz="900" dirty="0">
-              <a:solidFill>
-                <a:schemeClr val="bg1"/>
-              </a:solidFill>
-              <a:latin typeface="Arial" pitchFamily="34" charset="0"/>
-            </a:endParaRPr>
-          </a:p>
-          <a:p>
-            <a:pPr eaLnBrk="0" hangingPunct="0">
-              <a:defRPr/>
-            </a:pPr>
-            <a:r>
-              <a:rPr lang="be-BY" sz="1000" dirty="0">
-                <a:solidFill>
-                  <a:schemeClr val="bg1"/>
-                </a:solidFill>
-                <a:latin typeface="Courier New" pitchFamily="49" charset="0"/>
-                <a:ea typeface="Calibri" pitchFamily="34" charset="0"/>
-                <a:cs typeface="Courier New" pitchFamily="49" charset="0"/>
-              </a:rPr>
-              <a:t>    delete.Parameters["@p1"].SourceColumn = "Name";</a:t>
-            </a:r>
-            <a:endParaRPr lang="be-BY" sz="900" dirty="0">
-              <a:solidFill>
-                <a:schemeClr val="bg1"/>
-              </a:solidFill>
-              <a:latin typeface="Arial" pitchFamily="34" charset="0"/>
-            </a:endParaRPr>
-          </a:p>
-          <a:p>
-            <a:pPr eaLnBrk="0" hangingPunct="0">
-              <a:defRPr/>
-            </a:pPr>
-            <a:r>
-              <a:rPr lang="be-BY" sz="1000" dirty="0">
-                <a:solidFill>
-                  <a:schemeClr val="bg1"/>
-                </a:solidFill>
-                <a:latin typeface="Courier New" pitchFamily="49" charset="0"/>
-                <a:ea typeface="Calibri" pitchFamily="34" charset="0"/>
-                <a:cs typeface="Courier New" pitchFamily="49" charset="0"/>
-              </a:rPr>
-              <a:t>    delete.Parameters["@p2"].SourceColumn = "Grade";</a:t>
-            </a:r>
-            <a:endParaRPr lang="be-BY" sz="900" dirty="0">
-              <a:solidFill>
-                <a:schemeClr val="bg1"/>
-              </a:solidFill>
-              <a:latin typeface="Arial" pitchFamily="34" charset="0"/>
-            </a:endParaRPr>
-          </a:p>
-          <a:p>
-            <a:pPr eaLnBrk="0" hangingPunct="0">
-              <a:defRPr/>
-            </a:pPr>
-            <a:r>
-              <a:rPr lang="be-BY" sz="1000" dirty="0">
-                <a:solidFill>
-                  <a:schemeClr val="bg1"/>
-                </a:solidFill>
-                <a:latin typeface="Courier New" pitchFamily="49" charset="0"/>
-                <a:ea typeface="Calibri" pitchFamily="34" charset="0"/>
-                <a:cs typeface="Courier New" pitchFamily="49" charset="0"/>
-              </a:rPr>
-              <a:t>    adapt.DeleteCommand = delete;</a:t>
-            </a:r>
-            <a:endParaRPr lang="be-BY" sz="900" dirty="0">
-              <a:solidFill>
-                <a:schemeClr val="bg1"/>
-              </a:solidFill>
-              <a:latin typeface="Arial" pitchFamily="34" charset="0"/>
-            </a:endParaRPr>
-          </a:p>
-          <a:p>
-            <a:pPr eaLnBrk="0" hangingPunct="0">
-              <a:defRPr/>
-            </a:pPr>
-            <a:endParaRPr lang="be-BY" sz="1000" dirty="0">
-              <a:solidFill>
-                <a:schemeClr val="bg1"/>
-              </a:solidFill>
-              <a:latin typeface="Courier New" pitchFamily="49" charset="0"/>
-              <a:ea typeface="Calibri" pitchFamily="34" charset="0"/>
-              <a:cs typeface="Courier New" pitchFamily="49" charset="0"/>
-            </a:endParaRPr>
-          </a:p>
-          <a:p>
-            <a:pPr eaLnBrk="0" hangingPunct="0">
-              <a:defRPr/>
-            </a:pPr>
-            <a:r>
-              <a:rPr lang="be-BY" sz="1000" dirty="0">
-                <a:solidFill>
-                  <a:schemeClr val="bg1"/>
-                </a:solidFill>
-                <a:latin typeface="Courier New" pitchFamily="49" charset="0"/>
-                <a:ea typeface="Calibri" pitchFamily="34" charset="0"/>
-                <a:cs typeface="Courier New" pitchFamily="49" charset="0"/>
-              </a:rPr>
-              <a:t>    SqlCommand update = con.CreateCommand();</a:t>
-            </a:r>
-            <a:endParaRPr lang="be-BY" sz="900" dirty="0">
-              <a:solidFill>
-                <a:schemeClr val="bg1"/>
-              </a:solidFill>
-              <a:latin typeface="Arial" pitchFamily="34" charset="0"/>
-            </a:endParaRPr>
-          </a:p>
-          <a:p>
-            <a:pPr eaLnBrk="0" hangingPunct="0">
-              <a:defRPr/>
-            </a:pPr>
-            <a:r>
-              <a:rPr lang="be-BY" sz="1000" dirty="0">
-                <a:solidFill>
-                  <a:schemeClr val="bg1"/>
-                </a:solidFill>
-                <a:latin typeface="Courier New" pitchFamily="49" charset="0"/>
-                <a:ea typeface="Calibri" pitchFamily="34" charset="0"/>
-                <a:cs typeface="Courier New" pitchFamily="49" charset="0"/>
-              </a:rPr>
-              <a:t>    update.CommandText = "UPDATE Students SET Name = @p1, Grade = @p2 " +</a:t>
-            </a:r>
-            <a:endParaRPr lang="be-BY" sz="900" dirty="0">
-              <a:solidFill>
-                <a:schemeClr val="bg1"/>
-              </a:solidFill>
-              <a:latin typeface="Arial" pitchFamily="34" charset="0"/>
-            </a:endParaRPr>
-          </a:p>
-          <a:p>
-            <a:pPr eaLnBrk="0" hangingPunct="0">
-              <a:defRPr/>
-            </a:pPr>
-            <a:r>
-              <a:rPr lang="be-BY" sz="1000" dirty="0">
-                <a:solidFill>
-                  <a:schemeClr val="bg1"/>
-                </a:solidFill>
-                <a:latin typeface="Courier New" pitchFamily="49" charset="0"/>
-                <a:ea typeface="Calibri" pitchFamily="34" charset="0"/>
-                <a:cs typeface="Courier New" pitchFamily="49" charset="0"/>
-              </a:rPr>
-              <a:t>                         "WHERE (Name = @p3) AND (Grade = @p4)";</a:t>
-            </a:r>
-            <a:endParaRPr lang="be-BY" sz="900" dirty="0">
-              <a:solidFill>
-                <a:schemeClr val="bg1"/>
-              </a:solidFill>
-              <a:latin typeface="Arial" pitchFamily="34" charset="0"/>
-            </a:endParaRPr>
-          </a:p>
-          <a:p>
-            <a:pPr eaLnBrk="0" hangingPunct="0">
-              <a:defRPr/>
-            </a:pPr>
-            <a:r>
-              <a:rPr lang="be-BY" sz="1000" dirty="0">
-                <a:solidFill>
-                  <a:schemeClr val="bg1"/>
-                </a:solidFill>
-                <a:latin typeface="Courier New" pitchFamily="49" charset="0"/>
-                <a:ea typeface="Calibri" pitchFamily="34" charset="0"/>
-                <a:cs typeface="Courier New" pitchFamily="49" charset="0"/>
-              </a:rPr>
-              <a:t>    update.Parameters.Add("@p1", SqlDbType.NChar, 10);</a:t>
-            </a:r>
-            <a:endParaRPr lang="be-BY" sz="900" dirty="0">
-              <a:solidFill>
-                <a:schemeClr val="bg1"/>
-              </a:solidFill>
-              <a:latin typeface="Arial" pitchFamily="34" charset="0"/>
-            </a:endParaRPr>
-          </a:p>
-          <a:p>
-            <a:pPr eaLnBrk="0" hangingPunct="0">
-              <a:defRPr/>
-            </a:pPr>
-            <a:r>
-              <a:rPr lang="be-BY" sz="1000" dirty="0">
-                <a:solidFill>
-                  <a:schemeClr val="bg1"/>
-                </a:solidFill>
-                <a:latin typeface="Courier New" pitchFamily="49" charset="0"/>
-                <a:ea typeface="Calibri" pitchFamily="34" charset="0"/>
-                <a:cs typeface="Courier New" pitchFamily="49" charset="0"/>
-              </a:rPr>
-              <a:t>    update.Parameters.Add("@p2", SqlDbType.Int);</a:t>
-            </a:r>
-            <a:endParaRPr lang="be-BY" sz="900" dirty="0">
-              <a:solidFill>
-                <a:schemeClr val="bg1"/>
-              </a:solidFill>
-              <a:latin typeface="Arial" pitchFamily="34" charset="0"/>
-            </a:endParaRPr>
-          </a:p>
-          <a:p>
-            <a:pPr eaLnBrk="0" hangingPunct="0">
-              <a:defRPr/>
-            </a:pPr>
-            <a:r>
-              <a:rPr lang="be-BY" sz="1000" dirty="0">
-                <a:solidFill>
-                  <a:schemeClr val="bg1"/>
-                </a:solidFill>
-                <a:latin typeface="Courier New" pitchFamily="49" charset="0"/>
-                <a:ea typeface="Calibri" pitchFamily="34" charset="0"/>
-                <a:cs typeface="Courier New" pitchFamily="49" charset="0"/>
-              </a:rPr>
-              <a:t>    update.Parameters.Add("@p3", SqlDbType.NChar, 10);</a:t>
-            </a:r>
-            <a:endParaRPr lang="be-BY" sz="900" dirty="0">
-              <a:solidFill>
-                <a:schemeClr val="bg1"/>
-              </a:solidFill>
-              <a:latin typeface="Arial" pitchFamily="34" charset="0"/>
-            </a:endParaRPr>
-          </a:p>
-          <a:p>
-            <a:pPr eaLnBrk="0" hangingPunct="0">
-              <a:defRPr/>
-            </a:pPr>
-            <a:r>
-              <a:rPr lang="be-BY" sz="1000" dirty="0">
-                <a:solidFill>
-                  <a:schemeClr val="bg1"/>
-                </a:solidFill>
-                <a:latin typeface="Courier New" pitchFamily="49" charset="0"/>
-                <a:ea typeface="Calibri" pitchFamily="34" charset="0"/>
-                <a:cs typeface="Courier New" pitchFamily="49" charset="0"/>
-              </a:rPr>
-              <a:t>    update.Parameters.Add("@p4", SqlDbType.Int);</a:t>
-            </a:r>
-            <a:endParaRPr lang="be-BY" sz="900" dirty="0">
-              <a:solidFill>
-                <a:schemeClr val="bg1"/>
-              </a:solidFill>
-              <a:latin typeface="Arial" pitchFamily="34" charset="0"/>
-            </a:endParaRPr>
-          </a:p>
-          <a:p>
-            <a:pPr eaLnBrk="0" hangingPunct="0">
-              <a:defRPr/>
-            </a:pPr>
-            <a:r>
-              <a:rPr lang="be-BY" sz="1000" dirty="0">
-                <a:solidFill>
-                  <a:schemeClr val="bg1"/>
-                </a:solidFill>
-                <a:latin typeface="Courier New" pitchFamily="49" charset="0"/>
-                <a:ea typeface="Calibri" pitchFamily="34" charset="0"/>
-                <a:cs typeface="Courier New" pitchFamily="49" charset="0"/>
-              </a:rPr>
-              <a:t>    update.Parameters["@p1"].SourceColumn = "Name";</a:t>
-            </a:r>
-            <a:endParaRPr lang="be-BY" sz="900" dirty="0">
-              <a:solidFill>
-                <a:schemeClr val="bg1"/>
-              </a:solidFill>
-              <a:latin typeface="Arial" pitchFamily="34" charset="0"/>
-            </a:endParaRPr>
-          </a:p>
-          <a:p>
-            <a:pPr eaLnBrk="0" hangingPunct="0">
-              <a:defRPr/>
-            </a:pPr>
-            <a:r>
-              <a:rPr lang="be-BY" sz="1000" dirty="0">
-                <a:solidFill>
-                  <a:schemeClr val="bg1"/>
-                </a:solidFill>
-                <a:latin typeface="Courier New" pitchFamily="49" charset="0"/>
-                <a:ea typeface="Calibri" pitchFamily="34" charset="0"/>
-                <a:cs typeface="Courier New" pitchFamily="49" charset="0"/>
-              </a:rPr>
-              <a:t>    update.Parameters["@p2"].SourceColumn = "Grade";</a:t>
-            </a:r>
-            <a:endParaRPr lang="be-BY" sz="900" dirty="0">
-              <a:solidFill>
-                <a:schemeClr val="bg1"/>
-              </a:solidFill>
-              <a:latin typeface="Arial" pitchFamily="34" charset="0"/>
-            </a:endParaRPr>
-          </a:p>
-          <a:p>
-            <a:pPr eaLnBrk="0" hangingPunct="0">
-              <a:defRPr/>
-            </a:pPr>
-            <a:r>
-              <a:rPr lang="be-BY" sz="1000" dirty="0">
-                <a:solidFill>
-                  <a:schemeClr val="bg1"/>
-                </a:solidFill>
-                <a:latin typeface="Courier New" pitchFamily="49" charset="0"/>
-                <a:ea typeface="Calibri" pitchFamily="34" charset="0"/>
-                <a:cs typeface="Courier New" pitchFamily="49" charset="0"/>
-              </a:rPr>
-              <a:t>    update.Parameters["@p3"].SourceColumn = "Name";</a:t>
-            </a:r>
-            <a:endParaRPr lang="be-BY" sz="900" dirty="0">
-              <a:solidFill>
-                <a:schemeClr val="bg1"/>
-              </a:solidFill>
-              <a:latin typeface="Arial" pitchFamily="34" charset="0"/>
-            </a:endParaRPr>
-          </a:p>
-          <a:p>
-            <a:pPr eaLnBrk="0" hangingPunct="0">
-              <a:defRPr/>
-            </a:pPr>
-            <a:r>
-              <a:rPr lang="be-BY" sz="1000" dirty="0">
-                <a:solidFill>
-                  <a:schemeClr val="bg1"/>
-                </a:solidFill>
-                <a:latin typeface="Courier New" pitchFamily="49" charset="0"/>
-                <a:ea typeface="Calibri" pitchFamily="34" charset="0"/>
-                <a:cs typeface="Courier New" pitchFamily="49" charset="0"/>
-              </a:rPr>
-              <a:t>    update.Parameters["@p4"].SourceColumn = "Grade";</a:t>
-            </a:r>
-            <a:endParaRPr lang="be-BY" sz="900" dirty="0">
-              <a:solidFill>
-                <a:schemeClr val="bg1"/>
-              </a:solidFill>
-              <a:latin typeface="Arial" pitchFamily="34" charset="0"/>
-            </a:endParaRPr>
-          </a:p>
-          <a:p>
-            <a:pPr eaLnBrk="0" hangingPunct="0">
-              <a:defRPr/>
-            </a:pPr>
-            <a:r>
-              <a:rPr lang="be-BY" sz="1000" dirty="0">
-                <a:solidFill>
-                  <a:schemeClr val="bg1"/>
-                </a:solidFill>
-                <a:latin typeface="Courier New" pitchFamily="49" charset="0"/>
-                <a:ea typeface="Calibri" pitchFamily="34" charset="0"/>
-                <a:cs typeface="Courier New" pitchFamily="49" charset="0"/>
-              </a:rPr>
-              <a:t>    update.Parameters["@p3"].SourceVersion = DataRowVersion.Original;</a:t>
-            </a:r>
-            <a:endParaRPr lang="be-BY" sz="900" dirty="0">
-              <a:solidFill>
-                <a:schemeClr val="bg1"/>
-              </a:solidFill>
-              <a:latin typeface="Arial" pitchFamily="34" charset="0"/>
-            </a:endParaRPr>
-          </a:p>
-          <a:p>
-            <a:pPr eaLnBrk="0" hangingPunct="0">
-              <a:defRPr/>
-            </a:pPr>
-            <a:r>
-              <a:rPr lang="be-BY" sz="1000" dirty="0">
-                <a:solidFill>
-                  <a:schemeClr val="bg1"/>
-                </a:solidFill>
-                <a:latin typeface="Courier New" pitchFamily="49" charset="0"/>
-                <a:ea typeface="Calibri" pitchFamily="34" charset="0"/>
-                <a:cs typeface="Courier New" pitchFamily="49" charset="0"/>
-              </a:rPr>
-              <a:t>    update.Parameters["@p4"].SourceVersion = DataRowVersion.Original;</a:t>
-            </a:r>
-            <a:endParaRPr lang="be-BY" sz="900" dirty="0">
-              <a:solidFill>
-                <a:schemeClr val="bg1"/>
-              </a:solidFill>
-              <a:latin typeface="Arial" pitchFamily="34" charset="0"/>
-            </a:endParaRPr>
-          </a:p>
-          <a:p>
-            <a:pPr eaLnBrk="0" hangingPunct="0">
-              <a:defRPr/>
-            </a:pPr>
-            <a:r>
-              <a:rPr lang="be-BY" sz="1000" dirty="0">
-                <a:solidFill>
-                  <a:schemeClr val="bg1"/>
-                </a:solidFill>
-                <a:latin typeface="Courier New" pitchFamily="49" charset="0"/>
-                <a:ea typeface="Calibri" pitchFamily="34" charset="0"/>
-                <a:cs typeface="Courier New" pitchFamily="49" charset="0"/>
-              </a:rPr>
-              <a:t>    adapt.UpdateCommand = update;</a:t>
-            </a:r>
-            <a:endParaRPr lang="be-BY" sz="900" dirty="0">
-              <a:solidFill>
-                <a:schemeClr val="bg1"/>
-              </a:solidFill>
-              <a:latin typeface="Arial" pitchFamily="34" charset="0"/>
-            </a:endParaRPr>
-          </a:p>
-          <a:p>
-            <a:pPr eaLnBrk="0" hangingPunct="0">
-              <a:defRPr/>
-            </a:pPr>
-            <a:endParaRPr lang="be-BY" sz="1000" dirty="0">
-              <a:solidFill>
-                <a:schemeClr val="bg1"/>
-              </a:solidFill>
-              <a:latin typeface="Courier New" pitchFamily="49" charset="0"/>
-              <a:ea typeface="Calibri" pitchFamily="34" charset="0"/>
-              <a:cs typeface="Courier New" pitchFamily="49" charset="0"/>
-            </a:endParaRPr>
-          </a:p>
-          <a:p>
-            <a:pPr eaLnBrk="0" hangingPunct="0">
-              <a:defRPr/>
-            </a:pPr>
-            <a:r>
-              <a:rPr lang="be-BY" sz="1000" dirty="0">
-                <a:solidFill>
-                  <a:schemeClr val="bg1"/>
-                </a:solidFill>
-                <a:latin typeface="Courier New" pitchFamily="49" charset="0"/>
-                <a:ea typeface="Calibri" pitchFamily="34" charset="0"/>
-                <a:cs typeface="Courier New" pitchFamily="49" charset="0"/>
-              </a:rPr>
-              <a:t>    DataTable tbl = new DataTable();</a:t>
-            </a:r>
-            <a:endParaRPr lang="be-BY" sz="900" dirty="0">
-              <a:solidFill>
-                <a:schemeClr val="bg1"/>
-              </a:solidFill>
-              <a:latin typeface="Arial" pitchFamily="34" charset="0"/>
-            </a:endParaRPr>
-          </a:p>
-          <a:p>
-            <a:pPr eaLnBrk="0" hangingPunct="0">
-              <a:defRPr/>
-            </a:pPr>
-            <a:r>
-              <a:rPr lang="be-BY" sz="1000" dirty="0">
-                <a:solidFill>
-                  <a:schemeClr val="bg1"/>
-                </a:solidFill>
-                <a:latin typeface="Courier New" pitchFamily="49" charset="0"/>
-                <a:ea typeface="Calibri" pitchFamily="34" charset="0"/>
-                <a:cs typeface="Courier New" pitchFamily="49" charset="0"/>
-              </a:rPr>
-              <a:t>    adapt.Fill(tbl);</a:t>
-            </a:r>
-            <a:endParaRPr lang="be-BY" dirty="0">
               <a:solidFill>
                 <a:schemeClr val="bg1"/>
               </a:solidFill>

--- a/Presentation/lesson-10-adonet.pptx
+++ b/Presentation/lesson-10-adonet.pptx
@@ -5,7 +5,7 @@
     <p:sldMasterId id="2147483648" r:id="rId1"/>
   </p:sldMasterIdLst>
   <p:notesMasterIdLst>
-    <p:notesMasterId r:id="rId36"/>
+    <p:notesMasterId r:id="rId37"/>
   </p:notesMasterIdLst>
   <p:sldIdLst>
     <p:sldId id="257" r:id="rId2"/>
@@ -41,7 +41,8 @@
     <p:sldId id="289" r:id="rId32"/>
     <p:sldId id="291" r:id="rId33"/>
     <p:sldId id="292" r:id="rId34"/>
-    <p:sldId id="293" r:id="rId35"/>
+    <p:sldId id="295" r:id="rId35"/>
+    <p:sldId id="293" r:id="rId36"/>
   </p:sldIdLst>
   <p:sldSz cx="9144000" cy="6858000" type="screen4x3"/>
   <p:notesSz cx="6858000" cy="9144000"/>
@@ -225,7 +226,7 @@
           <a:p>
             <a:fld id="{B24A7054-7FFB-49F4-A126-5DF6E687FF53}" type="datetimeFigureOut">
               <a:rPr lang="ru-RU" smtClean="0"/>
-              <a:t>10.06.2013</a:t>
+              <a:t>22.10.2013</a:t>
             </a:fld>
             <a:endParaRPr lang="ru-RU"/>
           </a:p>
@@ -1288,7 +1289,7 @@
           <a:p>
             <a:fld id="{8E6E6A2A-E9D3-4A0D-B04A-ABDD367A1E08}" type="datetimeFigureOut">
               <a:rPr lang="ru-RU" smtClean="0"/>
-              <a:t>10.06.2013</a:t>
+              <a:t>22.10.2013</a:t>
             </a:fld>
             <a:endParaRPr lang="ru-RU"/>
           </a:p>
@@ -2736,7 +2737,7 @@
           <a:p>
             <a:fld id="{AC3D3127-B7C4-45E3-9797-C527EC9FDD78}" type="datetimeFigureOut">
               <a:rPr lang="ru-RU" smtClean="0"/>
-              <a:t>10.06.2013</a:t>
+              <a:t>22.10.2013</a:t>
             </a:fld>
             <a:endParaRPr lang="ru-RU"/>
           </a:p>
@@ -33911,26 +33912,21 @@
             <a:pPr lvl="1"/>
             <a:r>
               <a:rPr lang="en-US" dirty="0" err="1" smtClean="0"/>
-              <a:t>NHibernate</a:t>
+              <a:t>N</a:t>
+            </a:r>
+            <a:r>
+              <a:rPr lang="en-US" dirty="0" err="1" smtClean="0">
+                <a:hlinkClick r:id="rId2"/>
+              </a:rPr>
+              <a:t>h</a:t>
+            </a:r>
+            <a:r>
+              <a:rPr lang="en-US" dirty="0" err="1" smtClean="0"/>
+              <a:t>ibernate</a:t>
             </a:r>
             <a:r>
               <a:rPr lang="en-US" dirty="0" smtClean="0"/>
-              <a:t/>
-            </a:r>
-            <a:br>
-              <a:rPr lang="en-US" dirty="0" smtClean="0"/>
-            </a:br>
-            <a:r>
-              <a:rPr lang="en-US" dirty="0" smtClean="0">
-                <a:hlinkClick r:id="rId2"/>
-              </a:rPr>
-              <a:t>http</a:t>
-            </a:r>
-            <a:r>
-              <a:rPr lang="en-US" dirty="0">
-                <a:hlinkClick r:id="rId2"/>
-              </a:rPr>
-              <a:t>://</a:t>
+              <a:t> - </a:t>
             </a:r>
             <a:r>
               <a:rPr lang="en-US" dirty="0" smtClean="0">
@@ -34066,6 +34062,161 @@
 </file>
 
 <file path=ppt/slides/slide34.xml><?xml version="1.0" encoding="utf-8"?>
+<p:sld xmlns:a="http://schemas.openxmlformats.org/drawingml/2006/main" xmlns:r="http://schemas.openxmlformats.org/officeDocument/2006/relationships" xmlns:p="http://schemas.openxmlformats.org/presentationml/2006/main">
+  <p:cSld>
+    <p:spTree>
+      <p:nvGrpSpPr>
+        <p:cNvPr id="1" name=""/>
+        <p:cNvGrpSpPr/>
+        <p:nvPr/>
+      </p:nvGrpSpPr>
+      <p:grpSpPr>
+        <a:xfrm>
+          <a:off x="0" y="0"/>
+          <a:ext cx="0" cy="0"/>
+          <a:chOff x="0" y="0"/>
+          <a:chExt cx="0" cy="0"/>
+        </a:xfrm>
+      </p:grpSpPr>
+      <p:sp>
+        <p:nvSpPr>
+          <p:cNvPr id="2" name="Title 1"/>
+          <p:cNvSpPr>
+            <a:spLocks noGrp="1"/>
+          </p:cNvSpPr>
+          <p:nvPr>
+            <p:ph type="title"/>
+          </p:nvPr>
+        </p:nvSpPr>
+        <p:spPr/>
+        <p:txBody>
+          <a:bodyPr/>
+          <a:lstStyle/>
+          <a:p>
+            <a:r>
+              <a:rPr lang="en-US" dirty="0" smtClean="0"/>
+              <a:t>EF: </a:t>
+            </a:r>
+            <a:r>
+              <a:rPr lang="ru-RU" dirty="0" smtClean="0"/>
+              <a:t>Три режима работы</a:t>
+            </a:r>
+            <a:endParaRPr lang="en-US" dirty="0"/>
+          </a:p>
+        </p:txBody>
+      </p:sp>
+      <p:sp>
+        <p:nvSpPr>
+          <p:cNvPr id="3" name="Content Placeholder 2"/>
+          <p:cNvSpPr>
+            <a:spLocks noGrp="1"/>
+          </p:cNvSpPr>
+          <p:nvPr>
+            <p:ph idx="1"/>
+          </p:nvPr>
+        </p:nvSpPr>
+        <p:spPr/>
+        <p:txBody>
+          <a:bodyPr>
+            <a:normAutofit fontScale="92500" lnSpcReduction="20000"/>
+          </a:bodyPr>
+          <a:lstStyle/>
+          <a:p>
+            <a:r>
+              <a:rPr lang="en-US" dirty="0" smtClean="0"/>
+              <a:t>Database first</a:t>
+            </a:r>
+          </a:p>
+          <a:p>
+            <a:pPr lvl="1"/>
+            <a:r>
+              <a:rPr lang="ru-RU" dirty="0" smtClean="0"/>
+              <a:t>Сначала создаем БД, затем на её основе создаем модель и код</a:t>
+            </a:r>
+          </a:p>
+          <a:p>
+            <a:r>
+              <a:rPr lang="en-US" dirty="0" smtClean="0"/>
+              <a:t>Model first</a:t>
+            </a:r>
+          </a:p>
+          <a:p>
+            <a:pPr lvl="1"/>
+            <a:r>
+              <a:rPr lang="ru-RU" dirty="0" smtClean="0"/>
+              <a:t>Создаем модель в дизайнере </a:t>
+            </a:r>
+            <a:r>
+              <a:rPr lang="en-US" dirty="0" smtClean="0"/>
+              <a:t>Visual Studio </a:t>
+            </a:r>
+            <a:r>
+              <a:rPr lang="ru-RU" dirty="0" smtClean="0"/>
+              <a:t>или в текстовом редакторе. И уже на основе модели создаем базу данных и код</a:t>
+            </a:r>
+          </a:p>
+          <a:p>
+            <a:r>
+              <a:rPr lang="en-US" dirty="0" smtClean="0"/>
+              <a:t>Code first</a:t>
+            </a:r>
+          </a:p>
+          <a:p>
+            <a:pPr lvl="1"/>
+            <a:r>
+              <a:rPr lang="ru-RU" dirty="0" smtClean="0"/>
+              <a:t>Программист пишет </a:t>
+            </a:r>
+            <a:r>
+              <a:rPr lang="en-US" dirty="0" smtClean="0"/>
+              <a:t>POCO</a:t>
+            </a:r>
+            <a:r>
+              <a:rPr lang="ru-RU" dirty="0" smtClean="0"/>
+              <a:t>-</a:t>
+            </a:r>
+            <a:r>
+              <a:rPr lang="ru-RU" dirty="0"/>
+              <a:t> классы</a:t>
+            </a:r>
+            <a:r>
+              <a:rPr lang="ru-RU" dirty="0" smtClean="0"/>
+              <a:t> (</a:t>
+            </a:r>
+            <a:r>
+              <a:rPr lang="en-US" dirty="0" smtClean="0"/>
+              <a:t>Plain Old CLR Objects)</a:t>
+            </a:r>
+            <a:r>
+              <a:rPr lang="ru-RU" dirty="0" smtClean="0"/>
+              <a:t> на основе</a:t>
+            </a:r>
+            <a:r>
+              <a:rPr lang="en-US" dirty="0" smtClean="0"/>
+              <a:t> </a:t>
+            </a:r>
+            <a:r>
+              <a:rPr lang="ru-RU" dirty="0" smtClean="0"/>
+              <a:t>которых генерируется модель и база данных</a:t>
+            </a:r>
+            <a:endParaRPr lang="en-US" dirty="0"/>
+          </a:p>
+        </p:txBody>
+      </p:sp>
+    </p:spTree>
+    <p:extLst>
+      <p:ext uri="{BB962C8B-B14F-4D97-AF65-F5344CB8AC3E}">
+        <p14:creationId xmlns:p14="http://schemas.microsoft.com/office/powerpoint/2010/main" val="85263109"/>
+      </p:ext>
+    </p:extLst>
+  </p:cSld>
+  <p:clrMapOvr>
+    <a:masterClrMapping/>
+  </p:clrMapOvr>
+</p:sld>
+</file>
+
+<file path=ppt/slides/slide35.xml><?xml version="1.0" encoding="utf-8"?>
 <p:sld xmlns:a="http://schemas.openxmlformats.org/drawingml/2006/main" xmlns:r="http://schemas.openxmlformats.org/officeDocument/2006/relationships" xmlns:p="http://schemas.openxmlformats.org/presentationml/2006/main">
   <p:cSld>
     <p:spTree>

--- a/Presentation/lesson-10-adonet.pptx
+++ b/Presentation/lesson-10-adonet.pptx
@@ -5,7 +5,7 @@
     <p:sldMasterId id="2147483648" r:id="rId1"/>
   </p:sldMasterIdLst>
   <p:notesMasterIdLst>
-    <p:notesMasterId r:id="rId37"/>
+    <p:notesMasterId r:id="rId38"/>
   </p:notesMasterIdLst>
   <p:sldIdLst>
     <p:sldId id="257" r:id="rId2"/>
@@ -42,7 +42,8 @@
     <p:sldId id="291" r:id="rId33"/>
     <p:sldId id="292" r:id="rId34"/>
     <p:sldId id="295" r:id="rId35"/>
-    <p:sldId id="293" r:id="rId36"/>
+    <p:sldId id="296" r:id="rId36"/>
+    <p:sldId id="293" r:id="rId37"/>
   </p:sldIdLst>
   <p:sldSz cx="9144000" cy="6858000" type="screen4x3"/>
   <p:notesSz cx="6858000" cy="9144000"/>
@@ -226,7 +227,7 @@
           <a:p>
             <a:fld id="{B24A7054-7FFB-49F4-A126-5DF6E687FF53}" type="datetimeFigureOut">
               <a:rPr lang="ru-RU" smtClean="0"/>
-              <a:t>22.10.2013</a:t>
+              <a:t>26.10.2013</a:t>
             </a:fld>
             <a:endParaRPr lang="ru-RU"/>
           </a:p>
@@ -1289,7 +1290,7 @@
           <a:p>
             <a:fld id="{8E6E6A2A-E9D3-4A0D-B04A-ABDD367A1E08}" type="datetimeFigureOut">
               <a:rPr lang="ru-RU" smtClean="0"/>
-              <a:t>22.10.2013</a:t>
+              <a:t>26.10.2013</a:t>
             </a:fld>
             <a:endParaRPr lang="ru-RU"/>
           </a:p>
@@ -2737,7 +2738,7 @@
           <a:p>
             <a:fld id="{AC3D3127-B7C4-45E3-9797-C527EC9FDD78}" type="datetimeFigureOut">
               <a:rPr lang="ru-RU" smtClean="0"/>
-              <a:t>22.10.2013</a:t>
+              <a:t>26.10.2013</a:t>
             </a:fld>
             <a:endParaRPr lang="ru-RU"/>
           </a:p>
@@ -34217,6 +34218,295 @@
 </file>
 
 <file path=ppt/slides/slide35.xml><?xml version="1.0" encoding="utf-8"?>
+<p:sld xmlns:a="http://schemas.openxmlformats.org/drawingml/2006/main" xmlns:r="http://schemas.openxmlformats.org/officeDocument/2006/relationships" xmlns:p="http://schemas.openxmlformats.org/presentationml/2006/main">
+  <p:cSld>
+    <p:spTree>
+      <p:nvGrpSpPr>
+        <p:cNvPr id="1" name=""/>
+        <p:cNvGrpSpPr/>
+        <p:nvPr/>
+      </p:nvGrpSpPr>
+      <p:grpSpPr>
+        <a:xfrm>
+          <a:off x="0" y="0"/>
+          <a:ext cx="0" cy="0"/>
+          <a:chOff x="0" y="0"/>
+          <a:chExt cx="0" cy="0"/>
+        </a:xfrm>
+      </p:grpSpPr>
+      <p:sp>
+        <p:nvSpPr>
+          <p:cNvPr id="2" name="Title 1"/>
+          <p:cNvSpPr>
+            <a:spLocks noGrp="1"/>
+          </p:cNvSpPr>
+          <p:nvPr>
+            <p:ph type="title"/>
+          </p:nvPr>
+        </p:nvSpPr>
+        <p:spPr/>
+        <p:txBody>
+          <a:bodyPr/>
+          <a:lstStyle/>
+          <a:p>
+            <a:r>
+              <a:rPr lang="en-US" dirty="0" smtClean="0"/>
+              <a:t>EF: </a:t>
+            </a:r>
+            <a:r>
+              <a:rPr lang="ru-RU" dirty="0" smtClean="0"/>
+              <a:t>Расширения для </a:t>
+            </a:r>
+            <a:r>
+              <a:rPr lang="en-US" dirty="0" smtClean="0"/>
+              <a:t>Visual Studio</a:t>
+            </a:r>
+            <a:endParaRPr lang="ru-RU" dirty="0"/>
+          </a:p>
+        </p:txBody>
+      </p:sp>
+      <p:sp>
+        <p:nvSpPr>
+          <p:cNvPr id="3" name="Content Placeholder 2"/>
+          <p:cNvSpPr>
+            <a:spLocks noGrp="1"/>
+          </p:cNvSpPr>
+          <p:nvPr>
+            <p:ph idx="1"/>
+          </p:nvPr>
+        </p:nvSpPr>
+        <p:spPr/>
+        <p:txBody>
+          <a:bodyPr>
+            <a:normAutofit fontScale="47500" lnSpcReduction="20000"/>
+          </a:bodyPr>
+          <a:lstStyle/>
+          <a:p>
+            <a:pPr marL="0" indent="0">
+              <a:buNone/>
+            </a:pPr>
+            <a:r>
+              <a:rPr lang="en-US" dirty="0"/>
+              <a:t>Entity Framework Power Tools Beta </a:t>
+            </a:r>
+            <a:r>
+              <a:rPr lang="en-US" dirty="0" smtClean="0"/>
+              <a:t>4</a:t>
+            </a:r>
+          </a:p>
+          <a:p>
+            <a:pPr marL="0" indent="0">
+              <a:buNone/>
+            </a:pPr>
+            <a:r>
+              <a:rPr lang="en-US" dirty="0">
+                <a:hlinkClick r:id="rId2"/>
+              </a:rPr>
+              <a:t>http://</a:t>
+            </a:r>
+            <a:r>
+              <a:rPr lang="en-US" dirty="0" smtClean="0">
+                <a:hlinkClick r:id="rId2"/>
+              </a:rPr>
+              <a:t>visualstudiogallery.msdn.microsoft.com/72a60b14-1581-4b9b-89f2-846072eff19d</a:t>
+            </a:r>
+            <a:endParaRPr lang="en-US" dirty="0" smtClean="0"/>
+          </a:p>
+          <a:p>
+            <a:pPr marL="0" indent="0">
+              <a:buNone/>
+            </a:pPr>
+            <a:endParaRPr lang="en-US" dirty="0" smtClean="0"/>
+          </a:p>
+          <a:p>
+            <a:pPr marL="0" indent="0">
+              <a:buNone/>
+            </a:pPr>
+            <a:r>
+              <a:rPr lang="ru-RU" dirty="0" smtClean="0"/>
+              <a:t>Контекстное меню для </a:t>
+            </a:r>
+            <a:r>
+              <a:rPr lang="en-US" dirty="0" smtClean="0"/>
+              <a:t>C# </a:t>
+            </a:r>
+            <a:r>
+              <a:rPr lang="ru-RU" dirty="0" smtClean="0"/>
+              <a:t>проектов:</a:t>
+            </a:r>
+          </a:p>
+          <a:p>
+            <a:pPr lvl="1"/>
+            <a:r>
+              <a:rPr lang="en-US" dirty="0" smtClean="0"/>
+              <a:t>Reverse </a:t>
+            </a:r>
+            <a:r>
+              <a:rPr lang="en-US" dirty="0"/>
+              <a:t>Engineer Code First - Generates POCO classes, derived </a:t>
+            </a:r>
+            <a:r>
+              <a:rPr lang="en-US" dirty="0" err="1"/>
+              <a:t>DbContext</a:t>
+            </a:r>
+            <a:r>
+              <a:rPr lang="en-US" dirty="0"/>
+              <a:t> and Code First mapping for an existing database. </a:t>
+            </a:r>
+            <a:endParaRPr lang="ru-RU" dirty="0" smtClean="0"/>
+          </a:p>
+          <a:p>
+            <a:pPr lvl="1"/>
+            <a:r>
+              <a:rPr lang="en-US" dirty="0" smtClean="0"/>
+              <a:t>Customize </a:t>
+            </a:r>
+            <a:r>
+              <a:rPr lang="en-US" dirty="0"/>
+              <a:t>Reverse Engineer Templates - Adds the default reverse engineer T4 templates to your project for editing. </a:t>
+            </a:r>
+            <a:endParaRPr lang="ru-RU" dirty="0" smtClean="0"/>
+          </a:p>
+          <a:p>
+            <a:pPr lvl="1"/>
+            <a:endParaRPr lang="en-US" dirty="0"/>
+          </a:p>
+          <a:p>
+            <a:pPr marL="0" indent="0">
+              <a:buNone/>
+            </a:pPr>
+            <a:r>
+              <a:rPr lang="en-US" dirty="0"/>
+              <a:t>When right-clicking on a file containing a derived </a:t>
+            </a:r>
+            <a:r>
+              <a:rPr lang="en-US" dirty="0" err="1"/>
+              <a:t>DbContext</a:t>
+            </a:r>
+            <a:r>
+              <a:rPr lang="en-US" dirty="0"/>
+              <a:t> class, the following context menu functions are </a:t>
+            </a:r>
+            <a:r>
+              <a:rPr lang="en-US" dirty="0" smtClean="0"/>
+              <a:t>supported:</a:t>
+            </a:r>
+            <a:endParaRPr lang="ru-RU" dirty="0" smtClean="0"/>
+          </a:p>
+          <a:p>
+            <a:pPr lvl="1"/>
+            <a:r>
+              <a:rPr lang="en-US" dirty="0" smtClean="0"/>
+              <a:t>View </a:t>
+            </a:r>
+            <a:r>
+              <a:rPr lang="en-US" dirty="0"/>
+              <a:t>Entity Data Model (Read-only) - Displays a read-only view of the Code First model in the Entity Model Designer. </a:t>
+            </a:r>
+            <a:endParaRPr lang="ru-RU" dirty="0" smtClean="0"/>
+          </a:p>
+          <a:p>
+            <a:pPr lvl="1"/>
+            <a:r>
+              <a:rPr lang="en-US" dirty="0" smtClean="0"/>
+              <a:t>View </a:t>
+            </a:r>
+            <a:r>
+              <a:rPr lang="en-US" dirty="0"/>
+              <a:t>Entity Data Model XML - Displays the EDMX XML representing the underlying Code First model. </a:t>
+            </a:r>
+            <a:endParaRPr lang="ru-RU" dirty="0" smtClean="0"/>
+          </a:p>
+          <a:p>
+            <a:pPr lvl="1"/>
+            <a:r>
+              <a:rPr lang="en-US" dirty="0" smtClean="0"/>
+              <a:t>View </a:t>
+            </a:r>
+            <a:r>
+              <a:rPr lang="en-US" dirty="0"/>
+              <a:t>Entity Data Model DDL SQL - Displays the DDL SQL corresponding to the SSDL in the underlying EDM </a:t>
+            </a:r>
+            <a:r>
+              <a:rPr lang="en-US" dirty="0" smtClean="0"/>
+              <a:t>Model.</a:t>
+            </a:r>
+            <a:endParaRPr lang="ru-RU" dirty="0" smtClean="0"/>
+          </a:p>
+          <a:p>
+            <a:pPr lvl="1"/>
+            <a:r>
+              <a:rPr lang="en-US" dirty="0" smtClean="0"/>
+              <a:t>Generate </a:t>
+            </a:r>
+            <a:r>
+              <a:rPr lang="en-US" dirty="0"/>
+              <a:t>Views - Generates pre-compiled views used by the EF runtime to improve start-up performance. Adds the generated views file to the containing project</a:t>
+            </a:r>
+            <a:r>
+              <a:rPr lang="en-US" dirty="0" smtClean="0"/>
+              <a:t>.</a:t>
+            </a:r>
+            <a:endParaRPr lang="ru-RU" dirty="0" smtClean="0"/>
+          </a:p>
+          <a:p>
+            <a:pPr lvl="1"/>
+            <a:endParaRPr lang="en-US" dirty="0"/>
+          </a:p>
+          <a:p>
+            <a:pPr marL="0" indent="0">
+              <a:buNone/>
+            </a:pPr>
+            <a:r>
+              <a:rPr lang="en-US" dirty="0"/>
+              <a:t>When right-clicking on an Entity Data Model (*.</a:t>
+            </a:r>
+            <a:r>
+              <a:rPr lang="en-US" dirty="0" err="1"/>
+              <a:t>edmx</a:t>
+            </a:r>
+            <a:r>
+              <a:rPr lang="en-US" dirty="0"/>
+              <a:t>) file, the following context menu function is </a:t>
+            </a:r>
+            <a:r>
+              <a:rPr lang="en-US" dirty="0" smtClean="0"/>
+              <a:t>supported:</a:t>
+            </a:r>
+            <a:endParaRPr lang="ru-RU" dirty="0" smtClean="0"/>
+          </a:p>
+          <a:p>
+            <a:pPr lvl="1"/>
+            <a:r>
+              <a:rPr lang="en-US" dirty="0" smtClean="0"/>
+              <a:t>Generate </a:t>
+            </a:r>
+            <a:r>
+              <a:rPr lang="en-US" dirty="0"/>
+              <a:t>Views - Generates pre-compiled views used by the EF runtime to improve start-up performance. Adds the generated views file to the containing project</a:t>
+            </a:r>
+            <a:r>
+              <a:rPr lang="en-US" dirty="0" smtClean="0"/>
+              <a:t>.</a:t>
+            </a:r>
+            <a:endParaRPr lang="ru-RU" dirty="0"/>
+          </a:p>
+        </p:txBody>
+      </p:sp>
+    </p:spTree>
+    <p:extLst>
+      <p:ext uri="{BB962C8B-B14F-4D97-AF65-F5344CB8AC3E}">
+        <p14:creationId xmlns:p14="http://schemas.microsoft.com/office/powerpoint/2010/main" val="2835828466"/>
+      </p:ext>
+    </p:extLst>
+  </p:cSld>
+  <p:clrMapOvr>
+    <a:masterClrMapping/>
+  </p:clrMapOvr>
+</p:sld>
+</file>
+
+<file path=ppt/slides/slide36.xml><?xml version="1.0" encoding="utf-8"?>
 <p:sld xmlns:a="http://schemas.openxmlformats.org/drawingml/2006/main" xmlns:r="http://schemas.openxmlformats.org/officeDocument/2006/relationships" xmlns:p="http://schemas.openxmlformats.org/presentationml/2006/main">
   <p:cSld>
     <p:spTree>

--- a/Presentation/lesson-10-adonet.pptx
+++ b/Presentation/lesson-10-adonet.pptx
@@ -142,6 +142,22 @@
       </a:defRPr>
     </a:lvl9pPr>
   </p:defaultTextStyle>
+  <p:extLst>
+    <p:ext uri="{EFAFB233-063F-42B5-8137-9DF3F51BA10A}">
+      <p15:sldGuideLst xmlns:p15="http://schemas.microsoft.com/office/powerpoint/2012/main">
+        <p15:guide id="1" orient="horz" pos="2160">
+          <p15:clr>
+            <a:srgbClr val="A4A3A4"/>
+          </p15:clr>
+        </p15:guide>
+        <p15:guide id="2" pos="2880">
+          <p15:clr>
+            <a:srgbClr val="A4A3A4"/>
+          </p15:clr>
+        </p15:guide>
+      </p15:sldGuideLst>
+    </p:ext>
+  </p:extLst>
 </p:presentation>
 </file>
 
@@ -227,7 +243,7 @@
           <a:p>
             <a:fld id="{B24A7054-7FFB-49F4-A126-5DF6E687FF53}" type="datetimeFigureOut">
               <a:rPr lang="ru-RU" smtClean="0"/>
-              <a:t>26.10.2013</a:t>
+              <a:t>26.11.2013</a:t>
             </a:fld>
             <a:endParaRPr lang="ru-RU"/>
           </a:p>
@@ -1290,7 +1306,7 @@
           <a:p>
             <a:fld id="{8E6E6A2A-E9D3-4A0D-B04A-ABDD367A1E08}" type="datetimeFigureOut">
               <a:rPr lang="ru-RU" smtClean="0"/>
-              <a:t>26.10.2013</a:t>
+              <a:t>26.11.2013</a:t>
             </a:fld>
             <a:endParaRPr lang="ru-RU"/>
           </a:p>
@@ -2738,7 +2754,7 @@
           <a:p>
             <a:fld id="{AC3D3127-B7C4-45E3-9797-C527EC9FDD78}" type="datetimeFigureOut">
               <a:rPr lang="ru-RU" smtClean="0"/>
-              <a:t>26.10.2013</a:t>
+              <a:t>26.11.2013</a:t>
             </a:fld>
             <a:endParaRPr lang="ru-RU"/>
           </a:p>
@@ -33900,8 +33916,24 @@
           <a:p>
             <a:r>
               <a:rPr lang="ru-RU" dirty="0" smtClean="0"/>
-              <a:t>Упрощает работу с БД путем изоляции програмиста от прямого доступа к БД</a:t>
-            </a:r>
+              <a:t>Упрощает работу с БД путем изоляции програмиста от прямого доступа к </a:t>
+            </a:r>
+            <a:r>
+              <a:rPr lang="ru-RU" dirty="0" smtClean="0"/>
+              <a:t>БД</a:t>
+            </a:r>
+            <a:endParaRPr lang="en-US" dirty="0" smtClean="0"/>
+          </a:p>
+          <a:p>
+            <a:r>
+              <a:rPr lang="ru-RU" dirty="0" smtClean="0"/>
+              <a:t>Реализует шаблон </a:t>
+            </a:r>
+            <a:r>
+              <a:rPr lang="en-US" dirty="0" smtClean="0"/>
+              <a:t>Unit Of Work</a:t>
+            </a:r>
+            <a:endParaRPr lang="ru-RU" dirty="0" smtClean="0"/>
           </a:p>
           <a:p>
             <a:r>

--- a/Presentation/lesson-10-adonet.pptx
+++ b/Presentation/lesson-10-adonet.pptx
@@ -144,7 +144,7 @@
   </p:defaultTextStyle>
   <p:extLst>
     <p:ext uri="{EFAFB233-063F-42B5-8137-9DF3F51BA10A}">
-      <p15:sldGuideLst xmlns:p15="http://schemas.microsoft.com/office/powerpoint/2012/main">
+      <p15:sldGuideLst xmlns:p15="http://schemas.microsoft.com/office/powerpoint/2012/main" xmlns="">
         <p15:guide id="1" orient="horz" pos="2160">
           <p15:clr>
             <a:srgbClr val="A4A3A4"/>
@@ -243,7 +243,7 @@
           <a:p>
             <a:fld id="{B24A7054-7FFB-49F4-A126-5DF6E687FF53}" type="datetimeFigureOut">
               <a:rPr lang="ru-RU" smtClean="0"/>
-              <a:t>26.11.2013</a:t>
+              <a:t>13.05.2014</a:t>
             </a:fld>
             <a:endParaRPr lang="ru-RU"/>
           </a:p>
@@ -1306,7 +1306,7 @@
           <a:p>
             <a:fld id="{8E6E6A2A-E9D3-4A0D-B04A-ABDD367A1E08}" type="datetimeFigureOut">
               <a:rPr lang="ru-RU" smtClean="0"/>
-              <a:t>26.11.2013</a:t>
+              <a:t>13.05.2014</a:t>
             </a:fld>
             <a:endParaRPr lang="ru-RU"/>
           </a:p>
@@ -2754,7 +2754,7 @@
           <a:p>
             <a:fld id="{AC3D3127-B7C4-45E3-9797-C527EC9FDD78}" type="datetimeFigureOut">
               <a:rPr lang="ru-RU" smtClean="0"/>
-              <a:t>26.11.2013</a:t>
+              <a:t>13.05.2014</a:t>
             </a:fld>
             <a:endParaRPr lang="ru-RU"/>
           </a:p>
@@ -33923,6 +33923,29 @@
               <a:t>БД</a:t>
             </a:r>
             <a:endParaRPr lang="en-US" dirty="0" smtClean="0"/>
+          </a:p>
+          <a:p>
+            <a:r>
+              <a:rPr lang="ru-RU" dirty="0" smtClean="0">
+                <a:solidFill>
+                  <a:srgbClr val="FFFF00"/>
+                </a:solidFill>
+              </a:rPr>
+              <a:t>Для корректной работы требует наличие </a:t>
+            </a:r>
+            <a:r>
+              <a:rPr lang="en-US" dirty="0" smtClean="0">
+                <a:solidFill>
+                  <a:srgbClr val="FFFF00"/>
+                </a:solidFill>
+              </a:rPr>
+              <a:t>PK</a:t>
+            </a:r>
+            <a:endParaRPr lang="en-US" dirty="0" smtClean="0">
+              <a:solidFill>
+                <a:srgbClr val="FFFF00"/>
+              </a:solidFill>
+            </a:endParaRPr>
           </a:p>
           <a:p>
             <a:r>

--- a/Presentation/lesson-10-adonet.pptx
+++ b/Presentation/lesson-10-adonet.pptx
@@ -5,7 +5,7 @@
     <p:sldMasterId id="2147483648" r:id="rId1"/>
   </p:sldMasterIdLst>
   <p:notesMasterIdLst>
-    <p:notesMasterId r:id="rId38"/>
+    <p:notesMasterId r:id="rId39"/>
   </p:notesMasterIdLst>
   <p:sldIdLst>
     <p:sldId id="257" r:id="rId2"/>
@@ -44,6 +44,7 @@
     <p:sldId id="295" r:id="rId35"/>
     <p:sldId id="296" r:id="rId36"/>
     <p:sldId id="293" r:id="rId37"/>
+    <p:sldId id="297" r:id="rId38"/>
   </p:sldIdLst>
   <p:sldSz cx="9144000" cy="6858000" type="screen4x3"/>
   <p:notesSz cx="6858000" cy="9144000"/>
@@ -144,7 +145,7 @@
   </p:defaultTextStyle>
   <p:extLst>
     <p:ext uri="{EFAFB233-063F-42B5-8137-9DF3F51BA10A}">
-      <p15:sldGuideLst xmlns:p15="http://schemas.microsoft.com/office/powerpoint/2012/main" xmlns="">
+      <p15:sldGuideLst xmlns="" xmlns:p15="http://schemas.microsoft.com/office/powerpoint/2012/main">
         <p15:guide id="1" orient="horz" pos="2160">
           <p15:clr>
             <a:srgbClr val="A4A3A4"/>
@@ -243,7 +244,7 @@
           <a:p>
             <a:fld id="{B24A7054-7FFB-49F4-A126-5DF6E687FF53}" type="datetimeFigureOut">
               <a:rPr lang="ru-RU" smtClean="0"/>
-              <a:t>13.05.2014</a:t>
+              <a:t>23.09.2014</a:t>
             </a:fld>
             <a:endParaRPr lang="ru-RU"/>
           </a:p>
@@ -1306,7 +1307,7 @@
           <a:p>
             <a:fld id="{8E6E6A2A-E9D3-4A0D-B04A-ABDD367A1E08}" type="datetimeFigureOut">
               <a:rPr lang="ru-RU" smtClean="0"/>
-              <a:t>13.05.2014</a:t>
+              <a:t>23.09.2014</a:t>
             </a:fld>
             <a:endParaRPr lang="ru-RU"/>
           </a:p>
@@ -2754,7 +2755,7 @@
           <a:p>
             <a:fld id="{AC3D3127-B7C4-45E3-9797-C527EC9FDD78}" type="datetimeFigureOut">
               <a:rPr lang="ru-RU" smtClean="0"/>
-              <a:t>13.05.2014</a:t>
+              <a:t>23.09.2014</a:t>
             </a:fld>
             <a:endParaRPr lang="ru-RU"/>
           </a:p>
@@ -33916,11 +33917,7 @@
           <a:p>
             <a:r>
               <a:rPr lang="ru-RU" dirty="0" smtClean="0"/>
-              <a:t>Упрощает работу с БД путем изоляции програмиста от прямого доступа к </a:t>
-            </a:r>
-            <a:r>
-              <a:rPr lang="ru-RU" dirty="0" smtClean="0"/>
-              <a:t>БД</a:t>
+              <a:t>Упрощает работу с БД путем изоляции програмиста от прямого доступа к БД</a:t>
             </a:r>
             <a:endParaRPr lang="en-US" dirty="0" smtClean="0"/>
           </a:p>
@@ -33941,11 +33938,6 @@
               </a:rPr>
               <a:t>PK</a:t>
             </a:r>
-            <a:endParaRPr lang="en-US" dirty="0" smtClean="0">
-              <a:solidFill>
-                <a:srgbClr val="FFFF00"/>
-              </a:solidFill>
-            </a:endParaRPr>
           </a:p>
           <a:p>
             <a:r>
@@ -34558,6 +34550,13 @@
   <p:clrMapOvr>
     <a:masterClrMapping/>
   </p:clrMapOvr>
+  <p:timing>
+    <p:tnLst>
+      <p:par>
+        <p:cTn id="1" dur="indefinite" restart="never" nodeType="tmRoot"/>
+      </p:par>
+    </p:tnLst>
+  </p:timing>
 </p:sld>
 </file>
 
@@ -34747,6 +34746,90 @@
   <p:clrMapOvr>
     <a:masterClrMapping/>
   </p:clrMapOvr>
+  <p:timing>
+    <p:tnLst>
+      <p:par>
+        <p:cTn id="1" dur="indefinite" restart="never" nodeType="tmRoot"/>
+      </p:par>
+    </p:tnLst>
+  </p:timing>
+</p:sld>
+</file>
+
+<file path=ppt/slides/slide37.xml><?xml version="1.0" encoding="utf-8"?>
+<p:sld xmlns:a="http://schemas.openxmlformats.org/drawingml/2006/main" xmlns:r="http://schemas.openxmlformats.org/officeDocument/2006/relationships" xmlns:p="http://schemas.openxmlformats.org/presentationml/2006/main">
+  <p:cSld>
+    <p:bg>
+      <p:bgPr>
+        <a:solidFill>
+          <a:schemeClr val="bg1">
+            <a:lumMod val="85000"/>
+          </a:schemeClr>
+        </a:solidFill>
+        <a:effectLst/>
+      </p:bgPr>
+    </p:bg>
+    <p:spTree>
+      <p:nvGrpSpPr>
+        <p:cNvPr id="1" name=""/>
+        <p:cNvGrpSpPr/>
+        <p:nvPr/>
+      </p:nvGrpSpPr>
+      <p:grpSpPr>
+        <a:xfrm>
+          <a:off x="0" y="0"/>
+          <a:ext cx="0" cy="0"/>
+          <a:chOff x="0" y="0"/>
+          <a:chExt cx="0" cy="0"/>
+        </a:xfrm>
+      </p:grpSpPr>
+      <p:pic>
+        <p:nvPicPr>
+          <p:cNvPr id="4" name="Picture 3"/>
+          <p:cNvPicPr>
+            <a:picLocks noChangeAspect="1"/>
+          </p:cNvPicPr>
+          <p:nvPr/>
+        </p:nvPicPr>
+        <p:blipFill>
+          <a:blip r:embed="rId2">
+            <a:extLst>
+              <a:ext uri="{28A0092B-C50C-407E-A947-70E740481C1C}">
+                <a14:useLocalDpi xmlns:a14="http://schemas.microsoft.com/office/drawing/2010/main" val="0"/>
+              </a:ext>
+            </a:extLst>
+          </a:blip>
+          <a:stretch>
+            <a:fillRect/>
+          </a:stretch>
+        </p:blipFill>
+        <p:spPr>
+          <a:xfrm>
+            <a:off x="343429" y="2127413"/>
+            <a:ext cx="8457143" cy="2603175"/>
+          </a:xfrm>
+          <a:prstGeom prst="rect">
+            <a:avLst/>
+          </a:prstGeom>
+        </p:spPr>
+      </p:pic>
+    </p:spTree>
+    <p:extLst>
+      <p:ext uri="{BB962C8B-B14F-4D97-AF65-F5344CB8AC3E}">
+        <p14:creationId xmlns:p14="http://schemas.microsoft.com/office/powerpoint/2010/main" val="575711658"/>
+      </p:ext>
+    </p:extLst>
+  </p:cSld>
+  <p:clrMapOvr>
+    <a:masterClrMapping/>
+  </p:clrMapOvr>
+  <p:timing>
+    <p:tnLst>
+      <p:par>
+        <p:cTn id="1" dur="indefinite" restart="never" nodeType="tmRoot"/>
+      </p:par>
+    </p:tnLst>
+  </p:timing>
 </p:sld>
 </file>
 

--- a/Presentation/lesson-10-adonet.pptx
+++ b/Presentation/lesson-10-adonet.pptx
@@ -5,7 +5,7 @@
     <p:sldMasterId id="2147483648" r:id="rId1"/>
   </p:sldMasterIdLst>
   <p:notesMasterIdLst>
-    <p:notesMasterId r:id="rId39"/>
+    <p:notesMasterId r:id="rId42"/>
   </p:notesMasterIdLst>
   <p:sldIdLst>
     <p:sldId id="257" r:id="rId2"/>
@@ -40,11 +40,14 @@
     <p:sldId id="288" r:id="rId31"/>
     <p:sldId id="289" r:id="rId32"/>
     <p:sldId id="291" r:id="rId33"/>
-    <p:sldId id="292" r:id="rId34"/>
-    <p:sldId id="295" r:id="rId35"/>
-    <p:sldId id="296" r:id="rId36"/>
-    <p:sldId id="293" r:id="rId37"/>
-    <p:sldId id="297" r:id="rId38"/>
+    <p:sldId id="299" r:id="rId34"/>
+    <p:sldId id="301" r:id="rId35"/>
+    <p:sldId id="300" r:id="rId36"/>
+    <p:sldId id="292" r:id="rId37"/>
+    <p:sldId id="295" r:id="rId38"/>
+    <p:sldId id="296" r:id="rId39"/>
+    <p:sldId id="293" r:id="rId40"/>
+    <p:sldId id="297" r:id="rId41"/>
   </p:sldIdLst>
   <p:sldSz cx="9144000" cy="6858000" type="screen4x3"/>
   <p:notesSz cx="6858000" cy="9144000"/>
@@ -145,7 +148,7 @@
   </p:defaultTextStyle>
   <p:extLst>
     <p:ext uri="{EFAFB233-063F-42B5-8137-9DF3F51BA10A}">
-      <p15:sldGuideLst xmlns="" xmlns:p15="http://schemas.microsoft.com/office/powerpoint/2012/main">
+      <p15:sldGuideLst xmlns:p15="http://schemas.microsoft.com/office/powerpoint/2012/main" xmlns="">
         <p15:guide id="1" orient="horz" pos="2160">
           <p15:clr>
             <a:srgbClr val="A4A3A4"/>
@@ -244,7 +247,7 @@
           <a:p>
             <a:fld id="{B24A7054-7FFB-49F4-A126-5DF6E687FF53}" type="datetimeFigureOut">
               <a:rPr lang="ru-RU" smtClean="0"/>
-              <a:t>23.09.2014</a:t>
+              <a:t>08.02.2015</a:t>
             </a:fld>
             <a:endParaRPr lang="ru-RU"/>
           </a:p>
@@ -1307,7 +1310,7 @@
           <a:p>
             <a:fld id="{8E6E6A2A-E9D3-4A0D-B04A-ABDD367A1E08}" type="datetimeFigureOut">
               <a:rPr lang="ru-RU" smtClean="0"/>
-              <a:t>23.09.2014</a:t>
+              <a:t>08.02.2015</a:t>
             </a:fld>
             <a:endParaRPr lang="ru-RU"/>
           </a:p>
@@ -2755,7 +2758,7 @@
           <a:p>
             <a:fld id="{AC3D3127-B7C4-45E3-9797-C527EC9FDD78}" type="datetimeFigureOut">
               <a:rPr lang="ru-RU" smtClean="0"/>
-              <a:t>23.09.2014</a:t>
+              <a:t>08.02.2015</a:t>
             </a:fld>
             <a:endParaRPr lang="ru-RU"/>
           </a:p>
@@ -34004,10 +34007,2522 @@
   <p:clrMapOvr>
     <a:masterClrMapping/>
   </p:clrMapOvr>
+  <p:timing>
+    <p:tnLst>
+      <p:par>
+        <p:cTn id="1" dur="indefinite" restart="never" nodeType="tmRoot"/>
+      </p:par>
+    </p:tnLst>
+  </p:timing>
 </p:sld>
 </file>
 
 <file path=ppt/slides/slide33.xml><?xml version="1.0" encoding="utf-8"?>
+<p:sld xmlns:a="http://schemas.openxmlformats.org/drawingml/2006/main" xmlns:r="http://schemas.openxmlformats.org/officeDocument/2006/relationships" xmlns:p="http://schemas.openxmlformats.org/presentationml/2006/main">
+  <p:cSld>
+    <p:spTree>
+      <p:nvGrpSpPr>
+        <p:cNvPr id="1" name=""/>
+        <p:cNvGrpSpPr/>
+        <p:nvPr/>
+      </p:nvGrpSpPr>
+      <p:grpSpPr>
+        <a:xfrm>
+          <a:off x="0" y="0"/>
+          <a:ext cx="0" cy="0"/>
+          <a:chOff x="0" y="0"/>
+          <a:chExt cx="0" cy="0"/>
+        </a:xfrm>
+      </p:grpSpPr>
+      <p:sp>
+        <p:nvSpPr>
+          <p:cNvPr id="2" name="Title 1"/>
+          <p:cNvSpPr>
+            <a:spLocks noGrp="1"/>
+          </p:cNvSpPr>
+          <p:nvPr>
+            <p:ph type="title"/>
+          </p:nvPr>
+        </p:nvSpPr>
+        <p:spPr>
+          <a:xfrm>
+            <a:off x="457200" y="274638"/>
+            <a:ext cx="8229600" cy="1143000"/>
+          </a:xfrm>
+        </p:spPr>
+        <p:txBody>
+          <a:bodyPr>
+            <a:noAutofit/>
+          </a:bodyPr>
+          <a:lstStyle/>
+          <a:p>
+            <a:r>
+              <a:rPr lang="ru-RU" sz="3600" dirty="0"/>
+              <a:t>О</a:t>
+            </a:r>
+            <a:r>
+              <a:rPr lang="en-US" sz="3600" dirty="0" smtClean="0"/>
+              <a:t>RM</a:t>
+            </a:r>
+            <a:r>
+              <a:rPr lang="ru-RU" sz="3600" dirty="0" smtClean="0"/>
+              <a:t/>
+            </a:r>
+            <a:br>
+              <a:rPr lang="ru-RU" sz="3600" dirty="0" smtClean="0"/>
+            </a:br>
+            <a:r>
+              <a:rPr lang="ru-RU" sz="3600" dirty="0" smtClean="0"/>
+              <a:t>(объектно-реляционное отображение)</a:t>
+            </a:r>
+            <a:endParaRPr lang="ru-RU" sz="3600" dirty="0"/>
+          </a:p>
+        </p:txBody>
+      </p:sp>
+      <p:pic>
+        <p:nvPicPr>
+          <p:cNvPr id="1027" name="Picture 3"/>
+          <p:cNvPicPr>
+            <a:picLocks noChangeAspect="1" noChangeArrowheads="1"/>
+          </p:cNvPicPr>
+          <p:nvPr/>
+        </p:nvPicPr>
+        <p:blipFill>
+          <a:blip r:embed="rId2">
+            <a:extLst>
+              <a:ext uri="{28A0092B-C50C-407E-A947-70E740481C1C}">
+                <a14:useLocalDpi xmlns:a14="http://schemas.microsoft.com/office/drawing/2010/main" val="0"/>
+              </a:ext>
+            </a:extLst>
+          </a:blip>
+          <a:srcRect/>
+          <a:stretch>
+            <a:fillRect/>
+          </a:stretch>
+        </p:blipFill>
+        <p:spPr bwMode="auto">
+          <a:xfrm>
+            <a:off x="493749" y="1797046"/>
+            <a:ext cx="3124200" cy="3009900"/>
+          </a:xfrm>
+          <a:prstGeom prst="rect">
+            <a:avLst/>
+          </a:prstGeom>
+          <a:noFill/>
+          <a:ln>
+            <a:noFill/>
+          </a:ln>
+          <a:effectLst/>
+          <a:extLst>
+            <a:ext uri="{909E8E84-426E-40DD-AFC4-6F175D3DCCD1}">
+              <a14:hiddenFill xmlns:a14="http://schemas.microsoft.com/office/drawing/2010/main">
+                <a:solidFill>
+                  <a:schemeClr val="accent1"/>
+                </a:solidFill>
+              </a14:hiddenFill>
+            </a:ext>
+            <a:ext uri="{91240B29-F687-4F45-9708-019B960494DF}">
+              <a14:hiddenLine xmlns:a14="http://schemas.microsoft.com/office/drawing/2010/main" w="9525">
+                <a:solidFill>
+                  <a:schemeClr val="tx1"/>
+                </a:solidFill>
+                <a:miter lim="800000"/>
+                <a:headEnd/>
+                <a:tailEnd/>
+              </a14:hiddenLine>
+            </a:ext>
+            <a:ext uri="{AF507438-7753-43E0-B8FC-AC1667EBCBE1}">
+              <a14:hiddenEffects xmlns:a14="http://schemas.microsoft.com/office/drawing/2010/main">
+                <a:effectLst>
+                  <a:outerShdw dist="35921" dir="2700000" algn="ctr" rotWithShape="0">
+                    <a:schemeClr val="bg2"/>
+                  </a:outerShdw>
+                </a:effectLst>
+              </a14:hiddenEffects>
+            </a:ext>
+          </a:extLst>
+        </p:spPr>
+      </p:pic>
+      <p:sp>
+        <p:nvSpPr>
+          <p:cNvPr id="6" name="Rectangle 5"/>
+          <p:cNvSpPr/>
+          <p:nvPr/>
+        </p:nvSpPr>
+        <p:spPr>
+          <a:xfrm>
+            <a:off x="4283968" y="2286333"/>
+            <a:ext cx="4572000" cy="2031325"/>
+          </a:xfrm>
+          <a:prstGeom prst="rect">
+            <a:avLst/>
+          </a:prstGeom>
+          <a:solidFill>
+            <a:schemeClr val="bg1"/>
+          </a:solidFill>
+        </p:spPr>
+        <p:txBody>
+          <a:bodyPr>
+            <a:spAutoFit/>
+          </a:bodyPr>
+          <a:lstStyle/>
+          <a:p>
+            <a:r>
+              <a:rPr lang="en-US" sz="1400" dirty="0">
+                <a:solidFill>
+                  <a:srgbClr val="0000FF"/>
+                </a:solidFill>
+                <a:latin typeface="Consolas"/>
+              </a:rPr>
+              <a:t>class</a:t>
+            </a:r>
+            <a:r>
+              <a:rPr lang="en-US" sz="1400" dirty="0">
+                <a:solidFill>
+                  <a:srgbClr val="000000"/>
+                </a:solidFill>
+                <a:latin typeface="Consolas"/>
+              </a:rPr>
+              <a:t> Person</a:t>
+            </a:r>
+          </a:p>
+          <a:p>
+            <a:r>
+              <a:rPr lang="ru-RU" sz="1400" dirty="0">
+                <a:solidFill>
+                  <a:srgbClr val="000000"/>
+                </a:solidFill>
+                <a:latin typeface="Consolas"/>
+              </a:rPr>
+              <a:t>{</a:t>
+            </a:r>
+          </a:p>
+          <a:p>
+            <a:r>
+              <a:rPr lang="ru-RU" sz="1400" dirty="0" smtClean="0">
+                <a:solidFill>
+                  <a:srgbClr val="0000FF"/>
+                </a:solidFill>
+                <a:latin typeface="Consolas"/>
+              </a:rPr>
+              <a:t>    </a:t>
+            </a:r>
+            <a:r>
+              <a:rPr lang="en-US" sz="1400" dirty="0" smtClean="0">
+                <a:solidFill>
+                  <a:srgbClr val="0000FF"/>
+                </a:solidFill>
+                <a:latin typeface="Consolas"/>
+              </a:rPr>
+              <a:t>public</a:t>
+            </a:r>
+            <a:r>
+              <a:rPr lang="en-US" sz="1400" dirty="0" smtClean="0">
+                <a:solidFill>
+                  <a:srgbClr val="000000"/>
+                </a:solidFill>
+                <a:latin typeface="Consolas"/>
+              </a:rPr>
+              <a:t> </a:t>
+            </a:r>
+            <a:r>
+              <a:rPr lang="en-US" sz="1400" dirty="0" err="1">
+                <a:solidFill>
+                  <a:srgbClr val="0000FF"/>
+                </a:solidFill>
+                <a:latin typeface="Consolas"/>
+              </a:rPr>
+              <a:t>int</a:t>
+            </a:r>
+            <a:r>
+              <a:rPr lang="en-US" sz="1400" dirty="0">
+                <a:solidFill>
+                  <a:srgbClr val="000000"/>
+                </a:solidFill>
+                <a:latin typeface="Consolas"/>
+              </a:rPr>
+              <a:t> </a:t>
+            </a:r>
+            <a:r>
+              <a:rPr lang="en-US" sz="1400" dirty="0" err="1">
+                <a:solidFill>
+                  <a:srgbClr val="000000"/>
+                </a:solidFill>
+                <a:latin typeface="Consolas"/>
+              </a:rPr>
+              <a:t>PersonId</a:t>
+            </a:r>
+            <a:r>
+              <a:rPr lang="en-US" sz="1400" dirty="0">
+                <a:solidFill>
+                  <a:srgbClr val="000000"/>
+                </a:solidFill>
+                <a:latin typeface="Consolas"/>
+              </a:rPr>
+              <a:t> { </a:t>
+            </a:r>
+            <a:r>
+              <a:rPr lang="en-US" sz="1400" dirty="0">
+                <a:solidFill>
+                  <a:srgbClr val="0000FF"/>
+                </a:solidFill>
+                <a:latin typeface="Consolas"/>
+              </a:rPr>
+              <a:t>get</a:t>
+            </a:r>
+            <a:r>
+              <a:rPr lang="en-US" sz="1400" dirty="0">
+                <a:solidFill>
+                  <a:srgbClr val="000000"/>
+                </a:solidFill>
+                <a:latin typeface="Consolas"/>
+              </a:rPr>
+              <a:t>; </a:t>
+            </a:r>
+            <a:r>
+              <a:rPr lang="en-US" sz="1400" dirty="0">
+                <a:solidFill>
+                  <a:srgbClr val="0000FF"/>
+                </a:solidFill>
+                <a:latin typeface="Consolas"/>
+              </a:rPr>
+              <a:t>set</a:t>
+            </a:r>
+            <a:r>
+              <a:rPr lang="en-US" sz="1400" dirty="0">
+                <a:solidFill>
+                  <a:srgbClr val="000000"/>
+                </a:solidFill>
+                <a:latin typeface="Consolas"/>
+              </a:rPr>
+              <a:t>; }</a:t>
+            </a:r>
+          </a:p>
+          <a:p>
+            <a:r>
+              <a:rPr lang="ru-RU" sz="1400" dirty="0" smtClean="0">
+                <a:solidFill>
+                  <a:srgbClr val="0000FF"/>
+                </a:solidFill>
+                <a:latin typeface="Consolas"/>
+              </a:rPr>
+              <a:t>    </a:t>
+            </a:r>
+            <a:r>
+              <a:rPr lang="en-US" sz="1400" dirty="0" smtClean="0">
+                <a:solidFill>
+                  <a:srgbClr val="0000FF"/>
+                </a:solidFill>
+                <a:latin typeface="Consolas"/>
+              </a:rPr>
+              <a:t>public</a:t>
+            </a:r>
+            <a:r>
+              <a:rPr lang="en-US" sz="1400" dirty="0" smtClean="0">
+                <a:solidFill>
+                  <a:srgbClr val="000000"/>
+                </a:solidFill>
+                <a:latin typeface="Consolas"/>
+              </a:rPr>
+              <a:t> </a:t>
+            </a:r>
+            <a:r>
+              <a:rPr lang="en-US" sz="1400" dirty="0">
+                <a:solidFill>
+                  <a:srgbClr val="0000FF"/>
+                </a:solidFill>
+                <a:latin typeface="Consolas"/>
+              </a:rPr>
+              <a:t>string</a:t>
+            </a:r>
+            <a:r>
+              <a:rPr lang="en-US" sz="1400" dirty="0">
+                <a:solidFill>
+                  <a:srgbClr val="000000"/>
+                </a:solidFill>
+                <a:latin typeface="Consolas"/>
+              </a:rPr>
+              <a:t> </a:t>
+            </a:r>
+            <a:r>
+              <a:rPr lang="en-US" sz="1400" dirty="0" err="1">
+                <a:solidFill>
+                  <a:srgbClr val="000000"/>
+                </a:solidFill>
+                <a:latin typeface="Consolas"/>
+              </a:rPr>
+              <a:t>FirstName</a:t>
+            </a:r>
+            <a:r>
+              <a:rPr lang="en-US" sz="1400" dirty="0">
+                <a:solidFill>
+                  <a:srgbClr val="000000"/>
+                </a:solidFill>
+                <a:latin typeface="Consolas"/>
+              </a:rPr>
+              <a:t> { </a:t>
+            </a:r>
+            <a:r>
+              <a:rPr lang="en-US" sz="1400" dirty="0">
+                <a:solidFill>
+                  <a:srgbClr val="0000FF"/>
+                </a:solidFill>
+                <a:latin typeface="Consolas"/>
+              </a:rPr>
+              <a:t>get</a:t>
+            </a:r>
+            <a:r>
+              <a:rPr lang="en-US" sz="1400" dirty="0">
+                <a:solidFill>
+                  <a:srgbClr val="000000"/>
+                </a:solidFill>
+                <a:latin typeface="Consolas"/>
+              </a:rPr>
+              <a:t>; </a:t>
+            </a:r>
+            <a:r>
+              <a:rPr lang="en-US" sz="1400" dirty="0">
+                <a:solidFill>
+                  <a:srgbClr val="0000FF"/>
+                </a:solidFill>
+                <a:latin typeface="Consolas"/>
+              </a:rPr>
+              <a:t>set</a:t>
+            </a:r>
+            <a:r>
+              <a:rPr lang="en-US" sz="1400" dirty="0">
+                <a:solidFill>
+                  <a:srgbClr val="000000"/>
+                </a:solidFill>
+                <a:latin typeface="Consolas"/>
+              </a:rPr>
+              <a:t>; }</a:t>
+            </a:r>
+          </a:p>
+          <a:p>
+            <a:r>
+              <a:rPr lang="ru-RU" sz="1400" dirty="0" smtClean="0">
+                <a:solidFill>
+                  <a:srgbClr val="0000FF"/>
+                </a:solidFill>
+                <a:latin typeface="Consolas"/>
+              </a:rPr>
+              <a:t>    </a:t>
+            </a:r>
+            <a:r>
+              <a:rPr lang="en-US" sz="1400" dirty="0" smtClean="0">
+                <a:solidFill>
+                  <a:srgbClr val="0000FF"/>
+                </a:solidFill>
+                <a:latin typeface="Consolas"/>
+              </a:rPr>
+              <a:t>public</a:t>
+            </a:r>
+            <a:r>
+              <a:rPr lang="en-US" sz="1400" dirty="0" smtClean="0">
+                <a:solidFill>
+                  <a:srgbClr val="000000"/>
+                </a:solidFill>
+                <a:latin typeface="Consolas"/>
+              </a:rPr>
+              <a:t> </a:t>
+            </a:r>
+            <a:r>
+              <a:rPr lang="en-US" sz="1400" dirty="0">
+                <a:solidFill>
+                  <a:srgbClr val="0000FF"/>
+                </a:solidFill>
+                <a:latin typeface="Consolas"/>
+              </a:rPr>
+              <a:t>string</a:t>
+            </a:r>
+            <a:r>
+              <a:rPr lang="en-US" sz="1400" dirty="0">
+                <a:solidFill>
+                  <a:srgbClr val="000000"/>
+                </a:solidFill>
+                <a:latin typeface="Consolas"/>
+              </a:rPr>
+              <a:t> </a:t>
+            </a:r>
+            <a:r>
+              <a:rPr lang="en-US" sz="1400" dirty="0" err="1">
+                <a:solidFill>
+                  <a:srgbClr val="000000"/>
+                </a:solidFill>
+                <a:latin typeface="Consolas"/>
+              </a:rPr>
+              <a:t>LastName</a:t>
+            </a:r>
+            <a:r>
+              <a:rPr lang="en-US" sz="1400" dirty="0">
+                <a:solidFill>
+                  <a:srgbClr val="000000"/>
+                </a:solidFill>
+                <a:latin typeface="Consolas"/>
+              </a:rPr>
+              <a:t> { </a:t>
+            </a:r>
+            <a:r>
+              <a:rPr lang="en-US" sz="1400" dirty="0">
+                <a:solidFill>
+                  <a:srgbClr val="0000FF"/>
+                </a:solidFill>
+                <a:latin typeface="Consolas"/>
+              </a:rPr>
+              <a:t>get</a:t>
+            </a:r>
+            <a:r>
+              <a:rPr lang="en-US" sz="1400" dirty="0">
+                <a:solidFill>
+                  <a:srgbClr val="000000"/>
+                </a:solidFill>
+                <a:latin typeface="Consolas"/>
+              </a:rPr>
+              <a:t>; </a:t>
+            </a:r>
+            <a:r>
+              <a:rPr lang="en-US" sz="1400" dirty="0">
+                <a:solidFill>
+                  <a:srgbClr val="0000FF"/>
+                </a:solidFill>
+                <a:latin typeface="Consolas"/>
+              </a:rPr>
+              <a:t>set</a:t>
+            </a:r>
+            <a:r>
+              <a:rPr lang="en-US" sz="1400" dirty="0">
+                <a:solidFill>
+                  <a:srgbClr val="000000"/>
+                </a:solidFill>
+                <a:latin typeface="Consolas"/>
+              </a:rPr>
+              <a:t>; }</a:t>
+            </a:r>
+          </a:p>
+          <a:p>
+            <a:r>
+              <a:rPr lang="ru-RU" sz="1400" dirty="0" smtClean="0">
+                <a:solidFill>
+                  <a:srgbClr val="0000FF"/>
+                </a:solidFill>
+                <a:latin typeface="Consolas"/>
+              </a:rPr>
+              <a:t>    </a:t>
+            </a:r>
+            <a:r>
+              <a:rPr lang="en-US" sz="1400" dirty="0" smtClean="0">
+                <a:solidFill>
+                  <a:srgbClr val="0000FF"/>
+                </a:solidFill>
+                <a:latin typeface="Consolas"/>
+              </a:rPr>
+              <a:t>public</a:t>
+            </a:r>
+            <a:r>
+              <a:rPr lang="en-US" sz="1400" dirty="0" smtClean="0">
+                <a:solidFill>
+                  <a:srgbClr val="000000"/>
+                </a:solidFill>
+                <a:latin typeface="Consolas"/>
+              </a:rPr>
+              <a:t> </a:t>
+            </a:r>
+            <a:r>
+              <a:rPr lang="en-US" sz="1400" dirty="0">
+                <a:solidFill>
+                  <a:srgbClr val="0000FF"/>
+                </a:solidFill>
+                <a:latin typeface="Consolas"/>
+              </a:rPr>
+              <a:t>byte</a:t>
+            </a:r>
+            <a:r>
+              <a:rPr lang="en-US" sz="1400" dirty="0">
+                <a:solidFill>
+                  <a:srgbClr val="000000"/>
+                </a:solidFill>
+                <a:latin typeface="Consolas"/>
+              </a:rPr>
+              <a:t> Gender { </a:t>
+            </a:r>
+            <a:r>
+              <a:rPr lang="en-US" sz="1400" dirty="0">
+                <a:solidFill>
+                  <a:srgbClr val="0000FF"/>
+                </a:solidFill>
+                <a:latin typeface="Consolas"/>
+              </a:rPr>
+              <a:t>get</a:t>
+            </a:r>
+            <a:r>
+              <a:rPr lang="en-US" sz="1400" dirty="0">
+                <a:solidFill>
+                  <a:srgbClr val="000000"/>
+                </a:solidFill>
+                <a:latin typeface="Consolas"/>
+              </a:rPr>
+              <a:t>; </a:t>
+            </a:r>
+            <a:r>
+              <a:rPr lang="en-US" sz="1400" dirty="0">
+                <a:solidFill>
+                  <a:srgbClr val="0000FF"/>
+                </a:solidFill>
+                <a:latin typeface="Consolas"/>
+              </a:rPr>
+              <a:t>set</a:t>
+            </a:r>
+            <a:r>
+              <a:rPr lang="en-US" sz="1400" dirty="0">
+                <a:solidFill>
+                  <a:srgbClr val="000000"/>
+                </a:solidFill>
+                <a:latin typeface="Consolas"/>
+              </a:rPr>
+              <a:t>; }</a:t>
+            </a:r>
+          </a:p>
+          <a:p>
+            <a:r>
+              <a:rPr lang="ru-RU" sz="1400" dirty="0" smtClean="0">
+                <a:solidFill>
+                  <a:srgbClr val="0000FF"/>
+                </a:solidFill>
+                <a:latin typeface="Consolas"/>
+              </a:rPr>
+              <a:t>    </a:t>
+            </a:r>
+            <a:r>
+              <a:rPr lang="en-US" sz="1400" dirty="0" smtClean="0">
+                <a:solidFill>
+                  <a:srgbClr val="0000FF"/>
+                </a:solidFill>
+                <a:latin typeface="Consolas"/>
+              </a:rPr>
+              <a:t>public</a:t>
+            </a:r>
+            <a:r>
+              <a:rPr lang="en-US" sz="1400" dirty="0" smtClean="0">
+                <a:solidFill>
+                  <a:srgbClr val="000000"/>
+                </a:solidFill>
+                <a:latin typeface="Consolas"/>
+              </a:rPr>
+              <a:t> </a:t>
+            </a:r>
+            <a:r>
+              <a:rPr lang="en-US" sz="1400" dirty="0" err="1">
+                <a:solidFill>
+                  <a:srgbClr val="000000"/>
+                </a:solidFill>
+                <a:latin typeface="Consolas"/>
+              </a:rPr>
+              <a:t>DateTime</a:t>
+            </a:r>
+            <a:r>
+              <a:rPr lang="en-US" sz="1400" dirty="0">
+                <a:solidFill>
+                  <a:srgbClr val="000000"/>
+                </a:solidFill>
+                <a:latin typeface="Consolas"/>
+              </a:rPr>
+              <a:t> </a:t>
+            </a:r>
+            <a:r>
+              <a:rPr lang="en-US" sz="1400" dirty="0" err="1">
+                <a:solidFill>
+                  <a:srgbClr val="000000"/>
+                </a:solidFill>
+                <a:latin typeface="Consolas"/>
+              </a:rPr>
+              <a:t>BirthDate</a:t>
+            </a:r>
+            <a:r>
+              <a:rPr lang="en-US" sz="1400" dirty="0">
+                <a:solidFill>
+                  <a:srgbClr val="000000"/>
+                </a:solidFill>
+                <a:latin typeface="Consolas"/>
+              </a:rPr>
+              <a:t> { </a:t>
+            </a:r>
+            <a:r>
+              <a:rPr lang="en-US" sz="1400" dirty="0">
+                <a:solidFill>
+                  <a:srgbClr val="0000FF"/>
+                </a:solidFill>
+                <a:latin typeface="Consolas"/>
+              </a:rPr>
+              <a:t>get</a:t>
+            </a:r>
+            <a:r>
+              <a:rPr lang="en-US" sz="1400" dirty="0">
+                <a:solidFill>
+                  <a:srgbClr val="000000"/>
+                </a:solidFill>
+                <a:latin typeface="Consolas"/>
+              </a:rPr>
+              <a:t>; </a:t>
+            </a:r>
+            <a:r>
+              <a:rPr lang="en-US" sz="1400" dirty="0">
+                <a:solidFill>
+                  <a:srgbClr val="0000FF"/>
+                </a:solidFill>
+                <a:latin typeface="Consolas"/>
+              </a:rPr>
+              <a:t>set</a:t>
+            </a:r>
+            <a:r>
+              <a:rPr lang="en-US" sz="1400" dirty="0">
+                <a:solidFill>
+                  <a:srgbClr val="000000"/>
+                </a:solidFill>
+                <a:latin typeface="Consolas"/>
+              </a:rPr>
+              <a:t>; }</a:t>
+            </a:r>
+          </a:p>
+          <a:p>
+            <a:r>
+              <a:rPr lang="ru-RU" sz="1400" dirty="0" smtClean="0">
+                <a:solidFill>
+                  <a:srgbClr val="0000FF"/>
+                </a:solidFill>
+                <a:latin typeface="Consolas"/>
+              </a:rPr>
+              <a:t>    </a:t>
+            </a:r>
+            <a:r>
+              <a:rPr lang="en-US" sz="1400" dirty="0" smtClean="0">
+                <a:solidFill>
+                  <a:srgbClr val="0000FF"/>
+                </a:solidFill>
+                <a:latin typeface="Consolas"/>
+              </a:rPr>
+              <a:t>public</a:t>
+            </a:r>
+            <a:r>
+              <a:rPr lang="en-US" sz="1400" dirty="0" smtClean="0">
+                <a:solidFill>
+                  <a:srgbClr val="000000"/>
+                </a:solidFill>
+                <a:latin typeface="Consolas"/>
+              </a:rPr>
+              <a:t> </a:t>
+            </a:r>
+            <a:r>
+              <a:rPr lang="en-US" sz="1400" dirty="0">
+                <a:solidFill>
+                  <a:srgbClr val="0000FF"/>
+                </a:solidFill>
+                <a:latin typeface="Consolas"/>
+              </a:rPr>
+              <a:t>string</a:t>
+            </a:r>
+            <a:r>
+              <a:rPr lang="en-US" sz="1400" dirty="0">
+                <a:solidFill>
+                  <a:srgbClr val="000000"/>
+                </a:solidFill>
+                <a:latin typeface="Consolas"/>
+              </a:rPr>
+              <a:t> </a:t>
+            </a:r>
+            <a:r>
+              <a:rPr lang="en-US" sz="1400" dirty="0" err="1">
+                <a:solidFill>
+                  <a:srgbClr val="000000"/>
+                </a:solidFill>
+                <a:latin typeface="Consolas"/>
+              </a:rPr>
+              <a:t>PhoneNumber</a:t>
+            </a:r>
+            <a:r>
+              <a:rPr lang="en-US" sz="1400" dirty="0">
+                <a:solidFill>
+                  <a:srgbClr val="000000"/>
+                </a:solidFill>
+                <a:latin typeface="Consolas"/>
+              </a:rPr>
+              <a:t> { </a:t>
+            </a:r>
+            <a:r>
+              <a:rPr lang="en-US" sz="1400" dirty="0">
+                <a:solidFill>
+                  <a:srgbClr val="0000FF"/>
+                </a:solidFill>
+                <a:latin typeface="Consolas"/>
+              </a:rPr>
+              <a:t>get</a:t>
+            </a:r>
+            <a:r>
+              <a:rPr lang="en-US" sz="1400" dirty="0">
+                <a:solidFill>
+                  <a:srgbClr val="000000"/>
+                </a:solidFill>
+                <a:latin typeface="Consolas"/>
+              </a:rPr>
+              <a:t>; </a:t>
+            </a:r>
+            <a:r>
+              <a:rPr lang="en-US" sz="1400" dirty="0">
+                <a:solidFill>
+                  <a:srgbClr val="0000FF"/>
+                </a:solidFill>
+                <a:latin typeface="Consolas"/>
+              </a:rPr>
+              <a:t>set</a:t>
+            </a:r>
+            <a:r>
+              <a:rPr lang="en-US" sz="1400" dirty="0">
+                <a:solidFill>
+                  <a:srgbClr val="000000"/>
+                </a:solidFill>
+                <a:latin typeface="Consolas"/>
+              </a:rPr>
+              <a:t>; }</a:t>
+            </a:r>
+          </a:p>
+          <a:p>
+            <a:r>
+              <a:rPr lang="ru-RU" sz="1400" dirty="0">
+                <a:solidFill>
+                  <a:srgbClr val="000000"/>
+                </a:solidFill>
+                <a:latin typeface="Consolas"/>
+              </a:rPr>
+              <a:t>}</a:t>
+            </a:r>
+          </a:p>
+        </p:txBody>
+      </p:sp>
+      <p:sp>
+        <p:nvSpPr>
+          <p:cNvPr id="7" name="Left-Right Arrow 6"/>
+          <p:cNvSpPr/>
+          <p:nvPr/>
+        </p:nvSpPr>
+        <p:spPr>
+          <a:xfrm>
+            <a:off x="3355848" y="3059680"/>
+            <a:ext cx="1216152" cy="484632"/>
+          </a:xfrm>
+          <a:prstGeom prst="leftRightArrow">
+            <a:avLst/>
+          </a:prstGeom>
+          <a:solidFill>
+            <a:srgbClr val="FF0000"/>
+          </a:solidFill>
+        </p:spPr>
+        <p:style>
+          <a:lnRef idx="2">
+            <a:schemeClr val="accent1">
+              <a:shade val="50000"/>
+            </a:schemeClr>
+          </a:lnRef>
+          <a:fillRef idx="1">
+            <a:schemeClr val="accent1"/>
+          </a:fillRef>
+          <a:effectRef idx="0">
+            <a:schemeClr val="accent1"/>
+          </a:effectRef>
+          <a:fontRef idx="minor">
+            <a:schemeClr val="lt1"/>
+          </a:fontRef>
+        </p:style>
+        <p:txBody>
+          <a:bodyPr rtlCol="0" anchor="ctr"/>
+          <a:lstStyle/>
+          <a:p>
+            <a:pPr algn="ctr"/>
+            <a:endParaRPr lang="ru-RU">
+              <a:solidFill>
+                <a:srgbClr val="FF0000"/>
+              </a:solidFill>
+            </a:endParaRPr>
+          </a:p>
+        </p:txBody>
+      </p:sp>
+      <p:sp>
+        <p:nvSpPr>
+          <p:cNvPr id="8" name="TextBox 7"/>
+          <p:cNvSpPr txBox="1"/>
+          <p:nvPr/>
+        </p:nvSpPr>
+        <p:spPr>
+          <a:xfrm>
+            <a:off x="457200" y="5085184"/>
+            <a:ext cx="8398768" cy="1569660"/>
+          </a:xfrm>
+          <a:prstGeom prst="rect">
+            <a:avLst/>
+          </a:prstGeom>
+          <a:noFill/>
+        </p:spPr>
+        <p:txBody>
+          <a:bodyPr wrap="square" rtlCol="0">
+            <a:spAutoFit/>
+          </a:bodyPr>
+          <a:lstStyle/>
+          <a:p>
+            <a:r>
+              <a:rPr lang="ru-RU" sz="3200" dirty="0" smtClean="0"/>
+              <a:t>Таблице из реляционной БД ставим в соответствие класс. Тогда данные из таблицы можно представить как </a:t>
+            </a:r>
+            <a:r>
+              <a:rPr lang="en-US" sz="3200" dirty="0" smtClean="0"/>
+              <a:t>List&lt;Person</a:t>
+            </a:r>
+            <a:r>
+              <a:rPr lang="en-US" sz="3200" dirty="0" smtClean="0"/>
+              <a:t>&gt;.</a:t>
+            </a:r>
+            <a:endParaRPr lang="ru-RU" sz="3200" dirty="0" smtClean="0"/>
+          </a:p>
+        </p:txBody>
+      </p:sp>
+    </p:spTree>
+    <p:extLst>
+      <p:ext uri="{BB962C8B-B14F-4D97-AF65-F5344CB8AC3E}">
+        <p14:creationId xmlns:p14="http://schemas.microsoft.com/office/powerpoint/2010/main" val="3709546573"/>
+      </p:ext>
+    </p:extLst>
+  </p:cSld>
+  <p:clrMapOvr>
+    <a:masterClrMapping/>
+  </p:clrMapOvr>
+  <p:timing>
+    <p:tnLst>
+      <p:par>
+        <p:cTn id="1" dur="indefinite" restart="never" nodeType="tmRoot"/>
+      </p:par>
+    </p:tnLst>
+  </p:timing>
+</p:sld>
+</file>
+
+<file path=ppt/slides/slide34.xml><?xml version="1.0" encoding="utf-8"?>
+<p:sld xmlns:a="http://schemas.openxmlformats.org/drawingml/2006/main" xmlns:r="http://schemas.openxmlformats.org/officeDocument/2006/relationships" xmlns:p="http://schemas.openxmlformats.org/presentationml/2006/main">
+  <p:cSld>
+    <p:spTree>
+      <p:nvGrpSpPr>
+        <p:cNvPr id="1" name=""/>
+        <p:cNvGrpSpPr/>
+        <p:nvPr/>
+      </p:nvGrpSpPr>
+      <p:grpSpPr>
+        <a:xfrm>
+          <a:off x="0" y="0"/>
+          <a:ext cx="0" cy="0"/>
+          <a:chOff x="0" y="0"/>
+          <a:chExt cx="0" cy="0"/>
+        </a:xfrm>
+      </p:grpSpPr>
+      <p:sp>
+        <p:nvSpPr>
+          <p:cNvPr id="2" name="Title 1"/>
+          <p:cNvSpPr>
+            <a:spLocks noGrp="1"/>
+          </p:cNvSpPr>
+          <p:nvPr>
+            <p:ph type="title"/>
+          </p:nvPr>
+        </p:nvSpPr>
+        <p:spPr/>
+        <p:txBody>
+          <a:bodyPr>
+            <a:noAutofit/>
+          </a:bodyPr>
+          <a:lstStyle/>
+          <a:p>
+            <a:r>
+              <a:rPr lang="ru-RU" sz="3600" dirty="0"/>
+              <a:t>О</a:t>
+            </a:r>
+            <a:r>
+              <a:rPr lang="en-US" sz="3600" dirty="0" smtClean="0"/>
+              <a:t>RM</a:t>
+            </a:r>
+            <a:r>
+              <a:rPr lang="ru-RU" sz="3600" dirty="0" smtClean="0"/>
+              <a:t/>
+            </a:r>
+            <a:br>
+              <a:rPr lang="ru-RU" sz="3600" dirty="0" smtClean="0"/>
+            </a:br>
+            <a:r>
+              <a:rPr lang="ru-RU" sz="3600" dirty="0" smtClean="0"/>
+              <a:t>(объектно-реляционное отображение)</a:t>
+            </a:r>
+            <a:endParaRPr lang="ru-RU" sz="3600" dirty="0"/>
+          </a:p>
+        </p:txBody>
+      </p:sp>
+      <p:pic>
+        <p:nvPicPr>
+          <p:cNvPr id="2052" name="Picture 4"/>
+          <p:cNvPicPr>
+            <a:picLocks noChangeAspect="1" noChangeArrowheads="1"/>
+          </p:cNvPicPr>
+          <p:nvPr/>
+        </p:nvPicPr>
+        <p:blipFill>
+          <a:blip r:embed="rId2">
+            <a:extLst>
+              <a:ext uri="{28A0092B-C50C-407E-A947-70E740481C1C}">
+                <a14:useLocalDpi xmlns:a14="http://schemas.microsoft.com/office/drawing/2010/main" val="0"/>
+              </a:ext>
+            </a:extLst>
+          </a:blip>
+          <a:srcRect/>
+          <a:stretch>
+            <a:fillRect/>
+          </a:stretch>
+        </p:blipFill>
+        <p:spPr bwMode="auto">
+          <a:xfrm>
+            <a:off x="539552" y="1628800"/>
+            <a:ext cx="2869331" cy="4652659"/>
+          </a:xfrm>
+          <a:prstGeom prst="rect">
+            <a:avLst/>
+          </a:prstGeom>
+          <a:noFill/>
+          <a:ln>
+            <a:noFill/>
+          </a:ln>
+          <a:effectLst/>
+          <a:extLst>
+            <a:ext uri="{909E8E84-426E-40DD-AFC4-6F175D3DCCD1}">
+              <a14:hiddenFill xmlns:a14="http://schemas.microsoft.com/office/drawing/2010/main">
+                <a:solidFill>
+                  <a:schemeClr val="accent1"/>
+                </a:solidFill>
+              </a14:hiddenFill>
+            </a:ext>
+            <a:ext uri="{91240B29-F687-4F45-9708-019B960494DF}">
+              <a14:hiddenLine xmlns:a14="http://schemas.microsoft.com/office/drawing/2010/main" w="9525">
+                <a:solidFill>
+                  <a:schemeClr val="tx1"/>
+                </a:solidFill>
+                <a:miter lim="800000"/>
+                <a:headEnd/>
+                <a:tailEnd/>
+              </a14:hiddenLine>
+            </a:ext>
+            <a:ext uri="{AF507438-7753-43E0-B8FC-AC1667EBCBE1}">
+              <a14:hiddenEffects xmlns:a14="http://schemas.microsoft.com/office/drawing/2010/main">
+                <a:effectLst>
+                  <a:outerShdw dist="35921" dir="2700000" algn="ctr" rotWithShape="0">
+                    <a:schemeClr val="bg2"/>
+                  </a:outerShdw>
+                </a:effectLst>
+              </a14:hiddenEffects>
+            </a:ext>
+          </a:extLst>
+        </p:spPr>
+      </p:pic>
+      <p:sp>
+        <p:nvSpPr>
+          <p:cNvPr id="6" name="Rectangle 5"/>
+          <p:cNvSpPr/>
+          <p:nvPr/>
+        </p:nvSpPr>
+        <p:spPr>
+          <a:xfrm>
+            <a:off x="3995936" y="2091620"/>
+            <a:ext cx="4788024" cy="3785652"/>
+          </a:xfrm>
+          <a:prstGeom prst="rect">
+            <a:avLst/>
+          </a:prstGeom>
+          <a:solidFill>
+            <a:schemeClr val="bg1"/>
+          </a:solidFill>
+        </p:spPr>
+        <p:txBody>
+          <a:bodyPr wrap="square">
+            <a:spAutoFit/>
+          </a:bodyPr>
+          <a:lstStyle/>
+          <a:p>
+            <a:r>
+              <a:rPr lang="en-US" sz="1200" dirty="0">
+                <a:solidFill>
+                  <a:srgbClr val="0000FF"/>
+                </a:solidFill>
+                <a:latin typeface="Consolas"/>
+              </a:rPr>
+              <a:t>class</a:t>
+            </a:r>
+            <a:r>
+              <a:rPr lang="en-US" sz="1200" dirty="0">
+                <a:solidFill>
+                  <a:srgbClr val="000000"/>
+                </a:solidFill>
+                <a:latin typeface="Consolas"/>
+              </a:rPr>
+              <a:t> Person</a:t>
+            </a:r>
+          </a:p>
+          <a:p>
+            <a:r>
+              <a:rPr lang="ru-RU" sz="1200" dirty="0">
+                <a:solidFill>
+                  <a:srgbClr val="000000"/>
+                </a:solidFill>
+                <a:latin typeface="Consolas"/>
+              </a:rPr>
+              <a:t>{</a:t>
+            </a:r>
+          </a:p>
+          <a:p>
+            <a:r>
+              <a:rPr lang="ru-RU" sz="1200" dirty="0" smtClean="0">
+                <a:solidFill>
+                  <a:srgbClr val="0000FF"/>
+                </a:solidFill>
+                <a:latin typeface="Consolas"/>
+              </a:rPr>
+              <a:t>    </a:t>
+            </a:r>
+            <a:r>
+              <a:rPr lang="en-US" sz="1200" dirty="0" smtClean="0">
+                <a:solidFill>
+                  <a:srgbClr val="0000FF"/>
+                </a:solidFill>
+                <a:latin typeface="Consolas"/>
+              </a:rPr>
+              <a:t>public</a:t>
+            </a:r>
+            <a:r>
+              <a:rPr lang="en-US" sz="1200" dirty="0" smtClean="0">
+                <a:solidFill>
+                  <a:srgbClr val="000000"/>
+                </a:solidFill>
+                <a:latin typeface="Consolas"/>
+              </a:rPr>
+              <a:t> </a:t>
+            </a:r>
+            <a:r>
+              <a:rPr lang="en-US" sz="1200" dirty="0" err="1">
+                <a:solidFill>
+                  <a:srgbClr val="0000FF"/>
+                </a:solidFill>
+                <a:latin typeface="Consolas"/>
+              </a:rPr>
+              <a:t>int</a:t>
+            </a:r>
+            <a:r>
+              <a:rPr lang="en-US" sz="1200" dirty="0">
+                <a:solidFill>
+                  <a:srgbClr val="000000"/>
+                </a:solidFill>
+                <a:latin typeface="Consolas"/>
+              </a:rPr>
+              <a:t> </a:t>
+            </a:r>
+            <a:r>
+              <a:rPr lang="en-US" sz="1200" dirty="0" err="1">
+                <a:solidFill>
+                  <a:srgbClr val="000000"/>
+                </a:solidFill>
+                <a:latin typeface="Consolas"/>
+              </a:rPr>
+              <a:t>PersonId</a:t>
+            </a:r>
+            <a:r>
+              <a:rPr lang="en-US" sz="1200" dirty="0">
+                <a:solidFill>
+                  <a:srgbClr val="000000"/>
+                </a:solidFill>
+                <a:latin typeface="Consolas"/>
+              </a:rPr>
+              <a:t> { </a:t>
+            </a:r>
+            <a:r>
+              <a:rPr lang="en-US" sz="1200" dirty="0">
+                <a:solidFill>
+                  <a:srgbClr val="0000FF"/>
+                </a:solidFill>
+                <a:latin typeface="Consolas"/>
+              </a:rPr>
+              <a:t>get</a:t>
+            </a:r>
+            <a:r>
+              <a:rPr lang="en-US" sz="1200" dirty="0">
+                <a:solidFill>
+                  <a:srgbClr val="000000"/>
+                </a:solidFill>
+                <a:latin typeface="Consolas"/>
+              </a:rPr>
+              <a:t>; </a:t>
+            </a:r>
+            <a:r>
+              <a:rPr lang="en-US" sz="1200" dirty="0">
+                <a:solidFill>
+                  <a:srgbClr val="0000FF"/>
+                </a:solidFill>
+                <a:latin typeface="Consolas"/>
+              </a:rPr>
+              <a:t>set</a:t>
+            </a:r>
+            <a:r>
+              <a:rPr lang="en-US" sz="1200" dirty="0">
+                <a:solidFill>
+                  <a:srgbClr val="000000"/>
+                </a:solidFill>
+                <a:latin typeface="Consolas"/>
+              </a:rPr>
+              <a:t>; }</a:t>
+            </a:r>
+          </a:p>
+          <a:p>
+            <a:r>
+              <a:rPr lang="ru-RU" sz="1200" dirty="0" smtClean="0">
+                <a:solidFill>
+                  <a:srgbClr val="0000FF"/>
+                </a:solidFill>
+                <a:latin typeface="Consolas"/>
+              </a:rPr>
+              <a:t>    </a:t>
+            </a:r>
+            <a:r>
+              <a:rPr lang="en-US" sz="1200" dirty="0" smtClean="0">
+                <a:solidFill>
+                  <a:srgbClr val="0000FF"/>
+                </a:solidFill>
+                <a:latin typeface="Consolas"/>
+              </a:rPr>
+              <a:t>public</a:t>
+            </a:r>
+            <a:r>
+              <a:rPr lang="en-US" sz="1200" dirty="0" smtClean="0">
+                <a:solidFill>
+                  <a:srgbClr val="000000"/>
+                </a:solidFill>
+                <a:latin typeface="Consolas"/>
+              </a:rPr>
+              <a:t> </a:t>
+            </a:r>
+            <a:r>
+              <a:rPr lang="en-US" sz="1200" dirty="0">
+                <a:solidFill>
+                  <a:srgbClr val="0000FF"/>
+                </a:solidFill>
+                <a:latin typeface="Consolas"/>
+              </a:rPr>
+              <a:t>string</a:t>
+            </a:r>
+            <a:r>
+              <a:rPr lang="en-US" sz="1200" dirty="0">
+                <a:solidFill>
+                  <a:srgbClr val="000000"/>
+                </a:solidFill>
+                <a:latin typeface="Consolas"/>
+              </a:rPr>
+              <a:t> </a:t>
+            </a:r>
+            <a:r>
+              <a:rPr lang="en-US" sz="1200" dirty="0" err="1">
+                <a:solidFill>
+                  <a:srgbClr val="000000"/>
+                </a:solidFill>
+                <a:latin typeface="Consolas"/>
+              </a:rPr>
+              <a:t>FirstName</a:t>
+            </a:r>
+            <a:r>
+              <a:rPr lang="en-US" sz="1200" dirty="0">
+                <a:solidFill>
+                  <a:srgbClr val="000000"/>
+                </a:solidFill>
+                <a:latin typeface="Consolas"/>
+              </a:rPr>
+              <a:t> { </a:t>
+            </a:r>
+            <a:r>
+              <a:rPr lang="en-US" sz="1200" dirty="0">
+                <a:solidFill>
+                  <a:srgbClr val="0000FF"/>
+                </a:solidFill>
+                <a:latin typeface="Consolas"/>
+              </a:rPr>
+              <a:t>get</a:t>
+            </a:r>
+            <a:r>
+              <a:rPr lang="en-US" sz="1200" dirty="0">
+                <a:solidFill>
+                  <a:srgbClr val="000000"/>
+                </a:solidFill>
+                <a:latin typeface="Consolas"/>
+              </a:rPr>
+              <a:t>; </a:t>
+            </a:r>
+            <a:r>
+              <a:rPr lang="en-US" sz="1200" dirty="0">
+                <a:solidFill>
+                  <a:srgbClr val="0000FF"/>
+                </a:solidFill>
+                <a:latin typeface="Consolas"/>
+              </a:rPr>
+              <a:t>set</a:t>
+            </a:r>
+            <a:r>
+              <a:rPr lang="en-US" sz="1200" dirty="0">
+                <a:solidFill>
+                  <a:srgbClr val="000000"/>
+                </a:solidFill>
+                <a:latin typeface="Consolas"/>
+              </a:rPr>
+              <a:t>; }</a:t>
+            </a:r>
+          </a:p>
+          <a:p>
+            <a:r>
+              <a:rPr lang="ru-RU" sz="1200" dirty="0" smtClean="0">
+                <a:solidFill>
+                  <a:srgbClr val="0000FF"/>
+                </a:solidFill>
+                <a:latin typeface="Consolas"/>
+              </a:rPr>
+              <a:t>    </a:t>
+            </a:r>
+            <a:r>
+              <a:rPr lang="en-US" sz="1200" dirty="0" smtClean="0">
+                <a:solidFill>
+                  <a:srgbClr val="0000FF"/>
+                </a:solidFill>
+                <a:latin typeface="Consolas"/>
+              </a:rPr>
+              <a:t>public</a:t>
+            </a:r>
+            <a:r>
+              <a:rPr lang="en-US" sz="1200" dirty="0" smtClean="0">
+                <a:solidFill>
+                  <a:srgbClr val="000000"/>
+                </a:solidFill>
+                <a:latin typeface="Consolas"/>
+              </a:rPr>
+              <a:t> </a:t>
+            </a:r>
+            <a:r>
+              <a:rPr lang="en-US" sz="1200" dirty="0">
+                <a:solidFill>
+                  <a:srgbClr val="0000FF"/>
+                </a:solidFill>
+                <a:latin typeface="Consolas"/>
+              </a:rPr>
+              <a:t>string</a:t>
+            </a:r>
+            <a:r>
+              <a:rPr lang="en-US" sz="1200" dirty="0">
+                <a:solidFill>
+                  <a:srgbClr val="000000"/>
+                </a:solidFill>
+                <a:latin typeface="Consolas"/>
+              </a:rPr>
+              <a:t> </a:t>
+            </a:r>
+            <a:r>
+              <a:rPr lang="en-US" sz="1200" dirty="0" err="1">
+                <a:solidFill>
+                  <a:srgbClr val="000000"/>
+                </a:solidFill>
+                <a:latin typeface="Consolas"/>
+              </a:rPr>
+              <a:t>LastName</a:t>
+            </a:r>
+            <a:r>
+              <a:rPr lang="en-US" sz="1200" dirty="0">
+                <a:solidFill>
+                  <a:srgbClr val="000000"/>
+                </a:solidFill>
+                <a:latin typeface="Consolas"/>
+              </a:rPr>
+              <a:t> { </a:t>
+            </a:r>
+            <a:r>
+              <a:rPr lang="en-US" sz="1200" dirty="0">
+                <a:solidFill>
+                  <a:srgbClr val="0000FF"/>
+                </a:solidFill>
+                <a:latin typeface="Consolas"/>
+              </a:rPr>
+              <a:t>get</a:t>
+            </a:r>
+            <a:r>
+              <a:rPr lang="en-US" sz="1200" dirty="0">
+                <a:solidFill>
+                  <a:srgbClr val="000000"/>
+                </a:solidFill>
+                <a:latin typeface="Consolas"/>
+              </a:rPr>
+              <a:t>; </a:t>
+            </a:r>
+            <a:r>
+              <a:rPr lang="en-US" sz="1200" dirty="0">
+                <a:solidFill>
+                  <a:srgbClr val="0000FF"/>
+                </a:solidFill>
+                <a:latin typeface="Consolas"/>
+              </a:rPr>
+              <a:t>set</a:t>
+            </a:r>
+            <a:r>
+              <a:rPr lang="en-US" sz="1200" dirty="0">
+                <a:solidFill>
+                  <a:srgbClr val="000000"/>
+                </a:solidFill>
+                <a:latin typeface="Consolas"/>
+              </a:rPr>
+              <a:t>; }</a:t>
+            </a:r>
+          </a:p>
+          <a:p>
+            <a:r>
+              <a:rPr lang="ru-RU" sz="1200" dirty="0" smtClean="0">
+                <a:solidFill>
+                  <a:srgbClr val="0000FF"/>
+                </a:solidFill>
+                <a:latin typeface="Consolas"/>
+              </a:rPr>
+              <a:t>    </a:t>
+            </a:r>
+            <a:r>
+              <a:rPr lang="en-US" sz="1200" dirty="0" smtClean="0">
+                <a:solidFill>
+                  <a:srgbClr val="0000FF"/>
+                </a:solidFill>
+                <a:latin typeface="Consolas"/>
+              </a:rPr>
+              <a:t>public</a:t>
+            </a:r>
+            <a:r>
+              <a:rPr lang="en-US" sz="1200" dirty="0" smtClean="0">
+                <a:solidFill>
+                  <a:srgbClr val="000000"/>
+                </a:solidFill>
+                <a:latin typeface="Consolas"/>
+              </a:rPr>
+              <a:t> </a:t>
+            </a:r>
+            <a:r>
+              <a:rPr lang="en-US" sz="1200" dirty="0">
+                <a:solidFill>
+                  <a:srgbClr val="0000FF"/>
+                </a:solidFill>
+                <a:latin typeface="Consolas"/>
+              </a:rPr>
+              <a:t>byte</a:t>
+            </a:r>
+            <a:r>
+              <a:rPr lang="en-US" sz="1200" dirty="0">
+                <a:solidFill>
+                  <a:srgbClr val="000000"/>
+                </a:solidFill>
+                <a:latin typeface="Consolas"/>
+              </a:rPr>
+              <a:t> Gender { </a:t>
+            </a:r>
+            <a:r>
+              <a:rPr lang="en-US" sz="1200" dirty="0">
+                <a:solidFill>
+                  <a:srgbClr val="0000FF"/>
+                </a:solidFill>
+                <a:latin typeface="Consolas"/>
+              </a:rPr>
+              <a:t>get</a:t>
+            </a:r>
+            <a:r>
+              <a:rPr lang="en-US" sz="1200" dirty="0">
+                <a:solidFill>
+                  <a:srgbClr val="000000"/>
+                </a:solidFill>
+                <a:latin typeface="Consolas"/>
+              </a:rPr>
+              <a:t>; </a:t>
+            </a:r>
+            <a:r>
+              <a:rPr lang="en-US" sz="1200" dirty="0">
+                <a:solidFill>
+                  <a:srgbClr val="0000FF"/>
+                </a:solidFill>
+                <a:latin typeface="Consolas"/>
+              </a:rPr>
+              <a:t>set</a:t>
+            </a:r>
+            <a:r>
+              <a:rPr lang="en-US" sz="1200" dirty="0">
+                <a:solidFill>
+                  <a:srgbClr val="000000"/>
+                </a:solidFill>
+                <a:latin typeface="Consolas"/>
+              </a:rPr>
+              <a:t>; }</a:t>
+            </a:r>
+          </a:p>
+          <a:p>
+            <a:r>
+              <a:rPr lang="ru-RU" sz="1200" dirty="0" smtClean="0">
+                <a:solidFill>
+                  <a:srgbClr val="0000FF"/>
+                </a:solidFill>
+                <a:latin typeface="Consolas"/>
+              </a:rPr>
+              <a:t>    </a:t>
+            </a:r>
+            <a:r>
+              <a:rPr lang="en-US" sz="1200" dirty="0" smtClean="0">
+                <a:solidFill>
+                  <a:srgbClr val="0000FF"/>
+                </a:solidFill>
+                <a:latin typeface="Consolas"/>
+              </a:rPr>
+              <a:t>public</a:t>
+            </a:r>
+            <a:r>
+              <a:rPr lang="en-US" sz="1200" dirty="0" smtClean="0">
+                <a:solidFill>
+                  <a:srgbClr val="000000"/>
+                </a:solidFill>
+                <a:latin typeface="Consolas"/>
+              </a:rPr>
+              <a:t> </a:t>
+            </a:r>
+            <a:r>
+              <a:rPr lang="en-US" sz="1200" dirty="0" err="1">
+                <a:solidFill>
+                  <a:srgbClr val="000000"/>
+                </a:solidFill>
+                <a:latin typeface="Consolas"/>
+              </a:rPr>
+              <a:t>DateTime</a:t>
+            </a:r>
+            <a:r>
+              <a:rPr lang="en-US" sz="1200" dirty="0">
+                <a:solidFill>
+                  <a:srgbClr val="000000"/>
+                </a:solidFill>
+                <a:latin typeface="Consolas"/>
+              </a:rPr>
+              <a:t> </a:t>
+            </a:r>
+            <a:r>
+              <a:rPr lang="en-US" sz="1200" dirty="0" err="1">
+                <a:solidFill>
+                  <a:srgbClr val="000000"/>
+                </a:solidFill>
+                <a:latin typeface="Consolas"/>
+              </a:rPr>
+              <a:t>BirthDate</a:t>
+            </a:r>
+            <a:r>
+              <a:rPr lang="en-US" sz="1200" dirty="0">
+                <a:solidFill>
+                  <a:srgbClr val="000000"/>
+                </a:solidFill>
+                <a:latin typeface="Consolas"/>
+              </a:rPr>
+              <a:t> { </a:t>
+            </a:r>
+            <a:r>
+              <a:rPr lang="en-US" sz="1200" dirty="0">
+                <a:solidFill>
+                  <a:srgbClr val="0000FF"/>
+                </a:solidFill>
+                <a:latin typeface="Consolas"/>
+              </a:rPr>
+              <a:t>get</a:t>
+            </a:r>
+            <a:r>
+              <a:rPr lang="en-US" sz="1200" dirty="0">
+                <a:solidFill>
+                  <a:srgbClr val="000000"/>
+                </a:solidFill>
+                <a:latin typeface="Consolas"/>
+              </a:rPr>
+              <a:t>; </a:t>
+            </a:r>
+            <a:r>
+              <a:rPr lang="en-US" sz="1200" dirty="0">
+                <a:solidFill>
+                  <a:srgbClr val="0000FF"/>
+                </a:solidFill>
+                <a:latin typeface="Consolas"/>
+              </a:rPr>
+              <a:t>set</a:t>
+            </a:r>
+            <a:r>
+              <a:rPr lang="en-US" sz="1200" dirty="0">
+                <a:solidFill>
+                  <a:srgbClr val="000000"/>
+                </a:solidFill>
+                <a:latin typeface="Consolas"/>
+              </a:rPr>
+              <a:t>; }</a:t>
+            </a:r>
+          </a:p>
+          <a:p>
+            <a:r>
+              <a:rPr lang="ru-RU" sz="1200" dirty="0" smtClean="0">
+                <a:solidFill>
+                  <a:srgbClr val="0000FF"/>
+                </a:solidFill>
+                <a:latin typeface="Consolas"/>
+              </a:rPr>
+              <a:t>    </a:t>
+            </a:r>
+            <a:r>
+              <a:rPr lang="en-US" sz="1200" dirty="0" smtClean="0">
+                <a:solidFill>
+                  <a:srgbClr val="0000FF"/>
+                </a:solidFill>
+                <a:latin typeface="Consolas"/>
+              </a:rPr>
+              <a:t>public</a:t>
+            </a:r>
+            <a:r>
+              <a:rPr lang="en-US" sz="1200" dirty="0" smtClean="0">
+                <a:solidFill>
+                  <a:srgbClr val="000000"/>
+                </a:solidFill>
+                <a:latin typeface="Consolas"/>
+              </a:rPr>
+              <a:t> </a:t>
+            </a:r>
+            <a:r>
+              <a:rPr lang="en-US" sz="1200" dirty="0">
+                <a:solidFill>
+                  <a:srgbClr val="0000FF"/>
+                </a:solidFill>
+                <a:latin typeface="Consolas"/>
+              </a:rPr>
+              <a:t>string</a:t>
+            </a:r>
+            <a:r>
+              <a:rPr lang="en-US" sz="1200" dirty="0">
+                <a:solidFill>
+                  <a:srgbClr val="000000"/>
+                </a:solidFill>
+                <a:latin typeface="Consolas"/>
+              </a:rPr>
+              <a:t> </a:t>
+            </a:r>
+            <a:r>
+              <a:rPr lang="en-US" sz="1200" dirty="0" err="1">
+                <a:solidFill>
+                  <a:srgbClr val="000000"/>
+                </a:solidFill>
+                <a:latin typeface="Consolas"/>
+              </a:rPr>
+              <a:t>PhoneNumber</a:t>
+            </a:r>
+            <a:r>
+              <a:rPr lang="en-US" sz="1200" dirty="0">
+                <a:solidFill>
+                  <a:srgbClr val="000000"/>
+                </a:solidFill>
+                <a:latin typeface="Consolas"/>
+              </a:rPr>
+              <a:t> { </a:t>
+            </a:r>
+            <a:r>
+              <a:rPr lang="en-US" sz="1200" dirty="0">
+                <a:solidFill>
+                  <a:srgbClr val="0000FF"/>
+                </a:solidFill>
+                <a:latin typeface="Consolas"/>
+              </a:rPr>
+              <a:t>get</a:t>
+            </a:r>
+            <a:r>
+              <a:rPr lang="en-US" sz="1200" dirty="0">
+                <a:solidFill>
+                  <a:srgbClr val="000000"/>
+                </a:solidFill>
+                <a:latin typeface="Consolas"/>
+              </a:rPr>
+              <a:t>; </a:t>
+            </a:r>
+            <a:r>
+              <a:rPr lang="en-US" sz="1200" dirty="0">
+                <a:solidFill>
+                  <a:srgbClr val="0000FF"/>
+                </a:solidFill>
+                <a:latin typeface="Consolas"/>
+              </a:rPr>
+              <a:t>set</a:t>
+            </a:r>
+            <a:r>
+              <a:rPr lang="en-US" sz="1200" dirty="0">
+                <a:solidFill>
+                  <a:srgbClr val="000000"/>
+                </a:solidFill>
+                <a:latin typeface="Consolas"/>
+              </a:rPr>
+              <a:t>; }</a:t>
+            </a:r>
+          </a:p>
+          <a:p>
+            <a:endParaRPr lang="ru-RU" sz="1200" dirty="0">
+              <a:solidFill>
+                <a:srgbClr val="000000"/>
+              </a:solidFill>
+              <a:latin typeface="Consolas"/>
+            </a:endParaRPr>
+          </a:p>
+          <a:p>
+            <a:r>
+              <a:rPr lang="ru-RU" sz="1200" dirty="0" smtClean="0">
+                <a:solidFill>
+                  <a:srgbClr val="0000FF"/>
+                </a:solidFill>
+                <a:latin typeface="Consolas"/>
+              </a:rPr>
+              <a:t>    </a:t>
+            </a:r>
+            <a:r>
+              <a:rPr lang="en-US" sz="1200" dirty="0" smtClean="0">
+                <a:solidFill>
+                  <a:srgbClr val="0000FF"/>
+                </a:solidFill>
+                <a:latin typeface="Consolas"/>
+              </a:rPr>
+              <a:t>public</a:t>
+            </a:r>
+            <a:r>
+              <a:rPr lang="en-US" sz="1200" dirty="0" smtClean="0">
+                <a:solidFill>
+                  <a:srgbClr val="000000"/>
+                </a:solidFill>
+                <a:latin typeface="Consolas"/>
+              </a:rPr>
+              <a:t> </a:t>
+            </a:r>
+            <a:r>
+              <a:rPr lang="en-US" sz="1200" dirty="0">
+                <a:solidFill>
+                  <a:srgbClr val="000000"/>
+                </a:solidFill>
+                <a:latin typeface="Consolas"/>
+              </a:rPr>
+              <a:t>List&lt;Photo&gt; Photos { </a:t>
+            </a:r>
+            <a:r>
+              <a:rPr lang="en-US" sz="1200" dirty="0">
+                <a:solidFill>
+                  <a:srgbClr val="0000FF"/>
+                </a:solidFill>
+                <a:latin typeface="Consolas"/>
+              </a:rPr>
+              <a:t>get</a:t>
+            </a:r>
+            <a:r>
+              <a:rPr lang="en-US" sz="1200" dirty="0">
+                <a:solidFill>
+                  <a:srgbClr val="000000"/>
+                </a:solidFill>
+                <a:latin typeface="Consolas"/>
+              </a:rPr>
+              <a:t>; </a:t>
+            </a:r>
+            <a:r>
+              <a:rPr lang="en-US" sz="1200" dirty="0">
+                <a:solidFill>
+                  <a:srgbClr val="0000FF"/>
+                </a:solidFill>
+                <a:latin typeface="Consolas"/>
+              </a:rPr>
+              <a:t>set</a:t>
+            </a:r>
+            <a:r>
+              <a:rPr lang="en-US" sz="1200" dirty="0">
+                <a:solidFill>
+                  <a:srgbClr val="000000"/>
+                </a:solidFill>
+                <a:latin typeface="Consolas"/>
+              </a:rPr>
+              <a:t>; }  </a:t>
+            </a:r>
+            <a:r>
+              <a:rPr lang="en-US" sz="1200" dirty="0">
+                <a:solidFill>
+                  <a:srgbClr val="008000"/>
+                </a:solidFill>
+                <a:latin typeface="Consolas"/>
+              </a:rPr>
+              <a:t>// </a:t>
+            </a:r>
+            <a:r>
+              <a:rPr lang="ru-RU" sz="1200" dirty="0" smtClean="0">
+                <a:solidFill>
+                  <a:srgbClr val="008000"/>
+                </a:solidFill>
+                <a:latin typeface="Consolas"/>
+              </a:rPr>
+              <a:t>Связь</a:t>
+            </a:r>
+            <a:endParaRPr lang="en-US" sz="1200" dirty="0">
+              <a:solidFill>
+                <a:srgbClr val="000000"/>
+              </a:solidFill>
+              <a:latin typeface="Consolas"/>
+            </a:endParaRPr>
+          </a:p>
+          <a:p>
+            <a:r>
+              <a:rPr lang="ru-RU" sz="1200" dirty="0">
+                <a:solidFill>
+                  <a:srgbClr val="000000"/>
+                </a:solidFill>
+                <a:latin typeface="Consolas"/>
+              </a:rPr>
+              <a:t>}</a:t>
+            </a:r>
+          </a:p>
+          <a:p>
+            <a:endParaRPr lang="ru-RU" sz="1200" dirty="0">
+              <a:solidFill>
+                <a:srgbClr val="000000"/>
+              </a:solidFill>
+              <a:latin typeface="Consolas"/>
+            </a:endParaRPr>
+          </a:p>
+          <a:p>
+            <a:r>
+              <a:rPr lang="en-US" sz="1200" dirty="0">
+                <a:solidFill>
+                  <a:srgbClr val="0000FF"/>
+                </a:solidFill>
+                <a:latin typeface="Consolas"/>
+              </a:rPr>
+              <a:t>class</a:t>
+            </a:r>
+            <a:r>
+              <a:rPr lang="en-US" sz="1200" dirty="0">
+                <a:solidFill>
+                  <a:srgbClr val="000000"/>
+                </a:solidFill>
+                <a:latin typeface="Consolas"/>
+              </a:rPr>
+              <a:t> </a:t>
+            </a:r>
+            <a:r>
+              <a:rPr lang="en-US" sz="1200" dirty="0" err="1">
+                <a:solidFill>
+                  <a:srgbClr val="000000"/>
+                </a:solidFill>
+                <a:latin typeface="Consolas"/>
+              </a:rPr>
+              <a:t>PersonPhoto</a:t>
+            </a:r>
+            <a:endParaRPr lang="en-US" sz="1200" dirty="0">
+              <a:solidFill>
+                <a:srgbClr val="000000"/>
+              </a:solidFill>
+              <a:latin typeface="Consolas"/>
+            </a:endParaRPr>
+          </a:p>
+          <a:p>
+            <a:r>
+              <a:rPr lang="ru-RU" sz="1200" dirty="0">
+                <a:solidFill>
+                  <a:srgbClr val="000000"/>
+                </a:solidFill>
+                <a:latin typeface="Consolas"/>
+              </a:rPr>
+              <a:t>{</a:t>
+            </a:r>
+          </a:p>
+          <a:p>
+            <a:r>
+              <a:rPr lang="ru-RU" sz="1200" dirty="0" smtClean="0">
+                <a:solidFill>
+                  <a:srgbClr val="0000FF"/>
+                </a:solidFill>
+                <a:latin typeface="Consolas"/>
+              </a:rPr>
+              <a:t>    </a:t>
+            </a:r>
+            <a:r>
+              <a:rPr lang="en-US" sz="1200" dirty="0" smtClean="0">
+                <a:solidFill>
+                  <a:srgbClr val="0000FF"/>
+                </a:solidFill>
+                <a:latin typeface="Consolas"/>
+              </a:rPr>
+              <a:t>public</a:t>
+            </a:r>
+            <a:r>
+              <a:rPr lang="en-US" sz="1200" dirty="0" smtClean="0">
+                <a:solidFill>
+                  <a:srgbClr val="000000"/>
+                </a:solidFill>
+                <a:latin typeface="Consolas"/>
+              </a:rPr>
+              <a:t> </a:t>
+            </a:r>
+            <a:r>
+              <a:rPr lang="en-US" sz="1200" dirty="0" err="1">
+                <a:solidFill>
+                  <a:srgbClr val="000000"/>
+                </a:solidFill>
+                <a:latin typeface="Consolas"/>
+              </a:rPr>
+              <a:t>Guid</a:t>
+            </a:r>
+            <a:r>
+              <a:rPr lang="en-US" sz="1200" dirty="0">
+                <a:solidFill>
+                  <a:srgbClr val="000000"/>
+                </a:solidFill>
+                <a:latin typeface="Consolas"/>
+              </a:rPr>
+              <a:t> </a:t>
+            </a:r>
+            <a:r>
+              <a:rPr lang="en-US" sz="1200" dirty="0" err="1">
+                <a:solidFill>
+                  <a:srgbClr val="000000"/>
+                </a:solidFill>
+                <a:latin typeface="Consolas"/>
+              </a:rPr>
+              <a:t>PhotoId</a:t>
+            </a:r>
+            <a:r>
+              <a:rPr lang="en-US" sz="1200" dirty="0">
+                <a:solidFill>
+                  <a:srgbClr val="000000"/>
+                </a:solidFill>
+                <a:latin typeface="Consolas"/>
+              </a:rPr>
+              <a:t> { </a:t>
+            </a:r>
+            <a:r>
+              <a:rPr lang="en-US" sz="1200" dirty="0">
+                <a:solidFill>
+                  <a:srgbClr val="0000FF"/>
+                </a:solidFill>
+                <a:latin typeface="Consolas"/>
+              </a:rPr>
+              <a:t>get</a:t>
+            </a:r>
+            <a:r>
+              <a:rPr lang="en-US" sz="1200" dirty="0">
+                <a:solidFill>
+                  <a:srgbClr val="000000"/>
+                </a:solidFill>
+                <a:latin typeface="Consolas"/>
+              </a:rPr>
+              <a:t>; </a:t>
+            </a:r>
+            <a:r>
+              <a:rPr lang="en-US" sz="1200" dirty="0">
+                <a:solidFill>
+                  <a:srgbClr val="0000FF"/>
+                </a:solidFill>
+                <a:latin typeface="Consolas"/>
+              </a:rPr>
+              <a:t>set</a:t>
+            </a:r>
+            <a:r>
+              <a:rPr lang="en-US" sz="1200" dirty="0">
+                <a:solidFill>
+                  <a:srgbClr val="000000"/>
+                </a:solidFill>
+                <a:latin typeface="Consolas"/>
+              </a:rPr>
+              <a:t>; }</a:t>
+            </a:r>
+          </a:p>
+          <a:p>
+            <a:r>
+              <a:rPr lang="ru-RU" sz="1200" dirty="0" smtClean="0">
+                <a:solidFill>
+                  <a:srgbClr val="0000FF"/>
+                </a:solidFill>
+                <a:latin typeface="Consolas"/>
+              </a:rPr>
+              <a:t>    </a:t>
+            </a:r>
+            <a:r>
+              <a:rPr lang="en-US" sz="1200" dirty="0" smtClean="0">
+                <a:solidFill>
+                  <a:srgbClr val="0000FF"/>
+                </a:solidFill>
+                <a:latin typeface="Consolas"/>
+              </a:rPr>
+              <a:t>public</a:t>
+            </a:r>
+            <a:r>
+              <a:rPr lang="en-US" sz="1200" dirty="0" smtClean="0">
+                <a:solidFill>
+                  <a:srgbClr val="000000"/>
+                </a:solidFill>
+                <a:latin typeface="Consolas"/>
+              </a:rPr>
+              <a:t> </a:t>
+            </a:r>
+            <a:r>
+              <a:rPr lang="en-US" sz="1200" dirty="0" err="1">
+                <a:solidFill>
+                  <a:srgbClr val="0000FF"/>
+                </a:solidFill>
+                <a:latin typeface="Consolas"/>
+              </a:rPr>
+              <a:t>int</a:t>
+            </a:r>
+            <a:r>
+              <a:rPr lang="en-US" sz="1200" dirty="0">
+                <a:solidFill>
+                  <a:srgbClr val="000000"/>
+                </a:solidFill>
+                <a:latin typeface="Consolas"/>
+              </a:rPr>
+              <a:t> </a:t>
+            </a:r>
+            <a:r>
+              <a:rPr lang="en-US" sz="1200" dirty="0" err="1">
+                <a:solidFill>
+                  <a:srgbClr val="000000"/>
+                </a:solidFill>
+                <a:latin typeface="Consolas"/>
+              </a:rPr>
+              <a:t>PersonId</a:t>
+            </a:r>
+            <a:r>
+              <a:rPr lang="en-US" sz="1200" dirty="0">
+                <a:solidFill>
+                  <a:srgbClr val="000000"/>
+                </a:solidFill>
+                <a:latin typeface="Consolas"/>
+              </a:rPr>
+              <a:t> { </a:t>
+            </a:r>
+            <a:r>
+              <a:rPr lang="en-US" sz="1200" dirty="0">
+                <a:solidFill>
+                  <a:srgbClr val="0000FF"/>
+                </a:solidFill>
+                <a:latin typeface="Consolas"/>
+              </a:rPr>
+              <a:t>get</a:t>
+            </a:r>
+            <a:r>
+              <a:rPr lang="en-US" sz="1200" dirty="0">
+                <a:solidFill>
+                  <a:srgbClr val="000000"/>
+                </a:solidFill>
+                <a:latin typeface="Consolas"/>
+              </a:rPr>
+              <a:t>; </a:t>
+            </a:r>
+            <a:r>
+              <a:rPr lang="en-US" sz="1200" dirty="0">
+                <a:solidFill>
+                  <a:srgbClr val="0000FF"/>
+                </a:solidFill>
+                <a:latin typeface="Consolas"/>
+              </a:rPr>
+              <a:t>set</a:t>
+            </a:r>
+            <a:r>
+              <a:rPr lang="en-US" sz="1200" dirty="0">
+                <a:solidFill>
+                  <a:srgbClr val="000000"/>
+                </a:solidFill>
+                <a:latin typeface="Consolas"/>
+              </a:rPr>
+              <a:t>; }</a:t>
+            </a:r>
+          </a:p>
+          <a:p>
+            <a:r>
+              <a:rPr lang="ru-RU" sz="1200" dirty="0" smtClean="0">
+                <a:solidFill>
+                  <a:srgbClr val="0000FF"/>
+                </a:solidFill>
+                <a:latin typeface="Consolas"/>
+              </a:rPr>
+              <a:t>    </a:t>
+            </a:r>
+            <a:r>
+              <a:rPr lang="en-US" sz="1200" dirty="0" smtClean="0">
+                <a:solidFill>
+                  <a:srgbClr val="0000FF"/>
+                </a:solidFill>
+                <a:latin typeface="Consolas"/>
+              </a:rPr>
+              <a:t>public</a:t>
+            </a:r>
+            <a:r>
+              <a:rPr lang="en-US" sz="1200" dirty="0" smtClean="0">
+                <a:solidFill>
+                  <a:srgbClr val="000000"/>
+                </a:solidFill>
+                <a:latin typeface="Consolas"/>
+              </a:rPr>
+              <a:t> </a:t>
+            </a:r>
+            <a:r>
+              <a:rPr lang="en-US" sz="1200" dirty="0">
+                <a:solidFill>
+                  <a:srgbClr val="0000FF"/>
+                </a:solidFill>
+                <a:latin typeface="Consolas"/>
+              </a:rPr>
+              <a:t>byte</a:t>
+            </a:r>
+            <a:r>
+              <a:rPr lang="en-US" sz="1200" dirty="0">
+                <a:solidFill>
+                  <a:srgbClr val="000000"/>
+                </a:solidFill>
+                <a:latin typeface="Consolas"/>
+              </a:rPr>
+              <a:t>[] </a:t>
+            </a:r>
+            <a:r>
+              <a:rPr lang="en-US" sz="1200" dirty="0" err="1">
+                <a:solidFill>
+                  <a:srgbClr val="000000"/>
+                </a:solidFill>
+                <a:latin typeface="Consolas"/>
+              </a:rPr>
+              <a:t>PersonPhoto</a:t>
+            </a:r>
+            <a:r>
+              <a:rPr lang="en-US" sz="1200" dirty="0">
+                <a:solidFill>
+                  <a:srgbClr val="000000"/>
+                </a:solidFill>
+                <a:latin typeface="Consolas"/>
+              </a:rPr>
+              <a:t> { </a:t>
+            </a:r>
+            <a:r>
+              <a:rPr lang="en-US" sz="1200" dirty="0">
+                <a:solidFill>
+                  <a:srgbClr val="0000FF"/>
+                </a:solidFill>
+                <a:latin typeface="Consolas"/>
+              </a:rPr>
+              <a:t>get</a:t>
+            </a:r>
+            <a:r>
+              <a:rPr lang="en-US" sz="1200" dirty="0">
+                <a:solidFill>
+                  <a:srgbClr val="000000"/>
+                </a:solidFill>
+                <a:latin typeface="Consolas"/>
+              </a:rPr>
+              <a:t>; </a:t>
+            </a:r>
+            <a:r>
+              <a:rPr lang="en-US" sz="1200" dirty="0">
+                <a:solidFill>
+                  <a:srgbClr val="0000FF"/>
+                </a:solidFill>
+                <a:latin typeface="Consolas"/>
+              </a:rPr>
+              <a:t>set</a:t>
+            </a:r>
+            <a:r>
+              <a:rPr lang="en-US" sz="1200" dirty="0">
+                <a:solidFill>
+                  <a:srgbClr val="000000"/>
+                </a:solidFill>
+                <a:latin typeface="Consolas"/>
+              </a:rPr>
+              <a:t>; }</a:t>
+            </a:r>
+          </a:p>
+          <a:p>
+            <a:endParaRPr lang="ru-RU" sz="1200" dirty="0">
+              <a:solidFill>
+                <a:srgbClr val="000000"/>
+              </a:solidFill>
+              <a:latin typeface="Consolas"/>
+            </a:endParaRPr>
+          </a:p>
+          <a:p>
+            <a:r>
+              <a:rPr lang="ru-RU" sz="1200" dirty="0" smtClean="0">
+                <a:solidFill>
+                  <a:srgbClr val="0000FF"/>
+                </a:solidFill>
+                <a:latin typeface="Consolas"/>
+              </a:rPr>
+              <a:t>    </a:t>
+            </a:r>
+            <a:r>
+              <a:rPr lang="en-US" sz="1200" dirty="0" smtClean="0">
+                <a:solidFill>
+                  <a:srgbClr val="0000FF"/>
+                </a:solidFill>
+                <a:latin typeface="Consolas"/>
+              </a:rPr>
+              <a:t>public</a:t>
+            </a:r>
+            <a:r>
+              <a:rPr lang="en-US" sz="1200" dirty="0" smtClean="0">
+                <a:solidFill>
+                  <a:srgbClr val="000000"/>
+                </a:solidFill>
+                <a:latin typeface="Consolas"/>
+              </a:rPr>
+              <a:t> </a:t>
+            </a:r>
+            <a:r>
+              <a:rPr lang="en-US" sz="1200" dirty="0">
+                <a:solidFill>
+                  <a:srgbClr val="000000"/>
+                </a:solidFill>
+                <a:latin typeface="Consolas"/>
+              </a:rPr>
+              <a:t>Person </a:t>
+            </a:r>
+            <a:r>
+              <a:rPr lang="en-US" sz="1200" dirty="0" err="1">
+                <a:solidFill>
+                  <a:srgbClr val="000000"/>
+                </a:solidFill>
+                <a:latin typeface="Consolas"/>
+              </a:rPr>
+              <a:t>Person</a:t>
+            </a:r>
+            <a:r>
+              <a:rPr lang="en-US" sz="1200" dirty="0">
+                <a:solidFill>
+                  <a:srgbClr val="000000"/>
+                </a:solidFill>
+                <a:latin typeface="Consolas"/>
+              </a:rPr>
+              <a:t> { </a:t>
+            </a:r>
+            <a:r>
+              <a:rPr lang="en-US" sz="1200" dirty="0">
+                <a:solidFill>
+                  <a:srgbClr val="0000FF"/>
+                </a:solidFill>
+                <a:latin typeface="Consolas"/>
+              </a:rPr>
+              <a:t>get</a:t>
+            </a:r>
+            <a:r>
+              <a:rPr lang="en-US" sz="1200" dirty="0">
+                <a:solidFill>
+                  <a:srgbClr val="000000"/>
+                </a:solidFill>
+                <a:latin typeface="Consolas"/>
+              </a:rPr>
+              <a:t>; </a:t>
+            </a:r>
+            <a:r>
+              <a:rPr lang="en-US" sz="1200" dirty="0">
+                <a:solidFill>
+                  <a:srgbClr val="0000FF"/>
+                </a:solidFill>
+                <a:latin typeface="Consolas"/>
+              </a:rPr>
+              <a:t>set</a:t>
+            </a:r>
+            <a:r>
+              <a:rPr lang="en-US" sz="1200" dirty="0">
+                <a:solidFill>
+                  <a:srgbClr val="000000"/>
+                </a:solidFill>
+                <a:latin typeface="Consolas"/>
+              </a:rPr>
+              <a:t>; } </a:t>
+            </a:r>
+            <a:r>
+              <a:rPr lang="en-US" sz="1200" dirty="0">
+                <a:solidFill>
+                  <a:srgbClr val="008000"/>
+                </a:solidFill>
+                <a:latin typeface="Consolas"/>
+              </a:rPr>
+              <a:t>// </a:t>
+            </a:r>
+            <a:r>
+              <a:rPr lang="ru-RU" sz="1200" dirty="0" smtClean="0">
+                <a:solidFill>
+                  <a:srgbClr val="008000"/>
+                </a:solidFill>
+                <a:latin typeface="Consolas"/>
+              </a:rPr>
+              <a:t>Связь</a:t>
+            </a:r>
+            <a:endParaRPr lang="en-US" sz="1200" dirty="0">
+              <a:solidFill>
+                <a:srgbClr val="000000"/>
+              </a:solidFill>
+              <a:latin typeface="Consolas"/>
+            </a:endParaRPr>
+          </a:p>
+          <a:p>
+            <a:r>
+              <a:rPr lang="ru-RU" sz="1200" dirty="0">
+                <a:solidFill>
+                  <a:srgbClr val="000000"/>
+                </a:solidFill>
+                <a:latin typeface="Consolas"/>
+              </a:rPr>
+              <a:t>}</a:t>
+            </a:r>
+          </a:p>
+        </p:txBody>
+      </p:sp>
+      <p:sp>
+        <p:nvSpPr>
+          <p:cNvPr id="7" name="Left-Right Arrow 6"/>
+          <p:cNvSpPr/>
+          <p:nvPr/>
+        </p:nvSpPr>
+        <p:spPr>
+          <a:xfrm>
+            <a:off x="3131840" y="3861048"/>
+            <a:ext cx="1216152" cy="484632"/>
+          </a:xfrm>
+          <a:prstGeom prst="leftRightArrow">
+            <a:avLst/>
+          </a:prstGeom>
+          <a:solidFill>
+            <a:srgbClr val="C00000"/>
+          </a:solidFill>
+        </p:spPr>
+        <p:style>
+          <a:lnRef idx="2">
+            <a:schemeClr val="accent1">
+              <a:shade val="50000"/>
+            </a:schemeClr>
+          </a:lnRef>
+          <a:fillRef idx="1">
+            <a:schemeClr val="accent1"/>
+          </a:fillRef>
+          <a:effectRef idx="0">
+            <a:schemeClr val="accent1"/>
+          </a:effectRef>
+          <a:fontRef idx="minor">
+            <a:schemeClr val="lt1"/>
+          </a:fontRef>
+        </p:style>
+        <p:txBody>
+          <a:bodyPr rtlCol="0" anchor="ctr"/>
+          <a:lstStyle/>
+          <a:p>
+            <a:pPr algn="ctr"/>
+            <a:endParaRPr lang="ru-RU"/>
+          </a:p>
+        </p:txBody>
+      </p:sp>
+    </p:spTree>
+    <p:extLst>
+      <p:ext uri="{BB962C8B-B14F-4D97-AF65-F5344CB8AC3E}">
+        <p14:creationId xmlns:p14="http://schemas.microsoft.com/office/powerpoint/2010/main" val="1132533925"/>
+      </p:ext>
+    </p:extLst>
+  </p:cSld>
+  <p:clrMapOvr>
+    <a:masterClrMapping/>
+  </p:clrMapOvr>
+  <p:timing>
+    <p:tnLst>
+      <p:par>
+        <p:cTn id="1" dur="indefinite" restart="never" nodeType="tmRoot"/>
+      </p:par>
+    </p:tnLst>
+  </p:timing>
+</p:sld>
+</file>
+
+<file path=ppt/slides/slide35.xml><?xml version="1.0" encoding="utf-8"?>
+<p:sld xmlns:a="http://schemas.openxmlformats.org/drawingml/2006/main" xmlns:r="http://schemas.openxmlformats.org/officeDocument/2006/relationships" xmlns:p="http://schemas.openxmlformats.org/presentationml/2006/main">
+  <p:cSld>
+    <p:spTree>
+      <p:nvGrpSpPr>
+        <p:cNvPr id="1" name=""/>
+        <p:cNvGrpSpPr/>
+        <p:nvPr/>
+      </p:nvGrpSpPr>
+      <p:grpSpPr>
+        <a:xfrm>
+          <a:off x="0" y="0"/>
+          <a:ext cx="0" cy="0"/>
+          <a:chOff x="0" y="0"/>
+          <a:chExt cx="0" cy="0"/>
+        </a:xfrm>
+      </p:grpSpPr>
+      <p:sp>
+        <p:nvSpPr>
+          <p:cNvPr id="2" name="Title 1"/>
+          <p:cNvSpPr>
+            <a:spLocks noGrp="1"/>
+          </p:cNvSpPr>
+          <p:nvPr>
+            <p:ph type="title"/>
+          </p:nvPr>
+        </p:nvSpPr>
+        <p:spPr/>
+        <p:txBody>
+          <a:bodyPr>
+            <a:noAutofit/>
+          </a:bodyPr>
+          <a:lstStyle/>
+          <a:p>
+            <a:r>
+              <a:rPr lang="ru-RU" sz="3600" dirty="0"/>
+              <a:t>О</a:t>
+            </a:r>
+            <a:r>
+              <a:rPr lang="en-US" sz="3600" dirty="0" smtClean="0"/>
+              <a:t>RM</a:t>
+            </a:r>
+            <a:r>
+              <a:rPr lang="ru-RU" sz="3600" dirty="0" smtClean="0"/>
+              <a:t/>
+            </a:r>
+            <a:br>
+              <a:rPr lang="ru-RU" sz="3600" dirty="0" smtClean="0"/>
+            </a:br>
+            <a:r>
+              <a:rPr lang="ru-RU" sz="3600" dirty="0" smtClean="0"/>
+              <a:t>(объектно-реляционное отображение)</a:t>
+            </a:r>
+            <a:endParaRPr lang="ru-RU" sz="3600" dirty="0"/>
+          </a:p>
+        </p:txBody>
+      </p:sp>
+      <p:sp>
+        <p:nvSpPr>
+          <p:cNvPr id="3" name="Content Placeholder 2"/>
+          <p:cNvSpPr>
+            <a:spLocks noGrp="1"/>
+          </p:cNvSpPr>
+          <p:nvPr>
+            <p:ph idx="1"/>
+          </p:nvPr>
+        </p:nvSpPr>
+        <p:spPr/>
+        <p:txBody>
+          <a:bodyPr/>
+          <a:lstStyle/>
+          <a:p>
+            <a:pPr marL="0" indent="0">
+              <a:buNone/>
+            </a:pPr>
+            <a:r>
+              <a:rPr lang="ru-RU" dirty="0" smtClean="0"/>
+              <a:t>Операции с БД программа производит не напрямую, а через </a:t>
+            </a:r>
+            <a:r>
+              <a:rPr lang="en-US" dirty="0" smtClean="0"/>
+              <a:t>ORM </a:t>
+            </a:r>
+            <a:r>
+              <a:rPr lang="ru-RU" dirty="0" smtClean="0"/>
+              <a:t>слой</a:t>
+            </a:r>
+            <a:r>
+              <a:rPr lang="en-US" dirty="0" smtClean="0"/>
+              <a:t> </a:t>
+            </a:r>
+            <a:r>
+              <a:rPr lang="ru-RU" dirty="0" smtClean="0"/>
+              <a:t>который автоматически генерирует </a:t>
+            </a:r>
+            <a:r>
+              <a:rPr lang="en-US" dirty="0" smtClean="0"/>
+              <a:t>SQL </a:t>
+            </a:r>
+            <a:r>
+              <a:rPr lang="ru-RU" dirty="0" smtClean="0"/>
+              <a:t>запросы</a:t>
+            </a:r>
+            <a:r>
+              <a:rPr lang="en-US" dirty="0"/>
+              <a:t>.</a:t>
+            </a:r>
+            <a:endParaRPr lang="ru-RU" dirty="0" smtClean="0"/>
+          </a:p>
+          <a:p>
+            <a:endParaRPr lang="en-US" dirty="0" smtClean="0"/>
+          </a:p>
+          <a:p>
+            <a:r>
+              <a:rPr lang="ru-RU" dirty="0"/>
+              <a:t>Перебор коллекции </a:t>
+            </a:r>
+            <a:r>
+              <a:rPr lang="en-US" dirty="0"/>
+              <a:t>- SELECT</a:t>
+            </a:r>
+            <a:endParaRPr lang="en-US" dirty="0" smtClean="0"/>
+          </a:p>
+          <a:p>
+            <a:r>
+              <a:rPr lang="ru-RU" dirty="0" smtClean="0"/>
+              <a:t>Добавление объекта в коллекцию </a:t>
+            </a:r>
+            <a:r>
+              <a:rPr lang="en-US" dirty="0" smtClean="0"/>
+              <a:t>– INSERT</a:t>
+            </a:r>
+            <a:endParaRPr lang="ru-RU" dirty="0" smtClean="0"/>
+          </a:p>
+          <a:p>
+            <a:r>
+              <a:rPr lang="ru-RU" dirty="0" smtClean="0"/>
+              <a:t>Удаление объекта из коллекции – </a:t>
+            </a:r>
+            <a:r>
+              <a:rPr lang="en-US" dirty="0" smtClean="0"/>
+              <a:t>DELETE</a:t>
+            </a:r>
+          </a:p>
+          <a:p>
+            <a:r>
+              <a:rPr lang="ru-RU" dirty="0" smtClean="0"/>
+              <a:t>Изменение свойств объекта </a:t>
+            </a:r>
+            <a:r>
+              <a:rPr lang="en-US" dirty="0" smtClean="0"/>
+              <a:t>– UPDATE</a:t>
+            </a:r>
+          </a:p>
+          <a:p>
+            <a:endParaRPr lang="en-US" dirty="0" smtClean="0"/>
+          </a:p>
+          <a:p>
+            <a:endParaRPr lang="ru-RU" dirty="0"/>
+          </a:p>
+        </p:txBody>
+      </p:sp>
+    </p:spTree>
+    <p:extLst>
+      <p:ext uri="{BB962C8B-B14F-4D97-AF65-F5344CB8AC3E}">
+        <p14:creationId xmlns:p14="http://schemas.microsoft.com/office/powerpoint/2010/main" val="821515248"/>
+      </p:ext>
+    </p:extLst>
+  </p:cSld>
+  <p:clrMapOvr>
+    <a:masterClrMapping/>
+  </p:clrMapOvr>
+  <p:timing>
+    <p:tnLst>
+      <p:par>
+        <p:cTn id="1" dur="indefinite" restart="never" nodeType="tmRoot"/>
+      </p:par>
+    </p:tnLst>
+  </p:timing>
+</p:sld>
+</file>
+
+<file path=ppt/slides/slide36.xml><?xml version="1.0" encoding="utf-8"?>
 <p:sld xmlns:a="http://schemas.openxmlformats.org/drawingml/2006/main" xmlns:r="http://schemas.openxmlformats.org/officeDocument/2006/relationships" xmlns:p="http://schemas.openxmlformats.org/presentationml/2006/main">
   <p:cSld>
     <p:bg>
@@ -34106,10 +36621,17 @@
   <p:clrMapOvr>
     <a:masterClrMapping/>
   </p:clrMapOvr>
+  <p:timing>
+    <p:tnLst>
+      <p:par>
+        <p:cTn id="1" dur="indefinite" restart="never" nodeType="tmRoot"/>
+      </p:par>
+    </p:tnLst>
+  </p:timing>
 </p:sld>
 </file>
 
-<file path=ppt/slides/slide34.xml><?xml version="1.0" encoding="utf-8"?>
+<file path=ppt/slides/slide37.xml><?xml version="1.0" encoding="utf-8"?>
 <p:sld xmlns:a="http://schemas.openxmlformats.org/drawingml/2006/main" xmlns:r="http://schemas.openxmlformats.org/officeDocument/2006/relationships" xmlns:p="http://schemas.openxmlformats.org/presentationml/2006/main">
   <p:cSld>
     <p:spTree>
@@ -34261,10 +36783,17 @@
   <p:clrMapOvr>
     <a:masterClrMapping/>
   </p:clrMapOvr>
+  <p:timing>
+    <p:tnLst>
+      <p:par>
+        <p:cTn id="1" dur="indefinite" restart="never" nodeType="tmRoot"/>
+      </p:par>
+    </p:tnLst>
+  </p:timing>
 </p:sld>
 </file>
 
-<file path=ppt/slides/slide35.xml><?xml version="1.0" encoding="utf-8"?>
+<file path=ppt/slides/slide38.xml><?xml version="1.0" encoding="utf-8"?>
 <p:sld xmlns:a="http://schemas.openxmlformats.org/drawingml/2006/main" xmlns:r="http://schemas.openxmlformats.org/officeDocument/2006/relationships" xmlns:p="http://schemas.openxmlformats.org/presentationml/2006/main">
   <p:cSld>
     <p:spTree>
@@ -34560,7 +37089,7 @@
 </p:sld>
 </file>
 
-<file path=ppt/slides/slide36.xml><?xml version="1.0" encoding="utf-8"?>
+<file path=ppt/slides/slide39.xml><?xml version="1.0" encoding="utf-8"?>
 <p:sld xmlns:a="http://schemas.openxmlformats.org/drawingml/2006/main" xmlns:r="http://schemas.openxmlformats.org/officeDocument/2006/relationships" xmlns:p="http://schemas.openxmlformats.org/presentationml/2006/main">
   <p:cSld>
     <p:spTree>
@@ -34756,7 +37285,140 @@
 </p:sld>
 </file>
 
-<file path=ppt/slides/slide37.xml><?xml version="1.0" encoding="utf-8"?>
+<file path=ppt/slides/slide4.xml><?xml version="1.0" encoding="utf-8"?>
+<p:sld xmlns:a="http://schemas.openxmlformats.org/drawingml/2006/main" xmlns:r="http://schemas.openxmlformats.org/officeDocument/2006/relationships" xmlns:p="http://schemas.openxmlformats.org/presentationml/2006/main">
+  <p:cSld>
+    <p:bg>
+      <p:bgPr>
+        <a:solidFill>
+          <a:schemeClr val="accent1"/>
+        </a:solidFill>
+        <a:effectLst/>
+      </p:bgPr>
+    </p:bg>
+    <p:spTree>
+      <p:nvGrpSpPr>
+        <p:cNvPr id="1" name=""/>
+        <p:cNvGrpSpPr/>
+        <p:nvPr/>
+      </p:nvGrpSpPr>
+      <p:grpSpPr>
+        <a:xfrm>
+          <a:off x="0" y="0"/>
+          <a:ext cx="0" cy="0"/>
+          <a:chOff x="0" y="0"/>
+          <a:chExt cx="0" cy="0"/>
+        </a:xfrm>
+      </p:grpSpPr>
+      <p:sp>
+        <p:nvSpPr>
+          <p:cNvPr id="2" name="Title 1"/>
+          <p:cNvSpPr>
+            <a:spLocks noGrp="1"/>
+          </p:cNvSpPr>
+          <p:nvPr>
+            <p:ph type="title"/>
+          </p:nvPr>
+        </p:nvSpPr>
+        <p:spPr/>
+        <p:txBody>
+          <a:bodyPr/>
+          <a:lstStyle/>
+          <a:p>
+            <a:r>
+              <a:rPr lang="en-US" dirty="0" smtClean="0">
+                <a:solidFill>
+                  <a:srgbClr val="336699"/>
+                </a:solidFill>
+              </a:rPr>
+              <a:t>Row state</a:t>
+            </a:r>
+            <a:endParaRPr lang="en-US" dirty="0">
+              <a:solidFill>
+                <a:srgbClr val="336699"/>
+              </a:solidFill>
+            </a:endParaRPr>
+          </a:p>
+        </p:txBody>
+      </p:sp>
+      <p:pic>
+        <p:nvPicPr>
+          <p:cNvPr id="2050" name="Picture 2"/>
+          <p:cNvPicPr>
+            <a:picLocks noChangeAspect="1" noChangeArrowheads="1"/>
+          </p:cNvPicPr>
+          <p:nvPr/>
+        </p:nvPicPr>
+        <p:blipFill>
+          <a:blip r:embed="rId2">
+            <a:extLst>
+              <a:ext uri="{28A0092B-C50C-407E-A947-70E740481C1C}">
+                <a14:useLocalDpi xmlns:a14="http://schemas.microsoft.com/office/drawing/2010/main" val="0"/>
+              </a:ext>
+            </a:extLst>
+          </a:blip>
+          <a:srcRect/>
+          <a:stretch>
+            <a:fillRect/>
+          </a:stretch>
+        </p:blipFill>
+        <p:spPr bwMode="auto">
+          <a:xfrm>
+            <a:off x="1299210" y="1301452"/>
+            <a:ext cx="6545580" cy="5295900"/>
+          </a:xfrm>
+          <a:prstGeom prst="rect">
+            <a:avLst/>
+          </a:prstGeom>
+          <a:noFill/>
+          <a:ln>
+            <a:noFill/>
+          </a:ln>
+          <a:effectLst/>
+          <a:extLst>
+            <a:ext uri="{909E8E84-426E-40DD-AFC4-6F175D3DCCD1}">
+              <a14:hiddenFill xmlns:a14="http://schemas.microsoft.com/office/drawing/2010/main">
+                <a:solidFill>
+                  <a:schemeClr val="accent1"/>
+                </a:solidFill>
+              </a14:hiddenFill>
+            </a:ext>
+            <a:ext uri="{91240B29-F687-4F45-9708-019B960494DF}">
+              <a14:hiddenLine xmlns:a14="http://schemas.microsoft.com/office/drawing/2010/main" w="9525">
+                <a:solidFill>
+                  <a:schemeClr val="tx1"/>
+                </a:solidFill>
+                <a:miter lim="800000"/>
+                <a:headEnd/>
+                <a:tailEnd/>
+              </a14:hiddenLine>
+            </a:ext>
+            <a:ext uri="{AF507438-7753-43E0-B8FC-AC1667EBCBE1}">
+              <a14:hiddenEffects xmlns:a14="http://schemas.microsoft.com/office/drawing/2010/main">
+                <a:effectLst>
+                  <a:outerShdw dist="35921" dir="2700000" algn="ctr" rotWithShape="0">
+                    <a:schemeClr val="bg2"/>
+                  </a:outerShdw>
+                </a:effectLst>
+              </a14:hiddenEffects>
+            </a:ext>
+          </a:extLst>
+        </p:spPr>
+      </p:pic>
+    </p:spTree>
+    <p:extLst>
+      <p:ext uri="{BB962C8B-B14F-4D97-AF65-F5344CB8AC3E}">
+        <p14:creationId xmlns:p14="http://schemas.microsoft.com/office/powerpoint/2010/main" val="439512511"/>
+      </p:ext>
+    </p:extLst>
+  </p:cSld>
+  <p:clrMapOvr>
+    <a:masterClrMapping/>
+  </p:clrMapOvr>
+</p:sld>
+</file>
+
+<file path=ppt/slides/slide40.xml><?xml version="1.0" encoding="utf-8"?>
 <p:sld xmlns:a="http://schemas.openxmlformats.org/drawingml/2006/main" xmlns:r="http://schemas.openxmlformats.org/officeDocument/2006/relationships" xmlns:p="http://schemas.openxmlformats.org/presentationml/2006/main">
   <p:cSld>
     <p:bg>
@@ -34830,139 +37492,6 @@
       </p:par>
     </p:tnLst>
   </p:timing>
-</p:sld>
-</file>
-
-<file path=ppt/slides/slide4.xml><?xml version="1.0" encoding="utf-8"?>
-<p:sld xmlns:a="http://schemas.openxmlformats.org/drawingml/2006/main" xmlns:r="http://schemas.openxmlformats.org/officeDocument/2006/relationships" xmlns:p="http://schemas.openxmlformats.org/presentationml/2006/main">
-  <p:cSld>
-    <p:bg>
-      <p:bgPr>
-        <a:solidFill>
-          <a:schemeClr val="accent1"/>
-        </a:solidFill>
-        <a:effectLst/>
-      </p:bgPr>
-    </p:bg>
-    <p:spTree>
-      <p:nvGrpSpPr>
-        <p:cNvPr id="1" name=""/>
-        <p:cNvGrpSpPr/>
-        <p:nvPr/>
-      </p:nvGrpSpPr>
-      <p:grpSpPr>
-        <a:xfrm>
-          <a:off x="0" y="0"/>
-          <a:ext cx="0" cy="0"/>
-          <a:chOff x="0" y="0"/>
-          <a:chExt cx="0" cy="0"/>
-        </a:xfrm>
-      </p:grpSpPr>
-      <p:sp>
-        <p:nvSpPr>
-          <p:cNvPr id="2" name="Title 1"/>
-          <p:cNvSpPr>
-            <a:spLocks noGrp="1"/>
-          </p:cNvSpPr>
-          <p:nvPr>
-            <p:ph type="title"/>
-          </p:nvPr>
-        </p:nvSpPr>
-        <p:spPr/>
-        <p:txBody>
-          <a:bodyPr/>
-          <a:lstStyle/>
-          <a:p>
-            <a:r>
-              <a:rPr lang="en-US" dirty="0" smtClean="0">
-                <a:solidFill>
-                  <a:srgbClr val="336699"/>
-                </a:solidFill>
-              </a:rPr>
-              <a:t>Row state</a:t>
-            </a:r>
-            <a:endParaRPr lang="en-US" dirty="0">
-              <a:solidFill>
-                <a:srgbClr val="336699"/>
-              </a:solidFill>
-            </a:endParaRPr>
-          </a:p>
-        </p:txBody>
-      </p:sp>
-      <p:pic>
-        <p:nvPicPr>
-          <p:cNvPr id="2050" name="Picture 2"/>
-          <p:cNvPicPr>
-            <a:picLocks noChangeAspect="1" noChangeArrowheads="1"/>
-          </p:cNvPicPr>
-          <p:nvPr/>
-        </p:nvPicPr>
-        <p:blipFill>
-          <a:blip r:embed="rId2">
-            <a:extLst>
-              <a:ext uri="{28A0092B-C50C-407E-A947-70E740481C1C}">
-                <a14:useLocalDpi xmlns:a14="http://schemas.microsoft.com/office/drawing/2010/main" val="0"/>
-              </a:ext>
-            </a:extLst>
-          </a:blip>
-          <a:srcRect/>
-          <a:stretch>
-            <a:fillRect/>
-          </a:stretch>
-        </p:blipFill>
-        <p:spPr bwMode="auto">
-          <a:xfrm>
-            <a:off x="1299210" y="1301452"/>
-            <a:ext cx="6545580" cy="5295900"/>
-          </a:xfrm>
-          <a:prstGeom prst="rect">
-            <a:avLst/>
-          </a:prstGeom>
-          <a:noFill/>
-          <a:ln>
-            <a:noFill/>
-          </a:ln>
-          <a:effectLst/>
-          <a:extLst>
-            <a:ext uri="{909E8E84-426E-40DD-AFC4-6F175D3DCCD1}">
-              <a14:hiddenFill xmlns:a14="http://schemas.microsoft.com/office/drawing/2010/main">
-                <a:solidFill>
-                  <a:schemeClr val="accent1"/>
-                </a:solidFill>
-              </a14:hiddenFill>
-            </a:ext>
-            <a:ext uri="{91240B29-F687-4F45-9708-019B960494DF}">
-              <a14:hiddenLine xmlns:a14="http://schemas.microsoft.com/office/drawing/2010/main" w="9525">
-                <a:solidFill>
-                  <a:schemeClr val="tx1"/>
-                </a:solidFill>
-                <a:miter lim="800000"/>
-                <a:headEnd/>
-                <a:tailEnd/>
-              </a14:hiddenLine>
-            </a:ext>
-            <a:ext uri="{AF507438-7753-43E0-B8FC-AC1667EBCBE1}">
-              <a14:hiddenEffects xmlns:a14="http://schemas.microsoft.com/office/drawing/2010/main">
-                <a:effectLst>
-                  <a:outerShdw dist="35921" dir="2700000" algn="ctr" rotWithShape="0">
-                    <a:schemeClr val="bg2"/>
-                  </a:outerShdw>
-                </a:effectLst>
-              </a14:hiddenEffects>
-            </a:ext>
-          </a:extLst>
-        </p:spPr>
-      </p:pic>
-    </p:spTree>
-    <p:extLst>
-      <p:ext uri="{BB962C8B-B14F-4D97-AF65-F5344CB8AC3E}">
-        <p14:creationId xmlns:p14="http://schemas.microsoft.com/office/powerpoint/2010/main" val="439512511"/>
-      </p:ext>
-    </p:extLst>
-  </p:cSld>
-  <p:clrMapOvr>
-    <a:masterClrMapping/>
-  </p:clrMapOvr>
 </p:sld>
 </file>
 

--- a/Presentation/lesson-10-adonet.pptx
+++ b/Presentation/lesson-10-adonet.pptx
@@ -148,7 +148,7 @@
   </p:defaultTextStyle>
   <p:extLst>
     <p:ext uri="{EFAFB233-063F-42B5-8137-9DF3F51BA10A}">
-      <p15:sldGuideLst xmlns:p15="http://schemas.microsoft.com/office/powerpoint/2012/main" xmlns="">
+      <p15:sldGuideLst xmlns="" xmlns:p15="http://schemas.microsoft.com/office/powerpoint/2012/main">
         <p15:guide id="1" orient="horz" pos="2160">
           <p15:clr>
             <a:srgbClr val="A4A3A4"/>
@@ -247,7 +247,7 @@
           <a:p>
             <a:fld id="{B24A7054-7FFB-49F4-A126-5DF6E687FF53}" type="datetimeFigureOut">
               <a:rPr lang="ru-RU" smtClean="0"/>
-              <a:t>08.02.2015</a:t>
+              <a:t>10.02.2015</a:t>
             </a:fld>
             <a:endParaRPr lang="ru-RU"/>
           </a:p>
@@ -1310,7 +1310,7 @@
           <a:p>
             <a:fld id="{8E6E6A2A-E9D3-4A0D-B04A-ABDD367A1E08}" type="datetimeFigureOut">
               <a:rPr lang="ru-RU" smtClean="0"/>
-              <a:t>08.02.2015</a:t>
+              <a:t>10.02.2015</a:t>
             </a:fld>
             <a:endParaRPr lang="ru-RU"/>
           </a:p>
@@ -2758,7 +2758,7 @@
           <a:p>
             <a:fld id="{AC3D3127-B7C4-45E3-9797-C527EC9FDD78}" type="datetimeFigureOut">
               <a:rPr lang="ru-RU" smtClean="0"/>
-              <a:t>08.02.2015</a:t>
+              <a:t>10.02.2015</a:t>
             </a:fld>
             <a:endParaRPr lang="ru-RU"/>
           </a:p>
@@ -33846,6 +33846,13 @@
   <p:clrMapOvr>
     <a:masterClrMapping/>
   </p:clrMapOvr>
+  <p:timing>
+    <p:tnLst>
+      <p:par>
+        <p:cTn id="1" dur="indefinite" restart="never" nodeType="tmRoot"/>
+      </p:par>
+    </p:tnLst>
+  </p:timing>
 </p:sld>
 </file>
 
@@ -34873,11 +34880,7 @@
             </a:r>
             <a:r>
               <a:rPr lang="en-US" sz="3200" dirty="0" smtClean="0"/>
-              <a:t>List&lt;Person</a:t>
-            </a:r>
-            <a:r>
-              <a:rPr lang="en-US" sz="3200" dirty="0" smtClean="0"/>
-              <a:t>&gt;.</a:t>
+              <a:t>List&lt;Person&gt;.</a:t>
             </a:r>
             <a:endParaRPr lang="ru-RU" sz="3200" dirty="0" smtClean="0"/>
           </a:p>
@@ -34893,12 +34896,171 @@
   <p:clrMapOvr>
     <a:masterClrMapping/>
   </p:clrMapOvr>
+  <mc:AlternateContent xmlns:mc="http://schemas.openxmlformats.org/markup-compatibility/2006">
+    <mc:Choice xmlns:p14="http://schemas.microsoft.com/office/powerpoint/2010/main" Requires="p14">
+      <p:transition p14:dur="0"/>
+    </mc:Choice>
+    <mc:Fallback>
+      <p:transition/>
+    </mc:Fallback>
+  </mc:AlternateContent>
   <p:timing>
     <p:tnLst>
       <p:par>
-        <p:cTn id="1" dur="indefinite" restart="never" nodeType="tmRoot"/>
+        <p:cTn id="1" dur="indefinite" restart="never" nodeType="tmRoot">
+          <p:childTnLst>
+            <p:seq concurrent="1" nextAc="seek">
+              <p:cTn id="2" dur="indefinite" nodeType="mainSeq">
+                <p:childTnLst>
+                  <p:par>
+                    <p:cTn id="3" fill="hold">
+                      <p:stCondLst>
+                        <p:cond delay="indefinite"/>
+                      </p:stCondLst>
+                      <p:childTnLst>
+                        <p:par>
+                          <p:cTn id="4" fill="hold">
+                            <p:stCondLst>
+                              <p:cond delay="0"/>
+                            </p:stCondLst>
+                            <p:childTnLst>
+                              <p:par>
+                                <p:cTn id="5" presetID="10" presetClass="entr" presetSubtype="0" fill="hold" grpId="0" nodeType="clickEffect">
+                                  <p:stCondLst>
+                                    <p:cond delay="0"/>
+                                  </p:stCondLst>
+                                  <p:childTnLst>
+                                    <p:set>
+                                      <p:cBhvr>
+                                        <p:cTn id="6" dur="1" fill="hold">
+                                          <p:stCondLst>
+                                            <p:cond delay="0"/>
+                                          </p:stCondLst>
+                                        </p:cTn>
+                                        <p:tgtEl>
+                                          <p:spTgt spid="7"/>
+                                        </p:tgtEl>
+                                        <p:attrNameLst>
+                                          <p:attrName>style.visibility</p:attrName>
+                                        </p:attrNameLst>
+                                      </p:cBhvr>
+                                      <p:to>
+                                        <p:strVal val="visible"/>
+                                      </p:to>
+                                    </p:set>
+                                    <p:animEffect transition="in" filter="fade">
+                                      <p:cBhvr>
+                                        <p:cTn id="7" dur="500"/>
+                                        <p:tgtEl>
+                                          <p:spTgt spid="7"/>
+                                        </p:tgtEl>
+                                      </p:cBhvr>
+                                    </p:animEffect>
+                                  </p:childTnLst>
+                                </p:cTn>
+                              </p:par>
+                              <p:par>
+                                <p:cTn id="8" presetID="10" presetClass="entr" presetSubtype="0" fill="hold" grpId="0" nodeType="withEffect">
+                                  <p:stCondLst>
+                                    <p:cond delay="0"/>
+                                  </p:stCondLst>
+                                  <p:childTnLst>
+                                    <p:set>
+                                      <p:cBhvr>
+                                        <p:cTn id="9" dur="1" fill="hold">
+                                          <p:stCondLst>
+                                            <p:cond delay="0"/>
+                                          </p:stCondLst>
+                                        </p:cTn>
+                                        <p:tgtEl>
+                                          <p:spTgt spid="6"/>
+                                        </p:tgtEl>
+                                        <p:attrNameLst>
+                                          <p:attrName>style.visibility</p:attrName>
+                                        </p:attrNameLst>
+                                      </p:cBhvr>
+                                      <p:to>
+                                        <p:strVal val="visible"/>
+                                      </p:to>
+                                    </p:set>
+                                    <p:animEffect transition="in" filter="fade">
+                                      <p:cBhvr>
+                                        <p:cTn id="10" dur="500"/>
+                                        <p:tgtEl>
+                                          <p:spTgt spid="6"/>
+                                        </p:tgtEl>
+                                      </p:cBhvr>
+                                    </p:animEffect>
+                                  </p:childTnLst>
+                                </p:cTn>
+                              </p:par>
+                              <p:par>
+                                <p:cTn id="11" presetID="10" presetClass="entr" presetSubtype="0" fill="hold" grpId="0" nodeType="withEffect">
+                                  <p:stCondLst>
+                                    <p:cond delay="0"/>
+                                  </p:stCondLst>
+                                  <p:childTnLst>
+                                    <p:set>
+                                      <p:cBhvr>
+                                        <p:cTn id="12" dur="1" fill="hold">
+                                          <p:stCondLst>
+                                            <p:cond delay="0"/>
+                                          </p:stCondLst>
+                                        </p:cTn>
+                                        <p:tgtEl>
+                                          <p:spTgt spid="8"/>
+                                        </p:tgtEl>
+                                        <p:attrNameLst>
+                                          <p:attrName>style.visibility</p:attrName>
+                                        </p:attrNameLst>
+                                      </p:cBhvr>
+                                      <p:to>
+                                        <p:strVal val="visible"/>
+                                      </p:to>
+                                    </p:set>
+                                    <p:animEffect transition="in" filter="fade">
+                                      <p:cBhvr>
+                                        <p:cTn id="13" dur="500"/>
+                                        <p:tgtEl>
+                                          <p:spTgt spid="8"/>
+                                        </p:tgtEl>
+                                      </p:cBhvr>
+                                    </p:animEffect>
+                                  </p:childTnLst>
+                                </p:cTn>
+                              </p:par>
+                            </p:childTnLst>
+                          </p:cTn>
+                        </p:par>
+                      </p:childTnLst>
+                    </p:cTn>
+                  </p:par>
+                </p:childTnLst>
+              </p:cTn>
+              <p:prevCondLst>
+                <p:cond evt="onPrev" delay="0">
+                  <p:tgtEl>
+                    <p:sldTgt/>
+                  </p:tgtEl>
+                </p:cond>
+              </p:prevCondLst>
+              <p:nextCondLst>
+                <p:cond evt="onNext" delay="0">
+                  <p:tgtEl>
+                    <p:sldTgt/>
+                  </p:tgtEl>
+                </p:cond>
+              </p:nextCondLst>
+            </p:seq>
+          </p:childTnLst>
+        </p:cTn>
       </p:par>
     </p:tnLst>
+    <p:bldLst>
+      <p:bldP spid="6" grpId="0" animBg="1"/>
+      <p:bldP spid="7" grpId="0" animBg="1"/>
+      <p:bldP spid="8" grpId="0"/>
+    </p:bldLst>
   </p:timing>
 </p:sld>
 </file>
@@ -34983,7 +35145,7 @@
         </p:blipFill>
         <p:spPr bwMode="auto">
           <a:xfrm>
-            <a:off x="539552" y="1628800"/>
+            <a:off x="539552" y="1484784"/>
             <a:ext cx="2869331" cy="4652659"/>
           </a:xfrm>
           <a:prstGeom prst="rect">
@@ -35032,7 +35194,7 @@
         </p:nvSpPr>
         <p:spPr>
           <a:xfrm>
-            <a:off x="3995936" y="2091620"/>
+            <a:off x="3995936" y="1772816"/>
             <a:ext cx="4788024" cy="3785652"/>
           </a:xfrm>
           <a:prstGeom prst="rect">
@@ -36285,7 +36447,7 @@
         </p:nvSpPr>
         <p:spPr>
           <a:xfrm>
-            <a:off x="3131840" y="3861048"/>
+            <a:off x="2923800" y="3181010"/>
             <a:ext cx="1216152" cy="484632"/>
           </a:xfrm>
           <a:prstGeom prst="leftRightArrow">
@@ -36320,6 +36482,56 @@
           </a:p>
         </p:txBody>
       </p:sp>
+      <p:sp>
+        <p:nvSpPr>
+          <p:cNvPr id="3" name="TextBox 2"/>
+          <p:cNvSpPr txBox="1"/>
+          <p:nvPr/>
+        </p:nvSpPr>
+        <p:spPr>
+          <a:xfrm>
+            <a:off x="3995936" y="5661248"/>
+            <a:ext cx="4788024" cy="1015663"/>
+          </a:xfrm>
+          <a:prstGeom prst="rect">
+            <a:avLst/>
+          </a:prstGeom>
+          <a:noFill/>
+        </p:spPr>
+        <p:txBody>
+          <a:bodyPr wrap="square" rtlCol="0">
+            <a:spAutoFit/>
+          </a:bodyPr>
+          <a:lstStyle/>
+          <a:p>
+            <a:r>
+              <a:rPr lang="ru-RU" sz="2000" dirty="0" smtClean="0"/>
+              <a:t>Связь 1</a:t>
+            </a:r>
+            <a:r>
+              <a:rPr lang="en-US" sz="2000" dirty="0" smtClean="0"/>
+              <a:t>-</a:t>
+            </a:r>
+            <a:r>
+              <a:rPr lang="ru-RU" sz="2000" dirty="0" smtClean="0"/>
+              <a:t>ко-многим </a:t>
+            </a:r>
+            <a:r>
+              <a:rPr lang="ru-RU" sz="2000" dirty="0" smtClean="0"/>
+              <a:t>может быть представлена коллекцией на одной стороне </a:t>
+            </a:r>
+            <a:r>
+              <a:rPr lang="ru-RU" sz="2000" smtClean="0"/>
+              <a:t>и свойством </a:t>
+            </a:r>
+            <a:r>
+              <a:rPr lang="ru-RU" sz="2000" dirty="0" smtClean="0"/>
+              <a:t>на другой.</a:t>
+            </a:r>
+            <a:endParaRPr lang="ru-RU" sz="2000" dirty="0" smtClean="0"/>
+          </a:p>
+        </p:txBody>
+      </p:sp>
     </p:spTree>
     <p:extLst>
       <p:ext uri="{BB962C8B-B14F-4D97-AF65-F5344CB8AC3E}">
@@ -36333,9 +36545,160 @@
   <p:timing>
     <p:tnLst>
       <p:par>
-        <p:cTn id="1" dur="indefinite" restart="never" nodeType="tmRoot"/>
+        <p:cTn id="1" dur="indefinite" restart="never" nodeType="tmRoot">
+          <p:childTnLst>
+            <p:seq concurrent="1" nextAc="seek">
+              <p:cTn id="2" dur="indefinite" nodeType="mainSeq">
+                <p:childTnLst>
+                  <p:par>
+                    <p:cTn id="3" fill="hold">
+                      <p:stCondLst>
+                        <p:cond delay="indefinite"/>
+                      </p:stCondLst>
+                      <p:childTnLst>
+                        <p:par>
+                          <p:cTn id="4" fill="hold">
+                            <p:stCondLst>
+                              <p:cond delay="0"/>
+                            </p:stCondLst>
+                            <p:childTnLst>
+                              <p:par>
+                                <p:cTn id="5" presetID="10" presetClass="entr" presetSubtype="0" fill="hold" grpId="0" nodeType="clickEffect">
+                                  <p:stCondLst>
+                                    <p:cond delay="0"/>
+                                  </p:stCondLst>
+                                  <p:childTnLst>
+                                    <p:set>
+                                      <p:cBhvr>
+                                        <p:cTn id="6" dur="1" fill="hold">
+                                          <p:stCondLst>
+                                            <p:cond delay="0"/>
+                                          </p:stCondLst>
+                                        </p:cTn>
+                                        <p:tgtEl>
+                                          <p:spTgt spid="7"/>
+                                        </p:tgtEl>
+                                        <p:attrNameLst>
+                                          <p:attrName>style.visibility</p:attrName>
+                                        </p:attrNameLst>
+                                      </p:cBhvr>
+                                      <p:to>
+                                        <p:strVal val="visible"/>
+                                      </p:to>
+                                    </p:set>
+                                    <p:animEffect transition="in" filter="fade">
+                                      <p:cBhvr>
+                                        <p:cTn id="7" dur="500"/>
+                                        <p:tgtEl>
+                                          <p:spTgt spid="7"/>
+                                        </p:tgtEl>
+                                      </p:cBhvr>
+                                    </p:animEffect>
+                                  </p:childTnLst>
+                                </p:cTn>
+                              </p:par>
+                              <p:par>
+                                <p:cTn id="8" presetID="10" presetClass="entr" presetSubtype="0" fill="hold" grpId="0" nodeType="withEffect">
+                                  <p:stCondLst>
+                                    <p:cond delay="0"/>
+                                  </p:stCondLst>
+                                  <p:childTnLst>
+                                    <p:set>
+                                      <p:cBhvr>
+                                        <p:cTn id="9" dur="1" fill="hold">
+                                          <p:stCondLst>
+                                            <p:cond delay="0"/>
+                                          </p:stCondLst>
+                                        </p:cTn>
+                                        <p:tgtEl>
+                                          <p:spTgt spid="6"/>
+                                        </p:tgtEl>
+                                        <p:attrNameLst>
+                                          <p:attrName>style.visibility</p:attrName>
+                                        </p:attrNameLst>
+                                      </p:cBhvr>
+                                      <p:to>
+                                        <p:strVal val="visible"/>
+                                      </p:to>
+                                    </p:set>
+                                    <p:animEffect transition="in" filter="fade">
+                                      <p:cBhvr>
+                                        <p:cTn id="10" dur="500"/>
+                                        <p:tgtEl>
+                                          <p:spTgt spid="6"/>
+                                        </p:tgtEl>
+                                      </p:cBhvr>
+                                    </p:animEffect>
+                                  </p:childTnLst>
+                                </p:cTn>
+                              </p:par>
+                              <p:par>
+                                <p:cTn id="11" presetID="10" presetClass="entr" presetSubtype="0" fill="hold" grpId="0" nodeType="withEffect">
+                                  <p:stCondLst>
+                                    <p:cond delay="0"/>
+                                  </p:stCondLst>
+                                  <p:childTnLst>
+                                    <p:set>
+                                      <p:cBhvr>
+                                        <p:cTn id="12" dur="1" fill="hold">
+                                          <p:stCondLst>
+                                            <p:cond delay="0"/>
+                                          </p:stCondLst>
+                                        </p:cTn>
+                                        <p:tgtEl>
+                                          <p:spTgt spid="3"/>
+                                        </p:tgtEl>
+                                        <p:attrNameLst>
+                                          <p:attrName>style.visibility</p:attrName>
+                                        </p:attrNameLst>
+                                      </p:cBhvr>
+                                      <p:to>
+                                        <p:strVal val="visible"/>
+                                      </p:to>
+                                    </p:set>
+                                    <p:animEffect transition="in" filter="fade">
+                                      <p:cBhvr>
+                                        <p:cTn id="13" dur="500"/>
+                                        <p:tgtEl>
+                                          <p:spTgt spid="3"/>
+                                        </p:tgtEl>
+                                      </p:cBhvr>
+                                    </p:animEffect>
+                                  </p:childTnLst>
+                                </p:cTn>
+                              </p:par>
+                            </p:childTnLst>
+                          </p:cTn>
+                        </p:par>
+                      </p:childTnLst>
+                    </p:cTn>
+                  </p:par>
+                </p:childTnLst>
+              </p:cTn>
+              <p:prevCondLst>
+                <p:cond evt="onPrev" delay="0">
+                  <p:tgtEl>
+                    <p:sldTgt/>
+                  </p:tgtEl>
+                </p:cond>
+              </p:prevCondLst>
+              <p:nextCondLst>
+                <p:cond evt="onNext" delay="0">
+                  <p:tgtEl>
+                    <p:sldTgt/>
+                  </p:tgtEl>
+                </p:cond>
+              </p:nextCondLst>
+            </p:seq>
+          </p:childTnLst>
+        </p:cTn>
       </p:par>
     </p:tnLst>
+    <p:bldLst>
+      <p:bldP spid="6" grpId="0" animBg="1"/>
+      <p:bldP spid="7" grpId="0" animBg="1"/>
+      <p:bldP spid="3" grpId="0"/>
+    </p:bldLst>
   </p:timing>
 </p:sld>
 </file>

--- a/Presentation/lesson-10-adonet.pptx
+++ b/Presentation/lesson-10-adonet.pptx
@@ -149,7 +149,7 @@
   </p:defaultTextStyle>
   <p:extLst>
     <p:ext uri="{EFAFB233-063F-42B5-8137-9DF3F51BA10A}">
-      <p15:sldGuideLst xmlns="" xmlns:p15="http://schemas.microsoft.com/office/powerpoint/2012/main">
+      <p15:sldGuideLst xmlns:p15="http://schemas.microsoft.com/office/powerpoint/2012/main" xmlns="">
         <p15:guide id="1" orient="horz" pos="2160">
           <p15:clr>
             <a:srgbClr val="A4A3A4"/>
@@ -248,7 +248,7 @@
           <a:p>
             <a:fld id="{B24A7054-7FFB-49F4-A126-5DF6E687FF53}" type="datetimeFigureOut">
               <a:rPr lang="ru-RU" smtClean="0"/>
-              <a:t>02.11.2015</a:t>
+              <a:t>04.01.2016</a:t>
             </a:fld>
             <a:endParaRPr lang="ru-RU"/>
           </a:p>
@@ -1311,7 +1311,7 @@
           <a:p>
             <a:fld id="{8E6E6A2A-E9D3-4A0D-B04A-ABDD367A1E08}" type="datetimeFigureOut">
               <a:rPr lang="ru-RU" smtClean="0"/>
-              <a:t>02.11.2015</a:t>
+              <a:t>04.01.2016</a:t>
             </a:fld>
             <a:endParaRPr lang="ru-RU"/>
           </a:p>
@@ -2759,7 +2759,7 @@
           <a:p>
             <a:fld id="{AC3D3127-B7C4-45E3-9797-C527EC9FDD78}" type="datetimeFigureOut">
               <a:rPr lang="ru-RU" smtClean="0"/>
-              <a:t>02.11.2015</a:t>
+              <a:t>04.01.2016</a:t>
             </a:fld>
             <a:endParaRPr lang="ru-RU"/>
           </a:p>
@@ -38980,6 +38980,70 @@
           <a:chExt cx="0" cy="0"/>
         </a:xfrm>
       </p:grpSpPr>
+      <p:pic>
+        <p:nvPicPr>
+          <p:cNvPr id="1026" name="Picture 2"/>
+          <p:cNvPicPr>
+            <a:picLocks noChangeAspect="1" noChangeArrowheads="1"/>
+          </p:cNvPicPr>
+          <p:nvPr/>
+        </p:nvPicPr>
+        <p:blipFill>
+          <a:blip r:embed="rId2">
+            <a:extLst>
+              <a:ext uri="{28A0092B-C50C-407E-A947-70E740481C1C}">
+                <a14:useLocalDpi xmlns:a14="http://schemas.microsoft.com/office/drawing/2010/main" val="0"/>
+              </a:ext>
+            </a:extLst>
+          </a:blip>
+          <a:srcRect/>
+          <a:stretch>
+            <a:fillRect/>
+          </a:stretch>
+        </p:blipFill>
+        <p:spPr bwMode="auto">
+          <a:xfrm>
+            <a:off x="611560" y="1988840"/>
+            <a:ext cx="3329453" cy="2815031"/>
+          </a:xfrm>
+          <a:prstGeom prst="rect">
+            <a:avLst/>
+          </a:prstGeom>
+          <a:noFill/>
+          <a:ln>
+            <a:noFill/>
+          </a:ln>
+          <a:effectLst/>
+          <a:extLst>
+            <a:ext uri="{909E8E84-426E-40DD-AFC4-6F175D3DCCD1}">
+              <a14:hiddenFill xmlns:a14="http://schemas.microsoft.com/office/drawing/2010/main">
+                <a:solidFill>
+                  <a:schemeClr val="accent1"/>
+                </a:solidFill>
+              </a14:hiddenFill>
+            </a:ext>
+            <a:ext uri="{91240B29-F687-4F45-9708-019B960494DF}">
+              <a14:hiddenLine xmlns:a14="http://schemas.microsoft.com/office/drawing/2010/main" w="9525">
+                <a:solidFill>
+                  <a:schemeClr val="tx1"/>
+                </a:solidFill>
+                <a:miter lim="800000"/>
+                <a:headEnd/>
+                <a:tailEnd/>
+              </a14:hiddenLine>
+            </a:ext>
+            <a:ext uri="{AF507438-7753-43E0-B8FC-AC1667EBCBE1}">
+              <a14:hiddenEffects xmlns:a14="http://schemas.microsoft.com/office/drawing/2010/main">
+                <a:effectLst>
+                  <a:outerShdw dist="35921" dir="2700000" algn="ctr" rotWithShape="0">
+                    <a:schemeClr val="bg2"/>
+                  </a:outerShdw>
+                </a:effectLst>
+              </a14:hiddenEffects>
+            </a:ext>
+          </a:extLst>
+        </p:spPr>
+      </p:pic>
       <p:sp>
         <p:nvSpPr>
           <p:cNvPr id="2" name="Title 1"/>
@@ -39025,70 +39089,6 @@
           </a:p>
         </p:txBody>
       </p:sp>
-      <p:pic>
-        <p:nvPicPr>
-          <p:cNvPr id="1027" name="Picture 3"/>
-          <p:cNvPicPr>
-            <a:picLocks noChangeAspect="1" noChangeArrowheads="1"/>
-          </p:cNvPicPr>
-          <p:nvPr/>
-        </p:nvPicPr>
-        <p:blipFill>
-          <a:blip r:embed="rId2">
-            <a:extLst>
-              <a:ext uri="{28A0092B-C50C-407E-A947-70E740481C1C}">
-                <a14:useLocalDpi xmlns:a14="http://schemas.microsoft.com/office/drawing/2010/main" val="0"/>
-              </a:ext>
-            </a:extLst>
-          </a:blip>
-          <a:srcRect/>
-          <a:stretch>
-            <a:fillRect/>
-          </a:stretch>
-        </p:blipFill>
-        <p:spPr bwMode="auto">
-          <a:xfrm>
-            <a:off x="493749" y="1797046"/>
-            <a:ext cx="3124200" cy="3009900"/>
-          </a:xfrm>
-          <a:prstGeom prst="rect">
-            <a:avLst/>
-          </a:prstGeom>
-          <a:noFill/>
-          <a:ln>
-            <a:noFill/>
-          </a:ln>
-          <a:effectLst/>
-          <a:extLst>
-            <a:ext uri="{909E8E84-426E-40DD-AFC4-6F175D3DCCD1}">
-              <a14:hiddenFill xmlns:a14="http://schemas.microsoft.com/office/drawing/2010/main">
-                <a:solidFill>
-                  <a:schemeClr val="accent1"/>
-                </a:solidFill>
-              </a14:hiddenFill>
-            </a:ext>
-            <a:ext uri="{91240B29-F687-4F45-9708-019B960494DF}">
-              <a14:hiddenLine xmlns:a14="http://schemas.microsoft.com/office/drawing/2010/main" w="9525">
-                <a:solidFill>
-                  <a:schemeClr val="tx1"/>
-                </a:solidFill>
-                <a:miter lim="800000"/>
-                <a:headEnd/>
-                <a:tailEnd/>
-              </a14:hiddenLine>
-            </a:ext>
-            <a:ext uri="{AF507438-7753-43E0-B8FC-AC1667EBCBE1}">
-              <a14:hiddenEffects xmlns:a14="http://schemas.microsoft.com/office/drawing/2010/main">
-                <a:effectLst>
-                  <a:outerShdw dist="35921" dir="2700000" algn="ctr" rotWithShape="0">
-                    <a:schemeClr val="bg2"/>
-                  </a:outerShdw>
-                </a:effectLst>
-              </a14:hiddenEffects>
-            </a:ext>
-          </a:extLst>
-        </p:spPr>
-      </p:pic>
       <p:sp>
         <p:nvSpPr>
           <p:cNvPr id="6" name="Rectangle 5"/>
@@ -39118,6 +39118,9 @@
                 <a:solidFill>
                   <a:srgbClr val="0000FF"/>
                 </a:solidFill>
+                <a:highlight>
+                  <a:srgbClr val="FFFFFF"/>
+                </a:highlight>
                 <a:latin typeface="Consolas"/>
               </a:rPr>
               <a:t>class</a:t>
@@ -39127,10 +39130,34 @@
                 <a:solidFill>
                   <a:srgbClr val="000000"/>
                 </a:solidFill>
+                <a:highlight>
+                  <a:srgbClr val="FFFFFF"/>
+                </a:highlight>
                 <a:latin typeface="Consolas"/>
               </a:rPr>
-              <a:t> Person</a:t>
-            </a:r>
+              <a:t> </a:t>
+            </a:r>
+            <a:r>
+              <a:rPr lang="en-US" sz="1400" dirty="0">
+                <a:solidFill>
+                  <a:srgbClr val="2B91AF"/>
+                </a:solidFill>
+                <a:highlight>
+                  <a:srgbClr val="FFFFFF"/>
+                </a:highlight>
+                <a:latin typeface="Consolas"/>
+              </a:rPr>
+              <a:t>Person</a:t>
+            </a:r>
+            <a:endParaRPr lang="en-US" sz="1400" dirty="0">
+              <a:solidFill>
+                <a:srgbClr val="000000"/>
+              </a:solidFill>
+              <a:highlight>
+                <a:srgbClr val="FFFFFF"/>
+              </a:highlight>
+              <a:latin typeface="Consolas"/>
+            </a:endParaRPr>
           </a:p>
           <a:p>
             <a:r>
@@ -39138,6 +39165,9 @@
                 <a:solidFill>
                   <a:srgbClr val="000000"/>
                 </a:solidFill>
+                <a:highlight>
+                  <a:srgbClr val="FFFFFF"/>
+                </a:highlight>
                 <a:latin typeface="Consolas"/>
               </a:rPr>
               <a:t>{</a:t>
@@ -39149,6 +39179,9 @@
                 <a:solidFill>
                   <a:srgbClr val="0000FF"/>
                 </a:solidFill>
+                <a:highlight>
+                  <a:srgbClr val="FFFFFF"/>
+                </a:highlight>
                 <a:latin typeface="Consolas"/>
               </a:rPr>
               <a:t>    </a:t>
@@ -39158,6 +39191,9 @@
                 <a:solidFill>
                   <a:srgbClr val="0000FF"/>
                 </a:solidFill>
+                <a:highlight>
+                  <a:srgbClr val="FFFFFF"/>
+                </a:highlight>
                 <a:latin typeface="Consolas"/>
               </a:rPr>
               <a:t>public</a:t>
@@ -39167,6 +39203,9 @@
                 <a:solidFill>
                   <a:srgbClr val="000000"/>
                 </a:solidFill>
+                <a:highlight>
+                  <a:srgbClr val="FFFFFF"/>
+                </a:highlight>
                 <a:latin typeface="Consolas"/>
               </a:rPr>
               <a:t> </a:t>
@@ -39176,6 +39215,9 @@
                 <a:solidFill>
                   <a:srgbClr val="0000FF"/>
                 </a:solidFill>
+                <a:highlight>
+                  <a:srgbClr val="FFFFFF"/>
+                </a:highlight>
                 <a:latin typeface="Consolas"/>
               </a:rPr>
               <a:t>int</a:t>
@@ -39185,24 +39227,143 @@
                 <a:solidFill>
                   <a:srgbClr val="000000"/>
                 </a:solidFill>
+                <a:highlight>
+                  <a:srgbClr val="FFFFFF"/>
+                </a:highlight>
                 <a:latin typeface="Consolas"/>
               </a:rPr>
+              <a:t> Id { </a:t>
+            </a:r>
+            <a:r>
+              <a:rPr lang="en-US" sz="1400" dirty="0">
+                <a:solidFill>
+                  <a:srgbClr val="0000FF"/>
+                </a:solidFill>
+                <a:highlight>
+                  <a:srgbClr val="FFFFFF"/>
+                </a:highlight>
+                <a:latin typeface="Consolas"/>
+              </a:rPr>
+              <a:t>get</a:t>
+            </a:r>
+            <a:r>
+              <a:rPr lang="en-US" sz="1400" dirty="0">
+                <a:solidFill>
+                  <a:srgbClr val="000000"/>
+                </a:solidFill>
+                <a:highlight>
+                  <a:srgbClr val="FFFFFF"/>
+                </a:highlight>
+                <a:latin typeface="Consolas"/>
+              </a:rPr>
+              <a:t>; </a:t>
+            </a:r>
+            <a:r>
+              <a:rPr lang="en-US" sz="1400" dirty="0">
+                <a:solidFill>
+                  <a:srgbClr val="0000FF"/>
+                </a:solidFill>
+                <a:highlight>
+                  <a:srgbClr val="FFFFFF"/>
+                </a:highlight>
+                <a:latin typeface="Consolas"/>
+              </a:rPr>
+              <a:t>set</a:t>
+            </a:r>
+            <a:r>
+              <a:rPr lang="en-US" sz="1400" dirty="0">
+                <a:solidFill>
+                  <a:srgbClr val="000000"/>
+                </a:solidFill>
+                <a:highlight>
+                  <a:srgbClr val="FFFFFF"/>
+                </a:highlight>
+                <a:latin typeface="Consolas"/>
+              </a:rPr>
+              <a:t>; }</a:t>
+            </a:r>
+          </a:p>
+          <a:p>
+            <a:r>
+              <a:rPr lang="ru-RU" sz="1400" dirty="0" smtClean="0">
+                <a:solidFill>
+                  <a:srgbClr val="0000FF"/>
+                </a:solidFill>
+                <a:highlight>
+                  <a:srgbClr val="FFFFFF"/>
+                </a:highlight>
+                <a:latin typeface="Consolas"/>
+              </a:rPr>
+              <a:t>    </a:t>
+            </a:r>
+            <a:r>
+              <a:rPr lang="en-US" sz="1400" dirty="0" smtClean="0">
+                <a:solidFill>
+                  <a:srgbClr val="0000FF"/>
+                </a:solidFill>
+                <a:highlight>
+                  <a:srgbClr val="FFFFFF"/>
+                </a:highlight>
+                <a:latin typeface="Consolas"/>
+              </a:rPr>
+              <a:t>public</a:t>
+            </a:r>
+            <a:r>
+              <a:rPr lang="en-US" sz="1400" dirty="0" smtClean="0">
+                <a:solidFill>
+                  <a:srgbClr val="000000"/>
+                </a:solidFill>
+                <a:highlight>
+                  <a:srgbClr val="FFFFFF"/>
+                </a:highlight>
+                <a:latin typeface="Consolas"/>
+              </a:rPr>
               <a:t> </a:t>
             </a:r>
             <a:r>
+              <a:rPr lang="en-US" sz="1400" dirty="0">
+                <a:solidFill>
+                  <a:srgbClr val="0000FF"/>
+                </a:solidFill>
+                <a:highlight>
+                  <a:srgbClr val="FFFFFF"/>
+                </a:highlight>
+                <a:latin typeface="Consolas"/>
+              </a:rPr>
+              <a:t>string</a:t>
+            </a:r>
+            <a:r>
+              <a:rPr lang="en-US" sz="1400" dirty="0">
+                <a:solidFill>
+                  <a:srgbClr val="000000"/>
+                </a:solidFill>
+                <a:highlight>
+                  <a:srgbClr val="FFFFFF"/>
+                </a:highlight>
+                <a:latin typeface="Consolas"/>
+              </a:rPr>
+              <a:t> </a:t>
+            </a:r>
+            <a:r>
               <a:rPr lang="en-US" sz="1400" dirty="0" err="1">
                 <a:solidFill>
                   <a:srgbClr val="000000"/>
                 </a:solidFill>
+                <a:highlight>
+                  <a:srgbClr val="FFFFFF"/>
+                </a:highlight>
                 <a:latin typeface="Consolas"/>
               </a:rPr>
-              <a:t>PersonId</a:t>
+              <a:t>FirstName</a:t>
             </a:r>
             <a:r>
               <a:rPr lang="en-US" sz="1400" dirty="0">
                 <a:solidFill>
                   <a:srgbClr val="000000"/>
                 </a:solidFill>
+                <a:highlight>
+                  <a:srgbClr val="FFFFFF"/>
+                </a:highlight>
                 <a:latin typeface="Consolas"/>
               </a:rPr>
               <a:t> { </a:t>
@@ -39212,6 +39373,9 @@
                 <a:solidFill>
                   <a:srgbClr val="0000FF"/>
                 </a:solidFill>
+                <a:highlight>
+                  <a:srgbClr val="FFFFFF"/>
+                </a:highlight>
                 <a:latin typeface="Consolas"/>
               </a:rPr>
               <a:t>get</a:t>
@@ -39221,6 +39385,9 @@
                 <a:solidFill>
                   <a:srgbClr val="000000"/>
                 </a:solidFill>
+                <a:highlight>
+                  <a:srgbClr val="FFFFFF"/>
+                </a:highlight>
                 <a:latin typeface="Consolas"/>
               </a:rPr>
               <a:t>; </a:t>
@@ -39230,6 +39397,9 @@
                 <a:solidFill>
                   <a:srgbClr val="0000FF"/>
                 </a:solidFill>
+                <a:highlight>
+                  <a:srgbClr val="FFFFFF"/>
+                </a:highlight>
                 <a:latin typeface="Consolas"/>
               </a:rPr>
               <a:t>set</a:t>
@@ -39239,6 +39409,9 @@
                 <a:solidFill>
                   <a:srgbClr val="000000"/>
                 </a:solidFill>
+                <a:highlight>
+                  <a:srgbClr val="FFFFFF"/>
+                </a:highlight>
                 <a:latin typeface="Consolas"/>
               </a:rPr>
               <a:t>; }</a:t>
@@ -39250,6 +39423,9 @@
                 <a:solidFill>
                   <a:srgbClr val="0000FF"/>
                 </a:solidFill>
+                <a:highlight>
+                  <a:srgbClr val="FFFFFF"/>
+                </a:highlight>
                 <a:latin typeface="Consolas"/>
               </a:rPr>
               <a:t>    </a:t>
@@ -39259,6 +39435,9 @@
                 <a:solidFill>
                   <a:srgbClr val="0000FF"/>
                 </a:solidFill>
+                <a:highlight>
+                  <a:srgbClr val="FFFFFF"/>
+                </a:highlight>
                 <a:latin typeface="Consolas"/>
               </a:rPr>
               <a:t>public</a:t>
@@ -39268,6 +39447,9 @@
                 <a:solidFill>
                   <a:srgbClr val="000000"/>
                 </a:solidFill>
+                <a:highlight>
+                  <a:srgbClr val="FFFFFF"/>
+                </a:highlight>
                 <a:latin typeface="Consolas"/>
               </a:rPr>
               <a:t> </a:t>
@@ -39277,6 +39459,9 @@
                 <a:solidFill>
                   <a:srgbClr val="0000FF"/>
                 </a:solidFill>
+                <a:highlight>
+                  <a:srgbClr val="FFFFFF"/>
+                </a:highlight>
                 <a:latin typeface="Consolas"/>
               </a:rPr>
               <a:t>string</a:t>
@@ -39286,6 +39471,9 @@
                 <a:solidFill>
                   <a:srgbClr val="000000"/>
                 </a:solidFill>
+                <a:highlight>
+                  <a:srgbClr val="FFFFFF"/>
+                </a:highlight>
                 <a:latin typeface="Consolas"/>
               </a:rPr>
               <a:t> </a:t>
@@ -39295,15 +39483,21 @@
                 <a:solidFill>
                   <a:srgbClr val="000000"/>
                 </a:solidFill>
+                <a:highlight>
+                  <a:srgbClr val="FFFFFF"/>
+                </a:highlight>
                 <a:latin typeface="Consolas"/>
               </a:rPr>
-              <a:t>FirstName</a:t>
+              <a:t>LastName</a:t>
             </a:r>
             <a:r>
               <a:rPr lang="en-US" sz="1400" dirty="0">
                 <a:solidFill>
                   <a:srgbClr val="000000"/>
                 </a:solidFill>
+                <a:highlight>
+                  <a:srgbClr val="FFFFFF"/>
+                </a:highlight>
                 <a:latin typeface="Consolas"/>
               </a:rPr>
               <a:t> { </a:t>
@@ -39313,6 +39507,9 @@
                 <a:solidFill>
                   <a:srgbClr val="0000FF"/>
                 </a:solidFill>
+                <a:highlight>
+                  <a:srgbClr val="FFFFFF"/>
+                </a:highlight>
                 <a:latin typeface="Consolas"/>
               </a:rPr>
               <a:t>get</a:t>
@@ -39322,6 +39519,9 @@
                 <a:solidFill>
                   <a:srgbClr val="000000"/>
                 </a:solidFill>
+                <a:highlight>
+                  <a:srgbClr val="FFFFFF"/>
+                </a:highlight>
                 <a:latin typeface="Consolas"/>
               </a:rPr>
               <a:t>; </a:t>
@@ -39331,6 +39531,9 @@
                 <a:solidFill>
                   <a:srgbClr val="0000FF"/>
                 </a:solidFill>
+                <a:highlight>
+                  <a:srgbClr val="FFFFFF"/>
+                </a:highlight>
                 <a:latin typeface="Consolas"/>
               </a:rPr>
               <a:t>set</a:t>
@@ -39340,6 +39543,9 @@
                 <a:solidFill>
                   <a:srgbClr val="000000"/>
                 </a:solidFill>
+                <a:highlight>
+                  <a:srgbClr val="FFFFFF"/>
+                </a:highlight>
                 <a:latin typeface="Consolas"/>
               </a:rPr>
               <a:t>; }</a:t>
@@ -39351,6 +39557,9 @@
                 <a:solidFill>
                   <a:srgbClr val="0000FF"/>
                 </a:solidFill>
+                <a:highlight>
+                  <a:srgbClr val="FFFFFF"/>
+                </a:highlight>
                 <a:latin typeface="Consolas"/>
               </a:rPr>
               <a:t>    </a:t>
@@ -39360,6 +39569,9 @@
                 <a:solidFill>
                   <a:srgbClr val="0000FF"/>
                 </a:solidFill>
+                <a:highlight>
+                  <a:srgbClr val="FFFFFF"/>
+                </a:highlight>
                 <a:latin typeface="Consolas"/>
               </a:rPr>
               <a:t>public</a:t>
@@ -39369,6 +39581,9 @@
                 <a:solidFill>
                   <a:srgbClr val="000000"/>
                 </a:solidFill>
+                <a:highlight>
+                  <a:srgbClr val="FFFFFF"/>
+                </a:highlight>
                 <a:latin typeface="Consolas"/>
               </a:rPr>
               <a:t> </a:t>
@@ -39378,8 +39593,255 @@
                 <a:solidFill>
                   <a:srgbClr val="0000FF"/>
                 </a:solidFill>
+                <a:highlight>
+                  <a:srgbClr val="FFFFFF"/>
+                </a:highlight>
                 <a:latin typeface="Consolas"/>
               </a:rPr>
+              <a:t>byte</a:t>
+            </a:r>
+            <a:r>
+              <a:rPr lang="en-US" sz="1400" dirty="0">
+                <a:solidFill>
+                  <a:srgbClr val="000000"/>
+                </a:solidFill>
+                <a:highlight>
+                  <a:srgbClr val="FFFFFF"/>
+                </a:highlight>
+                <a:latin typeface="Consolas"/>
+              </a:rPr>
+              <a:t> Sex { </a:t>
+            </a:r>
+            <a:r>
+              <a:rPr lang="en-US" sz="1400" dirty="0">
+                <a:solidFill>
+                  <a:srgbClr val="0000FF"/>
+                </a:solidFill>
+                <a:highlight>
+                  <a:srgbClr val="FFFFFF"/>
+                </a:highlight>
+                <a:latin typeface="Consolas"/>
+              </a:rPr>
+              <a:t>get</a:t>
+            </a:r>
+            <a:r>
+              <a:rPr lang="en-US" sz="1400" dirty="0">
+                <a:solidFill>
+                  <a:srgbClr val="000000"/>
+                </a:solidFill>
+                <a:highlight>
+                  <a:srgbClr val="FFFFFF"/>
+                </a:highlight>
+                <a:latin typeface="Consolas"/>
+              </a:rPr>
+              <a:t>; </a:t>
+            </a:r>
+            <a:r>
+              <a:rPr lang="en-US" sz="1400" dirty="0">
+                <a:solidFill>
+                  <a:srgbClr val="0000FF"/>
+                </a:solidFill>
+                <a:highlight>
+                  <a:srgbClr val="FFFFFF"/>
+                </a:highlight>
+                <a:latin typeface="Consolas"/>
+              </a:rPr>
+              <a:t>set</a:t>
+            </a:r>
+            <a:r>
+              <a:rPr lang="en-US" sz="1400" dirty="0">
+                <a:solidFill>
+                  <a:srgbClr val="000000"/>
+                </a:solidFill>
+                <a:highlight>
+                  <a:srgbClr val="FFFFFF"/>
+                </a:highlight>
+                <a:latin typeface="Consolas"/>
+              </a:rPr>
+              <a:t>; }</a:t>
+            </a:r>
+          </a:p>
+          <a:p>
+            <a:r>
+              <a:rPr lang="ru-RU" sz="1400" dirty="0" smtClean="0">
+                <a:solidFill>
+                  <a:srgbClr val="0000FF"/>
+                </a:solidFill>
+                <a:highlight>
+                  <a:srgbClr val="FFFFFF"/>
+                </a:highlight>
+                <a:latin typeface="Consolas"/>
+              </a:rPr>
+              <a:t>    </a:t>
+            </a:r>
+            <a:r>
+              <a:rPr lang="en-US" sz="1400" dirty="0" smtClean="0">
+                <a:solidFill>
+                  <a:srgbClr val="0000FF"/>
+                </a:solidFill>
+                <a:highlight>
+                  <a:srgbClr val="FFFFFF"/>
+                </a:highlight>
+                <a:latin typeface="Consolas"/>
+              </a:rPr>
+              <a:t>public</a:t>
+            </a:r>
+            <a:r>
+              <a:rPr lang="en-US" sz="1400" dirty="0" smtClean="0">
+                <a:solidFill>
+                  <a:srgbClr val="000000"/>
+                </a:solidFill>
+                <a:highlight>
+                  <a:srgbClr val="FFFFFF"/>
+                </a:highlight>
+                <a:latin typeface="Consolas"/>
+              </a:rPr>
+              <a:t> </a:t>
+            </a:r>
+            <a:r>
+              <a:rPr lang="en-US" sz="1400" dirty="0" err="1">
+                <a:solidFill>
+                  <a:srgbClr val="2B91AF"/>
+                </a:solidFill>
+                <a:highlight>
+                  <a:srgbClr val="FFFFFF"/>
+                </a:highlight>
+                <a:latin typeface="Consolas"/>
+              </a:rPr>
+              <a:t>DateTime</a:t>
+            </a:r>
+            <a:r>
+              <a:rPr lang="en-US" sz="1400" dirty="0">
+                <a:solidFill>
+                  <a:srgbClr val="000000"/>
+                </a:solidFill>
+                <a:highlight>
+                  <a:srgbClr val="FFFFFF"/>
+                </a:highlight>
+                <a:latin typeface="Consolas"/>
+              </a:rPr>
+              <a:t>? </a:t>
+            </a:r>
+            <a:r>
+              <a:rPr lang="en-US" sz="1400" dirty="0" err="1">
+                <a:solidFill>
+                  <a:srgbClr val="000000"/>
+                </a:solidFill>
+                <a:highlight>
+                  <a:srgbClr val="FFFFFF"/>
+                </a:highlight>
+                <a:latin typeface="Consolas"/>
+              </a:rPr>
+              <a:t>BirthDate</a:t>
+            </a:r>
+            <a:r>
+              <a:rPr lang="en-US" sz="1400" dirty="0">
+                <a:solidFill>
+                  <a:srgbClr val="000000"/>
+                </a:solidFill>
+                <a:highlight>
+                  <a:srgbClr val="FFFFFF"/>
+                </a:highlight>
+                <a:latin typeface="Consolas"/>
+              </a:rPr>
+              <a:t> { </a:t>
+            </a:r>
+            <a:r>
+              <a:rPr lang="en-US" sz="1400" dirty="0">
+                <a:solidFill>
+                  <a:srgbClr val="0000FF"/>
+                </a:solidFill>
+                <a:highlight>
+                  <a:srgbClr val="FFFFFF"/>
+                </a:highlight>
+                <a:latin typeface="Consolas"/>
+              </a:rPr>
+              <a:t>get</a:t>
+            </a:r>
+            <a:r>
+              <a:rPr lang="en-US" sz="1400" dirty="0">
+                <a:solidFill>
+                  <a:srgbClr val="000000"/>
+                </a:solidFill>
+                <a:highlight>
+                  <a:srgbClr val="FFFFFF"/>
+                </a:highlight>
+                <a:latin typeface="Consolas"/>
+              </a:rPr>
+              <a:t>; </a:t>
+            </a:r>
+            <a:r>
+              <a:rPr lang="en-US" sz="1400" dirty="0">
+                <a:solidFill>
+                  <a:srgbClr val="0000FF"/>
+                </a:solidFill>
+                <a:highlight>
+                  <a:srgbClr val="FFFFFF"/>
+                </a:highlight>
+                <a:latin typeface="Consolas"/>
+              </a:rPr>
+              <a:t>set</a:t>
+            </a:r>
+            <a:r>
+              <a:rPr lang="en-US" sz="1400" dirty="0">
+                <a:solidFill>
+                  <a:srgbClr val="000000"/>
+                </a:solidFill>
+                <a:highlight>
+                  <a:srgbClr val="FFFFFF"/>
+                </a:highlight>
+                <a:latin typeface="Consolas"/>
+              </a:rPr>
+              <a:t>; }</a:t>
+            </a:r>
+          </a:p>
+          <a:p>
+            <a:r>
+              <a:rPr lang="ru-RU" sz="1400" dirty="0" smtClean="0">
+                <a:solidFill>
+                  <a:srgbClr val="0000FF"/>
+                </a:solidFill>
+                <a:highlight>
+                  <a:srgbClr val="FFFFFF"/>
+                </a:highlight>
+                <a:latin typeface="Consolas"/>
+              </a:rPr>
+              <a:t>    </a:t>
+            </a:r>
+            <a:r>
+              <a:rPr lang="en-US" sz="1400" dirty="0" smtClean="0">
+                <a:solidFill>
+                  <a:srgbClr val="0000FF"/>
+                </a:solidFill>
+                <a:highlight>
+                  <a:srgbClr val="FFFFFF"/>
+                </a:highlight>
+                <a:latin typeface="Consolas"/>
+              </a:rPr>
+              <a:t>public</a:t>
+            </a:r>
+            <a:r>
+              <a:rPr lang="en-US" sz="1400" dirty="0" smtClean="0">
+                <a:solidFill>
+                  <a:srgbClr val="000000"/>
+                </a:solidFill>
+                <a:highlight>
+                  <a:srgbClr val="FFFFFF"/>
+                </a:highlight>
+                <a:latin typeface="Consolas"/>
+              </a:rPr>
+              <a:t> </a:t>
+            </a:r>
+            <a:r>
+              <a:rPr lang="en-US" sz="1400" dirty="0">
+                <a:solidFill>
+                  <a:srgbClr val="0000FF"/>
+                </a:solidFill>
+                <a:highlight>
+                  <a:srgbClr val="FFFFFF"/>
+                </a:highlight>
+                <a:latin typeface="Consolas"/>
+              </a:rPr>
               <a:t>string</a:t>
             </a:r>
             <a:r>
@@ -39387,6 +39849,9 @@
                 <a:solidFill>
                   <a:srgbClr val="000000"/>
                 </a:solidFill>
+                <a:highlight>
+                  <a:srgbClr val="FFFFFF"/>
+                </a:highlight>
                 <a:latin typeface="Consolas"/>
               </a:rPr>
               <a:t> </a:t>
@@ -39396,15 +39861,21 @@
                 <a:solidFill>
                   <a:srgbClr val="000000"/>
                 </a:solidFill>
+                <a:highlight>
+                  <a:srgbClr val="FFFFFF"/>
+                </a:highlight>
                 <a:latin typeface="Consolas"/>
               </a:rPr>
-              <a:t>LastName</a:t>
+              <a:t>PhoneNumber</a:t>
             </a:r>
             <a:r>
               <a:rPr lang="en-US" sz="1400" dirty="0">
                 <a:solidFill>
                   <a:srgbClr val="000000"/>
                 </a:solidFill>
+                <a:highlight>
+                  <a:srgbClr val="FFFFFF"/>
+                </a:highlight>
                 <a:latin typeface="Consolas"/>
               </a:rPr>
               <a:t> { </a:t>
@@ -39414,6 +39885,9 @@
                 <a:solidFill>
                   <a:srgbClr val="0000FF"/>
                 </a:solidFill>
+                <a:highlight>
+                  <a:srgbClr val="FFFFFF"/>
+                </a:highlight>
                 <a:latin typeface="Consolas"/>
               </a:rPr>
               <a:t>get</a:t>
@@ -39423,6 +39897,9 @@
                 <a:solidFill>
                   <a:srgbClr val="000000"/>
                 </a:solidFill>
+                <a:highlight>
+                  <a:srgbClr val="FFFFFF"/>
+                </a:highlight>
                 <a:latin typeface="Consolas"/>
               </a:rPr>
               <a:t>; </a:t>
@@ -39432,6 +39909,9 @@
                 <a:solidFill>
                   <a:srgbClr val="0000FF"/>
                 </a:solidFill>
+                <a:highlight>
+                  <a:srgbClr val="FFFFFF"/>
+                </a:highlight>
                 <a:latin typeface="Consolas"/>
               </a:rPr>
               <a:t>set</a:t>
@@ -39441,6 +39921,9 @@
                 <a:solidFill>
                   <a:srgbClr val="000000"/>
                 </a:solidFill>
+                <a:highlight>
+                  <a:srgbClr val="FFFFFF"/>
+                </a:highlight>
                 <a:latin typeface="Consolas"/>
               </a:rPr>
               <a:t>; }</a:t>
@@ -39448,299 +39931,23 @@
           </a:p>
           <a:p>
             <a:r>
-              <a:rPr lang="ru-RU" sz="1400" dirty="0" smtClean="0">
-                <a:solidFill>
-                  <a:srgbClr val="0000FF"/>
-                </a:solidFill>
+              <a:rPr lang="en-US" sz="1400" dirty="0" smtClean="0">
+                <a:solidFill>
+                  <a:srgbClr val="000000"/>
+                </a:solidFill>
+                <a:highlight>
+                  <a:srgbClr val="FFFFFF"/>
+                </a:highlight>
                 <a:latin typeface="Consolas"/>
               </a:rPr>
-              <a:t>    </a:t>
-            </a:r>
-            <a:r>
-              <a:rPr lang="en-US" sz="1400" dirty="0" smtClean="0">
-                <a:solidFill>
-                  <a:srgbClr val="0000FF"/>
-                </a:solidFill>
-                <a:latin typeface="Consolas"/>
-              </a:rPr>
-              <a:t>public</a:t>
-            </a:r>
-            <a:r>
-              <a:rPr lang="en-US" sz="1400" dirty="0" smtClean="0">
-                <a:solidFill>
-                  <a:srgbClr val="000000"/>
-                </a:solidFill>
-                <a:latin typeface="Consolas"/>
-              </a:rPr>
-              <a:t> </a:t>
-            </a:r>
-            <a:r>
-              <a:rPr lang="en-US" sz="1400" dirty="0">
-                <a:solidFill>
-                  <a:srgbClr val="0000FF"/>
-                </a:solidFill>
-                <a:latin typeface="Consolas"/>
-              </a:rPr>
-              <a:t>byte</a:t>
-            </a:r>
-            <a:r>
-              <a:rPr lang="en-US" sz="1400" dirty="0">
-                <a:solidFill>
-                  <a:srgbClr val="000000"/>
-                </a:solidFill>
-                <a:latin typeface="Consolas"/>
-              </a:rPr>
-              <a:t> Gender { </a:t>
-            </a:r>
-            <a:r>
-              <a:rPr lang="en-US" sz="1400" dirty="0">
-                <a:solidFill>
-                  <a:srgbClr val="0000FF"/>
-                </a:solidFill>
-                <a:latin typeface="Consolas"/>
-              </a:rPr>
-              <a:t>get</a:t>
-            </a:r>
-            <a:r>
-              <a:rPr lang="en-US" sz="1400" dirty="0">
-                <a:solidFill>
-                  <a:srgbClr val="000000"/>
-                </a:solidFill>
-                <a:latin typeface="Consolas"/>
-              </a:rPr>
-              <a:t>; </a:t>
-            </a:r>
-            <a:r>
-              <a:rPr lang="en-US" sz="1400" dirty="0">
-                <a:solidFill>
-                  <a:srgbClr val="0000FF"/>
-                </a:solidFill>
-                <a:latin typeface="Consolas"/>
-              </a:rPr>
-              <a:t>set</a:t>
-            </a:r>
-            <a:r>
-              <a:rPr lang="en-US" sz="1400" dirty="0">
-                <a:solidFill>
-                  <a:srgbClr val="000000"/>
-                </a:solidFill>
-                <a:latin typeface="Consolas"/>
-              </a:rPr>
-              <a:t>; }</a:t>
-            </a:r>
-          </a:p>
-          <a:p>
-            <a:r>
-              <a:rPr lang="ru-RU" sz="1400" dirty="0" smtClean="0">
-                <a:solidFill>
-                  <a:srgbClr val="0000FF"/>
-                </a:solidFill>
-                <a:latin typeface="Consolas"/>
-              </a:rPr>
-              <a:t>    </a:t>
-            </a:r>
-            <a:r>
-              <a:rPr lang="en-US" sz="1400" dirty="0" smtClean="0">
-                <a:solidFill>
-                  <a:srgbClr val="0000FF"/>
-                </a:solidFill>
-                <a:latin typeface="Consolas"/>
-              </a:rPr>
-              <a:t>public</a:t>
-            </a:r>
-            <a:r>
-              <a:rPr lang="en-US" sz="1400" dirty="0" smtClean="0">
-                <a:solidFill>
-                  <a:srgbClr val="000000"/>
-                </a:solidFill>
-                <a:latin typeface="Consolas"/>
-              </a:rPr>
-              <a:t> </a:t>
-            </a:r>
-            <a:r>
-              <a:rPr lang="en-US" sz="1400" dirty="0" err="1">
-                <a:solidFill>
-                  <a:srgbClr val="000000"/>
-                </a:solidFill>
-                <a:latin typeface="Consolas"/>
-              </a:rPr>
-              <a:t>DateTime</a:t>
-            </a:r>
-            <a:r>
-              <a:rPr lang="en-US" sz="1400" dirty="0">
-                <a:solidFill>
-                  <a:srgbClr val="000000"/>
-                </a:solidFill>
-                <a:latin typeface="Consolas"/>
-              </a:rPr>
-              <a:t> </a:t>
-            </a:r>
-            <a:r>
-              <a:rPr lang="en-US" sz="1400" dirty="0" err="1">
-                <a:solidFill>
-                  <a:srgbClr val="000000"/>
-                </a:solidFill>
-                <a:latin typeface="Consolas"/>
-              </a:rPr>
-              <a:t>BirthDate</a:t>
-            </a:r>
-            <a:r>
-              <a:rPr lang="en-US" sz="1400" dirty="0">
-                <a:solidFill>
-                  <a:srgbClr val="000000"/>
-                </a:solidFill>
-                <a:latin typeface="Consolas"/>
-              </a:rPr>
-              <a:t> { </a:t>
-            </a:r>
-            <a:r>
-              <a:rPr lang="en-US" sz="1400" dirty="0">
-                <a:solidFill>
-                  <a:srgbClr val="0000FF"/>
-                </a:solidFill>
-                <a:latin typeface="Consolas"/>
-              </a:rPr>
-              <a:t>get</a:t>
-            </a:r>
-            <a:r>
-              <a:rPr lang="en-US" sz="1400" dirty="0">
-                <a:solidFill>
-                  <a:srgbClr val="000000"/>
-                </a:solidFill>
-                <a:latin typeface="Consolas"/>
-              </a:rPr>
-              <a:t>; </a:t>
-            </a:r>
-            <a:r>
-              <a:rPr lang="en-US" sz="1400" dirty="0">
-                <a:solidFill>
-                  <a:srgbClr val="0000FF"/>
-                </a:solidFill>
-                <a:latin typeface="Consolas"/>
-              </a:rPr>
-              <a:t>set</a:t>
-            </a:r>
-            <a:r>
-              <a:rPr lang="en-US" sz="1400" dirty="0">
-                <a:solidFill>
-                  <a:srgbClr val="000000"/>
-                </a:solidFill>
-                <a:latin typeface="Consolas"/>
-              </a:rPr>
-              <a:t>; }</a:t>
-            </a:r>
-          </a:p>
-          <a:p>
-            <a:r>
-              <a:rPr lang="ru-RU" sz="1400" dirty="0" smtClean="0">
-                <a:solidFill>
-                  <a:srgbClr val="0000FF"/>
-                </a:solidFill>
-                <a:latin typeface="Consolas"/>
-              </a:rPr>
-              <a:t>    </a:t>
-            </a:r>
-            <a:r>
-              <a:rPr lang="en-US" sz="1400" dirty="0" smtClean="0">
-                <a:solidFill>
-                  <a:srgbClr val="0000FF"/>
-                </a:solidFill>
-                <a:latin typeface="Consolas"/>
-              </a:rPr>
-              <a:t>public</a:t>
-            </a:r>
-            <a:r>
-              <a:rPr lang="en-US" sz="1400" dirty="0" smtClean="0">
-                <a:solidFill>
-                  <a:srgbClr val="000000"/>
-                </a:solidFill>
-                <a:latin typeface="Consolas"/>
-              </a:rPr>
-              <a:t> </a:t>
-            </a:r>
-            <a:r>
-              <a:rPr lang="en-US" sz="1400" dirty="0">
-                <a:solidFill>
-                  <a:srgbClr val="0000FF"/>
-                </a:solidFill>
-                <a:latin typeface="Consolas"/>
-              </a:rPr>
-              <a:t>string</a:t>
-            </a:r>
-            <a:r>
-              <a:rPr lang="en-US" sz="1400" dirty="0">
-                <a:solidFill>
-                  <a:srgbClr val="000000"/>
-                </a:solidFill>
-                <a:latin typeface="Consolas"/>
-              </a:rPr>
-              <a:t> </a:t>
-            </a:r>
-            <a:r>
-              <a:rPr lang="en-US" sz="1400" dirty="0" err="1">
-                <a:solidFill>
-                  <a:srgbClr val="000000"/>
-                </a:solidFill>
-                <a:latin typeface="Consolas"/>
-              </a:rPr>
-              <a:t>PhoneNumber</a:t>
-            </a:r>
-            <a:r>
-              <a:rPr lang="en-US" sz="1400" dirty="0">
-                <a:solidFill>
-                  <a:srgbClr val="000000"/>
-                </a:solidFill>
-                <a:latin typeface="Consolas"/>
-              </a:rPr>
-              <a:t> { </a:t>
-            </a:r>
-            <a:r>
-              <a:rPr lang="en-US" sz="1400" dirty="0">
-                <a:solidFill>
-                  <a:srgbClr val="0000FF"/>
-                </a:solidFill>
-                <a:latin typeface="Consolas"/>
-              </a:rPr>
-              <a:t>get</a:t>
-            </a:r>
-            <a:r>
-              <a:rPr lang="en-US" sz="1400" dirty="0">
-                <a:solidFill>
-                  <a:srgbClr val="000000"/>
-                </a:solidFill>
-                <a:latin typeface="Consolas"/>
-              </a:rPr>
-              <a:t>; </a:t>
-            </a:r>
-            <a:r>
-              <a:rPr lang="en-US" sz="1400" dirty="0">
-                <a:solidFill>
-                  <a:srgbClr val="0000FF"/>
-                </a:solidFill>
-                <a:latin typeface="Consolas"/>
-              </a:rPr>
-              <a:t>set</a:t>
-            </a:r>
-            <a:r>
-              <a:rPr lang="en-US" sz="1400" dirty="0">
-                <a:solidFill>
-                  <a:srgbClr val="000000"/>
-                </a:solidFill>
-                <a:latin typeface="Consolas"/>
-              </a:rPr>
-              <a:t>; }</a:t>
-            </a:r>
-          </a:p>
-          <a:p>
-            <a:r>
-              <a:rPr lang="ru-RU" sz="1400" dirty="0">
-                <a:solidFill>
-                  <a:srgbClr val="000000"/>
-                </a:solidFill>
-                <a:latin typeface="Consolas"/>
-              </a:rPr>
               <a:t>}</a:t>
             </a:r>
+            <a:endParaRPr lang="ru-RU" sz="1400" dirty="0">
+              <a:solidFill>
+                <a:srgbClr val="000000"/>
+              </a:solidFill>
+              <a:latin typeface="Consolas"/>
+            </a:endParaRPr>
           </a:p>
         </p:txBody>
       </p:sp>
@@ -39752,7 +39959,7 @@
         </p:nvSpPr>
         <p:spPr>
           <a:xfrm>
-            <a:off x="3355848" y="3059680"/>
+            <a:off x="3400392" y="2708920"/>
             <a:ext cx="1216152" cy="484632"/>
           </a:xfrm>
           <a:prstGeom prst="leftRightArrow">
@@ -39818,8 +40025,12 @@
               <a:t>Таблице из реляционной БД ставим в соответствие класс. Тогда данные из таблицы можно представить как </a:t>
             </a:r>
             <a:r>
+              <a:rPr lang="ru-RU" sz="3200" dirty="0" smtClean="0"/>
+              <a:t>коллекцию </a:t>
+            </a:r>
+            <a:r>
               <a:rPr lang="en-US" sz="3200" dirty="0" smtClean="0"/>
-              <a:t>List&lt;Person&gt;.</a:t>
+              <a:t>Person.</a:t>
             </a:r>
             <a:endParaRPr lang="ru-RU" sz="3200" dirty="0" smtClean="0"/>
           </a:p>
@@ -40021,49 +40232,9 @@
           <a:chExt cx="0" cy="0"/>
         </a:xfrm>
       </p:grpSpPr>
-      <p:sp>
-        <p:nvSpPr>
-          <p:cNvPr id="2" name="Title 1"/>
-          <p:cNvSpPr>
-            <a:spLocks noGrp="1"/>
-          </p:cNvSpPr>
-          <p:nvPr>
-            <p:ph type="title"/>
-          </p:nvPr>
-        </p:nvSpPr>
-        <p:spPr/>
-        <p:txBody>
-          <a:bodyPr>
-            <a:noAutofit/>
-          </a:bodyPr>
-          <a:lstStyle/>
-          <a:p>
-            <a:r>
-              <a:rPr lang="ru-RU" sz="3600" dirty="0"/>
-              <a:t>О</a:t>
-            </a:r>
-            <a:r>
-              <a:rPr lang="en-US" sz="3600" dirty="0" smtClean="0"/>
-              <a:t>RM</a:t>
-            </a:r>
-            <a:r>
-              <a:rPr lang="ru-RU" sz="3600" dirty="0" smtClean="0"/>
-              <a:t/>
-            </a:r>
-            <a:br>
-              <a:rPr lang="ru-RU" sz="3600" dirty="0" smtClean="0"/>
-            </a:br>
-            <a:r>
-              <a:rPr lang="ru-RU" sz="3600" dirty="0" smtClean="0"/>
-              <a:t>(объектно-реляционное отображение)</a:t>
-            </a:r>
-            <a:endParaRPr lang="ru-RU" sz="3600" dirty="0"/>
-          </a:p>
-        </p:txBody>
-      </p:sp>
       <p:pic>
         <p:nvPicPr>
-          <p:cNvPr id="2052" name="Picture 4"/>
+          <p:cNvPr id="2051" name="Picture 3"/>
           <p:cNvPicPr>
             <a:picLocks noChangeAspect="1" noChangeArrowheads="1"/>
           </p:cNvPicPr>
@@ -40084,8 +40255,8 @@
         </p:blipFill>
         <p:spPr bwMode="auto">
           <a:xfrm>
-            <a:off x="539552" y="1484784"/>
-            <a:ext cx="2869331" cy="4652659"/>
+            <a:off x="571124" y="1484784"/>
+            <a:ext cx="2941255" cy="4572639"/>
           </a:xfrm>
           <a:prstGeom prst="rect">
             <a:avLst/>
@@ -40127,14 +40298,54 @@
       </p:pic>
       <p:sp>
         <p:nvSpPr>
+          <p:cNvPr id="2" name="Title 1"/>
+          <p:cNvSpPr>
+            <a:spLocks noGrp="1"/>
+          </p:cNvSpPr>
+          <p:nvPr>
+            <p:ph type="title"/>
+          </p:nvPr>
+        </p:nvSpPr>
+        <p:spPr/>
+        <p:txBody>
+          <a:bodyPr>
+            <a:noAutofit/>
+          </a:bodyPr>
+          <a:lstStyle/>
+          <a:p>
+            <a:r>
+              <a:rPr lang="ru-RU" sz="3600" dirty="0"/>
+              <a:t>О</a:t>
+            </a:r>
+            <a:r>
+              <a:rPr lang="en-US" sz="3600" dirty="0" smtClean="0"/>
+              <a:t>RM</a:t>
+            </a:r>
+            <a:r>
+              <a:rPr lang="ru-RU" sz="3600" dirty="0" smtClean="0"/>
+              <a:t/>
+            </a:r>
+            <a:br>
+              <a:rPr lang="ru-RU" sz="3600" dirty="0" smtClean="0"/>
+            </a:br>
+            <a:r>
+              <a:rPr lang="ru-RU" sz="3600" dirty="0" smtClean="0"/>
+              <a:t>(объектно-реляционное отображение)</a:t>
+            </a:r>
+            <a:endParaRPr lang="ru-RU" sz="3600" dirty="0"/>
+          </a:p>
+        </p:txBody>
+      </p:sp>
+      <p:sp>
+        <p:nvSpPr>
           <p:cNvPr id="6" name="Rectangle 5"/>
           <p:cNvSpPr/>
           <p:nvPr/>
         </p:nvSpPr>
         <p:spPr>
           <a:xfrm>
-            <a:off x="3995936" y="1772816"/>
-            <a:ext cx="4788024" cy="3785652"/>
+            <a:off x="3995936" y="1484784"/>
+            <a:ext cx="4788024" cy="3970318"/>
           </a:xfrm>
           <a:prstGeom prst="rect">
             <a:avLst/>
@@ -40154,6 +40365,9 @@
                 <a:solidFill>
                   <a:srgbClr val="0000FF"/>
                 </a:solidFill>
+                <a:highlight>
+                  <a:srgbClr val="FFFFFF"/>
+                </a:highlight>
                 <a:latin typeface="Consolas"/>
               </a:rPr>
               <a:t>class</a:t>
@@ -40163,10 +40377,34 @@
                 <a:solidFill>
                   <a:srgbClr val="000000"/>
                 </a:solidFill>
+                <a:highlight>
+                  <a:srgbClr val="FFFFFF"/>
+                </a:highlight>
                 <a:latin typeface="Consolas"/>
               </a:rPr>
-              <a:t> Person</a:t>
-            </a:r>
+              <a:t> </a:t>
+            </a:r>
+            <a:r>
+              <a:rPr lang="en-US" sz="1200" dirty="0">
+                <a:solidFill>
+                  <a:srgbClr val="2B91AF"/>
+                </a:solidFill>
+                <a:highlight>
+                  <a:srgbClr val="FFFFFF"/>
+                </a:highlight>
+                <a:latin typeface="Consolas"/>
+              </a:rPr>
+              <a:t>Person</a:t>
+            </a:r>
+            <a:endParaRPr lang="en-US" sz="1200" dirty="0">
+              <a:solidFill>
+                <a:srgbClr val="000000"/>
+              </a:solidFill>
+              <a:highlight>
+                <a:srgbClr val="FFFFFF"/>
+              </a:highlight>
+              <a:latin typeface="Consolas"/>
+            </a:endParaRPr>
           </a:p>
           <a:p>
             <a:r>
@@ -40174,6 +40412,9 @@
                 <a:solidFill>
                   <a:srgbClr val="000000"/>
                 </a:solidFill>
+                <a:highlight>
+                  <a:srgbClr val="FFFFFF"/>
+                </a:highlight>
                 <a:latin typeface="Consolas"/>
               </a:rPr>
               <a:t>{</a:t>
@@ -40185,8 +40426,1033 @@
                 <a:solidFill>
                   <a:srgbClr val="0000FF"/>
                 </a:solidFill>
+                <a:highlight>
+                  <a:srgbClr val="FFFFFF"/>
+                </a:highlight>
                 <a:latin typeface="Consolas"/>
               </a:rPr>
+              <a:t>   </a:t>
+            </a:r>
+            <a:r>
+              <a:rPr lang="en-US" sz="1200" dirty="0" smtClean="0">
+                <a:solidFill>
+                  <a:srgbClr val="0000FF"/>
+                </a:solidFill>
+                <a:highlight>
+                  <a:srgbClr val="FFFFFF"/>
+                </a:highlight>
+                <a:latin typeface="Consolas"/>
+              </a:rPr>
+              <a:t>public</a:t>
+            </a:r>
+            <a:r>
+              <a:rPr lang="en-US" sz="1200" dirty="0" smtClean="0">
+                <a:solidFill>
+                  <a:srgbClr val="000000"/>
+                </a:solidFill>
+                <a:highlight>
+                  <a:srgbClr val="FFFFFF"/>
+                </a:highlight>
+                <a:latin typeface="Consolas"/>
+              </a:rPr>
+              <a:t> </a:t>
+            </a:r>
+            <a:r>
+              <a:rPr lang="en-US" sz="1200" dirty="0" err="1">
+                <a:solidFill>
+                  <a:srgbClr val="0000FF"/>
+                </a:solidFill>
+                <a:highlight>
+                  <a:srgbClr val="FFFFFF"/>
+                </a:highlight>
+                <a:latin typeface="Consolas"/>
+              </a:rPr>
+              <a:t>int</a:t>
+            </a:r>
+            <a:r>
+              <a:rPr lang="en-US" sz="1200" dirty="0">
+                <a:solidFill>
+                  <a:srgbClr val="000000"/>
+                </a:solidFill>
+                <a:highlight>
+                  <a:srgbClr val="FFFFFF"/>
+                </a:highlight>
+                <a:latin typeface="Consolas"/>
+              </a:rPr>
+              <a:t> Id { </a:t>
+            </a:r>
+            <a:r>
+              <a:rPr lang="en-US" sz="1200" dirty="0">
+                <a:solidFill>
+                  <a:srgbClr val="0000FF"/>
+                </a:solidFill>
+                <a:highlight>
+                  <a:srgbClr val="FFFFFF"/>
+                </a:highlight>
+                <a:latin typeface="Consolas"/>
+              </a:rPr>
+              <a:t>get</a:t>
+            </a:r>
+            <a:r>
+              <a:rPr lang="en-US" sz="1200" dirty="0">
+                <a:solidFill>
+                  <a:srgbClr val="000000"/>
+                </a:solidFill>
+                <a:highlight>
+                  <a:srgbClr val="FFFFFF"/>
+                </a:highlight>
+                <a:latin typeface="Consolas"/>
+              </a:rPr>
+              <a:t>; </a:t>
+            </a:r>
+            <a:r>
+              <a:rPr lang="en-US" sz="1200" dirty="0">
+                <a:solidFill>
+                  <a:srgbClr val="0000FF"/>
+                </a:solidFill>
+                <a:highlight>
+                  <a:srgbClr val="FFFFFF"/>
+                </a:highlight>
+                <a:latin typeface="Consolas"/>
+              </a:rPr>
+              <a:t>set</a:t>
+            </a:r>
+            <a:r>
+              <a:rPr lang="en-US" sz="1200" dirty="0">
+                <a:solidFill>
+                  <a:srgbClr val="000000"/>
+                </a:solidFill>
+                <a:highlight>
+                  <a:srgbClr val="FFFFFF"/>
+                </a:highlight>
+                <a:latin typeface="Consolas"/>
+              </a:rPr>
+              <a:t>; }</a:t>
+            </a:r>
+          </a:p>
+          <a:p>
+            <a:r>
+              <a:rPr lang="ru-RU" sz="1200" dirty="0" smtClean="0">
+                <a:solidFill>
+                  <a:srgbClr val="0000FF"/>
+                </a:solidFill>
+                <a:highlight>
+                  <a:srgbClr val="FFFFFF"/>
+                </a:highlight>
+                <a:latin typeface="Consolas"/>
+              </a:rPr>
+              <a:t>   </a:t>
+            </a:r>
+            <a:r>
+              <a:rPr lang="en-US" sz="1200" dirty="0" smtClean="0">
+                <a:solidFill>
+                  <a:srgbClr val="0000FF"/>
+                </a:solidFill>
+                <a:highlight>
+                  <a:srgbClr val="FFFFFF"/>
+                </a:highlight>
+                <a:latin typeface="Consolas"/>
+              </a:rPr>
+              <a:t>public</a:t>
+            </a:r>
+            <a:r>
+              <a:rPr lang="en-US" sz="1200" dirty="0" smtClean="0">
+                <a:solidFill>
+                  <a:srgbClr val="000000"/>
+                </a:solidFill>
+                <a:highlight>
+                  <a:srgbClr val="FFFFFF"/>
+                </a:highlight>
+                <a:latin typeface="Consolas"/>
+              </a:rPr>
+              <a:t> </a:t>
+            </a:r>
+            <a:r>
+              <a:rPr lang="en-US" sz="1200" dirty="0">
+                <a:solidFill>
+                  <a:srgbClr val="0000FF"/>
+                </a:solidFill>
+                <a:highlight>
+                  <a:srgbClr val="FFFFFF"/>
+                </a:highlight>
+                <a:latin typeface="Consolas"/>
+              </a:rPr>
+              <a:t>string</a:t>
+            </a:r>
+            <a:r>
+              <a:rPr lang="en-US" sz="1200" dirty="0">
+                <a:solidFill>
+                  <a:srgbClr val="000000"/>
+                </a:solidFill>
+                <a:highlight>
+                  <a:srgbClr val="FFFFFF"/>
+                </a:highlight>
+                <a:latin typeface="Consolas"/>
+              </a:rPr>
+              <a:t> </a:t>
+            </a:r>
+            <a:r>
+              <a:rPr lang="en-US" sz="1200" dirty="0" err="1">
+                <a:solidFill>
+                  <a:srgbClr val="000000"/>
+                </a:solidFill>
+                <a:highlight>
+                  <a:srgbClr val="FFFFFF"/>
+                </a:highlight>
+                <a:latin typeface="Consolas"/>
+              </a:rPr>
+              <a:t>FirstName</a:t>
+            </a:r>
+            <a:r>
+              <a:rPr lang="en-US" sz="1200" dirty="0">
+                <a:solidFill>
+                  <a:srgbClr val="000000"/>
+                </a:solidFill>
+                <a:highlight>
+                  <a:srgbClr val="FFFFFF"/>
+                </a:highlight>
+                <a:latin typeface="Consolas"/>
+              </a:rPr>
+              <a:t> { </a:t>
+            </a:r>
+            <a:r>
+              <a:rPr lang="en-US" sz="1200" dirty="0">
+                <a:solidFill>
+                  <a:srgbClr val="0000FF"/>
+                </a:solidFill>
+                <a:highlight>
+                  <a:srgbClr val="FFFFFF"/>
+                </a:highlight>
+                <a:latin typeface="Consolas"/>
+              </a:rPr>
+              <a:t>get</a:t>
+            </a:r>
+            <a:r>
+              <a:rPr lang="en-US" sz="1200" dirty="0">
+                <a:solidFill>
+                  <a:srgbClr val="000000"/>
+                </a:solidFill>
+                <a:highlight>
+                  <a:srgbClr val="FFFFFF"/>
+                </a:highlight>
+                <a:latin typeface="Consolas"/>
+              </a:rPr>
+              <a:t>; </a:t>
+            </a:r>
+            <a:r>
+              <a:rPr lang="en-US" sz="1200" dirty="0">
+                <a:solidFill>
+                  <a:srgbClr val="0000FF"/>
+                </a:solidFill>
+                <a:highlight>
+                  <a:srgbClr val="FFFFFF"/>
+                </a:highlight>
+                <a:latin typeface="Consolas"/>
+              </a:rPr>
+              <a:t>set</a:t>
+            </a:r>
+            <a:r>
+              <a:rPr lang="en-US" sz="1200" dirty="0">
+                <a:solidFill>
+                  <a:srgbClr val="000000"/>
+                </a:solidFill>
+                <a:highlight>
+                  <a:srgbClr val="FFFFFF"/>
+                </a:highlight>
+                <a:latin typeface="Consolas"/>
+              </a:rPr>
+              <a:t>; }</a:t>
+            </a:r>
+          </a:p>
+          <a:p>
+            <a:r>
+              <a:rPr lang="ru-RU" sz="1200" dirty="0" smtClean="0">
+                <a:solidFill>
+                  <a:srgbClr val="0000FF"/>
+                </a:solidFill>
+                <a:highlight>
+                  <a:srgbClr val="FFFFFF"/>
+                </a:highlight>
+                <a:latin typeface="Consolas"/>
+              </a:rPr>
+              <a:t>   </a:t>
+            </a:r>
+            <a:r>
+              <a:rPr lang="en-US" sz="1200" dirty="0" smtClean="0">
+                <a:solidFill>
+                  <a:srgbClr val="0000FF"/>
+                </a:solidFill>
+                <a:highlight>
+                  <a:srgbClr val="FFFFFF"/>
+                </a:highlight>
+                <a:latin typeface="Consolas"/>
+              </a:rPr>
+              <a:t>public</a:t>
+            </a:r>
+            <a:r>
+              <a:rPr lang="en-US" sz="1200" dirty="0" smtClean="0">
+                <a:solidFill>
+                  <a:srgbClr val="000000"/>
+                </a:solidFill>
+                <a:highlight>
+                  <a:srgbClr val="FFFFFF"/>
+                </a:highlight>
+                <a:latin typeface="Consolas"/>
+              </a:rPr>
+              <a:t> </a:t>
+            </a:r>
+            <a:r>
+              <a:rPr lang="en-US" sz="1200" dirty="0">
+                <a:solidFill>
+                  <a:srgbClr val="0000FF"/>
+                </a:solidFill>
+                <a:highlight>
+                  <a:srgbClr val="FFFFFF"/>
+                </a:highlight>
+                <a:latin typeface="Consolas"/>
+              </a:rPr>
+              <a:t>string</a:t>
+            </a:r>
+            <a:r>
+              <a:rPr lang="en-US" sz="1200" dirty="0">
+                <a:solidFill>
+                  <a:srgbClr val="000000"/>
+                </a:solidFill>
+                <a:highlight>
+                  <a:srgbClr val="FFFFFF"/>
+                </a:highlight>
+                <a:latin typeface="Consolas"/>
+              </a:rPr>
+              <a:t> </a:t>
+            </a:r>
+            <a:r>
+              <a:rPr lang="en-US" sz="1200" dirty="0" err="1">
+                <a:solidFill>
+                  <a:srgbClr val="000000"/>
+                </a:solidFill>
+                <a:highlight>
+                  <a:srgbClr val="FFFFFF"/>
+                </a:highlight>
+                <a:latin typeface="Consolas"/>
+              </a:rPr>
+              <a:t>LastName</a:t>
+            </a:r>
+            <a:r>
+              <a:rPr lang="en-US" sz="1200" dirty="0">
+                <a:solidFill>
+                  <a:srgbClr val="000000"/>
+                </a:solidFill>
+                <a:highlight>
+                  <a:srgbClr val="FFFFFF"/>
+                </a:highlight>
+                <a:latin typeface="Consolas"/>
+              </a:rPr>
+              <a:t> { </a:t>
+            </a:r>
+            <a:r>
+              <a:rPr lang="en-US" sz="1200" dirty="0">
+                <a:solidFill>
+                  <a:srgbClr val="0000FF"/>
+                </a:solidFill>
+                <a:highlight>
+                  <a:srgbClr val="FFFFFF"/>
+                </a:highlight>
+                <a:latin typeface="Consolas"/>
+              </a:rPr>
+              <a:t>get</a:t>
+            </a:r>
+            <a:r>
+              <a:rPr lang="en-US" sz="1200" dirty="0">
+                <a:solidFill>
+                  <a:srgbClr val="000000"/>
+                </a:solidFill>
+                <a:highlight>
+                  <a:srgbClr val="FFFFFF"/>
+                </a:highlight>
+                <a:latin typeface="Consolas"/>
+              </a:rPr>
+              <a:t>; </a:t>
+            </a:r>
+            <a:r>
+              <a:rPr lang="en-US" sz="1200" dirty="0">
+                <a:solidFill>
+                  <a:srgbClr val="0000FF"/>
+                </a:solidFill>
+                <a:highlight>
+                  <a:srgbClr val="FFFFFF"/>
+                </a:highlight>
+                <a:latin typeface="Consolas"/>
+              </a:rPr>
+              <a:t>set</a:t>
+            </a:r>
+            <a:r>
+              <a:rPr lang="en-US" sz="1200" dirty="0">
+                <a:solidFill>
+                  <a:srgbClr val="000000"/>
+                </a:solidFill>
+                <a:highlight>
+                  <a:srgbClr val="FFFFFF"/>
+                </a:highlight>
+                <a:latin typeface="Consolas"/>
+              </a:rPr>
+              <a:t>; }</a:t>
+            </a:r>
+          </a:p>
+          <a:p>
+            <a:r>
+              <a:rPr lang="ru-RU" sz="1200" dirty="0" smtClean="0">
+                <a:solidFill>
+                  <a:srgbClr val="0000FF"/>
+                </a:solidFill>
+                <a:highlight>
+                  <a:srgbClr val="FFFFFF"/>
+                </a:highlight>
+                <a:latin typeface="Consolas"/>
+              </a:rPr>
+              <a:t>   </a:t>
+            </a:r>
+            <a:r>
+              <a:rPr lang="en-US" sz="1200" dirty="0" smtClean="0">
+                <a:solidFill>
+                  <a:srgbClr val="0000FF"/>
+                </a:solidFill>
+                <a:highlight>
+                  <a:srgbClr val="FFFFFF"/>
+                </a:highlight>
+                <a:latin typeface="Consolas"/>
+              </a:rPr>
+              <a:t>public</a:t>
+            </a:r>
+            <a:r>
+              <a:rPr lang="en-US" sz="1200" dirty="0" smtClean="0">
+                <a:solidFill>
+                  <a:srgbClr val="000000"/>
+                </a:solidFill>
+                <a:highlight>
+                  <a:srgbClr val="FFFFFF"/>
+                </a:highlight>
+                <a:latin typeface="Consolas"/>
+              </a:rPr>
+              <a:t> </a:t>
+            </a:r>
+            <a:r>
+              <a:rPr lang="en-US" sz="1200" dirty="0">
+                <a:solidFill>
+                  <a:srgbClr val="0000FF"/>
+                </a:solidFill>
+                <a:highlight>
+                  <a:srgbClr val="FFFFFF"/>
+                </a:highlight>
+                <a:latin typeface="Consolas"/>
+              </a:rPr>
+              <a:t>byte</a:t>
+            </a:r>
+            <a:r>
+              <a:rPr lang="en-US" sz="1200" dirty="0">
+                <a:solidFill>
+                  <a:srgbClr val="000000"/>
+                </a:solidFill>
+                <a:highlight>
+                  <a:srgbClr val="FFFFFF"/>
+                </a:highlight>
+                <a:latin typeface="Consolas"/>
+              </a:rPr>
+              <a:t> Sex { </a:t>
+            </a:r>
+            <a:r>
+              <a:rPr lang="en-US" sz="1200" dirty="0">
+                <a:solidFill>
+                  <a:srgbClr val="0000FF"/>
+                </a:solidFill>
+                <a:highlight>
+                  <a:srgbClr val="FFFFFF"/>
+                </a:highlight>
+                <a:latin typeface="Consolas"/>
+              </a:rPr>
+              <a:t>get</a:t>
+            </a:r>
+            <a:r>
+              <a:rPr lang="en-US" sz="1200" dirty="0">
+                <a:solidFill>
+                  <a:srgbClr val="000000"/>
+                </a:solidFill>
+                <a:highlight>
+                  <a:srgbClr val="FFFFFF"/>
+                </a:highlight>
+                <a:latin typeface="Consolas"/>
+              </a:rPr>
+              <a:t>; </a:t>
+            </a:r>
+            <a:r>
+              <a:rPr lang="en-US" sz="1200" dirty="0">
+                <a:solidFill>
+                  <a:srgbClr val="0000FF"/>
+                </a:solidFill>
+                <a:highlight>
+                  <a:srgbClr val="FFFFFF"/>
+                </a:highlight>
+                <a:latin typeface="Consolas"/>
+              </a:rPr>
+              <a:t>set</a:t>
+            </a:r>
+            <a:r>
+              <a:rPr lang="en-US" sz="1200" dirty="0">
+                <a:solidFill>
+                  <a:srgbClr val="000000"/>
+                </a:solidFill>
+                <a:highlight>
+                  <a:srgbClr val="FFFFFF"/>
+                </a:highlight>
+                <a:latin typeface="Consolas"/>
+              </a:rPr>
+              <a:t>; }</a:t>
+            </a:r>
+          </a:p>
+          <a:p>
+            <a:r>
+              <a:rPr lang="ru-RU" sz="1200" dirty="0" smtClean="0">
+                <a:solidFill>
+                  <a:srgbClr val="0000FF"/>
+                </a:solidFill>
+                <a:highlight>
+                  <a:srgbClr val="FFFFFF"/>
+                </a:highlight>
+                <a:latin typeface="Consolas"/>
+              </a:rPr>
+              <a:t>   </a:t>
+            </a:r>
+            <a:r>
+              <a:rPr lang="en-US" sz="1200" dirty="0" smtClean="0">
+                <a:solidFill>
+                  <a:srgbClr val="0000FF"/>
+                </a:solidFill>
+                <a:highlight>
+                  <a:srgbClr val="FFFFFF"/>
+                </a:highlight>
+                <a:latin typeface="Consolas"/>
+              </a:rPr>
+              <a:t>public</a:t>
+            </a:r>
+            <a:r>
+              <a:rPr lang="en-US" sz="1200" dirty="0" smtClean="0">
+                <a:solidFill>
+                  <a:srgbClr val="000000"/>
+                </a:solidFill>
+                <a:highlight>
+                  <a:srgbClr val="FFFFFF"/>
+                </a:highlight>
+                <a:latin typeface="Consolas"/>
+              </a:rPr>
+              <a:t> </a:t>
+            </a:r>
+            <a:r>
+              <a:rPr lang="en-US" sz="1200" dirty="0" err="1">
+                <a:solidFill>
+                  <a:srgbClr val="2B91AF"/>
+                </a:solidFill>
+                <a:highlight>
+                  <a:srgbClr val="FFFFFF"/>
+                </a:highlight>
+                <a:latin typeface="Consolas"/>
+              </a:rPr>
+              <a:t>DateTime</a:t>
+            </a:r>
+            <a:r>
+              <a:rPr lang="en-US" sz="1200" dirty="0">
+                <a:solidFill>
+                  <a:srgbClr val="000000"/>
+                </a:solidFill>
+                <a:highlight>
+                  <a:srgbClr val="FFFFFF"/>
+                </a:highlight>
+                <a:latin typeface="Consolas"/>
+              </a:rPr>
+              <a:t>? </a:t>
+            </a:r>
+            <a:r>
+              <a:rPr lang="en-US" sz="1200" dirty="0" err="1">
+                <a:solidFill>
+                  <a:srgbClr val="000000"/>
+                </a:solidFill>
+                <a:highlight>
+                  <a:srgbClr val="FFFFFF"/>
+                </a:highlight>
+                <a:latin typeface="Consolas"/>
+              </a:rPr>
+              <a:t>BirthDate</a:t>
+            </a:r>
+            <a:r>
+              <a:rPr lang="en-US" sz="1200" dirty="0">
+                <a:solidFill>
+                  <a:srgbClr val="000000"/>
+                </a:solidFill>
+                <a:highlight>
+                  <a:srgbClr val="FFFFFF"/>
+                </a:highlight>
+                <a:latin typeface="Consolas"/>
+              </a:rPr>
+              <a:t> { </a:t>
+            </a:r>
+            <a:r>
+              <a:rPr lang="en-US" sz="1200" dirty="0">
+                <a:solidFill>
+                  <a:srgbClr val="0000FF"/>
+                </a:solidFill>
+                <a:highlight>
+                  <a:srgbClr val="FFFFFF"/>
+                </a:highlight>
+                <a:latin typeface="Consolas"/>
+              </a:rPr>
+              <a:t>get</a:t>
+            </a:r>
+            <a:r>
+              <a:rPr lang="en-US" sz="1200" dirty="0">
+                <a:solidFill>
+                  <a:srgbClr val="000000"/>
+                </a:solidFill>
+                <a:highlight>
+                  <a:srgbClr val="FFFFFF"/>
+                </a:highlight>
+                <a:latin typeface="Consolas"/>
+              </a:rPr>
+              <a:t>; </a:t>
+            </a:r>
+            <a:r>
+              <a:rPr lang="en-US" sz="1200" dirty="0">
+                <a:solidFill>
+                  <a:srgbClr val="0000FF"/>
+                </a:solidFill>
+                <a:highlight>
+                  <a:srgbClr val="FFFFFF"/>
+                </a:highlight>
+                <a:latin typeface="Consolas"/>
+              </a:rPr>
+              <a:t>set</a:t>
+            </a:r>
+            <a:r>
+              <a:rPr lang="en-US" sz="1200" dirty="0">
+                <a:solidFill>
+                  <a:srgbClr val="000000"/>
+                </a:solidFill>
+                <a:highlight>
+                  <a:srgbClr val="FFFFFF"/>
+                </a:highlight>
+                <a:latin typeface="Consolas"/>
+              </a:rPr>
+              <a:t>; }</a:t>
+            </a:r>
+          </a:p>
+          <a:p>
+            <a:r>
+              <a:rPr lang="ru-RU" sz="1200" dirty="0" smtClean="0">
+                <a:solidFill>
+                  <a:srgbClr val="0000FF"/>
+                </a:solidFill>
+                <a:highlight>
+                  <a:srgbClr val="FFFFFF"/>
+                </a:highlight>
+                <a:latin typeface="Consolas"/>
+              </a:rPr>
+              <a:t>   </a:t>
+            </a:r>
+            <a:r>
+              <a:rPr lang="en-US" sz="1200" dirty="0" smtClean="0">
+                <a:solidFill>
+                  <a:srgbClr val="0000FF"/>
+                </a:solidFill>
+                <a:highlight>
+                  <a:srgbClr val="FFFFFF"/>
+                </a:highlight>
+                <a:latin typeface="Consolas"/>
+              </a:rPr>
+              <a:t>public</a:t>
+            </a:r>
+            <a:r>
+              <a:rPr lang="en-US" sz="1200" dirty="0" smtClean="0">
+                <a:solidFill>
+                  <a:srgbClr val="000000"/>
+                </a:solidFill>
+                <a:highlight>
+                  <a:srgbClr val="FFFFFF"/>
+                </a:highlight>
+                <a:latin typeface="Consolas"/>
+              </a:rPr>
+              <a:t> </a:t>
+            </a:r>
+            <a:r>
+              <a:rPr lang="en-US" sz="1200" dirty="0">
+                <a:solidFill>
+                  <a:srgbClr val="0000FF"/>
+                </a:solidFill>
+                <a:highlight>
+                  <a:srgbClr val="FFFFFF"/>
+                </a:highlight>
+                <a:latin typeface="Consolas"/>
+              </a:rPr>
+              <a:t>string</a:t>
+            </a:r>
+            <a:r>
+              <a:rPr lang="en-US" sz="1200" dirty="0">
+                <a:solidFill>
+                  <a:srgbClr val="000000"/>
+                </a:solidFill>
+                <a:highlight>
+                  <a:srgbClr val="FFFFFF"/>
+                </a:highlight>
+                <a:latin typeface="Consolas"/>
+              </a:rPr>
+              <a:t> </a:t>
+            </a:r>
+            <a:r>
+              <a:rPr lang="en-US" sz="1200" dirty="0" err="1">
+                <a:solidFill>
+                  <a:srgbClr val="000000"/>
+                </a:solidFill>
+                <a:highlight>
+                  <a:srgbClr val="FFFFFF"/>
+                </a:highlight>
+                <a:latin typeface="Consolas"/>
+              </a:rPr>
+              <a:t>PhoneNumber</a:t>
+            </a:r>
+            <a:r>
+              <a:rPr lang="en-US" sz="1200" dirty="0">
+                <a:solidFill>
+                  <a:srgbClr val="000000"/>
+                </a:solidFill>
+                <a:highlight>
+                  <a:srgbClr val="FFFFFF"/>
+                </a:highlight>
+                <a:latin typeface="Consolas"/>
+              </a:rPr>
+              <a:t> { </a:t>
+            </a:r>
+            <a:r>
+              <a:rPr lang="en-US" sz="1200" dirty="0">
+                <a:solidFill>
+                  <a:srgbClr val="0000FF"/>
+                </a:solidFill>
+                <a:highlight>
+                  <a:srgbClr val="FFFFFF"/>
+                </a:highlight>
+                <a:latin typeface="Consolas"/>
+              </a:rPr>
+              <a:t>get</a:t>
+            </a:r>
+            <a:r>
+              <a:rPr lang="en-US" sz="1200" dirty="0">
+                <a:solidFill>
+                  <a:srgbClr val="000000"/>
+                </a:solidFill>
+                <a:highlight>
+                  <a:srgbClr val="FFFFFF"/>
+                </a:highlight>
+                <a:latin typeface="Consolas"/>
+              </a:rPr>
+              <a:t>; </a:t>
+            </a:r>
+            <a:r>
+              <a:rPr lang="en-US" sz="1200" dirty="0">
+                <a:solidFill>
+                  <a:srgbClr val="0000FF"/>
+                </a:solidFill>
+                <a:highlight>
+                  <a:srgbClr val="FFFFFF"/>
+                </a:highlight>
+                <a:latin typeface="Consolas"/>
+              </a:rPr>
+              <a:t>set</a:t>
+            </a:r>
+            <a:r>
+              <a:rPr lang="en-US" sz="1200" dirty="0">
+                <a:solidFill>
+                  <a:srgbClr val="000000"/>
+                </a:solidFill>
+                <a:highlight>
+                  <a:srgbClr val="FFFFFF"/>
+                </a:highlight>
+                <a:latin typeface="Consolas"/>
+              </a:rPr>
+              <a:t>; }</a:t>
+            </a:r>
+          </a:p>
+          <a:p>
+            <a:endParaRPr lang="ru-RU" sz="1200" dirty="0">
+              <a:solidFill>
+                <a:srgbClr val="000000"/>
+              </a:solidFill>
+              <a:highlight>
+                <a:srgbClr val="FFFFFF"/>
+              </a:highlight>
+              <a:latin typeface="Consolas"/>
+            </a:endParaRPr>
+          </a:p>
+          <a:p>
+            <a:r>
+              <a:rPr lang="ru-RU" sz="1200" dirty="0" smtClean="0">
+                <a:solidFill>
+                  <a:srgbClr val="008000"/>
+                </a:solidFill>
+                <a:highlight>
+                  <a:srgbClr val="FFFFFF"/>
+                </a:highlight>
+                <a:latin typeface="Consolas"/>
+              </a:rPr>
+              <a:t>   // </a:t>
+            </a:r>
+            <a:r>
+              <a:rPr lang="ru-RU" sz="1200" dirty="0">
+                <a:solidFill>
+                  <a:srgbClr val="008000"/>
+                </a:solidFill>
+                <a:highlight>
+                  <a:srgbClr val="FFFFFF"/>
+                </a:highlight>
+                <a:latin typeface="Consolas"/>
+              </a:rPr>
+              <a:t>Связь с таблицей фотографий</a:t>
+            </a:r>
+            <a:endParaRPr lang="ru-RU" sz="1200" dirty="0">
+              <a:solidFill>
+                <a:srgbClr val="000000"/>
+              </a:solidFill>
+              <a:highlight>
+                <a:srgbClr val="FFFFFF"/>
+              </a:highlight>
+              <a:latin typeface="Consolas"/>
+            </a:endParaRPr>
+          </a:p>
+          <a:p>
+            <a:r>
+              <a:rPr lang="ru-RU" sz="1200" dirty="0" smtClean="0">
+                <a:solidFill>
+                  <a:srgbClr val="0000FF"/>
+                </a:solidFill>
+                <a:highlight>
+                  <a:srgbClr val="FFFFFF"/>
+                </a:highlight>
+                <a:latin typeface="Consolas"/>
+              </a:rPr>
+              <a:t>   </a:t>
+            </a:r>
+            <a:r>
+              <a:rPr lang="en-US" sz="1200" dirty="0" smtClean="0">
+                <a:solidFill>
+                  <a:srgbClr val="0000FF"/>
+                </a:solidFill>
+                <a:highlight>
+                  <a:srgbClr val="FFFFFF"/>
+                </a:highlight>
+                <a:latin typeface="Consolas"/>
+              </a:rPr>
+              <a:t>public</a:t>
+            </a:r>
+            <a:r>
+              <a:rPr lang="en-US" sz="1200" dirty="0" smtClean="0">
+                <a:solidFill>
+                  <a:srgbClr val="000000"/>
+                </a:solidFill>
+                <a:highlight>
+                  <a:srgbClr val="FFFFFF"/>
+                </a:highlight>
+                <a:latin typeface="Consolas"/>
+              </a:rPr>
+              <a:t> </a:t>
+            </a:r>
+            <a:r>
+              <a:rPr lang="en-US" sz="1200" dirty="0" err="1">
+                <a:solidFill>
+                  <a:srgbClr val="2B91AF"/>
+                </a:solidFill>
+                <a:highlight>
+                  <a:srgbClr val="FFFFFF"/>
+                </a:highlight>
+                <a:latin typeface="Consolas"/>
+              </a:rPr>
+              <a:t>ICollection</a:t>
+            </a:r>
+            <a:r>
+              <a:rPr lang="en-US" sz="1200" dirty="0">
+                <a:solidFill>
+                  <a:srgbClr val="000000"/>
+                </a:solidFill>
+                <a:highlight>
+                  <a:srgbClr val="FFFFFF"/>
+                </a:highlight>
+                <a:latin typeface="Consolas"/>
+              </a:rPr>
+              <a:t>&lt;</a:t>
+            </a:r>
+            <a:r>
+              <a:rPr lang="en-US" sz="1200" dirty="0">
+                <a:solidFill>
+                  <a:srgbClr val="2B91AF"/>
+                </a:solidFill>
+                <a:highlight>
+                  <a:srgbClr val="FFFFFF"/>
+                </a:highlight>
+                <a:latin typeface="Consolas"/>
+              </a:rPr>
+              <a:t>Photo</a:t>
+            </a:r>
+            <a:r>
+              <a:rPr lang="en-US" sz="1200" dirty="0">
+                <a:solidFill>
+                  <a:srgbClr val="000000"/>
+                </a:solidFill>
+                <a:highlight>
+                  <a:srgbClr val="FFFFFF"/>
+                </a:highlight>
+                <a:latin typeface="Consolas"/>
+              </a:rPr>
+              <a:t>&gt; Photos { </a:t>
+            </a:r>
+            <a:r>
+              <a:rPr lang="en-US" sz="1200" dirty="0">
+                <a:solidFill>
+                  <a:srgbClr val="0000FF"/>
+                </a:solidFill>
+                <a:highlight>
+                  <a:srgbClr val="FFFFFF"/>
+                </a:highlight>
+                <a:latin typeface="Consolas"/>
+              </a:rPr>
+              <a:t>get</a:t>
+            </a:r>
+            <a:r>
+              <a:rPr lang="en-US" sz="1200" dirty="0">
+                <a:solidFill>
+                  <a:srgbClr val="000000"/>
+                </a:solidFill>
+                <a:highlight>
+                  <a:srgbClr val="FFFFFF"/>
+                </a:highlight>
+                <a:latin typeface="Consolas"/>
+              </a:rPr>
+              <a:t>; </a:t>
+            </a:r>
+            <a:r>
+              <a:rPr lang="en-US" sz="1200" dirty="0">
+                <a:solidFill>
+                  <a:srgbClr val="0000FF"/>
+                </a:solidFill>
+                <a:highlight>
+                  <a:srgbClr val="FFFFFF"/>
+                </a:highlight>
+                <a:latin typeface="Consolas"/>
+              </a:rPr>
+              <a:t>set</a:t>
+            </a:r>
+            <a:r>
+              <a:rPr lang="en-US" sz="1200" dirty="0">
+                <a:solidFill>
+                  <a:srgbClr val="000000"/>
+                </a:solidFill>
+                <a:highlight>
+                  <a:srgbClr val="FFFFFF"/>
+                </a:highlight>
+                <a:latin typeface="Consolas"/>
+              </a:rPr>
+              <a:t>; }</a:t>
+            </a:r>
+          </a:p>
+          <a:p>
+            <a:r>
+              <a:rPr lang="ru-RU" sz="1200" dirty="0">
+                <a:solidFill>
+                  <a:srgbClr val="000000"/>
+                </a:solidFill>
+                <a:highlight>
+                  <a:srgbClr val="FFFFFF"/>
+                </a:highlight>
+                <a:latin typeface="Consolas"/>
+              </a:rPr>
+              <a:t>}</a:t>
+            </a:r>
+          </a:p>
+          <a:p>
+            <a:endParaRPr lang="ru-RU" sz="1200" dirty="0">
+              <a:solidFill>
+                <a:srgbClr val="000000"/>
+              </a:solidFill>
+              <a:highlight>
+                <a:srgbClr val="FFFFFF"/>
+              </a:highlight>
+              <a:latin typeface="Consolas"/>
+            </a:endParaRPr>
+          </a:p>
+          <a:p>
+            <a:r>
+              <a:rPr lang="en-US" sz="1200" dirty="0">
+                <a:solidFill>
+                  <a:srgbClr val="0000FF"/>
+                </a:solidFill>
+                <a:highlight>
+                  <a:srgbClr val="FFFFFF"/>
+                </a:highlight>
+                <a:latin typeface="Consolas"/>
+              </a:rPr>
+              <a:t>class</a:t>
+            </a:r>
+            <a:r>
+              <a:rPr lang="en-US" sz="1200" dirty="0">
+                <a:solidFill>
+                  <a:srgbClr val="000000"/>
+                </a:solidFill>
+                <a:highlight>
+                  <a:srgbClr val="FFFFFF"/>
+                </a:highlight>
+                <a:latin typeface="Consolas"/>
+              </a:rPr>
+              <a:t> </a:t>
+            </a:r>
+            <a:r>
+              <a:rPr lang="en-US" sz="1200" dirty="0">
+                <a:solidFill>
+                  <a:srgbClr val="2B91AF"/>
+                </a:solidFill>
+                <a:highlight>
+                  <a:srgbClr val="FFFFFF"/>
+                </a:highlight>
+                <a:latin typeface="Consolas"/>
+              </a:rPr>
+              <a:t>Photo</a:t>
+            </a:r>
+            <a:endParaRPr lang="en-US" sz="1200" dirty="0">
+              <a:solidFill>
+                <a:srgbClr val="000000"/>
+              </a:solidFill>
+              <a:highlight>
+                <a:srgbClr val="FFFFFF"/>
+              </a:highlight>
+              <a:latin typeface="Consolas"/>
+            </a:endParaRPr>
+          </a:p>
+          <a:p>
+            <a:r>
+              <a:rPr lang="ru-RU" sz="1200" dirty="0">
+                <a:solidFill>
+                  <a:srgbClr val="000000"/>
+                </a:solidFill>
+                <a:highlight>
+                  <a:srgbClr val="FFFFFF"/>
+                </a:highlight>
+                <a:latin typeface="Consolas"/>
+              </a:rPr>
+              <a:t>{</a:t>
+            </a:r>
+          </a:p>
+          <a:p>
+            <a:r>
+              <a:rPr lang="ru-RU" sz="1200" dirty="0" smtClean="0">
+                <a:solidFill>
+                  <a:srgbClr val="0000FF"/>
+                </a:solidFill>
+                <a:highlight>
+                  <a:srgbClr val="FFFFFF"/>
+                </a:highlight>
+                <a:latin typeface="Consolas"/>
+              </a:rPr>
               <a:t>    </a:t>
             </a:r>
             <a:r>
@@ -40194,6 +41460,9 @@
                 <a:solidFill>
                   <a:srgbClr val="0000FF"/>
                 </a:solidFill>
+                <a:highlight>
+                  <a:srgbClr val="FFFFFF"/>
+                </a:highlight>
                 <a:latin typeface="Consolas"/>
               </a:rPr>
               <a:t>public</a:t>
@@ -40203,6 +41472,9 @@
                 <a:solidFill>
                   <a:srgbClr val="000000"/>
                 </a:solidFill>
+                <a:highlight>
+                  <a:srgbClr val="FFFFFF"/>
+                </a:highlight>
                 <a:latin typeface="Consolas"/>
               </a:rPr>
               <a:t> </a:t>
@@ -40212,6 +41484,9 @@
                 <a:solidFill>
                   <a:srgbClr val="0000FF"/>
                 </a:solidFill>
+                <a:highlight>
+                  <a:srgbClr val="FFFFFF"/>
+                </a:highlight>
                 <a:latin typeface="Consolas"/>
               </a:rPr>
               <a:t>int</a:t>
@@ -40221,24 +41496,143 @@
                 <a:solidFill>
                   <a:srgbClr val="000000"/>
                 </a:solidFill>
+                <a:highlight>
+                  <a:srgbClr val="FFFFFF"/>
+                </a:highlight>
                 <a:latin typeface="Consolas"/>
               </a:rPr>
+              <a:t> Id { </a:t>
+            </a:r>
+            <a:r>
+              <a:rPr lang="en-US" sz="1200" dirty="0">
+                <a:solidFill>
+                  <a:srgbClr val="0000FF"/>
+                </a:solidFill>
+                <a:highlight>
+                  <a:srgbClr val="FFFFFF"/>
+                </a:highlight>
+                <a:latin typeface="Consolas"/>
+              </a:rPr>
+              <a:t>get</a:t>
+            </a:r>
+            <a:r>
+              <a:rPr lang="en-US" sz="1200" dirty="0">
+                <a:solidFill>
+                  <a:srgbClr val="000000"/>
+                </a:solidFill>
+                <a:highlight>
+                  <a:srgbClr val="FFFFFF"/>
+                </a:highlight>
+                <a:latin typeface="Consolas"/>
+              </a:rPr>
+              <a:t>; </a:t>
+            </a:r>
+            <a:r>
+              <a:rPr lang="en-US" sz="1200" dirty="0">
+                <a:solidFill>
+                  <a:srgbClr val="0000FF"/>
+                </a:solidFill>
+                <a:highlight>
+                  <a:srgbClr val="FFFFFF"/>
+                </a:highlight>
+                <a:latin typeface="Consolas"/>
+              </a:rPr>
+              <a:t>set</a:t>
+            </a:r>
+            <a:r>
+              <a:rPr lang="en-US" sz="1200" dirty="0">
+                <a:solidFill>
+                  <a:srgbClr val="000000"/>
+                </a:solidFill>
+                <a:highlight>
+                  <a:srgbClr val="FFFFFF"/>
+                </a:highlight>
+                <a:latin typeface="Consolas"/>
+              </a:rPr>
+              <a:t>; }</a:t>
+            </a:r>
+          </a:p>
+          <a:p>
+            <a:r>
+              <a:rPr lang="ru-RU" sz="1200" dirty="0" smtClean="0">
+                <a:solidFill>
+                  <a:srgbClr val="0000FF"/>
+                </a:solidFill>
+                <a:highlight>
+                  <a:srgbClr val="FFFFFF"/>
+                </a:highlight>
+                <a:latin typeface="Consolas"/>
+              </a:rPr>
+              <a:t>    </a:t>
+            </a:r>
+            <a:r>
+              <a:rPr lang="en-US" sz="1200" dirty="0" smtClean="0">
+                <a:solidFill>
+                  <a:srgbClr val="0000FF"/>
+                </a:solidFill>
+                <a:highlight>
+                  <a:srgbClr val="FFFFFF"/>
+                </a:highlight>
+                <a:latin typeface="Consolas"/>
+              </a:rPr>
+              <a:t>public</a:t>
+            </a:r>
+            <a:r>
+              <a:rPr lang="en-US" sz="1200" dirty="0" smtClean="0">
+                <a:solidFill>
+                  <a:srgbClr val="000000"/>
+                </a:solidFill>
+                <a:highlight>
+                  <a:srgbClr val="FFFFFF"/>
+                </a:highlight>
+                <a:latin typeface="Consolas"/>
+              </a:rPr>
               <a:t> </a:t>
             </a:r>
             <a:r>
+              <a:rPr lang="en-US" sz="1200" dirty="0">
+                <a:solidFill>
+                  <a:srgbClr val="0000FF"/>
+                </a:solidFill>
+                <a:highlight>
+                  <a:srgbClr val="FFFFFF"/>
+                </a:highlight>
+                <a:latin typeface="Consolas"/>
+              </a:rPr>
+              <a:t>byte</a:t>
+            </a:r>
+            <a:r>
+              <a:rPr lang="en-US" sz="1200" dirty="0">
+                <a:solidFill>
+                  <a:srgbClr val="000000"/>
+                </a:solidFill>
+                <a:highlight>
+                  <a:srgbClr val="FFFFFF"/>
+                </a:highlight>
+                <a:latin typeface="Consolas"/>
+              </a:rPr>
+              <a:t>[] </a:t>
+            </a:r>
+            <a:r>
               <a:rPr lang="en-US" sz="1200" dirty="0" err="1">
                 <a:solidFill>
                   <a:srgbClr val="000000"/>
                 </a:solidFill>
+                <a:highlight>
+                  <a:srgbClr val="FFFFFF"/>
+                </a:highlight>
                 <a:latin typeface="Consolas"/>
               </a:rPr>
-              <a:t>PersonId</a:t>
+              <a:t>PhotoBytes</a:t>
             </a:r>
             <a:r>
               <a:rPr lang="en-US" sz="1200" dirty="0">
                 <a:solidFill>
                   <a:srgbClr val="000000"/>
                 </a:solidFill>
+                <a:highlight>
+                  <a:srgbClr val="FFFFFF"/>
+                </a:highlight>
                 <a:latin typeface="Consolas"/>
               </a:rPr>
               <a:t> { </a:t>
@@ -40248,6 +41642,9 @@
                 <a:solidFill>
                   <a:srgbClr val="0000FF"/>
                 </a:solidFill>
+                <a:highlight>
+                  <a:srgbClr val="FFFFFF"/>
+                </a:highlight>
                 <a:latin typeface="Consolas"/>
               </a:rPr>
               <a:t>get</a:t>
@@ -40257,6 +41654,9 @@
                 <a:solidFill>
                   <a:srgbClr val="000000"/>
                 </a:solidFill>
+                <a:highlight>
+                  <a:srgbClr val="FFFFFF"/>
+                </a:highlight>
                 <a:latin typeface="Consolas"/>
               </a:rPr>
               <a:t>; </a:t>
@@ -40266,6 +41666,9 @@
                 <a:solidFill>
                   <a:srgbClr val="0000FF"/>
                 </a:solidFill>
+                <a:highlight>
+                  <a:srgbClr val="FFFFFF"/>
+                </a:highlight>
                 <a:latin typeface="Consolas"/>
               </a:rPr>
               <a:t>set</a:t>
@@ -40275,17 +41678,69 @@
                 <a:solidFill>
                   <a:srgbClr val="000000"/>
                 </a:solidFill>
+                <a:highlight>
+                  <a:srgbClr val="FFFFFF"/>
+                </a:highlight>
                 <a:latin typeface="Consolas"/>
               </a:rPr>
               <a:t>; }</a:t>
             </a:r>
           </a:p>
           <a:p>
+            <a:endParaRPr lang="ru-RU" sz="1200" dirty="0">
+              <a:solidFill>
+                <a:srgbClr val="000000"/>
+              </a:solidFill>
+              <a:highlight>
+                <a:srgbClr val="FFFFFF"/>
+              </a:highlight>
+              <a:latin typeface="Consolas"/>
+            </a:endParaRPr>
+          </a:p>
+          <a:p>
             <a:r>
               <a:rPr lang="ru-RU" sz="1200" dirty="0" smtClean="0">
                 <a:solidFill>
+                  <a:srgbClr val="008000"/>
+                </a:solidFill>
+                <a:highlight>
+                  <a:srgbClr val="FFFFFF"/>
+                </a:highlight>
+                <a:latin typeface="Consolas"/>
+              </a:rPr>
+              <a:t>    // </a:t>
+            </a:r>
+            <a:r>
+              <a:rPr lang="ru-RU" sz="1200" dirty="0">
+                <a:solidFill>
+                  <a:srgbClr val="008000"/>
+                </a:solidFill>
+                <a:highlight>
+                  <a:srgbClr val="FFFFFF"/>
+                </a:highlight>
+                <a:latin typeface="Consolas"/>
+              </a:rPr>
+              <a:t>Связь с таблицей сотрудников</a:t>
+            </a:r>
+            <a:endParaRPr lang="ru-RU" sz="1200" dirty="0">
+              <a:solidFill>
+                <a:srgbClr val="000000"/>
+              </a:solidFill>
+              <a:highlight>
+                <a:srgbClr val="FFFFFF"/>
+              </a:highlight>
+              <a:latin typeface="Consolas"/>
+            </a:endParaRPr>
+          </a:p>
+          <a:p>
+            <a:r>
+              <a:rPr lang="ru-RU" sz="1200" dirty="0" smtClean="0">
+                <a:solidFill>
                   <a:srgbClr val="0000FF"/>
                 </a:solidFill>
+                <a:highlight>
+                  <a:srgbClr val="FFFFFF"/>
+                </a:highlight>
                 <a:latin typeface="Consolas"/>
               </a:rPr>
               <a:t>    </a:t>
@@ -40295,6 +41750,9 @@
                 <a:solidFill>
                   <a:srgbClr val="0000FF"/>
                 </a:solidFill>
+                <a:highlight>
+                  <a:srgbClr val="FFFFFF"/>
+                </a:highlight>
                 <a:latin typeface="Consolas"/>
               </a:rPr>
               <a:t>public</a:t>
@@ -40304,6 +41762,9 @@
                 <a:solidFill>
                   <a:srgbClr val="000000"/>
                 </a:solidFill>
+                <a:highlight>
+                  <a:srgbClr val="FFFFFF"/>
+                </a:highlight>
                 <a:latin typeface="Consolas"/>
               </a:rPr>
               <a:t> </a:t>
@@ -40311,1070 +41772,119 @@
             <a:r>
               <a:rPr lang="en-US" sz="1200" dirty="0">
                 <a:solidFill>
+                  <a:srgbClr val="2B91AF"/>
+                </a:solidFill>
+                <a:highlight>
+                  <a:srgbClr val="FFFFFF"/>
+                </a:highlight>
+                <a:latin typeface="Consolas"/>
+              </a:rPr>
+              <a:t>Person</a:t>
+            </a:r>
+            <a:r>
+              <a:rPr lang="en-US" sz="1200" dirty="0">
+                <a:solidFill>
+                  <a:srgbClr val="000000"/>
+                </a:solidFill>
+                <a:highlight>
+                  <a:srgbClr val="FFFFFF"/>
+                </a:highlight>
+                <a:latin typeface="Consolas"/>
+              </a:rPr>
+              <a:t> </a:t>
+            </a:r>
+            <a:r>
+              <a:rPr lang="en-US" sz="1200" dirty="0" err="1">
+                <a:solidFill>
+                  <a:srgbClr val="000000"/>
+                </a:solidFill>
+                <a:highlight>
+                  <a:srgbClr val="FFFFFF"/>
+                </a:highlight>
+                <a:latin typeface="Consolas"/>
+              </a:rPr>
+              <a:t>Person</a:t>
+            </a:r>
+            <a:r>
+              <a:rPr lang="en-US" sz="1200" dirty="0">
+                <a:solidFill>
+                  <a:srgbClr val="000000"/>
+                </a:solidFill>
+                <a:highlight>
+                  <a:srgbClr val="FFFFFF"/>
+                </a:highlight>
+                <a:latin typeface="Consolas"/>
+              </a:rPr>
+              <a:t> { </a:t>
+            </a:r>
+            <a:r>
+              <a:rPr lang="en-US" sz="1200" dirty="0">
+                <a:solidFill>
                   <a:srgbClr val="0000FF"/>
                 </a:solidFill>
+                <a:highlight>
+                  <a:srgbClr val="FFFFFF"/>
+                </a:highlight>
                 <a:latin typeface="Consolas"/>
               </a:rPr>
-              <a:t>string</a:t>
+              <a:t>get</a:t>
             </a:r>
             <a:r>
               <a:rPr lang="en-US" sz="1200" dirty="0">
                 <a:solidFill>
                   <a:srgbClr val="000000"/>
                 </a:solidFill>
+                <a:highlight>
+                  <a:srgbClr val="FFFFFF"/>
+                </a:highlight>
                 <a:latin typeface="Consolas"/>
               </a:rPr>
-              <a:t> </a:t>
-            </a:r>
-            <a:r>
-              <a:rPr lang="en-US" sz="1200" dirty="0" err="1">
+              <a:t>; </a:t>
+            </a:r>
+            <a:r>
+              <a:rPr lang="en-US" sz="1200" dirty="0">
+                <a:solidFill>
+                  <a:srgbClr val="0000FF"/>
+                </a:solidFill>
+                <a:highlight>
+                  <a:srgbClr val="FFFFFF"/>
+                </a:highlight>
+                <a:latin typeface="Consolas"/>
+              </a:rPr>
+              <a:t>set</a:t>
+            </a:r>
+            <a:r>
+              <a:rPr lang="en-US" sz="1200" dirty="0">
                 <a:solidFill>
                   <a:srgbClr val="000000"/>
                 </a:solidFill>
+                <a:highlight>
+                  <a:srgbClr val="FFFFFF"/>
+                </a:highlight>
                 <a:latin typeface="Consolas"/>
               </a:rPr>
-              <a:t>FirstName</a:t>
-            </a:r>
-            <a:r>
-              <a:rPr lang="en-US" sz="1200" dirty="0">
+              <a:t>; }</a:t>
+            </a:r>
+          </a:p>
+          <a:p>
+            <a:r>
+              <a:rPr lang="ru-RU" sz="1200" dirty="0" smtClean="0">
                 <a:solidFill>
                   <a:srgbClr val="000000"/>
                 </a:solidFill>
+                <a:highlight>
+                  <a:srgbClr val="FFFFFF"/>
+                </a:highlight>
                 <a:latin typeface="Consolas"/>
               </a:rPr>
-              <a:t> { </a:t>
-            </a:r>
-            <a:r>
-              <a:rPr lang="en-US" sz="1200" dirty="0">
-                <a:solidFill>
-                  <a:srgbClr val="0000FF"/>
-                </a:solidFill>
-                <a:latin typeface="Consolas"/>
-              </a:rPr>
-              <a:t>get</a:t>
-            </a:r>
-            <a:r>
-              <a:rPr lang="en-US" sz="1200" dirty="0">
-                <a:solidFill>
-                  <a:srgbClr val="000000"/>
-                </a:solidFill>
-                <a:latin typeface="Consolas"/>
-              </a:rPr>
-              <a:t>; </a:t>
-            </a:r>
-            <a:r>
-              <a:rPr lang="en-US" sz="1200" dirty="0">
-                <a:solidFill>
-                  <a:srgbClr val="0000FF"/>
-                </a:solidFill>
-                <a:latin typeface="Consolas"/>
-              </a:rPr>
-              <a:t>set</a:t>
-            </a:r>
-            <a:r>
-              <a:rPr lang="en-US" sz="1200" dirty="0">
-                <a:solidFill>
-                  <a:srgbClr val="000000"/>
-                </a:solidFill>
-                <a:latin typeface="Consolas"/>
-              </a:rPr>
-              <a:t>; }</a:t>
-            </a:r>
-          </a:p>
-          <a:p>
-            <a:r>
-              <a:rPr lang="ru-RU" sz="1200" dirty="0" smtClean="0">
-                <a:solidFill>
-                  <a:srgbClr val="0000FF"/>
-                </a:solidFill>
-                <a:latin typeface="Consolas"/>
-              </a:rPr>
-              <a:t>    </a:t>
-            </a:r>
-            <a:r>
-              <a:rPr lang="en-US" sz="1200" dirty="0" smtClean="0">
-                <a:solidFill>
-                  <a:srgbClr val="0000FF"/>
-                </a:solidFill>
-                <a:latin typeface="Consolas"/>
-              </a:rPr>
-              <a:t>public</a:t>
-            </a:r>
-            <a:r>
-              <a:rPr lang="en-US" sz="1200" dirty="0" smtClean="0">
-                <a:solidFill>
-                  <a:srgbClr val="000000"/>
-                </a:solidFill>
-                <a:latin typeface="Consolas"/>
-              </a:rPr>
-              <a:t> </a:t>
-            </a:r>
-            <a:r>
-              <a:rPr lang="en-US" sz="1200" dirty="0">
-                <a:solidFill>
-                  <a:srgbClr val="0000FF"/>
-                </a:solidFill>
-                <a:latin typeface="Consolas"/>
-              </a:rPr>
-              <a:t>string</a:t>
-            </a:r>
-            <a:r>
-              <a:rPr lang="en-US" sz="1200" dirty="0">
-                <a:solidFill>
-                  <a:srgbClr val="000000"/>
-                </a:solidFill>
-                <a:latin typeface="Consolas"/>
-              </a:rPr>
-              <a:t> </a:t>
-            </a:r>
-            <a:r>
-              <a:rPr lang="en-US" sz="1200" dirty="0" err="1">
-                <a:solidFill>
-                  <a:srgbClr val="000000"/>
-                </a:solidFill>
-                <a:latin typeface="Consolas"/>
-              </a:rPr>
-              <a:t>LastName</a:t>
-            </a:r>
-            <a:r>
-              <a:rPr lang="en-US" sz="1200" dirty="0">
-                <a:solidFill>
-                  <a:srgbClr val="000000"/>
-                </a:solidFill>
-                <a:latin typeface="Consolas"/>
-              </a:rPr>
-              <a:t> { </a:t>
-            </a:r>
-            <a:r>
-              <a:rPr lang="en-US" sz="1200" dirty="0">
-                <a:solidFill>
-                  <a:srgbClr val="0000FF"/>
-                </a:solidFill>
-                <a:latin typeface="Consolas"/>
-              </a:rPr>
-              <a:t>get</a:t>
-            </a:r>
-            <a:r>
-              <a:rPr lang="en-US" sz="1200" dirty="0">
-                <a:solidFill>
-                  <a:srgbClr val="000000"/>
-                </a:solidFill>
-                <a:latin typeface="Consolas"/>
-              </a:rPr>
-              <a:t>; </a:t>
-            </a:r>
-            <a:r>
-              <a:rPr lang="en-US" sz="1200" dirty="0">
-                <a:solidFill>
-                  <a:srgbClr val="0000FF"/>
-                </a:solidFill>
-                <a:latin typeface="Consolas"/>
-              </a:rPr>
-              <a:t>set</a:t>
-            </a:r>
-            <a:r>
-              <a:rPr lang="en-US" sz="1200" dirty="0">
-                <a:solidFill>
-                  <a:srgbClr val="000000"/>
-                </a:solidFill>
-                <a:latin typeface="Consolas"/>
-              </a:rPr>
-              <a:t>; }</a:t>
-            </a:r>
-          </a:p>
-          <a:p>
-            <a:r>
-              <a:rPr lang="ru-RU" sz="1200" dirty="0" smtClean="0">
-                <a:solidFill>
-                  <a:srgbClr val="0000FF"/>
-                </a:solidFill>
-                <a:latin typeface="Consolas"/>
-              </a:rPr>
-              <a:t>    </a:t>
-            </a:r>
-            <a:r>
-              <a:rPr lang="en-US" sz="1200" dirty="0" smtClean="0">
-                <a:solidFill>
-                  <a:srgbClr val="0000FF"/>
-                </a:solidFill>
-                <a:latin typeface="Consolas"/>
-              </a:rPr>
-              <a:t>public</a:t>
-            </a:r>
-            <a:r>
-              <a:rPr lang="en-US" sz="1200" dirty="0" smtClean="0">
-                <a:solidFill>
-                  <a:srgbClr val="000000"/>
-                </a:solidFill>
-                <a:latin typeface="Consolas"/>
-              </a:rPr>
-              <a:t> </a:t>
-            </a:r>
-            <a:r>
-              <a:rPr lang="en-US" sz="1200" dirty="0">
-                <a:solidFill>
-                  <a:srgbClr val="0000FF"/>
-                </a:solidFill>
-                <a:latin typeface="Consolas"/>
-              </a:rPr>
-              <a:t>byte</a:t>
-            </a:r>
-            <a:r>
-              <a:rPr lang="en-US" sz="1200" dirty="0">
-                <a:solidFill>
-                  <a:srgbClr val="000000"/>
-                </a:solidFill>
-                <a:latin typeface="Consolas"/>
-              </a:rPr>
-              <a:t> Gender { </a:t>
-            </a:r>
-            <a:r>
-              <a:rPr lang="en-US" sz="1200" dirty="0">
-                <a:solidFill>
-                  <a:srgbClr val="0000FF"/>
-                </a:solidFill>
-                <a:latin typeface="Consolas"/>
-              </a:rPr>
-              <a:t>get</a:t>
-            </a:r>
-            <a:r>
-              <a:rPr lang="en-US" sz="1200" dirty="0">
-                <a:solidFill>
-                  <a:srgbClr val="000000"/>
-                </a:solidFill>
-                <a:latin typeface="Consolas"/>
-              </a:rPr>
-              <a:t>; </a:t>
-            </a:r>
-            <a:r>
-              <a:rPr lang="en-US" sz="1200" dirty="0">
-                <a:solidFill>
-                  <a:srgbClr val="0000FF"/>
-                </a:solidFill>
-                <a:latin typeface="Consolas"/>
-              </a:rPr>
-              <a:t>set</a:t>
-            </a:r>
-            <a:r>
-              <a:rPr lang="en-US" sz="1200" dirty="0">
-                <a:solidFill>
-                  <a:srgbClr val="000000"/>
-                </a:solidFill>
-                <a:latin typeface="Consolas"/>
-              </a:rPr>
-              <a:t>; }</a:t>
-            </a:r>
-          </a:p>
-          <a:p>
-            <a:r>
-              <a:rPr lang="ru-RU" sz="1200" dirty="0" smtClean="0">
-                <a:solidFill>
-                  <a:srgbClr val="0000FF"/>
-                </a:solidFill>
-                <a:latin typeface="Consolas"/>
-              </a:rPr>
-              <a:t>    </a:t>
-            </a:r>
-            <a:r>
-              <a:rPr lang="en-US" sz="1200" dirty="0" smtClean="0">
-                <a:solidFill>
-                  <a:srgbClr val="0000FF"/>
-                </a:solidFill>
-                <a:latin typeface="Consolas"/>
-              </a:rPr>
-              <a:t>public</a:t>
-            </a:r>
-            <a:r>
-              <a:rPr lang="en-US" sz="1200" dirty="0" smtClean="0">
-                <a:solidFill>
-                  <a:srgbClr val="000000"/>
-                </a:solidFill>
-                <a:latin typeface="Consolas"/>
-              </a:rPr>
-              <a:t> </a:t>
-            </a:r>
-            <a:r>
-              <a:rPr lang="en-US" sz="1200" dirty="0" err="1">
-                <a:solidFill>
-                  <a:srgbClr val="000000"/>
-                </a:solidFill>
-                <a:latin typeface="Consolas"/>
-              </a:rPr>
-              <a:t>DateTime</a:t>
-            </a:r>
-            <a:r>
-              <a:rPr lang="en-US" sz="1200" dirty="0">
-                <a:solidFill>
-                  <a:srgbClr val="000000"/>
-                </a:solidFill>
-                <a:latin typeface="Consolas"/>
-              </a:rPr>
-              <a:t> </a:t>
-            </a:r>
-            <a:r>
-              <a:rPr lang="en-US" sz="1200" dirty="0" err="1">
-                <a:solidFill>
-                  <a:srgbClr val="000000"/>
-                </a:solidFill>
-                <a:latin typeface="Consolas"/>
-              </a:rPr>
-              <a:t>BirthDate</a:t>
-            </a:r>
-            <a:r>
-              <a:rPr lang="en-US" sz="1200" dirty="0">
-                <a:solidFill>
-                  <a:srgbClr val="000000"/>
-                </a:solidFill>
-                <a:latin typeface="Consolas"/>
-              </a:rPr>
-              <a:t> { </a:t>
-            </a:r>
-            <a:r>
-              <a:rPr lang="en-US" sz="1200" dirty="0">
-                <a:solidFill>
-                  <a:srgbClr val="0000FF"/>
-                </a:solidFill>
-                <a:latin typeface="Consolas"/>
-              </a:rPr>
-              <a:t>get</a:t>
-            </a:r>
-            <a:r>
-              <a:rPr lang="en-US" sz="1200" dirty="0">
-                <a:solidFill>
-                  <a:srgbClr val="000000"/>
-                </a:solidFill>
-                <a:latin typeface="Consolas"/>
-              </a:rPr>
-              <a:t>; </a:t>
-            </a:r>
-            <a:r>
-              <a:rPr lang="en-US" sz="1200" dirty="0">
-                <a:solidFill>
-                  <a:srgbClr val="0000FF"/>
-                </a:solidFill>
-                <a:latin typeface="Consolas"/>
-              </a:rPr>
-              <a:t>set</a:t>
-            </a:r>
-            <a:r>
-              <a:rPr lang="en-US" sz="1200" dirty="0">
-                <a:solidFill>
-                  <a:srgbClr val="000000"/>
-                </a:solidFill>
-                <a:latin typeface="Consolas"/>
-              </a:rPr>
-              <a:t>; }</a:t>
-            </a:r>
-          </a:p>
-          <a:p>
-            <a:r>
-              <a:rPr lang="ru-RU" sz="1200" dirty="0" smtClean="0">
-                <a:solidFill>
-                  <a:srgbClr val="0000FF"/>
-                </a:solidFill>
-                <a:latin typeface="Consolas"/>
-              </a:rPr>
-              <a:t>    </a:t>
-            </a:r>
-            <a:r>
-              <a:rPr lang="en-US" sz="1200" dirty="0" smtClean="0">
-                <a:solidFill>
-                  <a:srgbClr val="0000FF"/>
-                </a:solidFill>
-                <a:latin typeface="Consolas"/>
-              </a:rPr>
-              <a:t>public</a:t>
-            </a:r>
-            <a:r>
-              <a:rPr lang="en-US" sz="1200" dirty="0" smtClean="0">
-                <a:solidFill>
-                  <a:srgbClr val="000000"/>
-                </a:solidFill>
-                <a:latin typeface="Consolas"/>
-              </a:rPr>
-              <a:t> </a:t>
-            </a:r>
-            <a:r>
-              <a:rPr lang="en-US" sz="1200" dirty="0">
-                <a:solidFill>
-                  <a:srgbClr val="0000FF"/>
-                </a:solidFill>
-                <a:latin typeface="Consolas"/>
-              </a:rPr>
-              <a:t>string</a:t>
-            </a:r>
-            <a:r>
-              <a:rPr lang="en-US" sz="1200" dirty="0">
-                <a:solidFill>
-                  <a:srgbClr val="000000"/>
-                </a:solidFill>
-                <a:latin typeface="Consolas"/>
-              </a:rPr>
-              <a:t> </a:t>
-            </a:r>
-            <a:r>
-              <a:rPr lang="en-US" sz="1200" dirty="0" err="1">
-                <a:solidFill>
-                  <a:srgbClr val="000000"/>
-                </a:solidFill>
-                <a:latin typeface="Consolas"/>
-              </a:rPr>
-              <a:t>PhoneNumber</a:t>
-            </a:r>
-            <a:r>
-              <a:rPr lang="en-US" sz="1200" dirty="0">
-                <a:solidFill>
-                  <a:srgbClr val="000000"/>
-                </a:solidFill>
-                <a:latin typeface="Consolas"/>
-              </a:rPr>
-              <a:t> { </a:t>
-            </a:r>
-            <a:r>
-              <a:rPr lang="en-US" sz="1200" dirty="0">
-                <a:solidFill>
-                  <a:srgbClr val="0000FF"/>
-                </a:solidFill>
-                <a:latin typeface="Consolas"/>
-              </a:rPr>
-              <a:t>get</a:t>
-            </a:r>
-            <a:r>
-              <a:rPr lang="en-US" sz="1200" dirty="0">
-                <a:solidFill>
-                  <a:srgbClr val="000000"/>
-                </a:solidFill>
-                <a:latin typeface="Consolas"/>
-              </a:rPr>
-              <a:t>; </a:t>
-            </a:r>
-            <a:r>
-              <a:rPr lang="en-US" sz="1200" dirty="0">
-                <a:solidFill>
-                  <a:srgbClr val="0000FF"/>
-                </a:solidFill>
-                <a:latin typeface="Consolas"/>
-              </a:rPr>
-              <a:t>set</a:t>
-            </a:r>
-            <a:r>
-              <a:rPr lang="en-US" sz="1200" dirty="0">
-                <a:solidFill>
-                  <a:srgbClr val="000000"/>
-                </a:solidFill>
-                <a:latin typeface="Consolas"/>
-              </a:rPr>
-              <a:t>; }</a:t>
-            </a:r>
-          </a:p>
-          <a:p>
+              <a:t>}</a:t>
+            </a:r>
             <a:endParaRPr lang="ru-RU" sz="1200" dirty="0">
               <a:solidFill>
                 <a:srgbClr val="000000"/>
               </a:solidFill>
               <a:latin typeface="Consolas"/>
             </a:endParaRPr>
-          </a:p>
-          <a:p>
-            <a:r>
-              <a:rPr lang="ru-RU" sz="1200" dirty="0" smtClean="0">
-                <a:solidFill>
-                  <a:srgbClr val="0000FF"/>
-                </a:solidFill>
-                <a:latin typeface="Consolas"/>
-              </a:rPr>
-              <a:t>    </a:t>
-            </a:r>
-            <a:r>
-              <a:rPr lang="en-US" sz="1200" dirty="0" smtClean="0">
-                <a:solidFill>
-                  <a:srgbClr val="0000FF"/>
-                </a:solidFill>
-                <a:latin typeface="Consolas"/>
-              </a:rPr>
-              <a:t>public</a:t>
-            </a:r>
-            <a:r>
-              <a:rPr lang="en-US" sz="1200" dirty="0" smtClean="0">
-                <a:solidFill>
-                  <a:srgbClr val="000000"/>
-                </a:solidFill>
-                <a:latin typeface="Consolas"/>
-              </a:rPr>
-              <a:t> </a:t>
-            </a:r>
-            <a:r>
-              <a:rPr lang="en-US" sz="1200" dirty="0">
-                <a:solidFill>
-                  <a:srgbClr val="000000"/>
-                </a:solidFill>
-                <a:latin typeface="Consolas"/>
-              </a:rPr>
-              <a:t>List&lt;Photo&gt; Photos { </a:t>
-            </a:r>
-            <a:r>
-              <a:rPr lang="en-US" sz="1200" dirty="0">
-                <a:solidFill>
-                  <a:srgbClr val="0000FF"/>
-                </a:solidFill>
-                <a:latin typeface="Consolas"/>
-              </a:rPr>
-              <a:t>get</a:t>
-            </a:r>
-            <a:r>
-              <a:rPr lang="en-US" sz="1200" dirty="0">
-                <a:solidFill>
-                  <a:srgbClr val="000000"/>
-                </a:solidFill>
-                <a:latin typeface="Consolas"/>
-              </a:rPr>
-              <a:t>; </a:t>
-            </a:r>
-            <a:r>
-              <a:rPr lang="en-US" sz="1200" dirty="0">
-                <a:solidFill>
-                  <a:srgbClr val="0000FF"/>
-                </a:solidFill>
-                <a:latin typeface="Consolas"/>
-              </a:rPr>
-              <a:t>set</a:t>
-            </a:r>
-            <a:r>
-              <a:rPr lang="en-US" sz="1200" dirty="0">
-                <a:solidFill>
-                  <a:srgbClr val="000000"/>
-                </a:solidFill>
-                <a:latin typeface="Consolas"/>
-              </a:rPr>
-              <a:t>; }  </a:t>
-            </a:r>
-            <a:r>
-              <a:rPr lang="en-US" sz="1200" dirty="0">
-                <a:solidFill>
-                  <a:srgbClr val="008000"/>
-                </a:solidFill>
-                <a:latin typeface="Consolas"/>
-              </a:rPr>
-              <a:t>// </a:t>
-            </a:r>
-            <a:r>
-              <a:rPr lang="ru-RU" sz="1200" dirty="0" smtClean="0">
-                <a:solidFill>
-                  <a:srgbClr val="008000"/>
-                </a:solidFill>
-                <a:latin typeface="Consolas"/>
-              </a:rPr>
-              <a:t>Связь</a:t>
-            </a:r>
-            <a:endParaRPr lang="en-US" sz="1200" dirty="0">
-              <a:solidFill>
-                <a:srgbClr val="000000"/>
-              </a:solidFill>
-              <a:latin typeface="Consolas"/>
-            </a:endParaRPr>
-          </a:p>
-          <a:p>
-            <a:r>
-              <a:rPr lang="ru-RU" sz="1200" dirty="0">
-                <a:solidFill>
-                  <a:srgbClr val="000000"/>
-                </a:solidFill>
-                <a:latin typeface="Consolas"/>
-              </a:rPr>
-              <a:t>}</a:t>
-            </a:r>
-          </a:p>
-          <a:p>
-            <a:endParaRPr lang="ru-RU" sz="1200" dirty="0">
-              <a:solidFill>
-                <a:srgbClr val="000000"/>
-              </a:solidFill>
-              <a:latin typeface="Consolas"/>
-            </a:endParaRPr>
-          </a:p>
-          <a:p>
-            <a:r>
-              <a:rPr lang="en-US" sz="1200" dirty="0">
-                <a:solidFill>
-                  <a:srgbClr val="0000FF"/>
-                </a:solidFill>
-                <a:latin typeface="Consolas"/>
-              </a:rPr>
-              <a:t>class</a:t>
-            </a:r>
-            <a:r>
-              <a:rPr lang="en-US" sz="1200" dirty="0">
-                <a:solidFill>
-                  <a:srgbClr val="000000"/>
-                </a:solidFill>
-                <a:latin typeface="Consolas"/>
-              </a:rPr>
-              <a:t> </a:t>
-            </a:r>
-            <a:r>
-              <a:rPr lang="en-US" sz="1200" dirty="0" err="1">
-                <a:solidFill>
-                  <a:srgbClr val="000000"/>
-                </a:solidFill>
-                <a:latin typeface="Consolas"/>
-              </a:rPr>
-              <a:t>PersonPhoto</a:t>
-            </a:r>
-            <a:endParaRPr lang="en-US" sz="1200" dirty="0">
-              <a:solidFill>
-                <a:srgbClr val="000000"/>
-              </a:solidFill>
-              <a:latin typeface="Consolas"/>
-            </a:endParaRPr>
-          </a:p>
-          <a:p>
-            <a:r>
-              <a:rPr lang="ru-RU" sz="1200" dirty="0">
-                <a:solidFill>
-                  <a:srgbClr val="000000"/>
-                </a:solidFill>
-                <a:latin typeface="Consolas"/>
-              </a:rPr>
-              <a:t>{</a:t>
-            </a:r>
-          </a:p>
-          <a:p>
-            <a:r>
-              <a:rPr lang="ru-RU" sz="1200" dirty="0" smtClean="0">
-                <a:solidFill>
-                  <a:srgbClr val="0000FF"/>
-                </a:solidFill>
-                <a:latin typeface="Consolas"/>
-              </a:rPr>
-              <a:t>    </a:t>
-            </a:r>
-            <a:r>
-              <a:rPr lang="en-US" sz="1200" dirty="0" smtClean="0">
-                <a:solidFill>
-                  <a:srgbClr val="0000FF"/>
-                </a:solidFill>
-                <a:latin typeface="Consolas"/>
-              </a:rPr>
-              <a:t>public</a:t>
-            </a:r>
-            <a:r>
-              <a:rPr lang="en-US" sz="1200" dirty="0" smtClean="0">
-                <a:solidFill>
-                  <a:srgbClr val="000000"/>
-                </a:solidFill>
-                <a:latin typeface="Consolas"/>
-              </a:rPr>
-              <a:t> </a:t>
-            </a:r>
-            <a:r>
-              <a:rPr lang="en-US" sz="1200" dirty="0" err="1">
-                <a:solidFill>
-                  <a:srgbClr val="000000"/>
-                </a:solidFill>
-                <a:latin typeface="Consolas"/>
-              </a:rPr>
-              <a:t>Guid</a:t>
-            </a:r>
-            <a:r>
-              <a:rPr lang="en-US" sz="1200" dirty="0">
-                <a:solidFill>
-                  <a:srgbClr val="000000"/>
-                </a:solidFill>
-                <a:latin typeface="Consolas"/>
-              </a:rPr>
-              <a:t> </a:t>
-            </a:r>
-            <a:r>
-              <a:rPr lang="en-US" sz="1200" dirty="0" err="1">
-                <a:solidFill>
-                  <a:srgbClr val="000000"/>
-                </a:solidFill>
-                <a:latin typeface="Consolas"/>
-              </a:rPr>
-              <a:t>PhotoId</a:t>
-            </a:r>
-            <a:r>
-              <a:rPr lang="en-US" sz="1200" dirty="0">
-                <a:solidFill>
-                  <a:srgbClr val="000000"/>
-                </a:solidFill>
-                <a:latin typeface="Consolas"/>
-              </a:rPr>
-              <a:t> { </a:t>
-            </a:r>
-            <a:r>
-              <a:rPr lang="en-US" sz="1200" dirty="0">
-                <a:solidFill>
-                  <a:srgbClr val="0000FF"/>
-                </a:solidFill>
-                <a:latin typeface="Consolas"/>
-              </a:rPr>
-              <a:t>get</a:t>
-            </a:r>
-            <a:r>
-              <a:rPr lang="en-US" sz="1200" dirty="0">
-                <a:solidFill>
-                  <a:srgbClr val="000000"/>
-                </a:solidFill>
-                <a:latin typeface="Consolas"/>
-              </a:rPr>
-              <a:t>; </a:t>
-            </a:r>
-            <a:r>
-              <a:rPr lang="en-US" sz="1200" dirty="0">
-                <a:solidFill>
-                  <a:srgbClr val="0000FF"/>
-                </a:solidFill>
-                <a:latin typeface="Consolas"/>
-              </a:rPr>
-              <a:t>set</a:t>
-            </a:r>
-            <a:r>
-              <a:rPr lang="en-US" sz="1200" dirty="0">
-                <a:solidFill>
-                  <a:srgbClr val="000000"/>
-                </a:solidFill>
-                <a:latin typeface="Consolas"/>
-              </a:rPr>
-              <a:t>; }</a:t>
-            </a:r>
-          </a:p>
-          <a:p>
-            <a:r>
-              <a:rPr lang="ru-RU" sz="1200" dirty="0" smtClean="0">
-                <a:solidFill>
-                  <a:srgbClr val="0000FF"/>
-                </a:solidFill>
-                <a:latin typeface="Consolas"/>
-              </a:rPr>
-              <a:t>    </a:t>
-            </a:r>
-            <a:r>
-              <a:rPr lang="en-US" sz="1200" dirty="0" smtClean="0">
-                <a:solidFill>
-                  <a:srgbClr val="0000FF"/>
-                </a:solidFill>
-                <a:latin typeface="Consolas"/>
-              </a:rPr>
-              <a:t>public</a:t>
-            </a:r>
-            <a:r>
-              <a:rPr lang="en-US" sz="1200" dirty="0" smtClean="0">
-                <a:solidFill>
-                  <a:srgbClr val="000000"/>
-                </a:solidFill>
-                <a:latin typeface="Consolas"/>
-              </a:rPr>
-              <a:t> </a:t>
-            </a:r>
-            <a:r>
-              <a:rPr lang="en-US" sz="1200" dirty="0" err="1">
-                <a:solidFill>
-                  <a:srgbClr val="0000FF"/>
-                </a:solidFill>
-                <a:latin typeface="Consolas"/>
-              </a:rPr>
-              <a:t>int</a:t>
-            </a:r>
-            <a:r>
-              <a:rPr lang="en-US" sz="1200" dirty="0">
-                <a:solidFill>
-                  <a:srgbClr val="000000"/>
-                </a:solidFill>
-                <a:latin typeface="Consolas"/>
-              </a:rPr>
-              <a:t> </a:t>
-            </a:r>
-            <a:r>
-              <a:rPr lang="en-US" sz="1200" dirty="0" err="1">
-                <a:solidFill>
-                  <a:srgbClr val="000000"/>
-                </a:solidFill>
-                <a:latin typeface="Consolas"/>
-              </a:rPr>
-              <a:t>PersonId</a:t>
-            </a:r>
-            <a:r>
-              <a:rPr lang="en-US" sz="1200" dirty="0">
-                <a:solidFill>
-                  <a:srgbClr val="000000"/>
-                </a:solidFill>
-                <a:latin typeface="Consolas"/>
-              </a:rPr>
-              <a:t> { </a:t>
-            </a:r>
-            <a:r>
-              <a:rPr lang="en-US" sz="1200" dirty="0">
-                <a:solidFill>
-                  <a:srgbClr val="0000FF"/>
-                </a:solidFill>
-                <a:latin typeface="Consolas"/>
-              </a:rPr>
-              <a:t>get</a:t>
-            </a:r>
-            <a:r>
-              <a:rPr lang="en-US" sz="1200" dirty="0">
-                <a:solidFill>
-                  <a:srgbClr val="000000"/>
-                </a:solidFill>
-                <a:latin typeface="Consolas"/>
-              </a:rPr>
-              <a:t>; </a:t>
-            </a:r>
-            <a:r>
-              <a:rPr lang="en-US" sz="1200" dirty="0">
-                <a:solidFill>
-                  <a:srgbClr val="0000FF"/>
-                </a:solidFill>
-                <a:latin typeface="Consolas"/>
-              </a:rPr>
-              <a:t>set</a:t>
-            </a:r>
-            <a:r>
-              <a:rPr lang="en-US" sz="1200" dirty="0">
-                <a:solidFill>
-                  <a:srgbClr val="000000"/>
-                </a:solidFill>
-                <a:latin typeface="Consolas"/>
-              </a:rPr>
-              <a:t>; }</a:t>
-            </a:r>
-          </a:p>
-          <a:p>
-            <a:r>
-              <a:rPr lang="ru-RU" sz="1200" dirty="0" smtClean="0">
-                <a:solidFill>
-                  <a:srgbClr val="0000FF"/>
-                </a:solidFill>
-                <a:latin typeface="Consolas"/>
-              </a:rPr>
-              <a:t>    </a:t>
-            </a:r>
-            <a:r>
-              <a:rPr lang="en-US" sz="1200" dirty="0" smtClean="0">
-                <a:solidFill>
-                  <a:srgbClr val="0000FF"/>
-                </a:solidFill>
-                <a:latin typeface="Consolas"/>
-              </a:rPr>
-              <a:t>public</a:t>
-            </a:r>
-            <a:r>
-              <a:rPr lang="en-US" sz="1200" dirty="0" smtClean="0">
-                <a:solidFill>
-                  <a:srgbClr val="000000"/>
-                </a:solidFill>
-                <a:latin typeface="Consolas"/>
-              </a:rPr>
-              <a:t> </a:t>
-            </a:r>
-            <a:r>
-              <a:rPr lang="en-US" sz="1200" dirty="0">
-                <a:solidFill>
-                  <a:srgbClr val="0000FF"/>
-                </a:solidFill>
-                <a:latin typeface="Consolas"/>
-              </a:rPr>
-              <a:t>byte</a:t>
-            </a:r>
-            <a:r>
-              <a:rPr lang="en-US" sz="1200" dirty="0">
-                <a:solidFill>
-                  <a:srgbClr val="000000"/>
-                </a:solidFill>
-                <a:latin typeface="Consolas"/>
-              </a:rPr>
-              <a:t>[] </a:t>
-            </a:r>
-            <a:r>
-              <a:rPr lang="en-US" sz="1200" dirty="0" err="1">
-                <a:solidFill>
-                  <a:srgbClr val="000000"/>
-                </a:solidFill>
-                <a:latin typeface="Consolas"/>
-              </a:rPr>
-              <a:t>PersonPhoto</a:t>
-            </a:r>
-            <a:r>
-              <a:rPr lang="en-US" sz="1200" dirty="0">
-                <a:solidFill>
-                  <a:srgbClr val="000000"/>
-                </a:solidFill>
-                <a:latin typeface="Consolas"/>
-              </a:rPr>
-              <a:t> { </a:t>
-            </a:r>
-            <a:r>
-              <a:rPr lang="en-US" sz="1200" dirty="0">
-                <a:solidFill>
-                  <a:srgbClr val="0000FF"/>
-                </a:solidFill>
-                <a:latin typeface="Consolas"/>
-              </a:rPr>
-              <a:t>get</a:t>
-            </a:r>
-            <a:r>
-              <a:rPr lang="en-US" sz="1200" dirty="0">
-                <a:solidFill>
-                  <a:srgbClr val="000000"/>
-                </a:solidFill>
-                <a:latin typeface="Consolas"/>
-              </a:rPr>
-              <a:t>; </a:t>
-            </a:r>
-            <a:r>
-              <a:rPr lang="en-US" sz="1200" dirty="0">
-                <a:solidFill>
-                  <a:srgbClr val="0000FF"/>
-                </a:solidFill>
-                <a:latin typeface="Consolas"/>
-              </a:rPr>
-              <a:t>set</a:t>
-            </a:r>
-            <a:r>
-              <a:rPr lang="en-US" sz="1200" dirty="0">
-                <a:solidFill>
-                  <a:srgbClr val="000000"/>
-                </a:solidFill>
-                <a:latin typeface="Consolas"/>
-              </a:rPr>
-              <a:t>; }</a:t>
-            </a:r>
-          </a:p>
-          <a:p>
-            <a:endParaRPr lang="ru-RU" sz="1200" dirty="0">
-              <a:solidFill>
-                <a:srgbClr val="000000"/>
-              </a:solidFill>
-              <a:latin typeface="Consolas"/>
-            </a:endParaRPr>
-          </a:p>
-          <a:p>
-            <a:r>
-              <a:rPr lang="ru-RU" sz="1200" dirty="0" smtClean="0">
-                <a:solidFill>
-                  <a:srgbClr val="0000FF"/>
-                </a:solidFill>
-                <a:latin typeface="Consolas"/>
-              </a:rPr>
-              <a:t>    </a:t>
-            </a:r>
-            <a:r>
-              <a:rPr lang="en-US" sz="1200" dirty="0" smtClean="0">
-                <a:solidFill>
-                  <a:srgbClr val="0000FF"/>
-                </a:solidFill>
-                <a:latin typeface="Consolas"/>
-              </a:rPr>
-              <a:t>public</a:t>
-            </a:r>
-            <a:r>
-              <a:rPr lang="en-US" sz="1200" dirty="0" smtClean="0">
-                <a:solidFill>
-                  <a:srgbClr val="000000"/>
-                </a:solidFill>
-                <a:latin typeface="Consolas"/>
-              </a:rPr>
-              <a:t> </a:t>
-            </a:r>
-            <a:r>
-              <a:rPr lang="en-US" sz="1200" dirty="0">
-                <a:solidFill>
-                  <a:srgbClr val="000000"/>
-                </a:solidFill>
-                <a:latin typeface="Consolas"/>
-              </a:rPr>
-              <a:t>Person </a:t>
-            </a:r>
-            <a:r>
-              <a:rPr lang="en-US" sz="1200" dirty="0" err="1">
-                <a:solidFill>
-                  <a:srgbClr val="000000"/>
-                </a:solidFill>
-                <a:latin typeface="Consolas"/>
-              </a:rPr>
-              <a:t>Person</a:t>
-            </a:r>
-            <a:r>
-              <a:rPr lang="en-US" sz="1200" dirty="0">
-                <a:solidFill>
-                  <a:srgbClr val="000000"/>
-                </a:solidFill>
-                <a:latin typeface="Consolas"/>
-              </a:rPr>
-              <a:t> { </a:t>
-            </a:r>
-            <a:r>
-              <a:rPr lang="en-US" sz="1200" dirty="0">
-                <a:solidFill>
-                  <a:srgbClr val="0000FF"/>
-                </a:solidFill>
-                <a:latin typeface="Consolas"/>
-              </a:rPr>
-              <a:t>get</a:t>
-            </a:r>
-            <a:r>
-              <a:rPr lang="en-US" sz="1200" dirty="0">
-                <a:solidFill>
-                  <a:srgbClr val="000000"/>
-                </a:solidFill>
-                <a:latin typeface="Consolas"/>
-              </a:rPr>
-              <a:t>; </a:t>
-            </a:r>
-            <a:r>
-              <a:rPr lang="en-US" sz="1200" dirty="0">
-                <a:solidFill>
-                  <a:srgbClr val="0000FF"/>
-                </a:solidFill>
-                <a:latin typeface="Consolas"/>
-              </a:rPr>
-              <a:t>set</a:t>
-            </a:r>
-            <a:r>
-              <a:rPr lang="en-US" sz="1200" dirty="0">
-                <a:solidFill>
-                  <a:srgbClr val="000000"/>
-                </a:solidFill>
-                <a:latin typeface="Consolas"/>
-              </a:rPr>
-              <a:t>; } </a:t>
-            </a:r>
-            <a:r>
-              <a:rPr lang="en-US" sz="1200" dirty="0">
-                <a:solidFill>
-                  <a:srgbClr val="008000"/>
-                </a:solidFill>
-                <a:latin typeface="Consolas"/>
-              </a:rPr>
-              <a:t>// </a:t>
-            </a:r>
-            <a:r>
-              <a:rPr lang="ru-RU" sz="1200" dirty="0" smtClean="0">
-                <a:solidFill>
-                  <a:srgbClr val="008000"/>
-                </a:solidFill>
-                <a:latin typeface="Consolas"/>
-              </a:rPr>
-              <a:t>Связь</a:t>
-            </a:r>
-            <a:endParaRPr lang="en-US" sz="1200" dirty="0">
-              <a:solidFill>
-                <a:srgbClr val="000000"/>
-              </a:solidFill>
-              <a:latin typeface="Consolas"/>
-            </a:endParaRPr>
-          </a:p>
-          <a:p>
-            <a:r>
-              <a:rPr lang="ru-RU" sz="1200" dirty="0">
-                <a:solidFill>
-                  <a:srgbClr val="000000"/>
-                </a:solidFill>
-                <a:latin typeface="Consolas"/>
-              </a:rPr>
-              <a:t>}</a:t>
-            </a:r>
           </a:p>
         </p:txBody>
       </p:sp>
